--- a/docs/Präsentationen/Programmierprojekt.pptx
+++ b/docs/Präsentationen/Programmierprojekt.pptx
@@ -5,19 +5,20 @@
     <p:sldMasterId id="2147483648" r:id="rId1"/>
   </p:sldMasterIdLst>
   <p:notesMasterIdLst>
-    <p:notesMasterId r:id="rId12"/>
+    <p:notesMasterId r:id="rId13"/>
   </p:notesMasterIdLst>
   <p:sldIdLst>
-    <p:sldId id="256" r:id="rId2"/>
-    <p:sldId id="257" r:id="rId3"/>
-    <p:sldId id="260" r:id="rId4"/>
-    <p:sldId id="265" r:id="rId5"/>
-    <p:sldId id="258" r:id="rId6"/>
-    <p:sldId id="259" r:id="rId7"/>
-    <p:sldId id="261" r:id="rId8"/>
-    <p:sldId id="262" r:id="rId9"/>
-    <p:sldId id="263" r:id="rId10"/>
-    <p:sldId id="264" r:id="rId11"/>
+    <p:sldId id="267" r:id="rId2"/>
+    <p:sldId id="281" r:id="rId3"/>
+    <p:sldId id="282" r:id="rId4"/>
+    <p:sldId id="283" r:id="rId5"/>
+    <p:sldId id="275" r:id="rId6"/>
+    <p:sldId id="274" r:id="rId7"/>
+    <p:sldId id="268" r:id="rId8"/>
+    <p:sldId id="269" r:id="rId9"/>
+    <p:sldId id="270" r:id="rId10"/>
+    <p:sldId id="271" r:id="rId11"/>
+    <p:sldId id="266" r:id="rId12"/>
   </p:sldIdLst>
   <p:sldSz cx="12192000" cy="6858000"/>
   <p:notesSz cx="6858000" cy="9144000"/>
@@ -127,12 +128,6374 @@
 </p:presentation>
 </file>
 
-<file path=ppt/revisionInfo.xml><?xml version="1.0" encoding="utf-8"?>
-<p1510:revInfo xmlns:a="http://schemas.openxmlformats.org/drawingml/2006/main" xmlns:r="http://schemas.openxmlformats.org/officeDocument/2006/relationships" xmlns:p1510="http://schemas.microsoft.com/office/powerpoint/2015/10/main">
-  <p1510:revLst>
-    <p1510:client id="{7F073B2D-9A0B-DC41-8976-E4145657939B}" v="605" dt="2025-03-05T14:29:06.792"/>
-  </p1510:revLst>
-</p1510:revInfo>
+<file path=ppt/diagrams/colors1.xml><?xml version="1.0" encoding="utf-8"?>
+<dgm:colorsDef xmlns:dgm="http://schemas.openxmlformats.org/drawingml/2006/diagram" xmlns:a="http://schemas.openxmlformats.org/drawingml/2006/main" uniqueId="urn:microsoft.com/office/officeart/2005/8/colors/accent1_2">
+  <dgm:title val=""/>
+  <dgm:desc val=""/>
+  <dgm:catLst>
+    <dgm:cat type="accent1" pri="11200"/>
+  </dgm:catLst>
+  <dgm:styleLbl name="node0">
+    <dgm:fillClrLst meth="repeat">
+      <a:schemeClr val="accent1"/>
+    </dgm:fillClrLst>
+    <dgm:linClrLst meth="repeat">
+      <a:schemeClr val="lt1"/>
+    </dgm:linClrLst>
+    <dgm:effectClrLst/>
+    <dgm:txLinClrLst/>
+    <dgm:txFillClrLst/>
+    <dgm:txEffectClrLst/>
+  </dgm:styleLbl>
+  <dgm:styleLbl name="alignNode1">
+    <dgm:fillClrLst meth="repeat">
+      <a:schemeClr val="accent1"/>
+    </dgm:fillClrLst>
+    <dgm:linClrLst meth="repeat">
+      <a:schemeClr val="accent1"/>
+    </dgm:linClrLst>
+    <dgm:effectClrLst/>
+    <dgm:txLinClrLst/>
+    <dgm:txFillClrLst/>
+    <dgm:txEffectClrLst/>
+  </dgm:styleLbl>
+  <dgm:styleLbl name="node1">
+    <dgm:fillClrLst meth="repeat">
+      <a:schemeClr val="accent1"/>
+    </dgm:fillClrLst>
+    <dgm:linClrLst meth="repeat">
+      <a:schemeClr val="lt1"/>
+    </dgm:linClrLst>
+    <dgm:effectClrLst/>
+    <dgm:txLinClrLst/>
+    <dgm:txFillClrLst/>
+    <dgm:txEffectClrLst/>
+  </dgm:styleLbl>
+  <dgm:styleLbl name="lnNode1">
+    <dgm:fillClrLst meth="repeat">
+      <a:schemeClr val="accent1"/>
+    </dgm:fillClrLst>
+    <dgm:linClrLst meth="repeat">
+      <a:schemeClr val="lt1"/>
+    </dgm:linClrLst>
+    <dgm:effectClrLst/>
+    <dgm:txLinClrLst/>
+    <dgm:txFillClrLst/>
+    <dgm:txEffectClrLst/>
+  </dgm:styleLbl>
+  <dgm:styleLbl name="vennNode1">
+    <dgm:fillClrLst meth="repeat">
+      <a:schemeClr val="accent1">
+        <a:alpha val="50000"/>
+      </a:schemeClr>
+    </dgm:fillClrLst>
+    <dgm:linClrLst meth="repeat">
+      <a:schemeClr val="lt1"/>
+    </dgm:linClrLst>
+    <dgm:effectClrLst/>
+    <dgm:txLinClrLst/>
+    <dgm:txFillClrLst/>
+    <dgm:txEffectClrLst/>
+  </dgm:styleLbl>
+  <dgm:styleLbl name="node2">
+    <dgm:fillClrLst meth="repeat">
+      <a:schemeClr val="accent1"/>
+    </dgm:fillClrLst>
+    <dgm:linClrLst meth="repeat">
+      <a:schemeClr val="lt1"/>
+    </dgm:linClrLst>
+    <dgm:effectClrLst/>
+    <dgm:txLinClrLst/>
+    <dgm:txFillClrLst/>
+    <dgm:txEffectClrLst/>
+  </dgm:styleLbl>
+  <dgm:styleLbl name="node3">
+    <dgm:fillClrLst meth="repeat">
+      <a:schemeClr val="accent1"/>
+    </dgm:fillClrLst>
+    <dgm:linClrLst meth="repeat">
+      <a:schemeClr val="lt1"/>
+    </dgm:linClrLst>
+    <dgm:effectClrLst/>
+    <dgm:txLinClrLst/>
+    <dgm:txFillClrLst/>
+    <dgm:txEffectClrLst/>
+  </dgm:styleLbl>
+  <dgm:styleLbl name="node4">
+    <dgm:fillClrLst meth="repeat">
+      <a:schemeClr val="accent1"/>
+    </dgm:fillClrLst>
+    <dgm:linClrLst meth="repeat">
+      <a:schemeClr val="lt1"/>
+    </dgm:linClrLst>
+    <dgm:effectClrLst/>
+    <dgm:txLinClrLst/>
+    <dgm:txFillClrLst/>
+    <dgm:txEffectClrLst/>
+  </dgm:styleLbl>
+  <dgm:styleLbl name="fgImgPlace1">
+    <dgm:fillClrLst meth="repeat">
+      <a:schemeClr val="accent1">
+        <a:tint val="50000"/>
+      </a:schemeClr>
+    </dgm:fillClrLst>
+    <dgm:linClrLst meth="repeat">
+      <a:schemeClr val="lt1"/>
+    </dgm:linClrLst>
+    <dgm:effectClrLst/>
+    <dgm:txLinClrLst/>
+    <dgm:txFillClrLst meth="repeat">
+      <a:schemeClr val="lt1"/>
+    </dgm:txFillClrLst>
+    <dgm:txEffectClrLst/>
+  </dgm:styleLbl>
+  <dgm:styleLbl name="alignImgPlace1">
+    <dgm:fillClrLst meth="repeat">
+      <a:schemeClr val="accent1">
+        <a:tint val="50000"/>
+      </a:schemeClr>
+    </dgm:fillClrLst>
+    <dgm:linClrLst meth="repeat">
+      <a:schemeClr val="lt1"/>
+    </dgm:linClrLst>
+    <dgm:effectClrLst/>
+    <dgm:txLinClrLst/>
+    <dgm:txFillClrLst meth="repeat">
+      <a:schemeClr val="lt1"/>
+    </dgm:txFillClrLst>
+    <dgm:txEffectClrLst/>
+  </dgm:styleLbl>
+  <dgm:styleLbl name="bgImgPlace1">
+    <dgm:fillClrLst meth="repeat">
+      <a:schemeClr val="accent1">
+        <a:tint val="50000"/>
+      </a:schemeClr>
+    </dgm:fillClrLst>
+    <dgm:linClrLst meth="repeat">
+      <a:schemeClr val="lt1"/>
+    </dgm:linClrLst>
+    <dgm:effectClrLst/>
+    <dgm:txLinClrLst/>
+    <dgm:txFillClrLst meth="repeat">
+      <a:schemeClr val="lt1"/>
+    </dgm:txFillClrLst>
+    <dgm:txEffectClrLst/>
+  </dgm:styleLbl>
+  <dgm:styleLbl name="sibTrans2D1">
+    <dgm:fillClrLst meth="repeat">
+      <a:schemeClr val="accent1">
+        <a:tint val="60000"/>
+      </a:schemeClr>
+    </dgm:fillClrLst>
+    <dgm:linClrLst meth="repeat">
+      <a:schemeClr val="accent1">
+        <a:tint val="60000"/>
+      </a:schemeClr>
+    </dgm:linClrLst>
+    <dgm:effectClrLst/>
+    <dgm:txLinClrLst/>
+    <dgm:txFillClrLst/>
+    <dgm:txEffectClrLst/>
+  </dgm:styleLbl>
+  <dgm:styleLbl name="fgSibTrans2D1">
+    <dgm:fillClrLst meth="repeat">
+      <a:schemeClr val="accent1">
+        <a:tint val="60000"/>
+      </a:schemeClr>
+    </dgm:fillClrLst>
+    <dgm:linClrLst meth="repeat">
+      <a:schemeClr val="accent1">
+        <a:tint val="60000"/>
+      </a:schemeClr>
+    </dgm:linClrLst>
+    <dgm:effectClrLst/>
+    <dgm:txLinClrLst/>
+    <dgm:txFillClrLst/>
+    <dgm:txEffectClrLst/>
+  </dgm:styleLbl>
+  <dgm:styleLbl name="bgSibTrans2D1">
+    <dgm:fillClrLst meth="repeat">
+      <a:schemeClr val="accent1">
+        <a:tint val="60000"/>
+      </a:schemeClr>
+    </dgm:fillClrLst>
+    <dgm:linClrLst meth="repeat">
+      <a:schemeClr val="accent1">
+        <a:tint val="60000"/>
+      </a:schemeClr>
+    </dgm:linClrLst>
+    <dgm:effectClrLst/>
+    <dgm:txLinClrLst/>
+    <dgm:txFillClrLst/>
+    <dgm:txEffectClrLst/>
+  </dgm:styleLbl>
+  <dgm:styleLbl name="sibTrans1D1">
+    <dgm:fillClrLst meth="repeat">
+      <a:schemeClr val="accent1"/>
+    </dgm:fillClrLst>
+    <dgm:linClrLst meth="repeat">
+      <a:schemeClr val="accent1"/>
+    </dgm:linClrLst>
+    <dgm:effectClrLst/>
+    <dgm:txLinClrLst/>
+    <dgm:txFillClrLst meth="repeat">
+      <a:schemeClr val="tx1"/>
+    </dgm:txFillClrLst>
+    <dgm:txEffectClrLst/>
+  </dgm:styleLbl>
+  <dgm:styleLbl name="callout">
+    <dgm:fillClrLst meth="repeat">
+      <a:schemeClr val="accent1"/>
+    </dgm:fillClrLst>
+    <dgm:linClrLst meth="repeat">
+      <a:schemeClr val="accent1">
+        <a:tint val="50000"/>
+      </a:schemeClr>
+    </dgm:linClrLst>
+    <dgm:effectClrLst/>
+    <dgm:txLinClrLst/>
+    <dgm:txFillClrLst meth="repeat">
+      <a:schemeClr val="tx1"/>
+    </dgm:txFillClrLst>
+    <dgm:txEffectClrLst/>
+  </dgm:styleLbl>
+  <dgm:styleLbl name="asst0">
+    <dgm:fillClrLst meth="repeat">
+      <a:schemeClr val="accent1"/>
+    </dgm:fillClrLst>
+    <dgm:linClrLst meth="repeat">
+      <a:schemeClr val="lt1"/>
+    </dgm:linClrLst>
+    <dgm:effectClrLst/>
+    <dgm:txLinClrLst/>
+    <dgm:txFillClrLst/>
+    <dgm:txEffectClrLst/>
+  </dgm:styleLbl>
+  <dgm:styleLbl name="asst1">
+    <dgm:fillClrLst meth="repeat">
+      <a:schemeClr val="accent1"/>
+    </dgm:fillClrLst>
+    <dgm:linClrLst meth="repeat">
+      <a:schemeClr val="lt1"/>
+    </dgm:linClrLst>
+    <dgm:effectClrLst/>
+    <dgm:txLinClrLst/>
+    <dgm:txFillClrLst/>
+    <dgm:txEffectClrLst/>
+  </dgm:styleLbl>
+  <dgm:styleLbl name="asst2">
+    <dgm:fillClrLst meth="repeat">
+      <a:schemeClr val="accent1"/>
+    </dgm:fillClrLst>
+    <dgm:linClrLst meth="repeat">
+      <a:schemeClr val="lt1"/>
+    </dgm:linClrLst>
+    <dgm:effectClrLst/>
+    <dgm:txLinClrLst/>
+    <dgm:txFillClrLst/>
+    <dgm:txEffectClrLst/>
+  </dgm:styleLbl>
+  <dgm:styleLbl name="asst3">
+    <dgm:fillClrLst meth="repeat">
+      <a:schemeClr val="accent1"/>
+    </dgm:fillClrLst>
+    <dgm:linClrLst meth="repeat">
+      <a:schemeClr val="lt1"/>
+    </dgm:linClrLst>
+    <dgm:effectClrLst/>
+    <dgm:txLinClrLst/>
+    <dgm:txFillClrLst/>
+    <dgm:txEffectClrLst/>
+  </dgm:styleLbl>
+  <dgm:styleLbl name="asst4">
+    <dgm:fillClrLst meth="repeat">
+      <a:schemeClr val="accent1"/>
+    </dgm:fillClrLst>
+    <dgm:linClrLst meth="repeat">
+      <a:schemeClr val="lt1"/>
+    </dgm:linClrLst>
+    <dgm:effectClrLst/>
+    <dgm:txLinClrLst/>
+    <dgm:txFillClrLst/>
+    <dgm:txEffectClrLst/>
+  </dgm:styleLbl>
+  <dgm:styleLbl name="parChTrans2D1">
+    <dgm:fillClrLst meth="repeat">
+      <a:schemeClr val="accent1">
+        <a:tint val="60000"/>
+      </a:schemeClr>
+    </dgm:fillClrLst>
+    <dgm:linClrLst meth="repeat">
+      <a:schemeClr val="accent1">
+        <a:tint val="60000"/>
+      </a:schemeClr>
+    </dgm:linClrLst>
+    <dgm:effectClrLst/>
+    <dgm:txLinClrLst/>
+    <dgm:txFillClrLst meth="repeat">
+      <a:schemeClr val="lt1"/>
+    </dgm:txFillClrLst>
+    <dgm:txEffectClrLst/>
+  </dgm:styleLbl>
+  <dgm:styleLbl name="parChTrans2D2">
+    <dgm:fillClrLst meth="repeat">
+      <a:schemeClr val="accent1"/>
+    </dgm:fillClrLst>
+    <dgm:linClrLst meth="repeat">
+      <a:schemeClr val="accent1"/>
+    </dgm:linClrLst>
+    <dgm:effectClrLst/>
+    <dgm:txLinClrLst/>
+    <dgm:txFillClrLst meth="repeat">
+      <a:schemeClr val="lt1"/>
+    </dgm:txFillClrLst>
+    <dgm:txEffectClrLst/>
+  </dgm:styleLbl>
+  <dgm:styleLbl name="parChTrans2D3">
+    <dgm:fillClrLst meth="repeat">
+      <a:schemeClr val="accent1"/>
+    </dgm:fillClrLst>
+    <dgm:linClrLst meth="repeat">
+      <a:schemeClr val="accent1"/>
+    </dgm:linClrLst>
+    <dgm:effectClrLst/>
+    <dgm:txLinClrLst/>
+    <dgm:txFillClrLst meth="repeat">
+      <a:schemeClr val="lt1"/>
+    </dgm:txFillClrLst>
+    <dgm:txEffectClrLst/>
+  </dgm:styleLbl>
+  <dgm:styleLbl name="parChTrans2D4">
+    <dgm:fillClrLst meth="repeat">
+      <a:schemeClr val="accent1"/>
+    </dgm:fillClrLst>
+    <dgm:linClrLst meth="repeat">
+      <a:schemeClr val="accent1"/>
+    </dgm:linClrLst>
+    <dgm:effectClrLst/>
+    <dgm:txLinClrLst/>
+    <dgm:txFillClrLst meth="repeat">
+      <a:schemeClr val="lt1"/>
+    </dgm:txFillClrLst>
+    <dgm:txEffectClrLst/>
+  </dgm:styleLbl>
+  <dgm:styleLbl name="parChTrans1D1">
+    <dgm:fillClrLst meth="repeat">
+      <a:schemeClr val="accent1"/>
+    </dgm:fillClrLst>
+    <dgm:linClrLst meth="repeat">
+      <a:schemeClr val="accent1">
+        <a:shade val="60000"/>
+      </a:schemeClr>
+    </dgm:linClrLst>
+    <dgm:effectClrLst/>
+    <dgm:txLinClrLst/>
+    <dgm:txFillClrLst meth="repeat">
+      <a:schemeClr val="tx1"/>
+    </dgm:txFillClrLst>
+    <dgm:txEffectClrLst/>
+  </dgm:styleLbl>
+  <dgm:styleLbl name="parChTrans1D2">
+    <dgm:fillClrLst meth="repeat">
+      <a:schemeClr val="accent1"/>
+    </dgm:fillClrLst>
+    <dgm:linClrLst meth="repeat">
+      <a:schemeClr val="accent1">
+        <a:shade val="60000"/>
+      </a:schemeClr>
+    </dgm:linClrLst>
+    <dgm:effectClrLst/>
+    <dgm:txLinClrLst/>
+    <dgm:txFillClrLst meth="repeat">
+      <a:schemeClr val="tx1"/>
+    </dgm:txFillClrLst>
+    <dgm:txEffectClrLst/>
+  </dgm:styleLbl>
+  <dgm:styleLbl name="parChTrans1D3">
+    <dgm:fillClrLst meth="repeat">
+      <a:schemeClr val="accent1"/>
+    </dgm:fillClrLst>
+    <dgm:linClrLst meth="repeat">
+      <a:schemeClr val="accent1">
+        <a:shade val="80000"/>
+      </a:schemeClr>
+    </dgm:linClrLst>
+    <dgm:effectClrLst/>
+    <dgm:txLinClrLst/>
+    <dgm:txFillClrLst meth="repeat">
+      <a:schemeClr val="tx1"/>
+    </dgm:txFillClrLst>
+    <dgm:txEffectClrLst/>
+  </dgm:styleLbl>
+  <dgm:styleLbl name="parChTrans1D4">
+    <dgm:fillClrLst meth="repeat">
+      <a:schemeClr val="accent1"/>
+    </dgm:fillClrLst>
+    <dgm:linClrLst meth="repeat">
+      <a:schemeClr val="accent1">
+        <a:shade val="80000"/>
+      </a:schemeClr>
+    </dgm:linClrLst>
+    <dgm:effectClrLst/>
+    <dgm:txLinClrLst/>
+    <dgm:txFillClrLst meth="repeat">
+      <a:schemeClr val="tx1"/>
+    </dgm:txFillClrLst>
+    <dgm:txEffectClrLst/>
+  </dgm:styleLbl>
+  <dgm:styleLbl name="fgAcc1">
+    <dgm:fillClrLst meth="repeat">
+      <a:schemeClr val="lt1">
+        <a:alpha val="90000"/>
+      </a:schemeClr>
+    </dgm:fillClrLst>
+    <dgm:linClrLst meth="repeat">
+      <a:schemeClr val="accent1"/>
+    </dgm:linClrLst>
+    <dgm:effectClrLst/>
+    <dgm:txLinClrLst/>
+    <dgm:txFillClrLst meth="repeat">
+      <a:schemeClr val="dk1"/>
+    </dgm:txFillClrLst>
+    <dgm:txEffectClrLst/>
+  </dgm:styleLbl>
+  <dgm:styleLbl name="conFgAcc1">
+    <dgm:fillClrLst meth="repeat">
+      <a:schemeClr val="lt1">
+        <a:alpha val="90000"/>
+      </a:schemeClr>
+    </dgm:fillClrLst>
+    <dgm:linClrLst meth="repeat">
+      <a:schemeClr val="accent1"/>
+    </dgm:linClrLst>
+    <dgm:effectClrLst/>
+    <dgm:txLinClrLst/>
+    <dgm:txFillClrLst meth="repeat">
+      <a:schemeClr val="dk1"/>
+    </dgm:txFillClrLst>
+    <dgm:txEffectClrLst/>
+  </dgm:styleLbl>
+  <dgm:styleLbl name="alignAcc1">
+    <dgm:fillClrLst meth="repeat">
+      <a:schemeClr val="lt1">
+        <a:alpha val="90000"/>
+      </a:schemeClr>
+    </dgm:fillClrLst>
+    <dgm:linClrLst meth="repeat">
+      <a:schemeClr val="accent1"/>
+    </dgm:linClrLst>
+    <dgm:effectClrLst/>
+    <dgm:txLinClrLst/>
+    <dgm:txFillClrLst meth="repeat">
+      <a:schemeClr val="dk1"/>
+    </dgm:txFillClrLst>
+    <dgm:txEffectClrLst/>
+  </dgm:styleLbl>
+  <dgm:styleLbl name="trAlignAcc1">
+    <dgm:fillClrLst meth="repeat">
+      <a:schemeClr val="lt1">
+        <a:alpha val="40000"/>
+      </a:schemeClr>
+    </dgm:fillClrLst>
+    <dgm:linClrLst meth="repeat">
+      <a:schemeClr val="accent1"/>
+    </dgm:linClrLst>
+    <dgm:effectClrLst/>
+    <dgm:txLinClrLst/>
+    <dgm:txFillClrLst meth="repeat">
+      <a:schemeClr val="dk1"/>
+    </dgm:txFillClrLst>
+    <dgm:txEffectClrLst/>
+  </dgm:styleLbl>
+  <dgm:styleLbl name="bgAcc1">
+    <dgm:fillClrLst meth="repeat">
+      <a:schemeClr val="lt1">
+        <a:alpha val="90000"/>
+      </a:schemeClr>
+    </dgm:fillClrLst>
+    <dgm:linClrLst meth="repeat">
+      <a:schemeClr val="accent1"/>
+    </dgm:linClrLst>
+    <dgm:effectClrLst/>
+    <dgm:txLinClrLst/>
+    <dgm:txFillClrLst meth="repeat">
+      <a:schemeClr val="dk1"/>
+    </dgm:txFillClrLst>
+    <dgm:txEffectClrLst/>
+  </dgm:styleLbl>
+  <dgm:styleLbl name="solidFgAcc1">
+    <dgm:fillClrLst meth="repeat">
+      <a:schemeClr val="lt1"/>
+    </dgm:fillClrLst>
+    <dgm:linClrLst meth="repeat">
+      <a:schemeClr val="accent1"/>
+    </dgm:linClrLst>
+    <dgm:effectClrLst/>
+    <dgm:txLinClrLst/>
+    <dgm:txFillClrLst meth="repeat">
+      <a:schemeClr val="dk1"/>
+    </dgm:txFillClrLst>
+    <dgm:txEffectClrLst/>
+  </dgm:styleLbl>
+  <dgm:styleLbl name="solidAlignAcc1">
+    <dgm:fillClrLst meth="repeat">
+      <a:schemeClr val="lt1"/>
+    </dgm:fillClrLst>
+    <dgm:linClrLst meth="repeat">
+      <a:schemeClr val="accent1"/>
+    </dgm:linClrLst>
+    <dgm:effectClrLst/>
+    <dgm:txLinClrLst/>
+    <dgm:txFillClrLst meth="repeat">
+      <a:schemeClr val="dk1"/>
+    </dgm:txFillClrLst>
+    <dgm:txEffectClrLst/>
+  </dgm:styleLbl>
+  <dgm:styleLbl name="solidBgAcc1">
+    <dgm:fillClrLst meth="repeat">
+      <a:schemeClr val="lt1"/>
+    </dgm:fillClrLst>
+    <dgm:linClrLst meth="repeat">
+      <a:schemeClr val="accent1"/>
+    </dgm:linClrLst>
+    <dgm:effectClrLst/>
+    <dgm:txLinClrLst/>
+    <dgm:txFillClrLst meth="repeat">
+      <a:schemeClr val="dk1"/>
+    </dgm:txFillClrLst>
+    <dgm:txEffectClrLst/>
+  </dgm:styleLbl>
+  <dgm:styleLbl name="fgAccFollowNode1">
+    <dgm:fillClrLst meth="repeat">
+      <a:schemeClr val="accent1">
+        <a:alpha val="90000"/>
+        <a:tint val="40000"/>
+      </a:schemeClr>
+    </dgm:fillClrLst>
+    <dgm:linClrLst meth="repeat">
+      <a:schemeClr val="accent1">
+        <a:alpha val="90000"/>
+        <a:tint val="40000"/>
+      </a:schemeClr>
+    </dgm:linClrLst>
+    <dgm:effectClrLst/>
+    <dgm:txLinClrLst/>
+    <dgm:txFillClrLst meth="repeat">
+      <a:schemeClr val="dk1"/>
+    </dgm:txFillClrLst>
+    <dgm:txEffectClrLst/>
+  </dgm:styleLbl>
+  <dgm:styleLbl name="alignAccFollowNode1">
+    <dgm:fillClrLst meth="repeat">
+      <a:schemeClr val="accent1">
+        <a:alpha val="90000"/>
+        <a:tint val="40000"/>
+      </a:schemeClr>
+    </dgm:fillClrLst>
+    <dgm:linClrLst meth="repeat">
+      <a:schemeClr val="accent1">
+        <a:alpha val="90000"/>
+        <a:tint val="40000"/>
+      </a:schemeClr>
+    </dgm:linClrLst>
+    <dgm:effectClrLst/>
+    <dgm:txLinClrLst/>
+    <dgm:txFillClrLst meth="repeat">
+      <a:schemeClr val="dk1"/>
+    </dgm:txFillClrLst>
+    <dgm:txEffectClrLst/>
+  </dgm:styleLbl>
+  <dgm:styleLbl name="bgAccFollowNode1">
+    <dgm:fillClrLst meth="repeat">
+      <a:schemeClr val="accent1">
+        <a:alpha val="90000"/>
+        <a:tint val="40000"/>
+      </a:schemeClr>
+    </dgm:fillClrLst>
+    <dgm:linClrLst meth="repeat">
+      <a:schemeClr val="accent1">
+        <a:alpha val="90000"/>
+        <a:tint val="40000"/>
+      </a:schemeClr>
+    </dgm:linClrLst>
+    <dgm:effectClrLst/>
+    <dgm:txLinClrLst/>
+    <dgm:txFillClrLst meth="repeat">
+      <a:schemeClr val="dk1"/>
+    </dgm:txFillClrLst>
+    <dgm:txEffectClrLst/>
+  </dgm:styleLbl>
+  <dgm:styleLbl name="fgAcc0">
+    <dgm:fillClrLst meth="repeat">
+      <a:schemeClr val="lt1">
+        <a:alpha val="90000"/>
+      </a:schemeClr>
+    </dgm:fillClrLst>
+    <dgm:linClrLst meth="repeat">
+      <a:schemeClr val="accent1"/>
+    </dgm:linClrLst>
+    <dgm:effectClrLst/>
+    <dgm:txLinClrLst/>
+    <dgm:txFillClrLst meth="repeat">
+      <a:schemeClr val="dk1"/>
+    </dgm:txFillClrLst>
+    <dgm:txEffectClrLst/>
+  </dgm:styleLbl>
+  <dgm:styleLbl name="fgAcc2">
+    <dgm:fillClrLst meth="repeat">
+      <a:schemeClr val="lt1">
+        <a:alpha val="90000"/>
+      </a:schemeClr>
+    </dgm:fillClrLst>
+    <dgm:linClrLst meth="repeat">
+      <a:schemeClr val="accent1"/>
+    </dgm:linClrLst>
+    <dgm:effectClrLst/>
+    <dgm:txLinClrLst/>
+    <dgm:txFillClrLst meth="repeat">
+      <a:schemeClr val="dk1"/>
+    </dgm:txFillClrLst>
+    <dgm:txEffectClrLst/>
+  </dgm:styleLbl>
+  <dgm:styleLbl name="fgAcc3">
+    <dgm:fillClrLst meth="repeat">
+      <a:schemeClr val="lt1">
+        <a:alpha val="90000"/>
+      </a:schemeClr>
+    </dgm:fillClrLst>
+    <dgm:linClrLst meth="repeat">
+      <a:schemeClr val="accent1"/>
+    </dgm:linClrLst>
+    <dgm:effectClrLst/>
+    <dgm:txLinClrLst/>
+    <dgm:txFillClrLst meth="repeat">
+      <a:schemeClr val="dk1"/>
+    </dgm:txFillClrLst>
+    <dgm:txEffectClrLst/>
+  </dgm:styleLbl>
+  <dgm:styleLbl name="fgAcc4">
+    <dgm:fillClrLst meth="repeat">
+      <a:schemeClr val="lt1">
+        <a:alpha val="90000"/>
+      </a:schemeClr>
+    </dgm:fillClrLst>
+    <dgm:linClrLst meth="repeat">
+      <a:schemeClr val="accent1"/>
+    </dgm:linClrLst>
+    <dgm:effectClrLst/>
+    <dgm:txLinClrLst/>
+    <dgm:txFillClrLst meth="repeat">
+      <a:schemeClr val="dk1"/>
+    </dgm:txFillClrLst>
+    <dgm:txEffectClrLst/>
+  </dgm:styleLbl>
+  <dgm:styleLbl name="bgShp">
+    <dgm:fillClrLst meth="repeat">
+      <a:schemeClr val="accent1">
+        <a:tint val="40000"/>
+      </a:schemeClr>
+    </dgm:fillClrLst>
+    <dgm:linClrLst meth="repeat">
+      <a:schemeClr val="accent1"/>
+    </dgm:linClrLst>
+    <dgm:effectClrLst/>
+    <dgm:txLinClrLst/>
+    <dgm:txFillClrLst meth="repeat">
+      <a:schemeClr val="dk1"/>
+    </dgm:txFillClrLst>
+    <dgm:txEffectClrLst/>
+  </dgm:styleLbl>
+  <dgm:styleLbl name="dkBgShp">
+    <dgm:fillClrLst meth="repeat">
+      <a:schemeClr val="accent1">
+        <a:shade val="80000"/>
+      </a:schemeClr>
+    </dgm:fillClrLst>
+    <dgm:linClrLst meth="repeat">
+      <a:schemeClr val="accent1"/>
+    </dgm:linClrLst>
+    <dgm:effectClrLst/>
+    <dgm:txLinClrLst/>
+    <dgm:txFillClrLst meth="repeat">
+      <a:schemeClr val="lt1"/>
+    </dgm:txFillClrLst>
+    <dgm:txEffectClrLst/>
+  </dgm:styleLbl>
+  <dgm:styleLbl name="trBgShp">
+    <dgm:fillClrLst meth="repeat">
+      <a:schemeClr val="accent1">
+        <a:tint val="50000"/>
+        <a:alpha val="40000"/>
+      </a:schemeClr>
+    </dgm:fillClrLst>
+    <dgm:linClrLst meth="repeat">
+      <a:schemeClr val="accent1"/>
+    </dgm:linClrLst>
+    <dgm:effectClrLst/>
+    <dgm:txLinClrLst/>
+    <dgm:txFillClrLst meth="repeat">
+      <a:schemeClr val="lt1"/>
+    </dgm:txFillClrLst>
+    <dgm:txEffectClrLst/>
+  </dgm:styleLbl>
+  <dgm:styleLbl name="fgShp">
+    <dgm:fillClrLst meth="repeat">
+      <a:schemeClr val="accent1">
+        <a:tint val="60000"/>
+      </a:schemeClr>
+    </dgm:fillClrLst>
+    <dgm:linClrLst meth="repeat">
+      <a:schemeClr val="lt1"/>
+    </dgm:linClrLst>
+    <dgm:effectClrLst/>
+    <dgm:txLinClrLst/>
+    <dgm:txFillClrLst meth="repeat">
+      <a:schemeClr val="dk1"/>
+    </dgm:txFillClrLst>
+    <dgm:txEffectClrLst/>
+  </dgm:styleLbl>
+  <dgm:styleLbl name="revTx">
+    <dgm:fillClrLst meth="repeat">
+      <a:schemeClr val="lt1">
+        <a:alpha val="0"/>
+      </a:schemeClr>
+    </dgm:fillClrLst>
+    <dgm:linClrLst meth="repeat">
+      <a:schemeClr val="dk1">
+        <a:alpha val="0"/>
+      </a:schemeClr>
+    </dgm:linClrLst>
+    <dgm:effectClrLst/>
+    <dgm:txLinClrLst/>
+    <dgm:txFillClrLst meth="repeat">
+      <a:schemeClr val="tx1"/>
+    </dgm:txFillClrLst>
+    <dgm:txEffectClrLst/>
+  </dgm:styleLbl>
+</dgm:colorsDef>
+</file>
+
+<file path=ppt/diagrams/colors2.xml><?xml version="1.0" encoding="utf-8"?>
+<dgm:colorsDef xmlns:dgm="http://schemas.openxmlformats.org/drawingml/2006/diagram" xmlns:a="http://schemas.openxmlformats.org/drawingml/2006/main" uniqueId="urn:microsoft.com/office/officeart/2005/8/colors/accent1_2">
+  <dgm:title val=""/>
+  <dgm:desc val=""/>
+  <dgm:catLst>
+    <dgm:cat type="accent1" pri="11200"/>
+  </dgm:catLst>
+  <dgm:styleLbl name="node0">
+    <dgm:fillClrLst meth="repeat">
+      <a:schemeClr val="accent1"/>
+    </dgm:fillClrLst>
+    <dgm:linClrLst meth="repeat">
+      <a:schemeClr val="lt1"/>
+    </dgm:linClrLst>
+    <dgm:effectClrLst/>
+    <dgm:txLinClrLst/>
+    <dgm:txFillClrLst/>
+    <dgm:txEffectClrLst/>
+  </dgm:styleLbl>
+  <dgm:styleLbl name="alignNode1">
+    <dgm:fillClrLst meth="repeat">
+      <a:schemeClr val="accent1"/>
+    </dgm:fillClrLst>
+    <dgm:linClrLst meth="repeat">
+      <a:schemeClr val="accent1"/>
+    </dgm:linClrLst>
+    <dgm:effectClrLst/>
+    <dgm:txLinClrLst/>
+    <dgm:txFillClrLst/>
+    <dgm:txEffectClrLst/>
+  </dgm:styleLbl>
+  <dgm:styleLbl name="node1">
+    <dgm:fillClrLst meth="repeat">
+      <a:schemeClr val="accent1"/>
+    </dgm:fillClrLst>
+    <dgm:linClrLst meth="repeat">
+      <a:schemeClr val="lt1"/>
+    </dgm:linClrLst>
+    <dgm:effectClrLst/>
+    <dgm:txLinClrLst/>
+    <dgm:txFillClrLst/>
+    <dgm:txEffectClrLst/>
+  </dgm:styleLbl>
+  <dgm:styleLbl name="lnNode1">
+    <dgm:fillClrLst meth="repeat">
+      <a:schemeClr val="accent1"/>
+    </dgm:fillClrLst>
+    <dgm:linClrLst meth="repeat">
+      <a:schemeClr val="lt1"/>
+    </dgm:linClrLst>
+    <dgm:effectClrLst/>
+    <dgm:txLinClrLst/>
+    <dgm:txFillClrLst/>
+    <dgm:txEffectClrLst/>
+  </dgm:styleLbl>
+  <dgm:styleLbl name="vennNode1">
+    <dgm:fillClrLst meth="repeat">
+      <a:schemeClr val="accent1">
+        <a:alpha val="50000"/>
+      </a:schemeClr>
+    </dgm:fillClrLst>
+    <dgm:linClrLst meth="repeat">
+      <a:schemeClr val="lt1"/>
+    </dgm:linClrLst>
+    <dgm:effectClrLst/>
+    <dgm:txLinClrLst/>
+    <dgm:txFillClrLst/>
+    <dgm:txEffectClrLst/>
+  </dgm:styleLbl>
+  <dgm:styleLbl name="node2">
+    <dgm:fillClrLst meth="repeat">
+      <a:schemeClr val="accent1"/>
+    </dgm:fillClrLst>
+    <dgm:linClrLst meth="repeat">
+      <a:schemeClr val="lt1"/>
+    </dgm:linClrLst>
+    <dgm:effectClrLst/>
+    <dgm:txLinClrLst/>
+    <dgm:txFillClrLst/>
+    <dgm:txEffectClrLst/>
+  </dgm:styleLbl>
+  <dgm:styleLbl name="node3">
+    <dgm:fillClrLst meth="repeat">
+      <a:schemeClr val="accent1"/>
+    </dgm:fillClrLst>
+    <dgm:linClrLst meth="repeat">
+      <a:schemeClr val="lt1"/>
+    </dgm:linClrLst>
+    <dgm:effectClrLst/>
+    <dgm:txLinClrLst/>
+    <dgm:txFillClrLst/>
+    <dgm:txEffectClrLst/>
+  </dgm:styleLbl>
+  <dgm:styleLbl name="node4">
+    <dgm:fillClrLst meth="repeat">
+      <a:schemeClr val="accent1"/>
+    </dgm:fillClrLst>
+    <dgm:linClrLst meth="repeat">
+      <a:schemeClr val="lt1"/>
+    </dgm:linClrLst>
+    <dgm:effectClrLst/>
+    <dgm:txLinClrLst/>
+    <dgm:txFillClrLst/>
+    <dgm:txEffectClrLst/>
+  </dgm:styleLbl>
+  <dgm:styleLbl name="fgImgPlace1">
+    <dgm:fillClrLst meth="repeat">
+      <a:schemeClr val="accent1">
+        <a:tint val="50000"/>
+      </a:schemeClr>
+    </dgm:fillClrLst>
+    <dgm:linClrLst meth="repeat">
+      <a:schemeClr val="lt1"/>
+    </dgm:linClrLst>
+    <dgm:effectClrLst/>
+    <dgm:txLinClrLst/>
+    <dgm:txFillClrLst meth="repeat">
+      <a:schemeClr val="lt1"/>
+    </dgm:txFillClrLst>
+    <dgm:txEffectClrLst/>
+  </dgm:styleLbl>
+  <dgm:styleLbl name="alignImgPlace1">
+    <dgm:fillClrLst meth="repeat">
+      <a:schemeClr val="accent1">
+        <a:tint val="50000"/>
+      </a:schemeClr>
+    </dgm:fillClrLst>
+    <dgm:linClrLst meth="repeat">
+      <a:schemeClr val="lt1"/>
+    </dgm:linClrLst>
+    <dgm:effectClrLst/>
+    <dgm:txLinClrLst/>
+    <dgm:txFillClrLst meth="repeat">
+      <a:schemeClr val="lt1"/>
+    </dgm:txFillClrLst>
+    <dgm:txEffectClrLst/>
+  </dgm:styleLbl>
+  <dgm:styleLbl name="bgImgPlace1">
+    <dgm:fillClrLst meth="repeat">
+      <a:schemeClr val="accent1">
+        <a:tint val="50000"/>
+      </a:schemeClr>
+    </dgm:fillClrLst>
+    <dgm:linClrLst meth="repeat">
+      <a:schemeClr val="lt1"/>
+    </dgm:linClrLst>
+    <dgm:effectClrLst/>
+    <dgm:txLinClrLst/>
+    <dgm:txFillClrLst meth="repeat">
+      <a:schemeClr val="lt1"/>
+    </dgm:txFillClrLst>
+    <dgm:txEffectClrLst/>
+  </dgm:styleLbl>
+  <dgm:styleLbl name="sibTrans2D1">
+    <dgm:fillClrLst meth="repeat">
+      <a:schemeClr val="accent1">
+        <a:tint val="60000"/>
+      </a:schemeClr>
+    </dgm:fillClrLst>
+    <dgm:linClrLst meth="repeat">
+      <a:schemeClr val="accent1">
+        <a:tint val="60000"/>
+      </a:schemeClr>
+    </dgm:linClrLst>
+    <dgm:effectClrLst/>
+    <dgm:txLinClrLst/>
+    <dgm:txFillClrLst/>
+    <dgm:txEffectClrLst/>
+  </dgm:styleLbl>
+  <dgm:styleLbl name="fgSibTrans2D1">
+    <dgm:fillClrLst meth="repeat">
+      <a:schemeClr val="accent1">
+        <a:tint val="60000"/>
+      </a:schemeClr>
+    </dgm:fillClrLst>
+    <dgm:linClrLst meth="repeat">
+      <a:schemeClr val="accent1">
+        <a:tint val="60000"/>
+      </a:schemeClr>
+    </dgm:linClrLst>
+    <dgm:effectClrLst/>
+    <dgm:txLinClrLst/>
+    <dgm:txFillClrLst/>
+    <dgm:txEffectClrLst/>
+  </dgm:styleLbl>
+  <dgm:styleLbl name="bgSibTrans2D1">
+    <dgm:fillClrLst meth="repeat">
+      <a:schemeClr val="accent1">
+        <a:tint val="60000"/>
+      </a:schemeClr>
+    </dgm:fillClrLst>
+    <dgm:linClrLst meth="repeat">
+      <a:schemeClr val="accent1">
+        <a:tint val="60000"/>
+      </a:schemeClr>
+    </dgm:linClrLst>
+    <dgm:effectClrLst/>
+    <dgm:txLinClrLst/>
+    <dgm:txFillClrLst/>
+    <dgm:txEffectClrLst/>
+  </dgm:styleLbl>
+  <dgm:styleLbl name="sibTrans1D1">
+    <dgm:fillClrLst meth="repeat">
+      <a:schemeClr val="accent1"/>
+    </dgm:fillClrLst>
+    <dgm:linClrLst meth="repeat">
+      <a:schemeClr val="accent1"/>
+    </dgm:linClrLst>
+    <dgm:effectClrLst/>
+    <dgm:txLinClrLst/>
+    <dgm:txFillClrLst meth="repeat">
+      <a:schemeClr val="tx1"/>
+    </dgm:txFillClrLst>
+    <dgm:txEffectClrLst/>
+  </dgm:styleLbl>
+  <dgm:styleLbl name="callout">
+    <dgm:fillClrLst meth="repeat">
+      <a:schemeClr val="accent1"/>
+    </dgm:fillClrLst>
+    <dgm:linClrLst meth="repeat">
+      <a:schemeClr val="accent1">
+        <a:tint val="50000"/>
+      </a:schemeClr>
+    </dgm:linClrLst>
+    <dgm:effectClrLst/>
+    <dgm:txLinClrLst/>
+    <dgm:txFillClrLst meth="repeat">
+      <a:schemeClr val="tx1"/>
+    </dgm:txFillClrLst>
+    <dgm:txEffectClrLst/>
+  </dgm:styleLbl>
+  <dgm:styleLbl name="asst0">
+    <dgm:fillClrLst meth="repeat">
+      <a:schemeClr val="accent1"/>
+    </dgm:fillClrLst>
+    <dgm:linClrLst meth="repeat">
+      <a:schemeClr val="lt1"/>
+    </dgm:linClrLst>
+    <dgm:effectClrLst/>
+    <dgm:txLinClrLst/>
+    <dgm:txFillClrLst/>
+    <dgm:txEffectClrLst/>
+  </dgm:styleLbl>
+  <dgm:styleLbl name="asst1">
+    <dgm:fillClrLst meth="repeat">
+      <a:schemeClr val="accent1"/>
+    </dgm:fillClrLst>
+    <dgm:linClrLst meth="repeat">
+      <a:schemeClr val="lt1"/>
+    </dgm:linClrLst>
+    <dgm:effectClrLst/>
+    <dgm:txLinClrLst/>
+    <dgm:txFillClrLst/>
+    <dgm:txEffectClrLst/>
+  </dgm:styleLbl>
+  <dgm:styleLbl name="asst2">
+    <dgm:fillClrLst meth="repeat">
+      <a:schemeClr val="accent1"/>
+    </dgm:fillClrLst>
+    <dgm:linClrLst meth="repeat">
+      <a:schemeClr val="lt1"/>
+    </dgm:linClrLst>
+    <dgm:effectClrLst/>
+    <dgm:txLinClrLst/>
+    <dgm:txFillClrLst/>
+    <dgm:txEffectClrLst/>
+  </dgm:styleLbl>
+  <dgm:styleLbl name="asst3">
+    <dgm:fillClrLst meth="repeat">
+      <a:schemeClr val="accent1"/>
+    </dgm:fillClrLst>
+    <dgm:linClrLst meth="repeat">
+      <a:schemeClr val="lt1"/>
+    </dgm:linClrLst>
+    <dgm:effectClrLst/>
+    <dgm:txLinClrLst/>
+    <dgm:txFillClrLst/>
+    <dgm:txEffectClrLst/>
+  </dgm:styleLbl>
+  <dgm:styleLbl name="asst4">
+    <dgm:fillClrLst meth="repeat">
+      <a:schemeClr val="accent1"/>
+    </dgm:fillClrLst>
+    <dgm:linClrLst meth="repeat">
+      <a:schemeClr val="lt1"/>
+    </dgm:linClrLst>
+    <dgm:effectClrLst/>
+    <dgm:txLinClrLst/>
+    <dgm:txFillClrLst/>
+    <dgm:txEffectClrLst/>
+  </dgm:styleLbl>
+  <dgm:styleLbl name="parChTrans2D1">
+    <dgm:fillClrLst meth="repeat">
+      <a:schemeClr val="accent1">
+        <a:tint val="60000"/>
+      </a:schemeClr>
+    </dgm:fillClrLst>
+    <dgm:linClrLst meth="repeat">
+      <a:schemeClr val="accent1">
+        <a:tint val="60000"/>
+      </a:schemeClr>
+    </dgm:linClrLst>
+    <dgm:effectClrLst/>
+    <dgm:txLinClrLst/>
+    <dgm:txFillClrLst meth="repeat">
+      <a:schemeClr val="lt1"/>
+    </dgm:txFillClrLst>
+    <dgm:txEffectClrLst/>
+  </dgm:styleLbl>
+  <dgm:styleLbl name="parChTrans2D2">
+    <dgm:fillClrLst meth="repeat">
+      <a:schemeClr val="accent1"/>
+    </dgm:fillClrLst>
+    <dgm:linClrLst meth="repeat">
+      <a:schemeClr val="accent1"/>
+    </dgm:linClrLst>
+    <dgm:effectClrLst/>
+    <dgm:txLinClrLst/>
+    <dgm:txFillClrLst meth="repeat">
+      <a:schemeClr val="lt1"/>
+    </dgm:txFillClrLst>
+    <dgm:txEffectClrLst/>
+  </dgm:styleLbl>
+  <dgm:styleLbl name="parChTrans2D3">
+    <dgm:fillClrLst meth="repeat">
+      <a:schemeClr val="accent1"/>
+    </dgm:fillClrLst>
+    <dgm:linClrLst meth="repeat">
+      <a:schemeClr val="accent1"/>
+    </dgm:linClrLst>
+    <dgm:effectClrLst/>
+    <dgm:txLinClrLst/>
+    <dgm:txFillClrLst meth="repeat">
+      <a:schemeClr val="lt1"/>
+    </dgm:txFillClrLst>
+    <dgm:txEffectClrLst/>
+  </dgm:styleLbl>
+  <dgm:styleLbl name="parChTrans2D4">
+    <dgm:fillClrLst meth="repeat">
+      <a:schemeClr val="accent1"/>
+    </dgm:fillClrLst>
+    <dgm:linClrLst meth="repeat">
+      <a:schemeClr val="accent1"/>
+    </dgm:linClrLst>
+    <dgm:effectClrLst/>
+    <dgm:txLinClrLst/>
+    <dgm:txFillClrLst meth="repeat">
+      <a:schemeClr val="lt1"/>
+    </dgm:txFillClrLst>
+    <dgm:txEffectClrLst/>
+  </dgm:styleLbl>
+  <dgm:styleLbl name="parChTrans1D1">
+    <dgm:fillClrLst meth="repeat">
+      <a:schemeClr val="accent1"/>
+    </dgm:fillClrLst>
+    <dgm:linClrLst meth="repeat">
+      <a:schemeClr val="accent1">
+        <a:shade val="60000"/>
+      </a:schemeClr>
+    </dgm:linClrLst>
+    <dgm:effectClrLst/>
+    <dgm:txLinClrLst/>
+    <dgm:txFillClrLst meth="repeat">
+      <a:schemeClr val="tx1"/>
+    </dgm:txFillClrLst>
+    <dgm:txEffectClrLst/>
+  </dgm:styleLbl>
+  <dgm:styleLbl name="parChTrans1D2">
+    <dgm:fillClrLst meth="repeat">
+      <a:schemeClr val="accent1"/>
+    </dgm:fillClrLst>
+    <dgm:linClrLst meth="repeat">
+      <a:schemeClr val="accent1">
+        <a:shade val="60000"/>
+      </a:schemeClr>
+    </dgm:linClrLst>
+    <dgm:effectClrLst/>
+    <dgm:txLinClrLst/>
+    <dgm:txFillClrLst meth="repeat">
+      <a:schemeClr val="tx1"/>
+    </dgm:txFillClrLst>
+    <dgm:txEffectClrLst/>
+  </dgm:styleLbl>
+  <dgm:styleLbl name="parChTrans1D3">
+    <dgm:fillClrLst meth="repeat">
+      <a:schemeClr val="accent1"/>
+    </dgm:fillClrLst>
+    <dgm:linClrLst meth="repeat">
+      <a:schemeClr val="accent1">
+        <a:shade val="80000"/>
+      </a:schemeClr>
+    </dgm:linClrLst>
+    <dgm:effectClrLst/>
+    <dgm:txLinClrLst/>
+    <dgm:txFillClrLst meth="repeat">
+      <a:schemeClr val="tx1"/>
+    </dgm:txFillClrLst>
+    <dgm:txEffectClrLst/>
+  </dgm:styleLbl>
+  <dgm:styleLbl name="parChTrans1D4">
+    <dgm:fillClrLst meth="repeat">
+      <a:schemeClr val="accent1"/>
+    </dgm:fillClrLst>
+    <dgm:linClrLst meth="repeat">
+      <a:schemeClr val="accent1">
+        <a:shade val="80000"/>
+      </a:schemeClr>
+    </dgm:linClrLst>
+    <dgm:effectClrLst/>
+    <dgm:txLinClrLst/>
+    <dgm:txFillClrLst meth="repeat">
+      <a:schemeClr val="tx1"/>
+    </dgm:txFillClrLst>
+    <dgm:txEffectClrLst/>
+  </dgm:styleLbl>
+  <dgm:styleLbl name="fgAcc1">
+    <dgm:fillClrLst meth="repeat">
+      <a:schemeClr val="lt1">
+        <a:alpha val="90000"/>
+      </a:schemeClr>
+    </dgm:fillClrLst>
+    <dgm:linClrLst meth="repeat">
+      <a:schemeClr val="accent1"/>
+    </dgm:linClrLst>
+    <dgm:effectClrLst/>
+    <dgm:txLinClrLst/>
+    <dgm:txFillClrLst meth="repeat">
+      <a:schemeClr val="dk1"/>
+    </dgm:txFillClrLst>
+    <dgm:txEffectClrLst/>
+  </dgm:styleLbl>
+  <dgm:styleLbl name="conFgAcc1">
+    <dgm:fillClrLst meth="repeat">
+      <a:schemeClr val="lt1">
+        <a:alpha val="90000"/>
+      </a:schemeClr>
+    </dgm:fillClrLst>
+    <dgm:linClrLst meth="repeat">
+      <a:schemeClr val="accent1"/>
+    </dgm:linClrLst>
+    <dgm:effectClrLst/>
+    <dgm:txLinClrLst/>
+    <dgm:txFillClrLst meth="repeat">
+      <a:schemeClr val="dk1"/>
+    </dgm:txFillClrLst>
+    <dgm:txEffectClrLst/>
+  </dgm:styleLbl>
+  <dgm:styleLbl name="alignAcc1">
+    <dgm:fillClrLst meth="repeat">
+      <a:schemeClr val="lt1">
+        <a:alpha val="90000"/>
+      </a:schemeClr>
+    </dgm:fillClrLst>
+    <dgm:linClrLst meth="repeat">
+      <a:schemeClr val="accent1"/>
+    </dgm:linClrLst>
+    <dgm:effectClrLst/>
+    <dgm:txLinClrLst/>
+    <dgm:txFillClrLst meth="repeat">
+      <a:schemeClr val="dk1"/>
+    </dgm:txFillClrLst>
+    <dgm:txEffectClrLst/>
+  </dgm:styleLbl>
+  <dgm:styleLbl name="trAlignAcc1">
+    <dgm:fillClrLst meth="repeat">
+      <a:schemeClr val="lt1">
+        <a:alpha val="40000"/>
+      </a:schemeClr>
+    </dgm:fillClrLst>
+    <dgm:linClrLst meth="repeat">
+      <a:schemeClr val="accent1"/>
+    </dgm:linClrLst>
+    <dgm:effectClrLst/>
+    <dgm:txLinClrLst/>
+    <dgm:txFillClrLst meth="repeat">
+      <a:schemeClr val="dk1"/>
+    </dgm:txFillClrLst>
+    <dgm:txEffectClrLst/>
+  </dgm:styleLbl>
+  <dgm:styleLbl name="bgAcc1">
+    <dgm:fillClrLst meth="repeat">
+      <a:schemeClr val="lt1">
+        <a:alpha val="90000"/>
+      </a:schemeClr>
+    </dgm:fillClrLst>
+    <dgm:linClrLst meth="repeat">
+      <a:schemeClr val="accent1"/>
+    </dgm:linClrLst>
+    <dgm:effectClrLst/>
+    <dgm:txLinClrLst/>
+    <dgm:txFillClrLst meth="repeat">
+      <a:schemeClr val="dk1"/>
+    </dgm:txFillClrLst>
+    <dgm:txEffectClrLst/>
+  </dgm:styleLbl>
+  <dgm:styleLbl name="solidFgAcc1">
+    <dgm:fillClrLst meth="repeat">
+      <a:schemeClr val="lt1"/>
+    </dgm:fillClrLst>
+    <dgm:linClrLst meth="repeat">
+      <a:schemeClr val="accent1"/>
+    </dgm:linClrLst>
+    <dgm:effectClrLst/>
+    <dgm:txLinClrLst/>
+    <dgm:txFillClrLst meth="repeat">
+      <a:schemeClr val="dk1"/>
+    </dgm:txFillClrLst>
+    <dgm:txEffectClrLst/>
+  </dgm:styleLbl>
+  <dgm:styleLbl name="solidAlignAcc1">
+    <dgm:fillClrLst meth="repeat">
+      <a:schemeClr val="lt1"/>
+    </dgm:fillClrLst>
+    <dgm:linClrLst meth="repeat">
+      <a:schemeClr val="accent1"/>
+    </dgm:linClrLst>
+    <dgm:effectClrLst/>
+    <dgm:txLinClrLst/>
+    <dgm:txFillClrLst meth="repeat">
+      <a:schemeClr val="dk1"/>
+    </dgm:txFillClrLst>
+    <dgm:txEffectClrLst/>
+  </dgm:styleLbl>
+  <dgm:styleLbl name="solidBgAcc1">
+    <dgm:fillClrLst meth="repeat">
+      <a:schemeClr val="lt1"/>
+    </dgm:fillClrLst>
+    <dgm:linClrLst meth="repeat">
+      <a:schemeClr val="accent1"/>
+    </dgm:linClrLst>
+    <dgm:effectClrLst/>
+    <dgm:txLinClrLst/>
+    <dgm:txFillClrLst meth="repeat">
+      <a:schemeClr val="dk1"/>
+    </dgm:txFillClrLst>
+    <dgm:txEffectClrLst/>
+  </dgm:styleLbl>
+  <dgm:styleLbl name="fgAccFollowNode1">
+    <dgm:fillClrLst meth="repeat">
+      <a:schemeClr val="accent1">
+        <a:alpha val="90000"/>
+        <a:tint val="40000"/>
+      </a:schemeClr>
+    </dgm:fillClrLst>
+    <dgm:linClrLst meth="repeat">
+      <a:schemeClr val="accent1">
+        <a:alpha val="90000"/>
+        <a:tint val="40000"/>
+      </a:schemeClr>
+    </dgm:linClrLst>
+    <dgm:effectClrLst/>
+    <dgm:txLinClrLst/>
+    <dgm:txFillClrLst meth="repeat">
+      <a:schemeClr val="dk1"/>
+    </dgm:txFillClrLst>
+    <dgm:txEffectClrLst/>
+  </dgm:styleLbl>
+  <dgm:styleLbl name="alignAccFollowNode1">
+    <dgm:fillClrLst meth="repeat">
+      <a:schemeClr val="accent1">
+        <a:alpha val="90000"/>
+        <a:tint val="40000"/>
+      </a:schemeClr>
+    </dgm:fillClrLst>
+    <dgm:linClrLst meth="repeat">
+      <a:schemeClr val="accent1">
+        <a:alpha val="90000"/>
+        <a:tint val="40000"/>
+      </a:schemeClr>
+    </dgm:linClrLst>
+    <dgm:effectClrLst/>
+    <dgm:txLinClrLst/>
+    <dgm:txFillClrLst meth="repeat">
+      <a:schemeClr val="dk1"/>
+    </dgm:txFillClrLst>
+    <dgm:txEffectClrLst/>
+  </dgm:styleLbl>
+  <dgm:styleLbl name="bgAccFollowNode1">
+    <dgm:fillClrLst meth="repeat">
+      <a:schemeClr val="accent1">
+        <a:alpha val="90000"/>
+        <a:tint val="40000"/>
+      </a:schemeClr>
+    </dgm:fillClrLst>
+    <dgm:linClrLst meth="repeat">
+      <a:schemeClr val="accent1">
+        <a:alpha val="90000"/>
+        <a:tint val="40000"/>
+      </a:schemeClr>
+    </dgm:linClrLst>
+    <dgm:effectClrLst/>
+    <dgm:txLinClrLst/>
+    <dgm:txFillClrLst meth="repeat">
+      <a:schemeClr val="dk1"/>
+    </dgm:txFillClrLst>
+    <dgm:txEffectClrLst/>
+  </dgm:styleLbl>
+  <dgm:styleLbl name="fgAcc0">
+    <dgm:fillClrLst meth="repeat">
+      <a:schemeClr val="lt1">
+        <a:alpha val="90000"/>
+      </a:schemeClr>
+    </dgm:fillClrLst>
+    <dgm:linClrLst meth="repeat">
+      <a:schemeClr val="accent1"/>
+    </dgm:linClrLst>
+    <dgm:effectClrLst/>
+    <dgm:txLinClrLst/>
+    <dgm:txFillClrLst meth="repeat">
+      <a:schemeClr val="dk1"/>
+    </dgm:txFillClrLst>
+    <dgm:txEffectClrLst/>
+  </dgm:styleLbl>
+  <dgm:styleLbl name="fgAcc2">
+    <dgm:fillClrLst meth="repeat">
+      <a:schemeClr val="lt1">
+        <a:alpha val="90000"/>
+      </a:schemeClr>
+    </dgm:fillClrLst>
+    <dgm:linClrLst meth="repeat">
+      <a:schemeClr val="accent1"/>
+    </dgm:linClrLst>
+    <dgm:effectClrLst/>
+    <dgm:txLinClrLst/>
+    <dgm:txFillClrLst meth="repeat">
+      <a:schemeClr val="dk1"/>
+    </dgm:txFillClrLst>
+    <dgm:txEffectClrLst/>
+  </dgm:styleLbl>
+  <dgm:styleLbl name="fgAcc3">
+    <dgm:fillClrLst meth="repeat">
+      <a:schemeClr val="lt1">
+        <a:alpha val="90000"/>
+      </a:schemeClr>
+    </dgm:fillClrLst>
+    <dgm:linClrLst meth="repeat">
+      <a:schemeClr val="accent1"/>
+    </dgm:linClrLst>
+    <dgm:effectClrLst/>
+    <dgm:txLinClrLst/>
+    <dgm:txFillClrLst meth="repeat">
+      <a:schemeClr val="dk1"/>
+    </dgm:txFillClrLst>
+    <dgm:txEffectClrLst/>
+  </dgm:styleLbl>
+  <dgm:styleLbl name="fgAcc4">
+    <dgm:fillClrLst meth="repeat">
+      <a:schemeClr val="lt1">
+        <a:alpha val="90000"/>
+      </a:schemeClr>
+    </dgm:fillClrLst>
+    <dgm:linClrLst meth="repeat">
+      <a:schemeClr val="accent1"/>
+    </dgm:linClrLst>
+    <dgm:effectClrLst/>
+    <dgm:txLinClrLst/>
+    <dgm:txFillClrLst meth="repeat">
+      <a:schemeClr val="dk1"/>
+    </dgm:txFillClrLst>
+    <dgm:txEffectClrLst/>
+  </dgm:styleLbl>
+  <dgm:styleLbl name="bgShp">
+    <dgm:fillClrLst meth="repeat">
+      <a:schemeClr val="accent1">
+        <a:tint val="40000"/>
+      </a:schemeClr>
+    </dgm:fillClrLst>
+    <dgm:linClrLst meth="repeat">
+      <a:schemeClr val="accent1"/>
+    </dgm:linClrLst>
+    <dgm:effectClrLst/>
+    <dgm:txLinClrLst/>
+    <dgm:txFillClrLst meth="repeat">
+      <a:schemeClr val="dk1"/>
+    </dgm:txFillClrLst>
+    <dgm:txEffectClrLst/>
+  </dgm:styleLbl>
+  <dgm:styleLbl name="dkBgShp">
+    <dgm:fillClrLst meth="repeat">
+      <a:schemeClr val="accent1">
+        <a:shade val="80000"/>
+      </a:schemeClr>
+    </dgm:fillClrLst>
+    <dgm:linClrLst meth="repeat">
+      <a:schemeClr val="accent1"/>
+    </dgm:linClrLst>
+    <dgm:effectClrLst/>
+    <dgm:txLinClrLst/>
+    <dgm:txFillClrLst meth="repeat">
+      <a:schemeClr val="lt1"/>
+    </dgm:txFillClrLst>
+    <dgm:txEffectClrLst/>
+  </dgm:styleLbl>
+  <dgm:styleLbl name="trBgShp">
+    <dgm:fillClrLst meth="repeat">
+      <a:schemeClr val="accent1">
+        <a:tint val="50000"/>
+        <a:alpha val="40000"/>
+      </a:schemeClr>
+    </dgm:fillClrLst>
+    <dgm:linClrLst meth="repeat">
+      <a:schemeClr val="accent1"/>
+    </dgm:linClrLst>
+    <dgm:effectClrLst/>
+    <dgm:txLinClrLst/>
+    <dgm:txFillClrLst meth="repeat">
+      <a:schemeClr val="lt1"/>
+    </dgm:txFillClrLst>
+    <dgm:txEffectClrLst/>
+  </dgm:styleLbl>
+  <dgm:styleLbl name="fgShp">
+    <dgm:fillClrLst meth="repeat">
+      <a:schemeClr val="accent1">
+        <a:tint val="60000"/>
+      </a:schemeClr>
+    </dgm:fillClrLst>
+    <dgm:linClrLst meth="repeat">
+      <a:schemeClr val="lt1"/>
+    </dgm:linClrLst>
+    <dgm:effectClrLst/>
+    <dgm:txLinClrLst/>
+    <dgm:txFillClrLst meth="repeat">
+      <a:schemeClr val="dk1"/>
+    </dgm:txFillClrLst>
+    <dgm:txEffectClrLst/>
+  </dgm:styleLbl>
+  <dgm:styleLbl name="revTx">
+    <dgm:fillClrLst meth="repeat">
+      <a:schemeClr val="lt1">
+        <a:alpha val="0"/>
+      </a:schemeClr>
+    </dgm:fillClrLst>
+    <dgm:linClrLst meth="repeat">
+      <a:schemeClr val="dk1">
+        <a:alpha val="0"/>
+      </a:schemeClr>
+    </dgm:linClrLst>
+    <dgm:effectClrLst/>
+    <dgm:txLinClrLst/>
+    <dgm:txFillClrLst meth="repeat">
+      <a:schemeClr val="tx1"/>
+    </dgm:txFillClrLst>
+    <dgm:txEffectClrLst/>
+  </dgm:styleLbl>
+</dgm:colorsDef>
+</file>
+
+<file path=ppt/diagrams/data1.xml><?xml version="1.0" encoding="utf-8"?>
+<dgm:dataModel xmlns:dgm="http://schemas.openxmlformats.org/drawingml/2006/diagram" xmlns:a="http://schemas.openxmlformats.org/drawingml/2006/main">
+  <dgm:ptLst>
+    <dgm:pt modelId="{BC053307-CCF2-4C52-9BBF-78BBA3B23EB9}" type="doc">
+      <dgm:prSet loTypeId="urn:microsoft.com/office/officeart/2018/2/layout/IconVerticalSolidList" loCatId="icon" qsTypeId="urn:microsoft.com/office/officeart/2005/8/quickstyle/simple1" qsCatId="simple" csTypeId="urn:microsoft.com/office/officeart/2005/8/colors/accent1_2" csCatId="accent1" phldr="1"/>
+      <dgm:spPr/>
+      <dgm:t>
+        <a:bodyPr/>
+        <a:lstStyle/>
+        <a:p>
+          <a:endParaRPr lang="en-US"/>
+        </a:p>
+      </dgm:t>
+    </dgm:pt>
+    <dgm:pt modelId="{EDA80AD1-ED16-44BA-824C-5CF639DE5443}">
+      <dgm:prSet/>
+      <dgm:spPr/>
+      <dgm:t>
+        <a:bodyPr/>
+        <a:lstStyle/>
+        <a:p>
+          <a:pPr>
+            <a:lnSpc>
+              <a:spcPct val="100000"/>
+            </a:lnSpc>
+          </a:pPr>
+          <a:r>
+            <a:rPr lang="de-CH"/>
+            <a:t>Design Pattern:</a:t>
+          </a:r>
+          <a:endParaRPr lang="en-US"/>
+        </a:p>
+      </dgm:t>
+    </dgm:pt>
+    <dgm:pt modelId="{2B826469-D199-493A-B847-1B8A239936D7}" type="parTrans" cxnId="{C833A725-08CC-41EB-A6A4-057737E78BC4}">
+      <dgm:prSet/>
+      <dgm:spPr/>
+      <dgm:t>
+        <a:bodyPr/>
+        <a:lstStyle/>
+        <a:p>
+          <a:endParaRPr lang="en-US"/>
+        </a:p>
+      </dgm:t>
+    </dgm:pt>
+    <dgm:pt modelId="{535AC41F-C86A-4D0E-811D-677CA7FC892A}" type="sibTrans" cxnId="{C833A725-08CC-41EB-A6A4-057737E78BC4}">
+      <dgm:prSet/>
+      <dgm:spPr/>
+      <dgm:t>
+        <a:bodyPr/>
+        <a:lstStyle/>
+        <a:p>
+          <a:endParaRPr lang="en-US"/>
+        </a:p>
+      </dgm:t>
+    </dgm:pt>
+    <dgm:pt modelId="{DA829376-70BA-4540-AA97-42A5A417C8FF}">
+      <dgm:prSet custT="1"/>
+      <dgm:spPr/>
+      <dgm:t>
+        <a:bodyPr/>
+        <a:lstStyle/>
+        <a:p>
+          <a:pPr>
+            <a:lnSpc>
+              <a:spcPct val="100000"/>
+            </a:lnSpc>
+          </a:pPr>
+          <a:r>
+            <a:rPr lang="de-CH" sz="1800"/>
+            <a:t>Observer</a:t>
+          </a:r>
+          <a:endParaRPr lang="en-US" sz="1800"/>
+        </a:p>
+      </dgm:t>
+    </dgm:pt>
+    <dgm:pt modelId="{74F462BF-8EEA-4D0D-AC26-BDC0219B8D09}" type="parTrans" cxnId="{2C4DCFBB-880D-43E7-B7B8-3EBAA4C2F53D}">
+      <dgm:prSet/>
+      <dgm:spPr/>
+      <dgm:t>
+        <a:bodyPr/>
+        <a:lstStyle/>
+        <a:p>
+          <a:endParaRPr lang="en-US"/>
+        </a:p>
+      </dgm:t>
+    </dgm:pt>
+    <dgm:pt modelId="{6E7F3A77-FBEC-47DD-A57F-D62B93BE32CF}" type="sibTrans" cxnId="{2C4DCFBB-880D-43E7-B7B8-3EBAA4C2F53D}">
+      <dgm:prSet/>
+      <dgm:spPr/>
+      <dgm:t>
+        <a:bodyPr/>
+        <a:lstStyle/>
+        <a:p>
+          <a:endParaRPr lang="en-US"/>
+        </a:p>
+      </dgm:t>
+    </dgm:pt>
+    <dgm:pt modelId="{0C3EB784-45CA-4BE3-B6BB-9E279312BCE1}">
+      <dgm:prSet custT="1"/>
+      <dgm:spPr/>
+      <dgm:t>
+        <a:bodyPr/>
+        <a:lstStyle/>
+        <a:p>
+          <a:pPr>
+            <a:lnSpc>
+              <a:spcPct val="100000"/>
+            </a:lnSpc>
+          </a:pPr>
+          <a:r>
+            <a:rPr lang="de-CH" sz="1800" dirty="0"/>
+            <a:t>Mediator</a:t>
+          </a:r>
+          <a:endParaRPr lang="en-US" sz="1800" dirty="0"/>
+        </a:p>
+      </dgm:t>
+    </dgm:pt>
+    <dgm:pt modelId="{BB96A243-B52E-44DC-A703-E29576FBB245}" type="parTrans" cxnId="{29986586-4345-4A96-8442-28EFA4A0006A}">
+      <dgm:prSet/>
+      <dgm:spPr/>
+      <dgm:t>
+        <a:bodyPr/>
+        <a:lstStyle/>
+        <a:p>
+          <a:endParaRPr lang="en-US"/>
+        </a:p>
+      </dgm:t>
+    </dgm:pt>
+    <dgm:pt modelId="{B81031CD-0DE1-4246-A033-04AD1892E80C}" type="sibTrans" cxnId="{29986586-4345-4A96-8442-28EFA4A0006A}">
+      <dgm:prSet/>
+      <dgm:spPr/>
+      <dgm:t>
+        <a:bodyPr/>
+        <a:lstStyle/>
+        <a:p>
+          <a:endParaRPr lang="en-US"/>
+        </a:p>
+      </dgm:t>
+    </dgm:pt>
+    <dgm:pt modelId="{76B97AD6-1938-4AC4-A158-B36F3E104D94}">
+      <dgm:prSet custT="1"/>
+      <dgm:spPr/>
+      <dgm:t>
+        <a:bodyPr/>
+        <a:lstStyle/>
+        <a:p>
+          <a:pPr>
+            <a:lnSpc>
+              <a:spcPct val="100000"/>
+            </a:lnSpc>
+          </a:pPr>
+          <a:r>
+            <a:rPr lang="de-CH" sz="1800"/>
+            <a:t>Factory</a:t>
+          </a:r>
+          <a:endParaRPr lang="en-US" sz="1800"/>
+        </a:p>
+      </dgm:t>
+    </dgm:pt>
+    <dgm:pt modelId="{EAB9ABFB-4834-442B-9061-5F085687E3F4}" type="parTrans" cxnId="{0E794A9B-B080-486D-A871-7BBFDF389E92}">
+      <dgm:prSet/>
+      <dgm:spPr/>
+      <dgm:t>
+        <a:bodyPr/>
+        <a:lstStyle/>
+        <a:p>
+          <a:endParaRPr lang="en-US"/>
+        </a:p>
+      </dgm:t>
+    </dgm:pt>
+    <dgm:pt modelId="{0B7FE041-0EDD-4D56-8079-B1AA60F15742}" type="sibTrans" cxnId="{0E794A9B-B080-486D-A871-7BBFDF389E92}">
+      <dgm:prSet/>
+      <dgm:spPr/>
+      <dgm:t>
+        <a:bodyPr/>
+        <a:lstStyle/>
+        <a:p>
+          <a:endParaRPr lang="en-US"/>
+        </a:p>
+      </dgm:t>
+    </dgm:pt>
+    <dgm:pt modelId="{1B63DAAA-6E38-4108-934A-E01D1ACA192C}">
+      <dgm:prSet custT="1"/>
+      <dgm:spPr/>
+      <dgm:t>
+        <a:bodyPr/>
+        <a:lstStyle/>
+        <a:p>
+          <a:pPr>
+            <a:lnSpc>
+              <a:spcPct val="100000"/>
+            </a:lnSpc>
+          </a:pPr>
+          <a:r>
+            <a:rPr lang="de-CH" sz="1800"/>
+            <a:t>Builder</a:t>
+          </a:r>
+          <a:endParaRPr lang="en-US" sz="1800"/>
+        </a:p>
+      </dgm:t>
+    </dgm:pt>
+    <dgm:pt modelId="{23DCAC99-76D1-4093-B5E4-C0D0833C016D}" type="parTrans" cxnId="{AE05112D-43B3-4341-95F0-EC10C9612035}">
+      <dgm:prSet/>
+      <dgm:spPr/>
+      <dgm:t>
+        <a:bodyPr/>
+        <a:lstStyle/>
+        <a:p>
+          <a:endParaRPr lang="en-US"/>
+        </a:p>
+      </dgm:t>
+    </dgm:pt>
+    <dgm:pt modelId="{4E7B828F-BF87-4B46-AF05-8509912872D2}" type="sibTrans" cxnId="{AE05112D-43B3-4341-95F0-EC10C9612035}">
+      <dgm:prSet/>
+      <dgm:spPr/>
+      <dgm:t>
+        <a:bodyPr/>
+        <a:lstStyle/>
+        <a:p>
+          <a:endParaRPr lang="en-US"/>
+        </a:p>
+      </dgm:t>
+    </dgm:pt>
+    <dgm:pt modelId="{286ACB71-9D43-41E1-92B1-C084B2DC5930}">
+      <dgm:prSet/>
+      <dgm:spPr/>
+      <dgm:t>
+        <a:bodyPr/>
+        <a:lstStyle/>
+        <a:p>
+          <a:pPr>
+            <a:lnSpc>
+              <a:spcPct val="100000"/>
+            </a:lnSpc>
+          </a:pPr>
+          <a:r>
+            <a:rPr lang="de-CH"/>
+            <a:t>Libraries:</a:t>
+          </a:r>
+          <a:endParaRPr lang="en-US"/>
+        </a:p>
+      </dgm:t>
+    </dgm:pt>
+    <dgm:pt modelId="{1DACBD7D-D79F-4DEA-9356-FFAA17020E9A}" type="parTrans" cxnId="{009ABEEB-2D38-4847-A67F-DB7C2D506253}">
+      <dgm:prSet/>
+      <dgm:spPr/>
+      <dgm:t>
+        <a:bodyPr/>
+        <a:lstStyle/>
+        <a:p>
+          <a:endParaRPr lang="en-US"/>
+        </a:p>
+      </dgm:t>
+    </dgm:pt>
+    <dgm:pt modelId="{D97D4403-309A-4FB9-A350-4C2DF01655BB}" type="sibTrans" cxnId="{009ABEEB-2D38-4847-A67F-DB7C2D506253}">
+      <dgm:prSet/>
+      <dgm:spPr/>
+      <dgm:t>
+        <a:bodyPr/>
+        <a:lstStyle/>
+        <a:p>
+          <a:endParaRPr lang="en-US"/>
+        </a:p>
+      </dgm:t>
+    </dgm:pt>
+    <dgm:pt modelId="{24B826E0-71BF-4078-BEF7-3B0EE7EC007F}">
+      <dgm:prSet custT="1"/>
+      <dgm:spPr/>
+      <dgm:t>
+        <a:bodyPr/>
+        <a:lstStyle/>
+        <a:p>
+          <a:pPr>
+            <a:lnSpc>
+              <a:spcPct val="100000"/>
+            </a:lnSpc>
+          </a:pPr>
+          <a:r>
+            <a:rPr lang="de-CH" sz="2000" dirty="0" err="1"/>
+            <a:t>Mockito</a:t>
+          </a:r>
+          <a:endParaRPr lang="en-US" sz="2000" dirty="0"/>
+        </a:p>
+      </dgm:t>
+    </dgm:pt>
+    <dgm:pt modelId="{69F5B17C-BF47-41D3-BF3E-B348D6BC04A4}" type="parTrans" cxnId="{9228EB47-AF57-47CF-B947-69026BE6172F}">
+      <dgm:prSet/>
+      <dgm:spPr/>
+      <dgm:t>
+        <a:bodyPr/>
+        <a:lstStyle/>
+        <a:p>
+          <a:endParaRPr lang="en-US"/>
+        </a:p>
+      </dgm:t>
+    </dgm:pt>
+    <dgm:pt modelId="{608FC3AD-F493-4252-A637-580968FF83D2}" type="sibTrans" cxnId="{9228EB47-AF57-47CF-B947-69026BE6172F}">
+      <dgm:prSet/>
+      <dgm:spPr/>
+      <dgm:t>
+        <a:bodyPr/>
+        <a:lstStyle/>
+        <a:p>
+          <a:endParaRPr lang="en-US"/>
+        </a:p>
+      </dgm:t>
+    </dgm:pt>
+    <dgm:pt modelId="{49E7BB6A-685B-4BCB-B81F-DA432D1457EB}">
+      <dgm:prSet custT="1"/>
+      <dgm:spPr/>
+      <dgm:t>
+        <a:bodyPr/>
+        <a:lstStyle/>
+        <a:p>
+          <a:pPr>
+            <a:lnSpc>
+              <a:spcPct val="100000"/>
+            </a:lnSpc>
+          </a:pPr>
+          <a:r>
+            <a:rPr lang="de-CH" sz="2000"/>
+            <a:t>Gson</a:t>
+          </a:r>
+          <a:endParaRPr lang="en-US" sz="2000"/>
+        </a:p>
+      </dgm:t>
+    </dgm:pt>
+    <dgm:pt modelId="{B5213324-1111-4D22-8D1B-F645685F020F}" type="parTrans" cxnId="{2DC5A4CE-C224-4AD7-BFBF-452534CC4B8B}">
+      <dgm:prSet/>
+      <dgm:spPr/>
+      <dgm:t>
+        <a:bodyPr/>
+        <a:lstStyle/>
+        <a:p>
+          <a:endParaRPr lang="en-US"/>
+        </a:p>
+      </dgm:t>
+    </dgm:pt>
+    <dgm:pt modelId="{FA8A73FF-438D-4C34-95AD-61098EB8DBC8}" type="sibTrans" cxnId="{2DC5A4CE-C224-4AD7-BFBF-452534CC4B8B}">
+      <dgm:prSet/>
+      <dgm:spPr/>
+      <dgm:t>
+        <a:bodyPr/>
+        <a:lstStyle/>
+        <a:p>
+          <a:endParaRPr lang="en-US"/>
+        </a:p>
+      </dgm:t>
+    </dgm:pt>
+    <dgm:pt modelId="{5572265E-F2A4-4B2E-A6D6-A5CDCD25F30C}" type="pres">
+      <dgm:prSet presAssocID="{BC053307-CCF2-4C52-9BBF-78BBA3B23EB9}" presName="root" presStyleCnt="0">
+        <dgm:presLayoutVars>
+          <dgm:dir/>
+          <dgm:resizeHandles val="exact"/>
+        </dgm:presLayoutVars>
+      </dgm:prSet>
+      <dgm:spPr/>
+    </dgm:pt>
+    <dgm:pt modelId="{CBA8072E-EE4C-4144-8A55-48520B5DA07A}" type="pres">
+      <dgm:prSet presAssocID="{EDA80AD1-ED16-44BA-824C-5CF639DE5443}" presName="compNode" presStyleCnt="0"/>
+      <dgm:spPr/>
+    </dgm:pt>
+    <dgm:pt modelId="{92C08C85-A374-4072-ADAB-708750D35C42}" type="pres">
+      <dgm:prSet presAssocID="{EDA80AD1-ED16-44BA-824C-5CF639DE5443}" presName="bgRect" presStyleLbl="bgShp" presStyleIdx="0" presStyleCnt="2" custScaleY="131115"/>
+      <dgm:spPr/>
+    </dgm:pt>
+    <dgm:pt modelId="{32B2EDF0-36DD-46CF-A61E-42F2E1BB4A13}" type="pres">
+      <dgm:prSet presAssocID="{EDA80AD1-ED16-44BA-824C-5CF639DE5443}" presName="iconRect" presStyleLbl="node1" presStyleIdx="0" presStyleCnt="2"/>
+      <dgm:spPr>
+        <a:blipFill>
+          <a:blip xmlns:r="http://schemas.openxmlformats.org/officeDocument/2006/relationships" r:embed="rId1">
+            <a:extLst>
+              <a:ext uri="{28A0092B-C50C-407E-A947-70E740481C1C}">
+                <a14:useLocalDpi xmlns:a14="http://schemas.microsoft.com/office/drawing/2010/main" val="0"/>
+              </a:ext>
+              <a:ext uri="{96DAC541-7B7A-43D3-8B79-37D633B846F1}">
+                <asvg:svgBlip xmlns:asvg="http://schemas.microsoft.com/office/drawing/2016/SVG/main" r:embed="rId2"/>
+              </a:ext>
+            </a:extLst>
+          </a:blip>
+          <a:stretch>
+            <a:fillRect/>
+          </a:stretch>
+        </a:blipFill>
+      </dgm:spPr>
+      <dgm:extLst>
+        <a:ext uri="{E40237B7-FDA0-4F09-8148-C483321AD2D9}">
+          <dgm14:cNvPr xmlns:dgm14="http://schemas.microsoft.com/office/drawing/2010/diagram" id="0" name="" descr="User"/>
+        </a:ext>
+      </dgm:extLst>
+    </dgm:pt>
+    <dgm:pt modelId="{2B4D5AB1-E263-4A2E-8300-981646A1DE1D}" type="pres">
+      <dgm:prSet presAssocID="{EDA80AD1-ED16-44BA-824C-5CF639DE5443}" presName="spaceRect" presStyleCnt="0"/>
+      <dgm:spPr/>
+    </dgm:pt>
+    <dgm:pt modelId="{2C7CF182-F6DA-46A5-9044-4EA02F2343D6}" type="pres">
+      <dgm:prSet presAssocID="{EDA80AD1-ED16-44BA-824C-5CF639DE5443}" presName="parTx" presStyleLbl="revTx" presStyleIdx="0" presStyleCnt="4">
+        <dgm:presLayoutVars>
+          <dgm:chMax val="0"/>
+          <dgm:chPref val="0"/>
+        </dgm:presLayoutVars>
+      </dgm:prSet>
+      <dgm:spPr/>
+    </dgm:pt>
+    <dgm:pt modelId="{93ED1367-2B66-4527-8CE9-E3C325F90F4C}" type="pres">
+      <dgm:prSet presAssocID="{EDA80AD1-ED16-44BA-824C-5CF639DE5443}" presName="desTx" presStyleLbl="revTx" presStyleIdx="1" presStyleCnt="4">
+        <dgm:presLayoutVars/>
+      </dgm:prSet>
+      <dgm:spPr/>
+    </dgm:pt>
+    <dgm:pt modelId="{ECDE663A-8823-43DC-AFEB-8B6DC655B238}" type="pres">
+      <dgm:prSet presAssocID="{535AC41F-C86A-4D0E-811D-677CA7FC892A}" presName="sibTrans" presStyleCnt="0"/>
+      <dgm:spPr/>
+    </dgm:pt>
+    <dgm:pt modelId="{870587EA-CD61-4702-B991-1864B5DDE120}" type="pres">
+      <dgm:prSet presAssocID="{286ACB71-9D43-41E1-92B1-C084B2DC5930}" presName="compNode" presStyleCnt="0"/>
+      <dgm:spPr/>
+    </dgm:pt>
+    <dgm:pt modelId="{C29E880B-F965-4532-B41A-E868044B3B27}" type="pres">
+      <dgm:prSet presAssocID="{286ACB71-9D43-41E1-92B1-C084B2DC5930}" presName="bgRect" presStyleLbl="bgShp" presStyleIdx="1" presStyleCnt="2" custScaleY="131492"/>
+      <dgm:spPr/>
+    </dgm:pt>
+    <dgm:pt modelId="{6FA9748E-C4B1-4DA2-9BCE-AFFFBF37EF56}" type="pres">
+      <dgm:prSet presAssocID="{286ACB71-9D43-41E1-92B1-C084B2DC5930}" presName="iconRect" presStyleLbl="node1" presStyleIdx="1" presStyleCnt="2"/>
+      <dgm:spPr>
+        <a:blipFill>
+          <a:blip xmlns:r="http://schemas.openxmlformats.org/officeDocument/2006/relationships" r:embed="rId3">
+            <a:extLst>
+              <a:ext uri="{28A0092B-C50C-407E-A947-70E740481C1C}">
+                <a14:useLocalDpi xmlns:a14="http://schemas.microsoft.com/office/drawing/2010/main" val="0"/>
+              </a:ext>
+              <a:ext uri="{96DAC541-7B7A-43D3-8B79-37D633B846F1}">
+                <asvg:svgBlip xmlns:asvg="http://schemas.microsoft.com/office/drawing/2016/SVG/main" r:embed="rId4"/>
+              </a:ext>
+            </a:extLst>
+          </a:blip>
+          <a:stretch>
+            <a:fillRect/>
+          </a:stretch>
+        </a:blipFill>
+      </dgm:spPr>
+      <dgm:extLst>
+        <a:ext uri="{E40237B7-FDA0-4F09-8148-C483321AD2D9}">
+          <dgm14:cNvPr xmlns:dgm14="http://schemas.microsoft.com/office/drawing/2010/diagram" id="0" name="" descr="Books"/>
+        </a:ext>
+      </dgm:extLst>
+    </dgm:pt>
+    <dgm:pt modelId="{7B206485-0DCE-4405-93FF-0032B3912968}" type="pres">
+      <dgm:prSet presAssocID="{286ACB71-9D43-41E1-92B1-C084B2DC5930}" presName="spaceRect" presStyleCnt="0"/>
+      <dgm:spPr/>
+    </dgm:pt>
+    <dgm:pt modelId="{32125C3C-CAF8-433D-A8B2-119D8C19F7A9}" type="pres">
+      <dgm:prSet presAssocID="{286ACB71-9D43-41E1-92B1-C084B2DC5930}" presName="parTx" presStyleLbl="revTx" presStyleIdx="2" presStyleCnt="4">
+        <dgm:presLayoutVars>
+          <dgm:chMax val="0"/>
+          <dgm:chPref val="0"/>
+        </dgm:presLayoutVars>
+      </dgm:prSet>
+      <dgm:spPr/>
+    </dgm:pt>
+    <dgm:pt modelId="{F0BE213B-7DAF-4BFD-9328-92A5827BB5A8}" type="pres">
+      <dgm:prSet presAssocID="{286ACB71-9D43-41E1-92B1-C084B2DC5930}" presName="desTx" presStyleLbl="revTx" presStyleIdx="3" presStyleCnt="4">
+        <dgm:presLayoutVars/>
+      </dgm:prSet>
+      <dgm:spPr/>
+    </dgm:pt>
+  </dgm:ptLst>
+  <dgm:cxnLst>
+    <dgm:cxn modelId="{3BFEC303-7E42-4028-AB64-DF9E5F17CCA7}" type="presOf" srcId="{24B826E0-71BF-4078-BEF7-3B0EE7EC007F}" destId="{F0BE213B-7DAF-4BFD-9328-92A5827BB5A8}" srcOrd="0" destOrd="0" presId="urn:microsoft.com/office/officeart/2018/2/layout/IconVerticalSolidList"/>
+    <dgm:cxn modelId="{C833A725-08CC-41EB-A6A4-057737E78BC4}" srcId="{BC053307-CCF2-4C52-9BBF-78BBA3B23EB9}" destId="{EDA80AD1-ED16-44BA-824C-5CF639DE5443}" srcOrd="0" destOrd="0" parTransId="{2B826469-D199-493A-B847-1B8A239936D7}" sibTransId="{535AC41F-C86A-4D0E-811D-677CA7FC892A}"/>
+    <dgm:cxn modelId="{5D6DF526-7AA8-4629-9A69-128AA38ECB7D}" type="presOf" srcId="{BC053307-CCF2-4C52-9BBF-78BBA3B23EB9}" destId="{5572265E-F2A4-4B2E-A6D6-A5CDCD25F30C}" srcOrd="0" destOrd="0" presId="urn:microsoft.com/office/officeart/2018/2/layout/IconVerticalSolidList"/>
+    <dgm:cxn modelId="{AE05112D-43B3-4341-95F0-EC10C9612035}" srcId="{EDA80AD1-ED16-44BA-824C-5CF639DE5443}" destId="{1B63DAAA-6E38-4108-934A-E01D1ACA192C}" srcOrd="3" destOrd="0" parTransId="{23DCAC99-76D1-4093-B5E4-C0D0833C016D}" sibTransId="{4E7B828F-BF87-4B46-AF05-8509912872D2}"/>
+    <dgm:cxn modelId="{EF09B640-3B4B-469F-9441-2260635E8B11}" type="presOf" srcId="{DA829376-70BA-4540-AA97-42A5A417C8FF}" destId="{93ED1367-2B66-4527-8CE9-E3C325F90F4C}" srcOrd="0" destOrd="0" presId="urn:microsoft.com/office/officeart/2018/2/layout/IconVerticalSolidList"/>
+    <dgm:cxn modelId="{9228EB47-AF57-47CF-B947-69026BE6172F}" srcId="{286ACB71-9D43-41E1-92B1-C084B2DC5930}" destId="{24B826E0-71BF-4078-BEF7-3B0EE7EC007F}" srcOrd="0" destOrd="0" parTransId="{69F5B17C-BF47-41D3-BF3E-B348D6BC04A4}" sibTransId="{608FC3AD-F493-4252-A637-580968FF83D2}"/>
+    <dgm:cxn modelId="{05D26C81-3D98-4D5A-9E1A-683956CD9B26}" type="presOf" srcId="{EDA80AD1-ED16-44BA-824C-5CF639DE5443}" destId="{2C7CF182-F6DA-46A5-9044-4EA02F2343D6}" srcOrd="0" destOrd="0" presId="urn:microsoft.com/office/officeart/2018/2/layout/IconVerticalSolidList"/>
+    <dgm:cxn modelId="{29986586-4345-4A96-8442-28EFA4A0006A}" srcId="{EDA80AD1-ED16-44BA-824C-5CF639DE5443}" destId="{0C3EB784-45CA-4BE3-B6BB-9E279312BCE1}" srcOrd="1" destOrd="0" parTransId="{BB96A243-B52E-44DC-A703-E29576FBB245}" sibTransId="{B81031CD-0DE1-4246-A033-04AD1892E80C}"/>
+    <dgm:cxn modelId="{FF4E408F-FBA4-497F-AF1A-4B807744E96D}" type="presOf" srcId="{1B63DAAA-6E38-4108-934A-E01D1ACA192C}" destId="{93ED1367-2B66-4527-8CE9-E3C325F90F4C}" srcOrd="0" destOrd="3" presId="urn:microsoft.com/office/officeart/2018/2/layout/IconVerticalSolidList"/>
+    <dgm:cxn modelId="{0E794A9B-B080-486D-A871-7BBFDF389E92}" srcId="{EDA80AD1-ED16-44BA-824C-5CF639DE5443}" destId="{76B97AD6-1938-4AC4-A158-B36F3E104D94}" srcOrd="2" destOrd="0" parTransId="{EAB9ABFB-4834-442B-9061-5F085687E3F4}" sibTransId="{0B7FE041-0EDD-4D56-8079-B1AA60F15742}"/>
+    <dgm:cxn modelId="{D1A126BB-0CC1-4FD6-AC44-4EB62BF7CDC3}" type="presOf" srcId="{286ACB71-9D43-41E1-92B1-C084B2DC5930}" destId="{32125C3C-CAF8-433D-A8B2-119D8C19F7A9}" srcOrd="0" destOrd="0" presId="urn:microsoft.com/office/officeart/2018/2/layout/IconVerticalSolidList"/>
+    <dgm:cxn modelId="{2C4DCFBB-880D-43E7-B7B8-3EBAA4C2F53D}" srcId="{EDA80AD1-ED16-44BA-824C-5CF639DE5443}" destId="{DA829376-70BA-4540-AA97-42A5A417C8FF}" srcOrd="0" destOrd="0" parTransId="{74F462BF-8EEA-4D0D-AC26-BDC0219B8D09}" sibTransId="{6E7F3A77-FBEC-47DD-A57F-D62B93BE32CF}"/>
+    <dgm:cxn modelId="{2DC5A4CE-C224-4AD7-BFBF-452534CC4B8B}" srcId="{286ACB71-9D43-41E1-92B1-C084B2DC5930}" destId="{49E7BB6A-685B-4BCB-B81F-DA432D1457EB}" srcOrd="1" destOrd="0" parTransId="{B5213324-1111-4D22-8D1B-F645685F020F}" sibTransId="{FA8A73FF-438D-4C34-95AD-61098EB8DBC8}"/>
+    <dgm:cxn modelId="{E2A30ADA-C54E-4208-BDD5-A76EDFC11B61}" type="presOf" srcId="{76B97AD6-1938-4AC4-A158-B36F3E104D94}" destId="{93ED1367-2B66-4527-8CE9-E3C325F90F4C}" srcOrd="0" destOrd="2" presId="urn:microsoft.com/office/officeart/2018/2/layout/IconVerticalSolidList"/>
+    <dgm:cxn modelId="{16444FDC-32BD-4F0E-97EC-EEB260C63883}" type="presOf" srcId="{0C3EB784-45CA-4BE3-B6BB-9E279312BCE1}" destId="{93ED1367-2B66-4527-8CE9-E3C325F90F4C}" srcOrd="0" destOrd="1" presId="urn:microsoft.com/office/officeart/2018/2/layout/IconVerticalSolidList"/>
+    <dgm:cxn modelId="{009ABEEB-2D38-4847-A67F-DB7C2D506253}" srcId="{BC053307-CCF2-4C52-9BBF-78BBA3B23EB9}" destId="{286ACB71-9D43-41E1-92B1-C084B2DC5930}" srcOrd="1" destOrd="0" parTransId="{1DACBD7D-D79F-4DEA-9356-FFAA17020E9A}" sibTransId="{D97D4403-309A-4FB9-A350-4C2DF01655BB}"/>
+    <dgm:cxn modelId="{9F9AC8FC-8FBE-4567-A855-44F99E0CFCB2}" type="presOf" srcId="{49E7BB6A-685B-4BCB-B81F-DA432D1457EB}" destId="{F0BE213B-7DAF-4BFD-9328-92A5827BB5A8}" srcOrd="0" destOrd="1" presId="urn:microsoft.com/office/officeart/2018/2/layout/IconVerticalSolidList"/>
+    <dgm:cxn modelId="{0D98879B-7ABE-454F-8C3D-D735BA6DB2B1}" type="presParOf" srcId="{5572265E-F2A4-4B2E-A6D6-A5CDCD25F30C}" destId="{CBA8072E-EE4C-4144-8A55-48520B5DA07A}" srcOrd="0" destOrd="0" presId="urn:microsoft.com/office/officeart/2018/2/layout/IconVerticalSolidList"/>
+    <dgm:cxn modelId="{0C8C0224-ECEB-473E-AC6C-05905772C7BD}" type="presParOf" srcId="{CBA8072E-EE4C-4144-8A55-48520B5DA07A}" destId="{92C08C85-A374-4072-ADAB-708750D35C42}" srcOrd="0" destOrd="0" presId="urn:microsoft.com/office/officeart/2018/2/layout/IconVerticalSolidList"/>
+    <dgm:cxn modelId="{0901033E-F0C0-40B0-BA63-884450926588}" type="presParOf" srcId="{CBA8072E-EE4C-4144-8A55-48520B5DA07A}" destId="{32B2EDF0-36DD-46CF-A61E-42F2E1BB4A13}" srcOrd="1" destOrd="0" presId="urn:microsoft.com/office/officeart/2018/2/layout/IconVerticalSolidList"/>
+    <dgm:cxn modelId="{E3EFA589-096B-4881-B38B-1C9D86DF7122}" type="presParOf" srcId="{CBA8072E-EE4C-4144-8A55-48520B5DA07A}" destId="{2B4D5AB1-E263-4A2E-8300-981646A1DE1D}" srcOrd="2" destOrd="0" presId="urn:microsoft.com/office/officeart/2018/2/layout/IconVerticalSolidList"/>
+    <dgm:cxn modelId="{616E8E04-EF79-4F4A-90DA-A5A43462556F}" type="presParOf" srcId="{CBA8072E-EE4C-4144-8A55-48520B5DA07A}" destId="{2C7CF182-F6DA-46A5-9044-4EA02F2343D6}" srcOrd="3" destOrd="0" presId="urn:microsoft.com/office/officeart/2018/2/layout/IconVerticalSolidList"/>
+    <dgm:cxn modelId="{3EA7FD7A-39D6-4663-9321-5D4AB2B36620}" type="presParOf" srcId="{CBA8072E-EE4C-4144-8A55-48520B5DA07A}" destId="{93ED1367-2B66-4527-8CE9-E3C325F90F4C}" srcOrd="4" destOrd="0" presId="urn:microsoft.com/office/officeart/2018/2/layout/IconVerticalSolidList"/>
+    <dgm:cxn modelId="{6FA8B794-BA12-43C1-81E3-25251E920CBF}" type="presParOf" srcId="{5572265E-F2A4-4B2E-A6D6-A5CDCD25F30C}" destId="{ECDE663A-8823-43DC-AFEB-8B6DC655B238}" srcOrd="1" destOrd="0" presId="urn:microsoft.com/office/officeart/2018/2/layout/IconVerticalSolidList"/>
+    <dgm:cxn modelId="{611E6099-B885-412D-9FD4-1660A6620B02}" type="presParOf" srcId="{5572265E-F2A4-4B2E-A6D6-A5CDCD25F30C}" destId="{870587EA-CD61-4702-B991-1864B5DDE120}" srcOrd="2" destOrd="0" presId="urn:microsoft.com/office/officeart/2018/2/layout/IconVerticalSolidList"/>
+    <dgm:cxn modelId="{9656764D-76D3-4EDA-8FAB-640D66319E03}" type="presParOf" srcId="{870587EA-CD61-4702-B991-1864B5DDE120}" destId="{C29E880B-F965-4532-B41A-E868044B3B27}" srcOrd="0" destOrd="0" presId="urn:microsoft.com/office/officeart/2018/2/layout/IconVerticalSolidList"/>
+    <dgm:cxn modelId="{483803A8-8450-4CC8-939D-A8F940544FFF}" type="presParOf" srcId="{870587EA-CD61-4702-B991-1864B5DDE120}" destId="{6FA9748E-C4B1-4DA2-9BCE-AFFFBF37EF56}" srcOrd="1" destOrd="0" presId="urn:microsoft.com/office/officeart/2018/2/layout/IconVerticalSolidList"/>
+    <dgm:cxn modelId="{C44F136A-EEC0-4023-A59F-A85CBD280CE5}" type="presParOf" srcId="{870587EA-CD61-4702-B991-1864B5DDE120}" destId="{7B206485-0DCE-4405-93FF-0032B3912968}" srcOrd="2" destOrd="0" presId="urn:microsoft.com/office/officeart/2018/2/layout/IconVerticalSolidList"/>
+    <dgm:cxn modelId="{0D589B26-69D4-4F20-AF3E-D77B7D1C1824}" type="presParOf" srcId="{870587EA-CD61-4702-B991-1864B5DDE120}" destId="{32125C3C-CAF8-433D-A8B2-119D8C19F7A9}" srcOrd="3" destOrd="0" presId="urn:microsoft.com/office/officeart/2018/2/layout/IconVerticalSolidList"/>
+    <dgm:cxn modelId="{EFCDC129-D519-41F6-9E4B-2FF544FFEE35}" type="presParOf" srcId="{870587EA-CD61-4702-B991-1864B5DDE120}" destId="{F0BE213B-7DAF-4BFD-9328-92A5827BB5A8}" srcOrd="4" destOrd="0" presId="urn:microsoft.com/office/officeart/2018/2/layout/IconVerticalSolidList"/>
+  </dgm:cxnLst>
+  <dgm:bg/>
+  <dgm:whole/>
+  <dgm:extLst>
+    <a:ext uri="http://schemas.microsoft.com/office/drawing/2008/diagram">
+      <dsp:dataModelExt xmlns:dsp="http://schemas.microsoft.com/office/drawing/2008/diagram" relId="rId6" minVer="http://schemas.openxmlformats.org/drawingml/2006/diagram"/>
+    </a:ext>
+  </dgm:extLst>
+</dgm:dataModel>
+</file>
+
+<file path=ppt/diagrams/data2.xml><?xml version="1.0" encoding="utf-8"?>
+<dgm:dataModel xmlns:dgm="http://schemas.openxmlformats.org/drawingml/2006/diagram" xmlns:a="http://schemas.openxmlformats.org/drawingml/2006/main">
+  <dgm:ptLst>
+    <dgm:pt modelId="{E5D79752-1B7A-41E1-9932-59B1ABD221AC}" type="doc">
+      <dgm:prSet loTypeId="urn:microsoft.com/office/officeart/2016/7/layout/RepeatingBendingProcessNew" loCatId="process" qsTypeId="urn:microsoft.com/office/officeart/2005/8/quickstyle/simple1" qsCatId="simple" csTypeId="urn:microsoft.com/office/officeart/2005/8/colors/accent1_2" csCatId="accent1"/>
+      <dgm:spPr/>
+      <dgm:t>
+        <a:bodyPr/>
+        <a:lstStyle/>
+        <a:p>
+          <a:endParaRPr lang="en-US"/>
+        </a:p>
+      </dgm:t>
+    </dgm:pt>
+    <dgm:pt modelId="{E43720AC-FA21-44A8-B1C3-3E1DE46596AD}">
+      <dgm:prSet/>
+      <dgm:spPr/>
+      <dgm:t>
+        <a:bodyPr/>
+        <a:lstStyle/>
+        <a:p>
+          <a:r>
+            <a:rPr lang="de-CH"/>
+            <a:t>Funktionale Anforderungen</a:t>
+          </a:r>
+          <a:endParaRPr lang="en-US"/>
+        </a:p>
+      </dgm:t>
+    </dgm:pt>
+    <dgm:pt modelId="{C07753DD-BB0C-4EE8-A631-20BBA15CA1A8}" type="parTrans" cxnId="{3F87DAAF-3235-42DA-91D2-7390DDE40238}">
+      <dgm:prSet/>
+      <dgm:spPr/>
+      <dgm:t>
+        <a:bodyPr/>
+        <a:lstStyle/>
+        <a:p>
+          <a:endParaRPr lang="en-US"/>
+        </a:p>
+      </dgm:t>
+    </dgm:pt>
+    <dgm:pt modelId="{217FCB7E-63EE-44E3-A26E-70DB601A6E1F}" type="sibTrans" cxnId="{3F87DAAF-3235-42DA-91D2-7390DDE40238}">
+      <dgm:prSet/>
+      <dgm:spPr/>
+      <dgm:t>
+        <a:bodyPr/>
+        <a:lstStyle/>
+        <a:p>
+          <a:endParaRPr lang="en-US"/>
+        </a:p>
+      </dgm:t>
+    </dgm:pt>
+    <dgm:pt modelId="{258578CB-939D-4BFB-8733-EF3D03376363}">
+      <dgm:prSet/>
+      <dgm:spPr/>
+      <dgm:t>
+        <a:bodyPr/>
+        <a:lstStyle/>
+        <a:p>
+          <a:r>
+            <a:rPr lang="de-CH"/>
+            <a:t>Leistung &amp; Performance</a:t>
+          </a:r>
+          <a:endParaRPr lang="en-US"/>
+        </a:p>
+      </dgm:t>
+    </dgm:pt>
+    <dgm:pt modelId="{ED7A2B7B-5C21-455F-9E97-703E4D2E92CA}" type="parTrans" cxnId="{CEADC805-9889-4352-9573-535627C9D5D0}">
+      <dgm:prSet/>
+      <dgm:spPr/>
+      <dgm:t>
+        <a:bodyPr/>
+        <a:lstStyle/>
+        <a:p>
+          <a:endParaRPr lang="en-US"/>
+        </a:p>
+      </dgm:t>
+    </dgm:pt>
+    <dgm:pt modelId="{4A43C66F-9623-4DE0-9F83-491AD9B70CEA}" type="sibTrans" cxnId="{CEADC805-9889-4352-9573-535627C9D5D0}">
+      <dgm:prSet/>
+      <dgm:spPr/>
+      <dgm:t>
+        <a:bodyPr/>
+        <a:lstStyle/>
+        <a:p>
+          <a:endParaRPr lang="en-US"/>
+        </a:p>
+      </dgm:t>
+    </dgm:pt>
+    <dgm:pt modelId="{0F2E2507-F4F1-424B-AFFD-0BF25663FCC9}">
+      <dgm:prSet/>
+      <dgm:spPr/>
+      <dgm:t>
+        <a:bodyPr/>
+        <a:lstStyle/>
+        <a:p>
+          <a:r>
+            <a:rPr lang="de-CH"/>
+            <a:t>Sicherheit</a:t>
+          </a:r>
+          <a:endParaRPr lang="en-US"/>
+        </a:p>
+      </dgm:t>
+    </dgm:pt>
+    <dgm:pt modelId="{EB1053CA-F2B8-4A79-AA3D-E3D4727A646D}" type="parTrans" cxnId="{C07C0185-DF09-4EB3-8104-10C7BD37B15C}">
+      <dgm:prSet/>
+      <dgm:spPr/>
+      <dgm:t>
+        <a:bodyPr/>
+        <a:lstStyle/>
+        <a:p>
+          <a:endParaRPr lang="en-US"/>
+        </a:p>
+      </dgm:t>
+    </dgm:pt>
+    <dgm:pt modelId="{73DC5318-F876-4DEE-88B2-DDE50F8000FF}" type="sibTrans" cxnId="{C07C0185-DF09-4EB3-8104-10C7BD37B15C}">
+      <dgm:prSet/>
+      <dgm:spPr/>
+      <dgm:t>
+        <a:bodyPr/>
+        <a:lstStyle/>
+        <a:p>
+          <a:endParaRPr lang="en-US"/>
+        </a:p>
+      </dgm:t>
+    </dgm:pt>
+    <dgm:pt modelId="{FD0B2ADB-12FE-45CB-999B-AC133E094EFC}">
+      <dgm:prSet/>
+      <dgm:spPr/>
+      <dgm:t>
+        <a:bodyPr/>
+        <a:lstStyle/>
+        <a:p>
+          <a:r>
+            <a:rPr lang="de-CH"/>
+            <a:t>Benutzerfreundlichkeit</a:t>
+          </a:r>
+          <a:endParaRPr lang="en-US"/>
+        </a:p>
+      </dgm:t>
+    </dgm:pt>
+    <dgm:pt modelId="{93C438F9-9B23-41ED-8FE4-1904FD6D55AF}" type="parTrans" cxnId="{A188FF63-111E-4895-9DEC-5F0541AE638F}">
+      <dgm:prSet/>
+      <dgm:spPr/>
+      <dgm:t>
+        <a:bodyPr/>
+        <a:lstStyle/>
+        <a:p>
+          <a:endParaRPr lang="en-US"/>
+        </a:p>
+      </dgm:t>
+    </dgm:pt>
+    <dgm:pt modelId="{1A26BAC8-9F8E-4EA0-A4B5-AD81696F35F0}" type="sibTrans" cxnId="{A188FF63-111E-4895-9DEC-5F0541AE638F}">
+      <dgm:prSet/>
+      <dgm:spPr/>
+      <dgm:t>
+        <a:bodyPr/>
+        <a:lstStyle/>
+        <a:p>
+          <a:endParaRPr lang="en-US"/>
+        </a:p>
+      </dgm:t>
+    </dgm:pt>
+    <dgm:pt modelId="{7545F3CE-A979-4511-9D97-4BDF8E8CC5BB}">
+      <dgm:prSet/>
+      <dgm:spPr/>
+      <dgm:t>
+        <a:bodyPr/>
+        <a:lstStyle/>
+        <a:p>
+          <a:r>
+            <a:rPr lang="de-CH"/>
+            <a:t>Erweiterbarkeit und Wartung</a:t>
+          </a:r>
+          <a:endParaRPr lang="en-US"/>
+        </a:p>
+      </dgm:t>
+    </dgm:pt>
+    <dgm:pt modelId="{66E57A4F-FCB8-4D91-935B-8ACA2F809D24}" type="parTrans" cxnId="{D010E42A-053C-41C5-B494-5EDAF2F2D8D4}">
+      <dgm:prSet/>
+      <dgm:spPr/>
+      <dgm:t>
+        <a:bodyPr/>
+        <a:lstStyle/>
+        <a:p>
+          <a:endParaRPr lang="en-US"/>
+        </a:p>
+      </dgm:t>
+    </dgm:pt>
+    <dgm:pt modelId="{FCD2DA7B-180C-4B0B-8EF4-56B91187376D}" type="sibTrans" cxnId="{D010E42A-053C-41C5-B494-5EDAF2F2D8D4}">
+      <dgm:prSet/>
+      <dgm:spPr/>
+      <dgm:t>
+        <a:bodyPr/>
+        <a:lstStyle/>
+        <a:p>
+          <a:endParaRPr lang="en-US"/>
+        </a:p>
+      </dgm:t>
+    </dgm:pt>
+    <dgm:pt modelId="{C2E2EB86-07BE-4479-8631-D1893306EBD5}">
+      <dgm:prSet/>
+      <dgm:spPr/>
+      <dgm:t>
+        <a:bodyPr/>
+        <a:lstStyle/>
+        <a:p>
+          <a:r>
+            <a:rPr lang="de-CH"/>
+            <a:t>Qualitätssicherung</a:t>
+          </a:r>
+          <a:endParaRPr lang="en-US"/>
+        </a:p>
+      </dgm:t>
+    </dgm:pt>
+    <dgm:pt modelId="{70FD8B15-10C9-4092-80D5-AE5C3CD3CB0E}" type="parTrans" cxnId="{85D9C4E4-C2DD-4FF9-8F8C-6E9D8D9DC108}">
+      <dgm:prSet/>
+      <dgm:spPr/>
+      <dgm:t>
+        <a:bodyPr/>
+        <a:lstStyle/>
+        <a:p>
+          <a:endParaRPr lang="en-US"/>
+        </a:p>
+      </dgm:t>
+    </dgm:pt>
+    <dgm:pt modelId="{A107AB6A-5466-4FCB-80F0-313C361157A6}" type="sibTrans" cxnId="{85D9C4E4-C2DD-4FF9-8F8C-6E9D8D9DC108}">
+      <dgm:prSet/>
+      <dgm:spPr/>
+      <dgm:t>
+        <a:bodyPr/>
+        <a:lstStyle/>
+        <a:p>
+          <a:endParaRPr lang="en-US"/>
+        </a:p>
+      </dgm:t>
+    </dgm:pt>
+    <dgm:pt modelId="{417A7360-4B48-114C-89AC-D7776C88BD5F}" type="pres">
+      <dgm:prSet presAssocID="{E5D79752-1B7A-41E1-9932-59B1ABD221AC}" presName="Name0" presStyleCnt="0">
+        <dgm:presLayoutVars>
+          <dgm:dir/>
+          <dgm:resizeHandles val="exact"/>
+        </dgm:presLayoutVars>
+      </dgm:prSet>
+      <dgm:spPr/>
+    </dgm:pt>
+    <dgm:pt modelId="{C66664DA-ADE4-694F-B613-36213AE37403}" type="pres">
+      <dgm:prSet presAssocID="{E43720AC-FA21-44A8-B1C3-3E1DE46596AD}" presName="node" presStyleLbl="node1" presStyleIdx="0" presStyleCnt="6">
+        <dgm:presLayoutVars>
+          <dgm:bulletEnabled val="1"/>
+        </dgm:presLayoutVars>
+      </dgm:prSet>
+      <dgm:spPr/>
+    </dgm:pt>
+    <dgm:pt modelId="{78FCC342-93DC-1249-BD24-2C4C14ADC784}" type="pres">
+      <dgm:prSet presAssocID="{217FCB7E-63EE-44E3-A26E-70DB601A6E1F}" presName="sibTrans" presStyleLbl="sibTrans1D1" presStyleIdx="0" presStyleCnt="5"/>
+      <dgm:spPr/>
+    </dgm:pt>
+    <dgm:pt modelId="{B31B5364-67E9-6449-87A3-91C08EB9B282}" type="pres">
+      <dgm:prSet presAssocID="{217FCB7E-63EE-44E3-A26E-70DB601A6E1F}" presName="connectorText" presStyleLbl="sibTrans1D1" presStyleIdx="0" presStyleCnt="5"/>
+      <dgm:spPr/>
+    </dgm:pt>
+    <dgm:pt modelId="{4E229E0C-1951-594E-A363-17172A5F43C6}" type="pres">
+      <dgm:prSet presAssocID="{258578CB-939D-4BFB-8733-EF3D03376363}" presName="node" presStyleLbl="node1" presStyleIdx="1" presStyleCnt="6">
+        <dgm:presLayoutVars>
+          <dgm:bulletEnabled val="1"/>
+        </dgm:presLayoutVars>
+      </dgm:prSet>
+      <dgm:spPr/>
+    </dgm:pt>
+    <dgm:pt modelId="{5DCF88B7-72D5-534E-A71C-CC36BB023BD3}" type="pres">
+      <dgm:prSet presAssocID="{4A43C66F-9623-4DE0-9F83-491AD9B70CEA}" presName="sibTrans" presStyleLbl="sibTrans1D1" presStyleIdx="1" presStyleCnt="5"/>
+      <dgm:spPr/>
+    </dgm:pt>
+    <dgm:pt modelId="{4B8BE873-AFD2-FC4A-A8CE-E3A5BAF29850}" type="pres">
+      <dgm:prSet presAssocID="{4A43C66F-9623-4DE0-9F83-491AD9B70CEA}" presName="connectorText" presStyleLbl="sibTrans1D1" presStyleIdx="1" presStyleCnt="5"/>
+      <dgm:spPr/>
+    </dgm:pt>
+    <dgm:pt modelId="{8C5765C8-012C-8942-8EDC-7D4C4E4783AE}" type="pres">
+      <dgm:prSet presAssocID="{0F2E2507-F4F1-424B-AFFD-0BF25663FCC9}" presName="node" presStyleLbl="node1" presStyleIdx="2" presStyleCnt="6">
+        <dgm:presLayoutVars>
+          <dgm:bulletEnabled val="1"/>
+        </dgm:presLayoutVars>
+      </dgm:prSet>
+      <dgm:spPr/>
+    </dgm:pt>
+    <dgm:pt modelId="{A68E4854-F5BD-F04C-A103-0956FF28B758}" type="pres">
+      <dgm:prSet presAssocID="{73DC5318-F876-4DEE-88B2-DDE50F8000FF}" presName="sibTrans" presStyleLbl="sibTrans1D1" presStyleIdx="2" presStyleCnt="5"/>
+      <dgm:spPr/>
+    </dgm:pt>
+    <dgm:pt modelId="{111B4157-AEF1-F744-BC6F-E7B35E4754C2}" type="pres">
+      <dgm:prSet presAssocID="{73DC5318-F876-4DEE-88B2-DDE50F8000FF}" presName="connectorText" presStyleLbl="sibTrans1D1" presStyleIdx="2" presStyleCnt="5"/>
+      <dgm:spPr/>
+    </dgm:pt>
+    <dgm:pt modelId="{C58FD63C-2BA0-7049-822E-36D8C17AEDBC}" type="pres">
+      <dgm:prSet presAssocID="{FD0B2ADB-12FE-45CB-999B-AC133E094EFC}" presName="node" presStyleLbl="node1" presStyleIdx="3" presStyleCnt="6">
+        <dgm:presLayoutVars>
+          <dgm:bulletEnabled val="1"/>
+        </dgm:presLayoutVars>
+      </dgm:prSet>
+      <dgm:spPr/>
+    </dgm:pt>
+    <dgm:pt modelId="{5E2DD8F0-0DBC-EC4D-AF7E-870FEB094629}" type="pres">
+      <dgm:prSet presAssocID="{1A26BAC8-9F8E-4EA0-A4B5-AD81696F35F0}" presName="sibTrans" presStyleLbl="sibTrans1D1" presStyleIdx="3" presStyleCnt="5"/>
+      <dgm:spPr/>
+    </dgm:pt>
+    <dgm:pt modelId="{06463CA3-4FC2-CD49-BDBD-FD93010DF6D2}" type="pres">
+      <dgm:prSet presAssocID="{1A26BAC8-9F8E-4EA0-A4B5-AD81696F35F0}" presName="connectorText" presStyleLbl="sibTrans1D1" presStyleIdx="3" presStyleCnt="5"/>
+      <dgm:spPr/>
+    </dgm:pt>
+    <dgm:pt modelId="{F1E8D039-188A-394A-B90E-8852E2B4EC03}" type="pres">
+      <dgm:prSet presAssocID="{7545F3CE-A979-4511-9D97-4BDF8E8CC5BB}" presName="node" presStyleLbl="node1" presStyleIdx="4" presStyleCnt="6">
+        <dgm:presLayoutVars>
+          <dgm:bulletEnabled val="1"/>
+        </dgm:presLayoutVars>
+      </dgm:prSet>
+      <dgm:spPr/>
+    </dgm:pt>
+    <dgm:pt modelId="{1E7C5174-2411-9444-87B4-E3FFE9EDDEC4}" type="pres">
+      <dgm:prSet presAssocID="{FCD2DA7B-180C-4B0B-8EF4-56B91187376D}" presName="sibTrans" presStyleLbl="sibTrans1D1" presStyleIdx="4" presStyleCnt="5"/>
+      <dgm:spPr/>
+    </dgm:pt>
+    <dgm:pt modelId="{AE6B0C17-A66C-C84F-9104-C9CE531FE3FB}" type="pres">
+      <dgm:prSet presAssocID="{FCD2DA7B-180C-4B0B-8EF4-56B91187376D}" presName="connectorText" presStyleLbl="sibTrans1D1" presStyleIdx="4" presStyleCnt="5"/>
+      <dgm:spPr/>
+    </dgm:pt>
+    <dgm:pt modelId="{53A9538A-6B37-6942-ABC2-59B1A318F4CE}" type="pres">
+      <dgm:prSet presAssocID="{C2E2EB86-07BE-4479-8631-D1893306EBD5}" presName="node" presStyleLbl="node1" presStyleIdx="5" presStyleCnt="6">
+        <dgm:presLayoutVars>
+          <dgm:bulletEnabled val="1"/>
+        </dgm:presLayoutVars>
+      </dgm:prSet>
+      <dgm:spPr/>
+    </dgm:pt>
+  </dgm:ptLst>
+  <dgm:cxnLst>
+    <dgm:cxn modelId="{CEADC805-9889-4352-9573-535627C9D5D0}" srcId="{E5D79752-1B7A-41E1-9932-59B1ABD221AC}" destId="{258578CB-939D-4BFB-8733-EF3D03376363}" srcOrd="1" destOrd="0" parTransId="{ED7A2B7B-5C21-455F-9E97-703E4D2E92CA}" sibTransId="{4A43C66F-9623-4DE0-9F83-491AD9B70CEA}"/>
+    <dgm:cxn modelId="{CDA88707-FB51-CE4D-8603-642191B7A341}" type="presOf" srcId="{FD0B2ADB-12FE-45CB-999B-AC133E094EFC}" destId="{C58FD63C-2BA0-7049-822E-36D8C17AEDBC}" srcOrd="0" destOrd="0" presId="urn:microsoft.com/office/officeart/2016/7/layout/RepeatingBendingProcessNew"/>
+    <dgm:cxn modelId="{3F243A08-CE0E-BF4A-8218-BD99F2617A80}" type="presOf" srcId="{E43720AC-FA21-44A8-B1C3-3E1DE46596AD}" destId="{C66664DA-ADE4-694F-B613-36213AE37403}" srcOrd="0" destOrd="0" presId="urn:microsoft.com/office/officeart/2016/7/layout/RepeatingBendingProcessNew"/>
+    <dgm:cxn modelId="{AF379F0A-8665-2B44-B491-1BA994AD0F79}" type="presOf" srcId="{73DC5318-F876-4DEE-88B2-DDE50F8000FF}" destId="{A68E4854-F5BD-F04C-A103-0956FF28B758}" srcOrd="0" destOrd="0" presId="urn:microsoft.com/office/officeart/2016/7/layout/RepeatingBendingProcessNew"/>
+    <dgm:cxn modelId="{E76B5224-3A38-DB4C-8F8E-8F0B60B250E1}" type="presOf" srcId="{1A26BAC8-9F8E-4EA0-A4B5-AD81696F35F0}" destId="{06463CA3-4FC2-CD49-BDBD-FD93010DF6D2}" srcOrd="1" destOrd="0" presId="urn:microsoft.com/office/officeart/2016/7/layout/RepeatingBendingProcessNew"/>
+    <dgm:cxn modelId="{D010E42A-053C-41C5-B494-5EDAF2F2D8D4}" srcId="{E5D79752-1B7A-41E1-9932-59B1ABD221AC}" destId="{7545F3CE-A979-4511-9D97-4BDF8E8CC5BB}" srcOrd="4" destOrd="0" parTransId="{66E57A4F-FCB8-4D91-935B-8ACA2F809D24}" sibTransId="{FCD2DA7B-180C-4B0B-8EF4-56B91187376D}"/>
+    <dgm:cxn modelId="{EA54E13D-EB6C-FB4B-ADDB-137343E040B5}" type="presOf" srcId="{C2E2EB86-07BE-4479-8631-D1893306EBD5}" destId="{53A9538A-6B37-6942-ABC2-59B1A318F4CE}" srcOrd="0" destOrd="0" presId="urn:microsoft.com/office/officeart/2016/7/layout/RepeatingBendingProcessNew"/>
+    <dgm:cxn modelId="{6CF89657-E486-4648-901A-1CAFAA153888}" type="presOf" srcId="{73DC5318-F876-4DEE-88B2-DDE50F8000FF}" destId="{111B4157-AEF1-F744-BC6F-E7B35E4754C2}" srcOrd="1" destOrd="0" presId="urn:microsoft.com/office/officeart/2016/7/layout/RepeatingBendingProcessNew"/>
+    <dgm:cxn modelId="{A188FF63-111E-4895-9DEC-5F0541AE638F}" srcId="{E5D79752-1B7A-41E1-9932-59B1ABD221AC}" destId="{FD0B2ADB-12FE-45CB-999B-AC133E094EFC}" srcOrd="3" destOrd="0" parTransId="{93C438F9-9B23-41ED-8FE4-1904FD6D55AF}" sibTransId="{1A26BAC8-9F8E-4EA0-A4B5-AD81696F35F0}"/>
+    <dgm:cxn modelId="{C8AB9D65-5783-3D40-AAC7-51E9E48048CA}" type="presOf" srcId="{E5D79752-1B7A-41E1-9932-59B1ABD221AC}" destId="{417A7360-4B48-114C-89AC-D7776C88BD5F}" srcOrd="0" destOrd="0" presId="urn:microsoft.com/office/officeart/2016/7/layout/RepeatingBendingProcessNew"/>
+    <dgm:cxn modelId="{C07C0185-DF09-4EB3-8104-10C7BD37B15C}" srcId="{E5D79752-1B7A-41E1-9932-59B1ABD221AC}" destId="{0F2E2507-F4F1-424B-AFFD-0BF25663FCC9}" srcOrd="2" destOrd="0" parTransId="{EB1053CA-F2B8-4A79-AA3D-E3D4727A646D}" sibTransId="{73DC5318-F876-4DEE-88B2-DDE50F8000FF}"/>
+    <dgm:cxn modelId="{F9076588-661C-D84D-84D3-E49404AC2005}" type="presOf" srcId="{4A43C66F-9623-4DE0-9F83-491AD9B70CEA}" destId="{5DCF88B7-72D5-534E-A71C-CC36BB023BD3}" srcOrd="0" destOrd="0" presId="urn:microsoft.com/office/officeart/2016/7/layout/RepeatingBendingProcessNew"/>
+    <dgm:cxn modelId="{510D4E91-58BB-B949-A4D0-ACE23E916D38}" type="presOf" srcId="{217FCB7E-63EE-44E3-A26E-70DB601A6E1F}" destId="{B31B5364-67E9-6449-87A3-91C08EB9B282}" srcOrd="1" destOrd="0" presId="urn:microsoft.com/office/officeart/2016/7/layout/RepeatingBendingProcessNew"/>
+    <dgm:cxn modelId="{C8D41A97-677A-F848-9A08-6C45EBA66799}" type="presOf" srcId="{258578CB-939D-4BFB-8733-EF3D03376363}" destId="{4E229E0C-1951-594E-A363-17172A5F43C6}" srcOrd="0" destOrd="0" presId="urn:microsoft.com/office/officeart/2016/7/layout/RepeatingBendingProcessNew"/>
+    <dgm:cxn modelId="{CC2C4497-8A6E-204F-B475-F7252D95D70A}" type="presOf" srcId="{4A43C66F-9623-4DE0-9F83-491AD9B70CEA}" destId="{4B8BE873-AFD2-FC4A-A8CE-E3A5BAF29850}" srcOrd="1" destOrd="0" presId="urn:microsoft.com/office/officeart/2016/7/layout/RepeatingBendingProcessNew"/>
+    <dgm:cxn modelId="{3F87DAAF-3235-42DA-91D2-7390DDE40238}" srcId="{E5D79752-1B7A-41E1-9932-59B1ABD221AC}" destId="{E43720AC-FA21-44A8-B1C3-3E1DE46596AD}" srcOrd="0" destOrd="0" parTransId="{C07753DD-BB0C-4EE8-A631-20BBA15CA1A8}" sibTransId="{217FCB7E-63EE-44E3-A26E-70DB601A6E1F}"/>
+    <dgm:cxn modelId="{32E1D6B8-44D1-884C-9205-F32BD0D4E5E9}" type="presOf" srcId="{217FCB7E-63EE-44E3-A26E-70DB601A6E1F}" destId="{78FCC342-93DC-1249-BD24-2C4C14ADC784}" srcOrd="0" destOrd="0" presId="urn:microsoft.com/office/officeart/2016/7/layout/RepeatingBendingProcessNew"/>
+    <dgm:cxn modelId="{884E20B9-EC3B-8042-A3C5-D4B40B531FA2}" type="presOf" srcId="{7545F3CE-A979-4511-9D97-4BDF8E8CC5BB}" destId="{F1E8D039-188A-394A-B90E-8852E2B4EC03}" srcOrd="0" destOrd="0" presId="urn:microsoft.com/office/officeart/2016/7/layout/RepeatingBendingProcessNew"/>
+    <dgm:cxn modelId="{4D311FC0-C104-3046-AFB7-35C4D1079E3C}" type="presOf" srcId="{0F2E2507-F4F1-424B-AFFD-0BF25663FCC9}" destId="{8C5765C8-012C-8942-8EDC-7D4C4E4783AE}" srcOrd="0" destOrd="0" presId="urn:microsoft.com/office/officeart/2016/7/layout/RepeatingBendingProcessNew"/>
+    <dgm:cxn modelId="{FA702DD1-9DCB-F648-8889-6271CA8E3540}" type="presOf" srcId="{FCD2DA7B-180C-4B0B-8EF4-56B91187376D}" destId="{1E7C5174-2411-9444-87B4-E3FFE9EDDEC4}" srcOrd="0" destOrd="0" presId="urn:microsoft.com/office/officeart/2016/7/layout/RepeatingBendingProcessNew"/>
+    <dgm:cxn modelId="{4E88A5E2-1B33-B647-97D5-1DE32019B5B0}" type="presOf" srcId="{FCD2DA7B-180C-4B0B-8EF4-56B91187376D}" destId="{AE6B0C17-A66C-C84F-9104-C9CE531FE3FB}" srcOrd="1" destOrd="0" presId="urn:microsoft.com/office/officeart/2016/7/layout/RepeatingBendingProcessNew"/>
+    <dgm:cxn modelId="{410BAFE3-BA38-E844-8975-88DC1EBC928E}" type="presOf" srcId="{1A26BAC8-9F8E-4EA0-A4B5-AD81696F35F0}" destId="{5E2DD8F0-0DBC-EC4D-AF7E-870FEB094629}" srcOrd="0" destOrd="0" presId="urn:microsoft.com/office/officeart/2016/7/layout/RepeatingBendingProcessNew"/>
+    <dgm:cxn modelId="{85D9C4E4-C2DD-4FF9-8F8C-6E9D8D9DC108}" srcId="{E5D79752-1B7A-41E1-9932-59B1ABD221AC}" destId="{C2E2EB86-07BE-4479-8631-D1893306EBD5}" srcOrd="5" destOrd="0" parTransId="{70FD8B15-10C9-4092-80D5-AE5C3CD3CB0E}" sibTransId="{A107AB6A-5466-4FCB-80F0-313C361157A6}"/>
+    <dgm:cxn modelId="{9AC99529-C421-974D-951C-A9588E0A360E}" type="presParOf" srcId="{417A7360-4B48-114C-89AC-D7776C88BD5F}" destId="{C66664DA-ADE4-694F-B613-36213AE37403}" srcOrd="0" destOrd="0" presId="urn:microsoft.com/office/officeart/2016/7/layout/RepeatingBendingProcessNew"/>
+    <dgm:cxn modelId="{BE29D59E-12B3-CB46-AE4E-71A4008ADF0B}" type="presParOf" srcId="{417A7360-4B48-114C-89AC-D7776C88BD5F}" destId="{78FCC342-93DC-1249-BD24-2C4C14ADC784}" srcOrd="1" destOrd="0" presId="urn:microsoft.com/office/officeart/2016/7/layout/RepeatingBendingProcessNew"/>
+    <dgm:cxn modelId="{755C49C3-B5B7-8F45-B410-45581398A98C}" type="presParOf" srcId="{78FCC342-93DC-1249-BD24-2C4C14ADC784}" destId="{B31B5364-67E9-6449-87A3-91C08EB9B282}" srcOrd="0" destOrd="0" presId="urn:microsoft.com/office/officeart/2016/7/layout/RepeatingBendingProcessNew"/>
+    <dgm:cxn modelId="{B7F8E4FF-8787-D24F-8D28-380418A8EC06}" type="presParOf" srcId="{417A7360-4B48-114C-89AC-D7776C88BD5F}" destId="{4E229E0C-1951-594E-A363-17172A5F43C6}" srcOrd="2" destOrd="0" presId="urn:microsoft.com/office/officeart/2016/7/layout/RepeatingBendingProcessNew"/>
+    <dgm:cxn modelId="{F633CD59-D145-394E-8354-97BCC41D6BFB}" type="presParOf" srcId="{417A7360-4B48-114C-89AC-D7776C88BD5F}" destId="{5DCF88B7-72D5-534E-A71C-CC36BB023BD3}" srcOrd="3" destOrd="0" presId="urn:microsoft.com/office/officeart/2016/7/layout/RepeatingBendingProcessNew"/>
+    <dgm:cxn modelId="{11F9F535-CAD5-E44D-9AB9-20D196675F20}" type="presParOf" srcId="{5DCF88B7-72D5-534E-A71C-CC36BB023BD3}" destId="{4B8BE873-AFD2-FC4A-A8CE-E3A5BAF29850}" srcOrd="0" destOrd="0" presId="urn:microsoft.com/office/officeart/2016/7/layout/RepeatingBendingProcessNew"/>
+    <dgm:cxn modelId="{76BEEBAE-D593-F640-AC12-94A3AAD294DE}" type="presParOf" srcId="{417A7360-4B48-114C-89AC-D7776C88BD5F}" destId="{8C5765C8-012C-8942-8EDC-7D4C4E4783AE}" srcOrd="4" destOrd="0" presId="urn:microsoft.com/office/officeart/2016/7/layout/RepeatingBendingProcessNew"/>
+    <dgm:cxn modelId="{D36EC55F-6085-B44F-A78E-FD555019C6DA}" type="presParOf" srcId="{417A7360-4B48-114C-89AC-D7776C88BD5F}" destId="{A68E4854-F5BD-F04C-A103-0956FF28B758}" srcOrd="5" destOrd="0" presId="urn:microsoft.com/office/officeart/2016/7/layout/RepeatingBendingProcessNew"/>
+    <dgm:cxn modelId="{151109AF-6BC3-6D45-A16E-9E4A3BA7F8CD}" type="presParOf" srcId="{A68E4854-F5BD-F04C-A103-0956FF28B758}" destId="{111B4157-AEF1-F744-BC6F-E7B35E4754C2}" srcOrd="0" destOrd="0" presId="urn:microsoft.com/office/officeart/2016/7/layout/RepeatingBendingProcessNew"/>
+    <dgm:cxn modelId="{FFBAD1B9-B71B-F242-91AE-B16CBCBC6073}" type="presParOf" srcId="{417A7360-4B48-114C-89AC-D7776C88BD5F}" destId="{C58FD63C-2BA0-7049-822E-36D8C17AEDBC}" srcOrd="6" destOrd="0" presId="urn:microsoft.com/office/officeart/2016/7/layout/RepeatingBendingProcessNew"/>
+    <dgm:cxn modelId="{D1DAB82D-9E75-4F41-85E8-4B8161236D8D}" type="presParOf" srcId="{417A7360-4B48-114C-89AC-D7776C88BD5F}" destId="{5E2DD8F0-0DBC-EC4D-AF7E-870FEB094629}" srcOrd="7" destOrd="0" presId="urn:microsoft.com/office/officeart/2016/7/layout/RepeatingBendingProcessNew"/>
+    <dgm:cxn modelId="{3519115B-EA37-3F4B-ABD3-F460C88C32B7}" type="presParOf" srcId="{5E2DD8F0-0DBC-EC4D-AF7E-870FEB094629}" destId="{06463CA3-4FC2-CD49-BDBD-FD93010DF6D2}" srcOrd="0" destOrd="0" presId="urn:microsoft.com/office/officeart/2016/7/layout/RepeatingBendingProcessNew"/>
+    <dgm:cxn modelId="{1899765A-1D72-8B4C-B410-3D9EBBC888E3}" type="presParOf" srcId="{417A7360-4B48-114C-89AC-D7776C88BD5F}" destId="{F1E8D039-188A-394A-B90E-8852E2B4EC03}" srcOrd="8" destOrd="0" presId="urn:microsoft.com/office/officeart/2016/7/layout/RepeatingBendingProcessNew"/>
+    <dgm:cxn modelId="{08C8A3D5-B6FE-E345-8389-006B4079999F}" type="presParOf" srcId="{417A7360-4B48-114C-89AC-D7776C88BD5F}" destId="{1E7C5174-2411-9444-87B4-E3FFE9EDDEC4}" srcOrd="9" destOrd="0" presId="urn:microsoft.com/office/officeart/2016/7/layout/RepeatingBendingProcessNew"/>
+    <dgm:cxn modelId="{D58FA680-73F5-AA4B-BAB3-68668EEBBDD0}" type="presParOf" srcId="{1E7C5174-2411-9444-87B4-E3FFE9EDDEC4}" destId="{AE6B0C17-A66C-C84F-9104-C9CE531FE3FB}" srcOrd="0" destOrd="0" presId="urn:microsoft.com/office/officeart/2016/7/layout/RepeatingBendingProcessNew"/>
+    <dgm:cxn modelId="{A46A4E5D-D0A0-C144-93FF-E84BEEECD9E3}" type="presParOf" srcId="{417A7360-4B48-114C-89AC-D7776C88BD5F}" destId="{53A9538A-6B37-6942-ABC2-59B1A318F4CE}" srcOrd="10" destOrd="0" presId="urn:microsoft.com/office/officeart/2016/7/layout/RepeatingBendingProcessNew"/>
+  </dgm:cxnLst>
+  <dgm:bg/>
+  <dgm:whole/>
+  <dgm:extLst>
+    <a:ext uri="http://schemas.microsoft.com/office/drawing/2008/diagram">
+      <dsp:dataModelExt xmlns:dsp="http://schemas.microsoft.com/office/drawing/2008/diagram" relId="rId6" minVer="http://schemas.openxmlformats.org/drawingml/2006/diagram"/>
+    </a:ext>
+  </dgm:extLst>
+</dgm:dataModel>
+</file>
+
+<file path=ppt/diagrams/drawing1.xml><?xml version="1.0" encoding="utf-8"?>
+<dsp:drawing xmlns:dgm="http://schemas.openxmlformats.org/drawingml/2006/diagram" xmlns:dsp="http://schemas.microsoft.com/office/drawing/2008/diagram" xmlns:a="http://schemas.openxmlformats.org/drawingml/2006/main">
+  <dsp:spTree>
+    <dsp:nvGrpSpPr>
+      <dsp:cNvPr id="0" name=""/>
+      <dsp:cNvGrpSpPr/>
+    </dsp:nvGrpSpPr>
+    <dsp:grpSpPr/>
+    <dsp:sp modelId="{92C08C85-A374-4072-ADAB-708750D35C42}">
+      <dsp:nvSpPr>
+        <dsp:cNvPr id="0" name=""/>
+        <dsp:cNvSpPr/>
+      </dsp:nvSpPr>
+      <dsp:spPr>
+        <a:xfrm>
+          <a:off x="0" y="302120"/>
+          <a:ext cx="11353800" cy="1708235"/>
+        </a:xfrm>
+        <a:prstGeom prst="roundRect">
+          <a:avLst>
+            <a:gd name="adj" fmla="val 10000"/>
+          </a:avLst>
+        </a:prstGeom>
+        <a:solidFill>
+          <a:schemeClr val="accent1">
+            <a:tint val="40000"/>
+            <a:hueOff val="0"/>
+            <a:satOff val="0"/>
+            <a:lumOff val="0"/>
+            <a:alphaOff val="0"/>
+          </a:schemeClr>
+        </a:solidFill>
+        <a:ln>
+          <a:noFill/>
+        </a:ln>
+        <a:effectLst/>
+      </dsp:spPr>
+      <dsp:style>
+        <a:lnRef idx="0">
+          <a:scrgbClr r="0" g="0" b="0"/>
+        </a:lnRef>
+        <a:fillRef idx="1">
+          <a:scrgbClr r="0" g="0" b="0"/>
+        </a:fillRef>
+        <a:effectRef idx="0">
+          <a:scrgbClr r="0" g="0" b="0"/>
+        </a:effectRef>
+        <a:fontRef idx="minor"/>
+      </dsp:style>
+    </dsp:sp>
+    <dsp:sp modelId="{32B2EDF0-36DD-46CF-A61E-42F2E1BB4A13}">
+      <dsp:nvSpPr>
+        <dsp:cNvPr id="0" name=""/>
+        <dsp:cNvSpPr/>
+      </dsp:nvSpPr>
+      <dsp:spPr>
+        <a:xfrm>
+          <a:off x="394113" y="797954"/>
+          <a:ext cx="716569" cy="716569"/>
+        </a:xfrm>
+        <a:prstGeom prst="rect">
+          <a:avLst/>
+        </a:prstGeom>
+        <a:blipFill>
+          <a:blip xmlns:r="http://schemas.openxmlformats.org/officeDocument/2006/relationships" r:embed="rId1">
+            <a:extLst>
+              <a:ext uri="{28A0092B-C50C-407E-A947-70E740481C1C}">
+                <a14:useLocalDpi xmlns:a14="http://schemas.microsoft.com/office/drawing/2010/main" val="0"/>
+              </a:ext>
+              <a:ext uri="{96DAC541-7B7A-43D3-8B79-37D633B846F1}">
+                <asvg:svgBlip xmlns:asvg="http://schemas.microsoft.com/office/drawing/2016/SVG/main" r:embed="rId2"/>
+              </a:ext>
+            </a:extLst>
+          </a:blip>
+          <a:stretch>
+            <a:fillRect/>
+          </a:stretch>
+        </a:blipFill>
+        <a:ln w="19050" cap="flat" cmpd="sng" algn="ctr">
+          <a:solidFill>
+            <a:schemeClr val="lt1">
+              <a:hueOff val="0"/>
+              <a:satOff val="0"/>
+              <a:lumOff val="0"/>
+              <a:alphaOff val="0"/>
+            </a:schemeClr>
+          </a:solidFill>
+          <a:prstDash val="solid"/>
+          <a:miter lim="800000"/>
+        </a:ln>
+        <a:effectLst/>
+      </dsp:spPr>
+      <dsp:style>
+        <a:lnRef idx="2">
+          <a:scrgbClr r="0" g="0" b="0"/>
+        </a:lnRef>
+        <a:fillRef idx="1">
+          <a:scrgbClr r="0" g="0" b="0"/>
+        </a:fillRef>
+        <a:effectRef idx="0">
+          <a:scrgbClr r="0" g="0" b="0"/>
+        </a:effectRef>
+        <a:fontRef idx="minor">
+          <a:schemeClr val="lt1"/>
+        </a:fontRef>
+      </dsp:style>
+    </dsp:sp>
+    <dsp:sp modelId="{2C7CF182-F6DA-46A5-9044-4EA02F2343D6}">
+      <dsp:nvSpPr>
+        <dsp:cNvPr id="0" name=""/>
+        <dsp:cNvSpPr/>
+      </dsp:nvSpPr>
+      <dsp:spPr>
+        <a:xfrm>
+          <a:off x="1504795" y="504812"/>
+          <a:ext cx="5109210" cy="1302853"/>
+        </a:xfrm>
+        <a:prstGeom prst="rect">
+          <a:avLst/>
+        </a:prstGeom>
+        <a:noFill/>
+        <a:ln>
+          <a:noFill/>
+        </a:ln>
+        <a:effectLst/>
+      </dsp:spPr>
+      <dsp:style>
+        <a:lnRef idx="0">
+          <a:scrgbClr r="0" g="0" b="0"/>
+        </a:lnRef>
+        <a:fillRef idx="0">
+          <a:scrgbClr r="0" g="0" b="0"/>
+        </a:fillRef>
+        <a:effectRef idx="0">
+          <a:scrgbClr r="0" g="0" b="0"/>
+        </a:effectRef>
+        <a:fontRef idx="minor"/>
+      </dsp:style>
+      <dsp:txBody>
+        <a:bodyPr spcFirstLastPara="0" vert="horz" wrap="square" lIns="137885" tIns="137885" rIns="137885" bIns="137885" numCol="1" spcCol="1270" anchor="ctr" anchorCtr="0">
+          <a:noAutofit/>
+        </a:bodyPr>
+        <a:lstStyle/>
+        <a:p>
+          <a:pPr marL="0" lvl="0" indent="0" algn="l" defTabSz="1111250">
+            <a:lnSpc>
+              <a:spcPct val="100000"/>
+            </a:lnSpc>
+            <a:spcBef>
+              <a:spcPct val="0"/>
+            </a:spcBef>
+            <a:spcAft>
+              <a:spcPct val="35000"/>
+            </a:spcAft>
+            <a:buNone/>
+          </a:pPr>
+          <a:r>
+            <a:rPr lang="de-CH" sz="2500" kern="1200"/>
+            <a:t>Design Pattern:</a:t>
+          </a:r>
+          <a:endParaRPr lang="en-US" sz="2500" kern="1200"/>
+        </a:p>
+      </dsp:txBody>
+      <dsp:txXfrm>
+        <a:off x="1504795" y="504812"/>
+        <a:ext cx="5109210" cy="1302853"/>
+      </dsp:txXfrm>
+    </dsp:sp>
+    <dsp:sp modelId="{93ED1367-2B66-4527-8CE9-E3C325F90F4C}">
+      <dsp:nvSpPr>
+        <dsp:cNvPr id="0" name=""/>
+        <dsp:cNvSpPr/>
+      </dsp:nvSpPr>
+      <dsp:spPr>
+        <a:xfrm>
+          <a:off x="6614005" y="504812"/>
+          <a:ext cx="4738323" cy="1302853"/>
+        </a:xfrm>
+        <a:prstGeom prst="rect">
+          <a:avLst/>
+        </a:prstGeom>
+        <a:noFill/>
+        <a:ln>
+          <a:noFill/>
+        </a:ln>
+        <a:effectLst/>
+      </dsp:spPr>
+      <dsp:style>
+        <a:lnRef idx="0">
+          <a:scrgbClr r="0" g="0" b="0"/>
+        </a:lnRef>
+        <a:fillRef idx="0">
+          <a:scrgbClr r="0" g="0" b="0"/>
+        </a:fillRef>
+        <a:effectRef idx="0">
+          <a:scrgbClr r="0" g="0" b="0"/>
+        </a:effectRef>
+        <a:fontRef idx="minor"/>
+      </dsp:style>
+      <dsp:txBody>
+        <a:bodyPr spcFirstLastPara="0" vert="horz" wrap="square" lIns="137885" tIns="137885" rIns="137885" bIns="137885" numCol="1" spcCol="1270" anchor="ctr" anchorCtr="0">
+          <a:noAutofit/>
+        </a:bodyPr>
+        <a:lstStyle/>
+        <a:p>
+          <a:pPr marL="0" lvl="0" indent="0" algn="l" defTabSz="800100">
+            <a:lnSpc>
+              <a:spcPct val="100000"/>
+            </a:lnSpc>
+            <a:spcBef>
+              <a:spcPct val="0"/>
+            </a:spcBef>
+            <a:spcAft>
+              <a:spcPct val="35000"/>
+            </a:spcAft>
+            <a:buNone/>
+          </a:pPr>
+          <a:r>
+            <a:rPr lang="de-CH" sz="1800" kern="1200"/>
+            <a:t>Observer</a:t>
+          </a:r>
+          <a:endParaRPr lang="en-US" sz="1800" kern="1200"/>
+        </a:p>
+        <a:p>
+          <a:pPr marL="0" lvl="0" indent="0" algn="l" defTabSz="800100">
+            <a:lnSpc>
+              <a:spcPct val="100000"/>
+            </a:lnSpc>
+            <a:spcBef>
+              <a:spcPct val="0"/>
+            </a:spcBef>
+            <a:spcAft>
+              <a:spcPct val="35000"/>
+            </a:spcAft>
+            <a:buNone/>
+          </a:pPr>
+          <a:r>
+            <a:rPr lang="de-CH" sz="1800" kern="1200" dirty="0"/>
+            <a:t>Mediator</a:t>
+          </a:r>
+          <a:endParaRPr lang="en-US" sz="1800" kern="1200" dirty="0"/>
+        </a:p>
+        <a:p>
+          <a:pPr marL="0" lvl="0" indent="0" algn="l" defTabSz="800100">
+            <a:lnSpc>
+              <a:spcPct val="100000"/>
+            </a:lnSpc>
+            <a:spcBef>
+              <a:spcPct val="0"/>
+            </a:spcBef>
+            <a:spcAft>
+              <a:spcPct val="35000"/>
+            </a:spcAft>
+            <a:buNone/>
+          </a:pPr>
+          <a:r>
+            <a:rPr lang="de-CH" sz="1800" kern="1200"/>
+            <a:t>Factory</a:t>
+          </a:r>
+          <a:endParaRPr lang="en-US" sz="1800" kern="1200"/>
+        </a:p>
+        <a:p>
+          <a:pPr marL="0" lvl="0" indent="0" algn="l" defTabSz="800100">
+            <a:lnSpc>
+              <a:spcPct val="100000"/>
+            </a:lnSpc>
+            <a:spcBef>
+              <a:spcPct val="0"/>
+            </a:spcBef>
+            <a:spcAft>
+              <a:spcPct val="35000"/>
+            </a:spcAft>
+            <a:buNone/>
+          </a:pPr>
+          <a:r>
+            <a:rPr lang="de-CH" sz="1800" kern="1200"/>
+            <a:t>Builder</a:t>
+          </a:r>
+          <a:endParaRPr lang="en-US" sz="1800" kern="1200"/>
+        </a:p>
+      </dsp:txBody>
+      <dsp:txXfrm>
+        <a:off x="6614005" y="504812"/>
+        <a:ext cx="4738323" cy="1302853"/>
+      </dsp:txXfrm>
+    </dsp:sp>
+    <dsp:sp modelId="{C29E880B-F965-4532-B41A-E868044B3B27}">
+      <dsp:nvSpPr>
+        <dsp:cNvPr id="0" name=""/>
+        <dsp:cNvSpPr/>
+      </dsp:nvSpPr>
+      <dsp:spPr>
+        <a:xfrm>
+          <a:off x="0" y="2336069"/>
+          <a:ext cx="11353800" cy="1713147"/>
+        </a:xfrm>
+        <a:prstGeom prst="roundRect">
+          <a:avLst>
+            <a:gd name="adj" fmla="val 10000"/>
+          </a:avLst>
+        </a:prstGeom>
+        <a:solidFill>
+          <a:schemeClr val="accent1">
+            <a:tint val="40000"/>
+            <a:hueOff val="0"/>
+            <a:satOff val="0"/>
+            <a:lumOff val="0"/>
+            <a:alphaOff val="0"/>
+          </a:schemeClr>
+        </a:solidFill>
+        <a:ln>
+          <a:noFill/>
+        </a:ln>
+        <a:effectLst/>
+      </dsp:spPr>
+      <dsp:style>
+        <a:lnRef idx="0">
+          <a:scrgbClr r="0" g="0" b="0"/>
+        </a:lnRef>
+        <a:fillRef idx="1">
+          <a:scrgbClr r="0" g="0" b="0"/>
+        </a:fillRef>
+        <a:effectRef idx="0">
+          <a:scrgbClr r="0" g="0" b="0"/>
+        </a:effectRef>
+        <a:fontRef idx="minor"/>
+      </dsp:style>
+    </dsp:sp>
+    <dsp:sp modelId="{6FA9748E-C4B1-4DA2-9BCE-AFFFBF37EF56}">
+      <dsp:nvSpPr>
+        <dsp:cNvPr id="0" name=""/>
+        <dsp:cNvSpPr/>
+      </dsp:nvSpPr>
+      <dsp:spPr>
+        <a:xfrm>
+          <a:off x="394113" y="2834358"/>
+          <a:ext cx="716569" cy="716569"/>
+        </a:xfrm>
+        <a:prstGeom prst="rect">
+          <a:avLst/>
+        </a:prstGeom>
+        <a:blipFill>
+          <a:blip xmlns:r="http://schemas.openxmlformats.org/officeDocument/2006/relationships" r:embed="rId3">
+            <a:extLst>
+              <a:ext uri="{28A0092B-C50C-407E-A947-70E740481C1C}">
+                <a14:useLocalDpi xmlns:a14="http://schemas.microsoft.com/office/drawing/2010/main" val="0"/>
+              </a:ext>
+              <a:ext uri="{96DAC541-7B7A-43D3-8B79-37D633B846F1}">
+                <asvg:svgBlip xmlns:asvg="http://schemas.microsoft.com/office/drawing/2016/SVG/main" r:embed="rId4"/>
+              </a:ext>
+            </a:extLst>
+          </a:blip>
+          <a:stretch>
+            <a:fillRect/>
+          </a:stretch>
+        </a:blipFill>
+        <a:ln w="19050" cap="flat" cmpd="sng" algn="ctr">
+          <a:solidFill>
+            <a:schemeClr val="lt1">
+              <a:hueOff val="0"/>
+              <a:satOff val="0"/>
+              <a:lumOff val="0"/>
+              <a:alphaOff val="0"/>
+            </a:schemeClr>
+          </a:solidFill>
+          <a:prstDash val="solid"/>
+          <a:miter lim="800000"/>
+        </a:ln>
+        <a:effectLst/>
+      </dsp:spPr>
+      <dsp:style>
+        <a:lnRef idx="2">
+          <a:scrgbClr r="0" g="0" b="0"/>
+        </a:lnRef>
+        <a:fillRef idx="1">
+          <a:scrgbClr r="0" g="0" b="0"/>
+        </a:fillRef>
+        <a:effectRef idx="0">
+          <a:scrgbClr r="0" g="0" b="0"/>
+        </a:effectRef>
+        <a:fontRef idx="minor">
+          <a:schemeClr val="lt1"/>
+        </a:fontRef>
+      </dsp:style>
+    </dsp:sp>
+    <dsp:sp modelId="{32125C3C-CAF8-433D-A8B2-119D8C19F7A9}">
+      <dsp:nvSpPr>
+        <dsp:cNvPr id="0" name=""/>
+        <dsp:cNvSpPr/>
+      </dsp:nvSpPr>
+      <dsp:spPr>
+        <a:xfrm>
+          <a:off x="1504795" y="2541216"/>
+          <a:ext cx="5109210" cy="1302853"/>
+        </a:xfrm>
+        <a:prstGeom prst="rect">
+          <a:avLst/>
+        </a:prstGeom>
+        <a:noFill/>
+        <a:ln>
+          <a:noFill/>
+        </a:ln>
+        <a:effectLst/>
+      </dsp:spPr>
+      <dsp:style>
+        <a:lnRef idx="0">
+          <a:scrgbClr r="0" g="0" b="0"/>
+        </a:lnRef>
+        <a:fillRef idx="0">
+          <a:scrgbClr r="0" g="0" b="0"/>
+        </a:fillRef>
+        <a:effectRef idx="0">
+          <a:scrgbClr r="0" g="0" b="0"/>
+        </a:effectRef>
+        <a:fontRef idx="minor"/>
+      </dsp:style>
+      <dsp:txBody>
+        <a:bodyPr spcFirstLastPara="0" vert="horz" wrap="square" lIns="137885" tIns="137885" rIns="137885" bIns="137885" numCol="1" spcCol="1270" anchor="ctr" anchorCtr="0">
+          <a:noAutofit/>
+        </a:bodyPr>
+        <a:lstStyle/>
+        <a:p>
+          <a:pPr marL="0" lvl="0" indent="0" algn="l" defTabSz="1111250">
+            <a:lnSpc>
+              <a:spcPct val="100000"/>
+            </a:lnSpc>
+            <a:spcBef>
+              <a:spcPct val="0"/>
+            </a:spcBef>
+            <a:spcAft>
+              <a:spcPct val="35000"/>
+            </a:spcAft>
+            <a:buNone/>
+          </a:pPr>
+          <a:r>
+            <a:rPr lang="de-CH" sz="2500" kern="1200"/>
+            <a:t>Libraries:</a:t>
+          </a:r>
+          <a:endParaRPr lang="en-US" sz="2500" kern="1200"/>
+        </a:p>
+      </dsp:txBody>
+      <dsp:txXfrm>
+        <a:off x="1504795" y="2541216"/>
+        <a:ext cx="5109210" cy="1302853"/>
+      </dsp:txXfrm>
+    </dsp:sp>
+    <dsp:sp modelId="{F0BE213B-7DAF-4BFD-9328-92A5827BB5A8}">
+      <dsp:nvSpPr>
+        <dsp:cNvPr id="0" name=""/>
+        <dsp:cNvSpPr/>
+      </dsp:nvSpPr>
+      <dsp:spPr>
+        <a:xfrm>
+          <a:off x="6614005" y="2541216"/>
+          <a:ext cx="4738323" cy="1302853"/>
+        </a:xfrm>
+        <a:prstGeom prst="rect">
+          <a:avLst/>
+        </a:prstGeom>
+        <a:noFill/>
+        <a:ln>
+          <a:noFill/>
+        </a:ln>
+        <a:effectLst/>
+      </dsp:spPr>
+      <dsp:style>
+        <a:lnRef idx="0">
+          <a:scrgbClr r="0" g="0" b="0"/>
+        </a:lnRef>
+        <a:fillRef idx="0">
+          <a:scrgbClr r="0" g="0" b="0"/>
+        </a:fillRef>
+        <a:effectRef idx="0">
+          <a:scrgbClr r="0" g="0" b="0"/>
+        </a:effectRef>
+        <a:fontRef idx="minor"/>
+      </dsp:style>
+      <dsp:txBody>
+        <a:bodyPr spcFirstLastPara="0" vert="horz" wrap="square" lIns="137885" tIns="137885" rIns="137885" bIns="137885" numCol="1" spcCol="1270" anchor="ctr" anchorCtr="0">
+          <a:noAutofit/>
+        </a:bodyPr>
+        <a:lstStyle/>
+        <a:p>
+          <a:pPr marL="0" lvl="0" indent="0" algn="l" defTabSz="889000">
+            <a:lnSpc>
+              <a:spcPct val="100000"/>
+            </a:lnSpc>
+            <a:spcBef>
+              <a:spcPct val="0"/>
+            </a:spcBef>
+            <a:spcAft>
+              <a:spcPct val="35000"/>
+            </a:spcAft>
+            <a:buNone/>
+          </a:pPr>
+          <a:r>
+            <a:rPr lang="de-CH" sz="2000" kern="1200" dirty="0" err="1"/>
+            <a:t>Mockito</a:t>
+          </a:r>
+          <a:endParaRPr lang="en-US" sz="2000" kern="1200" dirty="0"/>
+        </a:p>
+        <a:p>
+          <a:pPr marL="0" lvl="0" indent="0" algn="l" defTabSz="889000">
+            <a:lnSpc>
+              <a:spcPct val="100000"/>
+            </a:lnSpc>
+            <a:spcBef>
+              <a:spcPct val="0"/>
+            </a:spcBef>
+            <a:spcAft>
+              <a:spcPct val="35000"/>
+            </a:spcAft>
+            <a:buNone/>
+          </a:pPr>
+          <a:r>
+            <a:rPr lang="de-CH" sz="2000" kern="1200"/>
+            <a:t>Gson</a:t>
+          </a:r>
+          <a:endParaRPr lang="en-US" sz="2000" kern="1200"/>
+        </a:p>
+      </dsp:txBody>
+      <dsp:txXfrm>
+        <a:off x="6614005" y="2541216"/>
+        <a:ext cx="4738323" cy="1302853"/>
+      </dsp:txXfrm>
+    </dsp:sp>
+  </dsp:spTree>
+</dsp:drawing>
+</file>
+
+<file path=ppt/diagrams/drawing2.xml><?xml version="1.0" encoding="utf-8"?>
+<dsp:drawing xmlns:dgm="http://schemas.openxmlformats.org/drawingml/2006/diagram" xmlns:dsp="http://schemas.microsoft.com/office/drawing/2008/diagram" xmlns:a="http://schemas.openxmlformats.org/drawingml/2006/main">
+  <dsp:spTree>
+    <dsp:nvGrpSpPr>
+      <dsp:cNvPr id="0" name=""/>
+      <dsp:cNvGrpSpPr/>
+    </dsp:nvGrpSpPr>
+    <dsp:grpSpPr/>
+    <dsp:sp modelId="{78FCC342-93DC-1249-BD24-2C4C14ADC784}">
+      <dsp:nvSpPr>
+        <dsp:cNvPr id="0" name=""/>
+        <dsp:cNvSpPr/>
+      </dsp:nvSpPr>
+      <dsp:spPr>
+        <a:xfrm>
+          <a:off x="3040792" y="870618"/>
+          <a:ext cx="667342" cy="91440"/>
+        </a:xfrm>
+        <a:custGeom>
+          <a:avLst/>
+          <a:gdLst/>
+          <a:ahLst/>
+          <a:cxnLst/>
+          <a:rect l="0" t="0" r="0" b="0"/>
+          <a:pathLst>
+            <a:path>
+              <a:moveTo>
+                <a:pt x="0" y="45720"/>
+              </a:moveTo>
+              <a:lnTo>
+                <a:pt x="667342" y="45720"/>
+              </a:lnTo>
+            </a:path>
+          </a:pathLst>
+        </a:custGeom>
+        <a:noFill/>
+        <a:ln w="12700" cap="flat" cmpd="sng" algn="ctr">
+          <a:solidFill>
+            <a:schemeClr val="accent1">
+              <a:hueOff val="0"/>
+              <a:satOff val="0"/>
+              <a:lumOff val="0"/>
+              <a:alphaOff val="0"/>
+            </a:schemeClr>
+          </a:solidFill>
+          <a:prstDash val="solid"/>
+          <a:miter lim="800000"/>
+          <a:tailEnd type="arrow"/>
+        </a:ln>
+        <a:effectLst/>
+      </dsp:spPr>
+      <dsp:style>
+        <a:lnRef idx="1">
+          <a:scrgbClr r="0" g="0" b="0"/>
+        </a:lnRef>
+        <a:fillRef idx="0">
+          <a:scrgbClr r="0" g="0" b="0"/>
+        </a:fillRef>
+        <a:effectRef idx="0">
+          <a:scrgbClr r="0" g="0" b="0"/>
+        </a:effectRef>
+        <a:fontRef idx="minor"/>
+      </dsp:style>
+      <dsp:txBody>
+        <a:bodyPr spcFirstLastPara="0" vert="horz" wrap="square" lIns="12700" tIns="0" rIns="12700" bIns="0" numCol="1" spcCol="1270" anchor="ctr" anchorCtr="0">
+          <a:noAutofit/>
+        </a:bodyPr>
+        <a:lstStyle/>
+        <a:p>
+          <a:pPr marL="0" lvl="0" indent="0" algn="ctr" defTabSz="222250">
+            <a:lnSpc>
+              <a:spcPct val="90000"/>
+            </a:lnSpc>
+            <a:spcBef>
+              <a:spcPct val="0"/>
+            </a:spcBef>
+            <a:spcAft>
+              <a:spcPct val="35000"/>
+            </a:spcAft>
+            <a:buNone/>
+          </a:pPr>
+          <a:endParaRPr lang="en-US" sz="500" kern="1200"/>
+        </a:p>
+      </dsp:txBody>
+      <dsp:txXfrm>
+        <a:off x="3357014" y="912848"/>
+        <a:ext cx="34897" cy="6979"/>
+      </dsp:txXfrm>
+    </dsp:sp>
+    <dsp:sp modelId="{C66664DA-ADE4-694F-B613-36213AE37403}">
+      <dsp:nvSpPr>
+        <dsp:cNvPr id="0" name=""/>
+        <dsp:cNvSpPr/>
+      </dsp:nvSpPr>
+      <dsp:spPr>
+        <a:xfrm>
+          <a:off x="8061" y="5979"/>
+          <a:ext cx="3034531" cy="1820718"/>
+        </a:xfrm>
+        <a:prstGeom prst="rect">
+          <a:avLst/>
+        </a:prstGeom>
+        <a:solidFill>
+          <a:schemeClr val="accent1">
+            <a:hueOff val="0"/>
+            <a:satOff val="0"/>
+            <a:lumOff val="0"/>
+            <a:alphaOff val="0"/>
+          </a:schemeClr>
+        </a:solidFill>
+        <a:ln w="19050" cap="flat" cmpd="sng" algn="ctr">
+          <a:solidFill>
+            <a:schemeClr val="lt1">
+              <a:hueOff val="0"/>
+              <a:satOff val="0"/>
+              <a:lumOff val="0"/>
+              <a:alphaOff val="0"/>
+            </a:schemeClr>
+          </a:solidFill>
+          <a:prstDash val="solid"/>
+          <a:miter lim="800000"/>
+        </a:ln>
+        <a:effectLst/>
+      </dsp:spPr>
+      <dsp:style>
+        <a:lnRef idx="2">
+          <a:scrgbClr r="0" g="0" b="0"/>
+        </a:lnRef>
+        <a:fillRef idx="1">
+          <a:scrgbClr r="0" g="0" b="0"/>
+        </a:fillRef>
+        <a:effectRef idx="0">
+          <a:scrgbClr r="0" g="0" b="0"/>
+        </a:effectRef>
+        <a:fontRef idx="minor">
+          <a:schemeClr val="lt1"/>
+        </a:fontRef>
+      </dsp:style>
+      <dsp:txBody>
+        <a:bodyPr spcFirstLastPara="0" vert="horz" wrap="square" lIns="148695" tIns="156081" rIns="148695" bIns="156081" numCol="1" spcCol="1270" anchor="ctr" anchorCtr="0">
+          <a:noAutofit/>
+        </a:bodyPr>
+        <a:lstStyle/>
+        <a:p>
+          <a:pPr marL="0" lvl="0" indent="0" algn="ctr" defTabSz="977900">
+            <a:lnSpc>
+              <a:spcPct val="90000"/>
+            </a:lnSpc>
+            <a:spcBef>
+              <a:spcPct val="0"/>
+            </a:spcBef>
+            <a:spcAft>
+              <a:spcPct val="35000"/>
+            </a:spcAft>
+            <a:buNone/>
+          </a:pPr>
+          <a:r>
+            <a:rPr lang="de-CH" sz="2200" kern="1200"/>
+            <a:t>Funktionale Anforderungen</a:t>
+          </a:r>
+          <a:endParaRPr lang="en-US" sz="2200" kern="1200"/>
+        </a:p>
+      </dsp:txBody>
+      <dsp:txXfrm>
+        <a:off x="8061" y="5979"/>
+        <a:ext cx="3034531" cy="1820718"/>
+      </dsp:txXfrm>
+    </dsp:sp>
+    <dsp:sp modelId="{5DCF88B7-72D5-534E-A71C-CC36BB023BD3}">
+      <dsp:nvSpPr>
+        <dsp:cNvPr id="0" name=""/>
+        <dsp:cNvSpPr/>
+      </dsp:nvSpPr>
+      <dsp:spPr>
+        <a:xfrm>
+          <a:off x="6773265" y="870618"/>
+          <a:ext cx="667342" cy="91440"/>
+        </a:xfrm>
+        <a:custGeom>
+          <a:avLst/>
+          <a:gdLst/>
+          <a:ahLst/>
+          <a:cxnLst/>
+          <a:rect l="0" t="0" r="0" b="0"/>
+          <a:pathLst>
+            <a:path>
+              <a:moveTo>
+                <a:pt x="0" y="45720"/>
+              </a:moveTo>
+              <a:lnTo>
+                <a:pt x="667342" y="45720"/>
+              </a:lnTo>
+            </a:path>
+          </a:pathLst>
+        </a:custGeom>
+        <a:noFill/>
+        <a:ln w="12700" cap="flat" cmpd="sng" algn="ctr">
+          <a:solidFill>
+            <a:schemeClr val="accent1">
+              <a:hueOff val="0"/>
+              <a:satOff val="0"/>
+              <a:lumOff val="0"/>
+              <a:alphaOff val="0"/>
+            </a:schemeClr>
+          </a:solidFill>
+          <a:prstDash val="solid"/>
+          <a:miter lim="800000"/>
+          <a:tailEnd type="arrow"/>
+        </a:ln>
+        <a:effectLst/>
+      </dsp:spPr>
+      <dsp:style>
+        <a:lnRef idx="1">
+          <a:scrgbClr r="0" g="0" b="0"/>
+        </a:lnRef>
+        <a:fillRef idx="0">
+          <a:scrgbClr r="0" g="0" b="0"/>
+        </a:fillRef>
+        <a:effectRef idx="0">
+          <a:scrgbClr r="0" g="0" b="0"/>
+        </a:effectRef>
+        <a:fontRef idx="minor"/>
+      </dsp:style>
+      <dsp:txBody>
+        <a:bodyPr spcFirstLastPara="0" vert="horz" wrap="square" lIns="12700" tIns="0" rIns="12700" bIns="0" numCol="1" spcCol="1270" anchor="ctr" anchorCtr="0">
+          <a:noAutofit/>
+        </a:bodyPr>
+        <a:lstStyle/>
+        <a:p>
+          <a:pPr marL="0" lvl="0" indent="0" algn="ctr" defTabSz="222250">
+            <a:lnSpc>
+              <a:spcPct val="90000"/>
+            </a:lnSpc>
+            <a:spcBef>
+              <a:spcPct val="0"/>
+            </a:spcBef>
+            <a:spcAft>
+              <a:spcPct val="35000"/>
+            </a:spcAft>
+            <a:buNone/>
+          </a:pPr>
+          <a:endParaRPr lang="en-US" sz="500" kern="1200"/>
+        </a:p>
+      </dsp:txBody>
+      <dsp:txXfrm>
+        <a:off x="7089488" y="912848"/>
+        <a:ext cx="34897" cy="6979"/>
+      </dsp:txXfrm>
+    </dsp:sp>
+    <dsp:sp modelId="{4E229E0C-1951-594E-A363-17172A5F43C6}">
+      <dsp:nvSpPr>
+        <dsp:cNvPr id="0" name=""/>
+        <dsp:cNvSpPr/>
+      </dsp:nvSpPr>
+      <dsp:spPr>
+        <a:xfrm>
+          <a:off x="3740534" y="5979"/>
+          <a:ext cx="3034531" cy="1820718"/>
+        </a:xfrm>
+        <a:prstGeom prst="rect">
+          <a:avLst/>
+        </a:prstGeom>
+        <a:solidFill>
+          <a:schemeClr val="accent1">
+            <a:hueOff val="0"/>
+            <a:satOff val="0"/>
+            <a:lumOff val="0"/>
+            <a:alphaOff val="0"/>
+          </a:schemeClr>
+        </a:solidFill>
+        <a:ln w="19050" cap="flat" cmpd="sng" algn="ctr">
+          <a:solidFill>
+            <a:schemeClr val="lt1">
+              <a:hueOff val="0"/>
+              <a:satOff val="0"/>
+              <a:lumOff val="0"/>
+              <a:alphaOff val="0"/>
+            </a:schemeClr>
+          </a:solidFill>
+          <a:prstDash val="solid"/>
+          <a:miter lim="800000"/>
+        </a:ln>
+        <a:effectLst/>
+      </dsp:spPr>
+      <dsp:style>
+        <a:lnRef idx="2">
+          <a:scrgbClr r="0" g="0" b="0"/>
+        </a:lnRef>
+        <a:fillRef idx="1">
+          <a:scrgbClr r="0" g="0" b="0"/>
+        </a:fillRef>
+        <a:effectRef idx="0">
+          <a:scrgbClr r="0" g="0" b="0"/>
+        </a:effectRef>
+        <a:fontRef idx="minor">
+          <a:schemeClr val="lt1"/>
+        </a:fontRef>
+      </dsp:style>
+      <dsp:txBody>
+        <a:bodyPr spcFirstLastPara="0" vert="horz" wrap="square" lIns="148695" tIns="156081" rIns="148695" bIns="156081" numCol="1" spcCol="1270" anchor="ctr" anchorCtr="0">
+          <a:noAutofit/>
+        </a:bodyPr>
+        <a:lstStyle/>
+        <a:p>
+          <a:pPr marL="0" lvl="0" indent="0" algn="ctr" defTabSz="977900">
+            <a:lnSpc>
+              <a:spcPct val="90000"/>
+            </a:lnSpc>
+            <a:spcBef>
+              <a:spcPct val="0"/>
+            </a:spcBef>
+            <a:spcAft>
+              <a:spcPct val="35000"/>
+            </a:spcAft>
+            <a:buNone/>
+          </a:pPr>
+          <a:r>
+            <a:rPr lang="de-CH" sz="2200" kern="1200"/>
+            <a:t>Leistung &amp; Performance</a:t>
+          </a:r>
+          <a:endParaRPr lang="en-US" sz="2200" kern="1200"/>
+        </a:p>
+      </dsp:txBody>
+      <dsp:txXfrm>
+        <a:off x="3740534" y="5979"/>
+        <a:ext cx="3034531" cy="1820718"/>
+      </dsp:txXfrm>
+    </dsp:sp>
+    <dsp:sp modelId="{A68E4854-F5BD-F04C-A103-0956FF28B758}">
+      <dsp:nvSpPr>
+        <dsp:cNvPr id="0" name=""/>
+        <dsp:cNvSpPr/>
+      </dsp:nvSpPr>
+      <dsp:spPr>
+        <a:xfrm>
+          <a:off x="1525326" y="1824897"/>
+          <a:ext cx="7464946" cy="667342"/>
+        </a:xfrm>
+        <a:custGeom>
+          <a:avLst/>
+          <a:gdLst/>
+          <a:ahLst/>
+          <a:cxnLst/>
+          <a:rect l="0" t="0" r="0" b="0"/>
+          <a:pathLst>
+            <a:path>
+              <a:moveTo>
+                <a:pt x="7464946" y="0"/>
+              </a:moveTo>
+              <a:lnTo>
+                <a:pt x="7464946" y="350771"/>
+              </a:lnTo>
+              <a:lnTo>
+                <a:pt x="0" y="350771"/>
+              </a:lnTo>
+              <a:lnTo>
+                <a:pt x="0" y="667342"/>
+              </a:lnTo>
+            </a:path>
+          </a:pathLst>
+        </a:custGeom>
+        <a:noFill/>
+        <a:ln w="12700" cap="flat" cmpd="sng" algn="ctr">
+          <a:solidFill>
+            <a:schemeClr val="accent1">
+              <a:hueOff val="0"/>
+              <a:satOff val="0"/>
+              <a:lumOff val="0"/>
+              <a:alphaOff val="0"/>
+            </a:schemeClr>
+          </a:solidFill>
+          <a:prstDash val="solid"/>
+          <a:miter lim="800000"/>
+          <a:tailEnd type="arrow"/>
+        </a:ln>
+        <a:effectLst/>
+      </dsp:spPr>
+      <dsp:style>
+        <a:lnRef idx="1">
+          <a:scrgbClr r="0" g="0" b="0"/>
+        </a:lnRef>
+        <a:fillRef idx="0">
+          <a:scrgbClr r="0" g="0" b="0"/>
+        </a:fillRef>
+        <a:effectRef idx="0">
+          <a:scrgbClr r="0" g="0" b="0"/>
+        </a:effectRef>
+        <a:fontRef idx="minor"/>
+      </dsp:style>
+      <dsp:txBody>
+        <a:bodyPr spcFirstLastPara="0" vert="horz" wrap="square" lIns="12700" tIns="0" rIns="12700" bIns="0" numCol="1" spcCol="1270" anchor="ctr" anchorCtr="0">
+          <a:noAutofit/>
+        </a:bodyPr>
+        <a:lstStyle/>
+        <a:p>
+          <a:pPr marL="0" lvl="0" indent="0" algn="ctr" defTabSz="222250">
+            <a:lnSpc>
+              <a:spcPct val="90000"/>
+            </a:lnSpc>
+            <a:spcBef>
+              <a:spcPct val="0"/>
+            </a:spcBef>
+            <a:spcAft>
+              <a:spcPct val="35000"/>
+            </a:spcAft>
+            <a:buNone/>
+          </a:pPr>
+          <a:endParaRPr lang="en-US" sz="500" kern="1200"/>
+        </a:p>
+      </dsp:txBody>
+      <dsp:txXfrm>
+        <a:off x="5070362" y="2155079"/>
+        <a:ext cx="374875" cy="6979"/>
+      </dsp:txXfrm>
+    </dsp:sp>
+    <dsp:sp modelId="{8C5765C8-012C-8942-8EDC-7D4C4E4783AE}">
+      <dsp:nvSpPr>
+        <dsp:cNvPr id="0" name=""/>
+        <dsp:cNvSpPr/>
+      </dsp:nvSpPr>
+      <dsp:spPr>
+        <a:xfrm>
+          <a:off x="7473007" y="5979"/>
+          <a:ext cx="3034531" cy="1820718"/>
+        </a:xfrm>
+        <a:prstGeom prst="rect">
+          <a:avLst/>
+        </a:prstGeom>
+        <a:solidFill>
+          <a:schemeClr val="accent1">
+            <a:hueOff val="0"/>
+            <a:satOff val="0"/>
+            <a:lumOff val="0"/>
+            <a:alphaOff val="0"/>
+          </a:schemeClr>
+        </a:solidFill>
+        <a:ln w="19050" cap="flat" cmpd="sng" algn="ctr">
+          <a:solidFill>
+            <a:schemeClr val="lt1">
+              <a:hueOff val="0"/>
+              <a:satOff val="0"/>
+              <a:lumOff val="0"/>
+              <a:alphaOff val="0"/>
+            </a:schemeClr>
+          </a:solidFill>
+          <a:prstDash val="solid"/>
+          <a:miter lim="800000"/>
+        </a:ln>
+        <a:effectLst/>
+      </dsp:spPr>
+      <dsp:style>
+        <a:lnRef idx="2">
+          <a:scrgbClr r="0" g="0" b="0"/>
+        </a:lnRef>
+        <a:fillRef idx="1">
+          <a:scrgbClr r="0" g="0" b="0"/>
+        </a:fillRef>
+        <a:effectRef idx="0">
+          <a:scrgbClr r="0" g="0" b="0"/>
+        </a:effectRef>
+        <a:fontRef idx="minor">
+          <a:schemeClr val="lt1"/>
+        </a:fontRef>
+      </dsp:style>
+      <dsp:txBody>
+        <a:bodyPr spcFirstLastPara="0" vert="horz" wrap="square" lIns="148695" tIns="156081" rIns="148695" bIns="156081" numCol="1" spcCol="1270" anchor="ctr" anchorCtr="0">
+          <a:noAutofit/>
+        </a:bodyPr>
+        <a:lstStyle/>
+        <a:p>
+          <a:pPr marL="0" lvl="0" indent="0" algn="ctr" defTabSz="977900">
+            <a:lnSpc>
+              <a:spcPct val="90000"/>
+            </a:lnSpc>
+            <a:spcBef>
+              <a:spcPct val="0"/>
+            </a:spcBef>
+            <a:spcAft>
+              <a:spcPct val="35000"/>
+            </a:spcAft>
+            <a:buNone/>
+          </a:pPr>
+          <a:r>
+            <a:rPr lang="de-CH" sz="2200" kern="1200"/>
+            <a:t>Sicherheit</a:t>
+          </a:r>
+          <a:endParaRPr lang="en-US" sz="2200" kern="1200"/>
+        </a:p>
+      </dsp:txBody>
+      <dsp:txXfrm>
+        <a:off x="7473007" y="5979"/>
+        <a:ext cx="3034531" cy="1820718"/>
+      </dsp:txXfrm>
+    </dsp:sp>
+    <dsp:sp modelId="{5E2DD8F0-0DBC-EC4D-AF7E-870FEB094629}">
+      <dsp:nvSpPr>
+        <dsp:cNvPr id="0" name=""/>
+        <dsp:cNvSpPr/>
+      </dsp:nvSpPr>
+      <dsp:spPr>
+        <a:xfrm>
+          <a:off x="3040792" y="3389279"/>
+          <a:ext cx="667342" cy="91440"/>
+        </a:xfrm>
+        <a:custGeom>
+          <a:avLst/>
+          <a:gdLst/>
+          <a:ahLst/>
+          <a:cxnLst/>
+          <a:rect l="0" t="0" r="0" b="0"/>
+          <a:pathLst>
+            <a:path>
+              <a:moveTo>
+                <a:pt x="0" y="45720"/>
+              </a:moveTo>
+              <a:lnTo>
+                <a:pt x="667342" y="45720"/>
+              </a:lnTo>
+            </a:path>
+          </a:pathLst>
+        </a:custGeom>
+        <a:noFill/>
+        <a:ln w="12700" cap="flat" cmpd="sng" algn="ctr">
+          <a:solidFill>
+            <a:schemeClr val="accent1">
+              <a:hueOff val="0"/>
+              <a:satOff val="0"/>
+              <a:lumOff val="0"/>
+              <a:alphaOff val="0"/>
+            </a:schemeClr>
+          </a:solidFill>
+          <a:prstDash val="solid"/>
+          <a:miter lim="800000"/>
+          <a:tailEnd type="arrow"/>
+        </a:ln>
+        <a:effectLst/>
+      </dsp:spPr>
+      <dsp:style>
+        <a:lnRef idx="1">
+          <a:scrgbClr r="0" g="0" b="0"/>
+        </a:lnRef>
+        <a:fillRef idx="0">
+          <a:scrgbClr r="0" g="0" b="0"/>
+        </a:fillRef>
+        <a:effectRef idx="0">
+          <a:scrgbClr r="0" g="0" b="0"/>
+        </a:effectRef>
+        <a:fontRef idx="minor"/>
+      </dsp:style>
+      <dsp:txBody>
+        <a:bodyPr spcFirstLastPara="0" vert="horz" wrap="square" lIns="12700" tIns="0" rIns="12700" bIns="0" numCol="1" spcCol="1270" anchor="ctr" anchorCtr="0">
+          <a:noAutofit/>
+        </a:bodyPr>
+        <a:lstStyle/>
+        <a:p>
+          <a:pPr marL="0" lvl="0" indent="0" algn="ctr" defTabSz="222250">
+            <a:lnSpc>
+              <a:spcPct val="90000"/>
+            </a:lnSpc>
+            <a:spcBef>
+              <a:spcPct val="0"/>
+            </a:spcBef>
+            <a:spcAft>
+              <a:spcPct val="35000"/>
+            </a:spcAft>
+            <a:buNone/>
+          </a:pPr>
+          <a:endParaRPr lang="en-US" sz="500" kern="1200"/>
+        </a:p>
+      </dsp:txBody>
+      <dsp:txXfrm>
+        <a:off x="3357014" y="3431509"/>
+        <a:ext cx="34897" cy="6979"/>
+      </dsp:txXfrm>
+    </dsp:sp>
+    <dsp:sp modelId="{C58FD63C-2BA0-7049-822E-36D8C17AEDBC}">
+      <dsp:nvSpPr>
+        <dsp:cNvPr id="0" name=""/>
+        <dsp:cNvSpPr/>
+      </dsp:nvSpPr>
+      <dsp:spPr>
+        <a:xfrm>
+          <a:off x="8061" y="2524640"/>
+          <a:ext cx="3034531" cy="1820718"/>
+        </a:xfrm>
+        <a:prstGeom prst="rect">
+          <a:avLst/>
+        </a:prstGeom>
+        <a:solidFill>
+          <a:schemeClr val="accent1">
+            <a:hueOff val="0"/>
+            <a:satOff val="0"/>
+            <a:lumOff val="0"/>
+            <a:alphaOff val="0"/>
+          </a:schemeClr>
+        </a:solidFill>
+        <a:ln w="19050" cap="flat" cmpd="sng" algn="ctr">
+          <a:solidFill>
+            <a:schemeClr val="lt1">
+              <a:hueOff val="0"/>
+              <a:satOff val="0"/>
+              <a:lumOff val="0"/>
+              <a:alphaOff val="0"/>
+            </a:schemeClr>
+          </a:solidFill>
+          <a:prstDash val="solid"/>
+          <a:miter lim="800000"/>
+        </a:ln>
+        <a:effectLst/>
+      </dsp:spPr>
+      <dsp:style>
+        <a:lnRef idx="2">
+          <a:scrgbClr r="0" g="0" b="0"/>
+        </a:lnRef>
+        <a:fillRef idx="1">
+          <a:scrgbClr r="0" g="0" b="0"/>
+        </a:fillRef>
+        <a:effectRef idx="0">
+          <a:scrgbClr r="0" g="0" b="0"/>
+        </a:effectRef>
+        <a:fontRef idx="minor">
+          <a:schemeClr val="lt1"/>
+        </a:fontRef>
+      </dsp:style>
+      <dsp:txBody>
+        <a:bodyPr spcFirstLastPara="0" vert="horz" wrap="square" lIns="148695" tIns="156081" rIns="148695" bIns="156081" numCol="1" spcCol="1270" anchor="ctr" anchorCtr="0">
+          <a:noAutofit/>
+        </a:bodyPr>
+        <a:lstStyle/>
+        <a:p>
+          <a:pPr marL="0" lvl="0" indent="0" algn="ctr" defTabSz="977900">
+            <a:lnSpc>
+              <a:spcPct val="90000"/>
+            </a:lnSpc>
+            <a:spcBef>
+              <a:spcPct val="0"/>
+            </a:spcBef>
+            <a:spcAft>
+              <a:spcPct val="35000"/>
+            </a:spcAft>
+            <a:buNone/>
+          </a:pPr>
+          <a:r>
+            <a:rPr lang="de-CH" sz="2200" kern="1200"/>
+            <a:t>Benutzerfreundlichkeit</a:t>
+          </a:r>
+          <a:endParaRPr lang="en-US" sz="2200" kern="1200"/>
+        </a:p>
+      </dsp:txBody>
+      <dsp:txXfrm>
+        <a:off x="8061" y="2524640"/>
+        <a:ext cx="3034531" cy="1820718"/>
+      </dsp:txXfrm>
+    </dsp:sp>
+    <dsp:sp modelId="{1E7C5174-2411-9444-87B4-E3FFE9EDDEC4}">
+      <dsp:nvSpPr>
+        <dsp:cNvPr id="0" name=""/>
+        <dsp:cNvSpPr/>
+      </dsp:nvSpPr>
+      <dsp:spPr>
+        <a:xfrm>
+          <a:off x="6773265" y="3389279"/>
+          <a:ext cx="667342" cy="91440"/>
+        </a:xfrm>
+        <a:custGeom>
+          <a:avLst/>
+          <a:gdLst/>
+          <a:ahLst/>
+          <a:cxnLst/>
+          <a:rect l="0" t="0" r="0" b="0"/>
+          <a:pathLst>
+            <a:path>
+              <a:moveTo>
+                <a:pt x="0" y="45720"/>
+              </a:moveTo>
+              <a:lnTo>
+                <a:pt x="667342" y="45720"/>
+              </a:lnTo>
+            </a:path>
+          </a:pathLst>
+        </a:custGeom>
+        <a:noFill/>
+        <a:ln w="12700" cap="flat" cmpd="sng" algn="ctr">
+          <a:solidFill>
+            <a:schemeClr val="accent1">
+              <a:hueOff val="0"/>
+              <a:satOff val="0"/>
+              <a:lumOff val="0"/>
+              <a:alphaOff val="0"/>
+            </a:schemeClr>
+          </a:solidFill>
+          <a:prstDash val="solid"/>
+          <a:miter lim="800000"/>
+          <a:tailEnd type="arrow"/>
+        </a:ln>
+        <a:effectLst/>
+      </dsp:spPr>
+      <dsp:style>
+        <a:lnRef idx="1">
+          <a:scrgbClr r="0" g="0" b="0"/>
+        </a:lnRef>
+        <a:fillRef idx="0">
+          <a:scrgbClr r="0" g="0" b="0"/>
+        </a:fillRef>
+        <a:effectRef idx="0">
+          <a:scrgbClr r="0" g="0" b="0"/>
+        </a:effectRef>
+        <a:fontRef idx="minor"/>
+      </dsp:style>
+      <dsp:txBody>
+        <a:bodyPr spcFirstLastPara="0" vert="horz" wrap="square" lIns="12700" tIns="0" rIns="12700" bIns="0" numCol="1" spcCol="1270" anchor="ctr" anchorCtr="0">
+          <a:noAutofit/>
+        </a:bodyPr>
+        <a:lstStyle/>
+        <a:p>
+          <a:pPr marL="0" lvl="0" indent="0" algn="ctr" defTabSz="222250">
+            <a:lnSpc>
+              <a:spcPct val="90000"/>
+            </a:lnSpc>
+            <a:spcBef>
+              <a:spcPct val="0"/>
+            </a:spcBef>
+            <a:spcAft>
+              <a:spcPct val="35000"/>
+            </a:spcAft>
+            <a:buNone/>
+          </a:pPr>
+          <a:endParaRPr lang="en-US" sz="500" kern="1200"/>
+        </a:p>
+      </dsp:txBody>
+      <dsp:txXfrm>
+        <a:off x="7089488" y="3431509"/>
+        <a:ext cx="34897" cy="6979"/>
+      </dsp:txXfrm>
+    </dsp:sp>
+    <dsp:sp modelId="{F1E8D039-188A-394A-B90E-8852E2B4EC03}">
+      <dsp:nvSpPr>
+        <dsp:cNvPr id="0" name=""/>
+        <dsp:cNvSpPr/>
+      </dsp:nvSpPr>
+      <dsp:spPr>
+        <a:xfrm>
+          <a:off x="3740534" y="2524640"/>
+          <a:ext cx="3034531" cy="1820718"/>
+        </a:xfrm>
+        <a:prstGeom prst="rect">
+          <a:avLst/>
+        </a:prstGeom>
+        <a:solidFill>
+          <a:schemeClr val="accent1">
+            <a:hueOff val="0"/>
+            <a:satOff val="0"/>
+            <a:lumOff val="0"/>
+            <a:alphaOff val="0"/>
+          </a:schemeClr>
+        </a:solidFill>
+        <a:ln w="19050" cap="flat" cmpd="sng" algn="ctr">
+          <a:solidFill>
+            <a:schemeClr val="lt1">
+              <a:hueOff val="0"/>
+              <a:satOff val="0"/>
+              <a:lumOff val="0"/>
+              <a:alphaOff val="0"/>
+            </a:schemeClr>
+          </a:solidFill>
+          <a:prstDash val="solid"/>
+          <a:miter lim="800000"/>
+        </a:ln>
+        <a:effectLst/>
+      </dsp:spPr>
+      <dsp:style>
+        <a:lnRef idx="2">
+          <a:scrgbClr r="0" g="0" b="0"/>
+        </a:lnRef>
+        <a:fillRef idx="1">
+          <a:scrgbClr r="0" g="0" b="0"/>
+        </a:fillRef>
+        <a:effectRef idx="0">
+          <a:scrgbClr r="0" g="0" b="0"/>
+        </a:effectRef>
+        <a:fontRef idx="minor">
+          <a:schemeClr val="lt1"/>
+        </a:fontRef>
+      </dsp:style>
+      <dsp:txBody>
+        <a:bodyPr spcFirstLastPara="0" vert="horz" wrap="square" lIns="148695" tIns="156081" rIns="148695" bIns="156081" numCol="1" spcCol="1270" anchor="ctr" anchorCtr="0">
+          <a:noAutofit/>
+        </a:bodyPr>
+        <a:lstStyle/>
+        <a:p>
+          <a:pPr marL="0" lvl="0" indent="0" algn="ctr" defTabSz="977900">
+            <a:lnSpc>
+              <a:spcPct val="90000"/>
+            </a:lnSpc>
+            <a:spcBef>
+              <a:spcPct val="0"/>
+            </a:spcBef>
+            <a:spcAft>
+              <a:spcPct val="35000"/>
+            </a:spcAft>
+            <a:buNone/>
+          </a:pPr>
+          <a:r>
+            <a:rPr lang="de-CH" sz="2200" kern="1200"/>
+            <a:t>Erweiterbarkeit und Wartung</a:t>
+          </a:r>
+          <a:endParaRPr lang="en-US" sz="2200" kern="1200"/>
+        </a:p>
+      </dsp:txBody>
+      <dsp:txXfrm>
+        <a:off x="3740534" y="2524640"/>
+        <a:ext cx="3034531" cy="1820718"/>
+      </dsp:txXfrm>
+    </dsp:sp>
+    <dsp:sp modelId="{53A9538A-6B37-6942-ABC2-59B1A318F4CE}">
+      <dsp:nvSpPr>
+        <dsp:cNvPr id="0" name=""/>
+        <dsp:cNvSpPr/>
+      </dsp:nvSpPr>
+      <dsp:spPr>
+        <a:xfrm>
+          <a:off x="7473007" y="2524640"/>
+          <a:ext cx="3034531" cy="1820718"/>
+        </a:xfrm>
+        <a:prstGeom prst="rect">
+          <a:avLst/>
+        </a:prstGeom>
+        <a:solidFill>
+          <a:schemeClr val="accent1">
+            <a:hueOff val="0"/>
+            <a:satOff val="0"/>
+            <a:lumOff val="0"/>
+            <a:alphaOff val="0"/>
+          </a:schemeClr>
+        </a:solidFill>
+        <a:ln w="19050" cap="flat" cmpd="sng" algn="ctr">
+          <a:solidFill>
+            <a:schemeClr val="lt1">
+              <a:hueOff val="0"/>
+              <a:satOff val="0"/>
+              <a:lumOff val="0"/>
+              <a:alphaOff val="0"/>
+            </a:schemeClr>
+          </a:solidFill>
+          <a:prstDash val="solid"/>
+          <a:miter lim="800000"/>
+        </a:ln>
+        <a:effectLst/>
+      </dsp:spPr>
+      <dsp:style>
+        <a:lnRef idx="2">
+          <a:scrgbClr r="0" g="0" b="0"/>
+        </a:lnRef>
+        <a:fillRef idx="1">
+          <a:scrgbClr r="0" g="0" b="0"/>
+        </a:fillRef>
+        <a:effectRef idx="0">
+          <a:scrgbClr r="0" g="0" b="0"/>
+        </a:effectRef>
+        <a:fontRef idx="minor">
+          <a:schemeClr val="lt1"/>
+        </a:fontRef>
+      </dsp:style>
+      <dsp:txBody>
+        <a:bodyPr spcFirstLastPara="0" vert="horz" wrap="square" lIns="148695" tIns="156081" rIns="148695" bIns="156081" numCol="1" spcCol="1270" anchor="ctr" anchorCtr="0">
+          <a:noAutofit/>
+        </a:bodyPr>
+        <a:lstStyle/>
+        <a:p>
+          <a:pPr marL="0" lvl="0" indent="0" algn="ctr" defTabSz="977900">
+            <a:lnSpc>
+              <a:spcPct val="90000"/>
+            </a:lnSpc>
+            <a:spcBef>
+              <a:spcPct val="0"/>
+            </a:spcBef>
+            <a:spcAft>
+              <a:spcPct val="35000"/>
+            </a:spcAft>
+            <a:buNone/>
+          </a:pPr>
+          <a:r>
+            <a:rPr lang="de-CH" sz="2200" kern="1200"/>
+            <a:t>Qualitätssicherung</a:t>
+          </a:r>
+          <a:endParaRPr lang="en-US" sz="2200" kern="1200"/>
+        </a:p>
+      </dsp:txBody>
+      <dsp:txXfrm>
+        <a:off x="7473007" y="2524640"/>
+        <a:ext cx="3034531" cy="1820718"/>
+      </dsp:txXfrm>
+    </dsp:sp>
+  </dsp:spTree>
+</dsp:drawing>
+</file>
+
+<file path=ppt/diagrams/layout1.xml><?xml version="1.0" encoding="utf-8"?>
+<dgm:layoutDef xmlns:dgm="http://schemas.openxmlformats.org/drawingml/2006/diagram" xmlns:a="http://schemas.openxmlformats.org/drawingml/2006/main" uniqueId="urn:microsoft.com/office/officeart/2018/2/layout/IconVerticalSolidList">
+  <dgm:title val="Icon Vertical Solid List"/>
+  <dgm:desc val="Use to show a series of visuals from top to bottom with Level 1 or Level 1 and Level 2 text grouped in a shape. Works best with icons or small pictures with lengthier descriptions."/>
+  <dgm:catLst>
+    <dgm:cat type="icon" pri="500"/>
+  </dgm:catLst>
+  <dgm:sampData useDef="1">
+    <dgm:dataModel>
+      <dgm:ptLst/>
+      <dgm:bg/>
+      <dgm:whole/>
+    </dgm:dataModel>
+  </dgm:sampData>
+  <dgm:styleData useDef="1">
+    <dgm:dataModel>
+      <dgm:ptLst/>
+      <dgm:bg/>
+      <dgm:whole/>
+    </dgm:dataModel>
+  </dgm:styleData>
+  <dgm:clrData useDef="1">
+    <dgm:dataModel>
+      <dgm:ptLst/>
+      <dgm:bg/>
+      <dgm:whole/>
+    </dgm:dataModel>
+  </dgm:clrData>
+  <dgm:layoutNode name="root">
+    <dgm:varLst>
+      <dgm:dir/>
+      <dgm:resizeHandles val="exact"/>
+    </dgm:varLst>
+    <dgm:choose name="Name0">
+      <dgm:if name="Name1" axis="self" func="var" arg="dir" op="equ" val="norm">
+        <dgm:alg type="lin">
+          <dgm:param type="linDir" val="fromT"/>
+          <dgm:param type="nodeHorzAlign" val="l"/>
+        </dgm:alg>
+      </dgm:if>
+      <dgm:else name="Name2">
+        <dgm:alg type="lin">
+          <dgm:param type="linDir" val="fromT"/>
+          <dgm:param type="nodeHorzAlign" val="r"/>
+        </dgm:alg>
+      </dgm:else>
+    </dgm:choose>
+    <dgm:shape xmlns:r="http://schemas.openxmlformats.org/officeDocument/2006/relationships" r:blip="">
+      <dgm:adjLst/>
+    </dgm:shape>
+    <dgm:presOf/>
+    <dgm:choose name="Name3">
+      <dgm:if name="Name4" axis="ch" ptType="node" func="cnt" op="lte" val="3">
+        <dgm:constrLst>
+          <dgm:constr type="h" for="ch" forName="compNode" refType="h" fact="0.3"/>
+          <dgm:constr type="w" for="ch" forName="compNode" refType="w"/>
+          <dgm:constr type="h" for="ch" forName="sibTrans" refType="h" refFor="ch" refForName="compNode" fact="0.25"/>
+          <dgm:constr type="primFontSz" for="des" forName="parTx" val="25"/>
+          <dgm:constr type="primFontSz" for="des" forName="desTx" refType="primFontSz" refFor="des" refForName="parTx" op="lte" fact="0.75"/>
+          <dgm:constr type="h" for="des" forName="compNode" op="equ"/>
+          <dgm:constr type="h" for="des" forName="bgRect" op="equ"/>
+          <dgm:constr type="h" for="des" forName="iconRect" op="equ"/>
+          <dgm:constr type="w" for="des" forName="iconRect" op="equ"/>
+          <dgm:constr type="h" for="des" forName="spaceRect" op="equ"/>
+          <dgm:constr type="h" for="des" forName="parTx" op="equ"/>
+          <dgm:constr type="h" for="des" forName="desTx" op="equ"/>
+        </dgm:constrLst>
+      </dgm:if>
+      <dgm:if name="Name5" axis="ch" ptType="node" func="cnt" op="lte" val="4">
+        <dgm:constrLst>
+          <dgm:constr type="h" for="ch" forName="compNode" refType="h" fact="0.3"/>
+          <dgm:constr type="w" for="ch" forName="compNode" refType="w"/>
+          <dgm:constr type="h" for="ch" forName="sibTrans" refType="h" refFor="ch" refForName="compNode" fact="0.25"/>
+          <dgm:constr type="primFontSz" for="des" forName="parTx" val="22"/>
+          <dgm:constr type="primFontSz" for="des" forName="desTx" refType="primFontSz" refFor="des" refForName="parTx" op="lte" fact="0.75"/>
+          <dgm:constr type="h" for="des" forName="compNode" op="equ"/>
+          <dgm:constr type="h" for="des" forName="bgRect" op="equ"/>
+          <dgm:constr type="h" for="des" forName="iconRect" op="equ"/>
+          <dgm:constr type="w" for="des" forName="iconRect" op="equ"/>
+          <dgm:constr type="h" for="des" forName="spaceRect" op="equ"/>
+          <dgm:constr type="h" for="des" forName="parTx" op="equ"/>
+          <dgm:constr type="h" for="des" forName="desTx" op="equ"/>
+        </dgm:constrLst>
+      </dgm:if>
+      <dgm:if name="Name6" axis="ch" ptType="node" func="cnt" op="lte" val="6">
+        <dgm:constrLst>
+          <dgm:constr type="h" for="ch" forName="compNode" refType="h" fact="0.3"/>
+          <dgm:constr type="w" for="ch" forName="compNode" refType="w"/>
+          <dgm:constr type="h" for="ch" forName="sibTrans" refType="h" refFor="ch" refForName="compNode" fact="0.25"/>
+          <dgm:constr type="primFontSz" for="des" forName="parTx" val="19"/>
+          <dgm:constr type="primFontSz" for="des" forName="desTx" refType="primFontSz" refFor="des" refForName="parTx" op="lte" fact="0.75"/>
+          <dgm:constr type="h" for="des" forName="compNode" op="equ"/>
+          <dgm:constr type="h" for="des" forName="bgRect" op="equ"/>
+          <dgm:constr type="h" for="des" forName="iconRect" op="equ"/>
+          <dgm:constr type="w" for="des" forName="iconRect" op="equ"/>
+          <dgm:constr type="h" for="des" forName="spaceRect" op="equ"/>
+          <dgm:constr type="h" for="des" forName="parTx" op="equ"/>
+          <dgm:constr type="h" for="des" forName="desTx" op="equ"/>
+        </dgm:constrLst>
+      </dgm:if>
+      <dgm:else name="Name7">
+        <dgm:constrLst>
+          <dgm:constr type="h" for="ch" forName="compNode" refType="h" fact="0.3"/>
+          <dgm:constr type="w" for="ch" forName="compNode" refType="w"/>
+          <dgm:constr type="h" for="ch" forName="sibTrans" refType="h" refFor="ch" refForName="compNode" fact="0.25"/>
+          <dgm:constr type="primFontSz" for="des" forName="parTx" val="16"/>
+          <dgm:constr type="primFontSz" for="des" forName="desTx" refType="primFontSz" refFor="des" refForName="parTx" op="lte" fact="0.75"/>
+          <dgm:constr type="h" for="des" forName="compNode" op="equ"/>
+          <dgm:constr type="h" for="des" forName="bgRect" op="equ"/>
+          <dgm:constr type="h" for="des" forName="iconRect" op="equ"/>
+          <dgm:constr type="w" for="des" forName="iconRect" op="equ"/>
+          <dgm:constr type="h" for="des" forName="spaceRect" op="equ"/>
+          <dgm:constr type="h" for="des" forName="parTx" op="equ"/>
+          <dgm:constr type="h" for="des" forName="desTx" op="equ"/>
+        </dgm:constrLst>
+      </dgm:else>
+    </dgm:choose>
+    <dgm:ruleLst>
+      <dgm:rule type="h" for="ch" forName="compNode" val="0" fact="NaN" max="NaN"/>
+    </dgm:ruleLst>
+    <dgm:forEach name="Name8" axis="ch" ptType="node">
+      <dgm:layoutNode name="compNode">
+        <dgm:alg type="composite"/>
+        <dgm:shape xmlns:r="http://schemas.openxmlformats.org/officeDocument/2006/relationships" r:blip="">
+          <dgm:adjLst/>
+        </dgm:shape>
+        <dgm:presOf axis="self"/>
+        <dgm:choose name="Name9">
+          <dgm:if name="Name10" axis="ch" ptType="node" func="cnt" op="gte" val="1">
+            <dgm:constrLst>
+              <dgm:constr type="w" for="ch" forName="bgRect" refType="w"/>
+              <dgm:constr type="h" for="ch" forName="bgRect" refType="h"/>
+              <dgm:constr type="l" for="ch" forName="bgRect"/>
+              <dgm:constr type="t" for="ch" forName="bgRect"/>
+              <dgm:constr type="h" for="ch" forName="iconRect" refType="h" fact="0.55"/>
+              <dgm:constr type="w" for="ch" forName="iconRect" refType="h" refFor="ch" refForName="iconRect"/>
+              <dgm:constr type="l" for="ch" forName="iconRect" refType="h" refFor="ch" refForName="iconRect" fact="0.55"/>
+              <dgm:constr type="ctrY" for="ch" forName="iconRect" refType="ctrY" refFor="ch" refForName="bgRect"/>
+              <dgm:constr type="w" for="ch" forName="spaceRect" refType="l" refFor="ch" refForName="iconRect"/>
+              <dgm:constr type="h" for="ch" forName="spaceRect" refType="h"/>
+              <dgm:constr type="l" for="ch" forName="spaceRect" refType="r" refFor="ch" refForName="iconRect"/>
+              <dgm:constr type="t" for="ch" forName="spaceRect"/>
+              <dgm:constr type="w" for="ch" forName="parTx" refType="w" fact="0.45"/>
+              <dgm:constr type="h" for="ch" forName="parTx" refType="h"/>
+              <dgm:constr type="l" for="ch" forName="parTx" refType="r" refFor="ch" refForName="spaceRect"/>
+              <dgm:constr type="t" for="ch" forName="parTx"/>
+              <dgm:constr type="h" for="ch" forName="desTx" refType="h"/>
+              <dgm:constr type="l" for="ch" forName="desTx" refType="r" refFor="ch" refForName="parTx"/>
+              <dgm:constr type="t" for="ch" forName="desTx"/>
+            </dgm:constrLst>
+          </dgm:if>
+          <dgm:else name="Name11">
+            <dgm:constrLst>
+              <dgm:constr type="w" for="ch" forName="bgRect" refType="w"/>
+              <dgm:constr type="h" for="ch" forName="bgRect" refType="h"/>
+              <dgm:constr type="l" for="ch" forName="bgRect"/>
+              <dgm:constr type="t" for="ch" forName="bgRect"/>
+              <dgm:constr type="h" for="ch" forName="iconRect" refType="h" fact="0.55"/>
+              <dgm:constr type="w" for="ch" forName="iconRect" refType="h" refFor="ch" refForName="iconRect"/>
+              <dgm:constr type="l" for="ch" forName="iconRect" refType="h" refFor="ch" refForName="iconRect" fact="0.55"/>
+              <dgm:constr type="ctrY" for="ch" forName="iconRect" refType="ctrY" refFor="ch" refForName="bgRect"/>
+              <dgm:constr type="w" for="ch" forName="spaceRect" refType="l" refFor="ch" refForName="iconRect"/>
+              <dgm:constr type="h" for="ch" forName="spaceRect" refType="h"/>
+              <dgm:constr type="l" for="ch" forName="spaceRect" refType="r" refFor="ch" refForName="iconRect"/>
+              <dgm:constr type="t" for="ch" forName="spaceRect"/>
+              <dgm:constr type="h" for="ch" forName="parTx" refType="h"/>
+              <dgm:constr type="l" for="ch" forName="parTx" refType="r" refFor="ch" refForName="spaceRect"/>
+              <dgm:constr type="t" for="ch" forName="parTx"/>
+            </dgm:constrLst>
+          </dgm:else>
+        </dgm:choose>
+        <dgm:ruleLst>
+          <dgm:rule type="h" val="INF" fact="NaN" max="NaN"/>
+        </dgm:ruleLst>
+        <dgm:layoutNode name="bgRect" styleLbl="bgShp">
+          <dgm:alg type="sp"/>
+          <dgm:shape xmlns:r="http://schemas.openxmlformats.org/officeDocument/2006/relationships" type="roundRect" r:blip="">
+            <dgm:adjLst>
+              <dgm:adj idx="1" val="0.1"/>
+            </dgm:adjLst>
+          </dgm:shape>
+          <dgm:presOf/>
+          <dgm:constrLst/>
+          <dgm:ruleLst/>
+        </dgm:layoutNode>
+        <dgm:layoutNode name="iconRect" styleLbl="node1">
+          <dgm:alg type="sp"/>
+          <dgm:shape xmlns:r="http://schemas.openxmlformats.org/officeDocument/2006/relationships" type="rect" r:blip="" blipPhldr="1">
+            <dgm:adjLst/>
+          </dgm:shape>
+          <dgm:presOf/>
+          <dgm:constrLst/>
+          <dgm:ruleLst/>
+        </dgm:layoutNode>
+        <dgm:layoutNode name="spaceRect">
+          <dgm:alg type="sp"/>
+          <dgm:shape xmlns:r="http://schemas.openxmlformats.org/officeDocument/2006/relationships" r:blip="">
+            <dgm:adjLst/>
+          </dgm:shape>
+          <dgm:presOf/>
+          <dgm:constrLst/>
+          <dgm:ruleLst/>
+        </dgm:layoutNode>
+        <dgm:layoutNode name="parTx" styleLbl="revTx">
+          <dgm:varLst>
+            <dgm:chMax val="0"/>
+            <dgm:chPref val="0"/>
+          </dgm:varLst>
+          <dgm:alg type="tx">
+            <dgm:param type="txAnchorVert" val="mid"/>
+            <dgm:param type="parTxLTRAlign" val="l"/>
+            <dgm:param type="shpTxLTRAlignCh" val="l"/>
+            <dgm:param type="parTxRTLAlign" val="r"/>
+            <dgm:param type="shpTxRTLAlignCh" val="r"/>
+          </dgm:alg>
+          <dgm:shape xmlns:r="http://schemas.openxmlformats.org/officeDocument/2006/relationships" type="rect" r:blip="">
+            <dgm:adjLst/>
+          </dgm:shape>
+          <dgm:presOf axis="self" ptType="node"/>
+          <dgm:constrLst>
+            <dgm:constr type="lMarg" refType="h" fact="0.3"/>
+            <dgm:constr type="rMarg" refType="h" fact="0.3"/>
+            <dgm:constr type="tMarg" refType="h" fact="0.3"/>
+            <dgm:constr type="bMarg" refType="h" fact="0.3"/>
+          </dgm:constrLst>
+          <dgm:ruleLst>
+            <dgm:rule type="primFontSz" val="14" fact="NaN" max="NaN"/>
+            <dgm:rule type="h" val="INF" fact="NaN" max="NaN"/>
+          </dgm:ruleLst>
+        </dgm:layoutNode>
+        <dgm:choose name="Name12">
+          <dgm:if name="Name13" axis="ch" ptType="node" func="cnt" op="gte" val="1">
+            <dgm:layoutNode name="desTx" styleLbl="revTx">
+              <dgm:varLst/>
+              <dgm:alg type="tx">
+                <dgm:param type="txAnchorVertCh" val="mid"/>
+                <dgm:param type="parTxLTRAlign" val="l"/>
+                <dgm:param type="shpTxLTRAlignCh" val="l"/>
+                <dgm:param type="parTxRTLAlign" val="r"/>
+                <dgm:param type="shpTxRTLAlignCh" val="r"/>
+                <dgm:param type="stBulletLvl" val="0"/>
+              </dgm:alg>
+              <dgm:shape xmlns:r="http://schemas.openxmlformats.org/officeDocument/2006/relationships" type="rect" r:blip="">
+                <dgm:adjLst/>
+              </dgm:shape>
+              <dgm:presOf axis="des" ptType="node"/>
+              <dgm:constrLst>
+                <dgm:constr type="primFontSz" val="18"/>
+                <dgm:constr type="secFontSz" refType="primFontSz"/>
+                <dgm:constr type="lMarg" refType="h" fact="0.3"/>
+                <dgm:constr type="rMarg" refType="h" fact="0.3"/>
+                <dgm:constr type="tMarg" refType="h" fact="0.3"/>
+                <dgm:constr type="bMarg" refType="h" fact="0.3"/>
+              </dgm:constrLst>
+              <dgm:ruleLst>
+                <dgm:rule type="primFontSz" val="11" fact="NaN" max="NaN"/>
+              </dgm:ruleLst>
+            </dgm:layoutNode>
+          </dgm:if>
+          <dgm:else name="Name14"/>
+        </dgm:choose>
+      </dgm:layoutNode>
+      <dgm:forEach name="Name15" axis="followSib" ptType="sibTrans" cnt="1">
+        <dgm:layoutNode name="sibTrans">
+          <dgm:alg type="sp"/>
+          <dgm:shape xmlns:r="http://schemas.openxmlformats.org/officeDocument/2006/relationships" r:blip="">
+            <dgm:adjLst/>
+          </dgm:shape>
+          <dgm:presOf axis="self"/>
+          <dgm:constrLst/>
+          <dgm:ruleLst/>
+        </dgm:layoutNode>
+      </dgm:forEach>
+    </dgm:forEach>
+  </dgm:layoutNode>
+  <dgm:extLst>
+    <a:ext uri="{68A01E43-0DF5-4B5B-8FA6-DAF915123BFB}">
+      <dgm1612:lstStyle xmlns:dgm1612="http://schemas.microsoft.com/office/drawing/2016/12/diagram">
+        <a:lvl1pPr>
+          <a:lnSpc>
+            <a:spcPct val="100000"/>
+          </a:lnSpc>
+        </a:lvl1pPr>
+        <a:lvl2pPr>
+          <a:lnSpc>
+            <a:spcPct val="100000"/>
+          </a:lnSpc>
+        </a:lvl2pPr>
+      </dgm1612:lstStyle>
+    </a:ext>
+  </dgm:extLst>
+</dgm:layoutDef>
+</file>
+
+<file path=ppt/diagrams/layout2.xml><?xml version="1.0" encoding="utf-8"?>
+<dgm:layoutDef xmlns:dgm="http://schemas.openxmlformats.org/drawingml/2006/diagram" xmlns:a="http://schemas.openxmlformats.org/drawingml/2006/main" uniqueId="urn:microsoft.com/office/officeart/2016/7/layout/RepeatingBendingProcessNew">
+  <dgm:title val="Repeating Bending Process New"/>
+  <dgm:desc val=""/>
+  <dgm:catLst>
+    <dgm:cat type="process" pri="500"/>
+  </dgm:catLst>
+  <dgm:sampData>
+    <dgm:dataModel>
+      <dgm:ptLst>
+        <dgm:pt modelId="0" type="doc"/>
+        <dgm:pt modelId="1">
+          <dgm:prSet phldr="1"/>
+        </dgm:pt>
+        <dgm:pt modelId="2">
+          <dgm:prSet phldr="1"/>
+        </dgm:pt>
+        <dgm:pt modelId="3">
+          <dgm:prSet phldr="1"/>
+        </dgm:pt>
+        <dgm:pt modelId="4">
+          <dgm:prSet phldr="1"/>
+        </dgm:pt>
+        <dgm:pt modelId="5">
+          <dgm:prSet phldr="1"/>
+        </dgm:pt>
+      </dgm:ptLst>
+      <dgm:cxnLst>
+        <dgm:cxn modelId="7" srcId="0" destId="1" srcOrd="0" destOrd="0"/>
+        <dgm:cxn modelId="8" srcId="0" destId="2" srcOrd="1" destOrd="0"/>
+        <dgm:cxn modelId="9" srcId="0" destId="3" srcOrd="2" destOrd="0"/>
+        <dgm:cxn modelId="10" srcId="0" destId="4" srcOrd="3" destOrd="0"/>
+        <dgm:cxn modelId="11" srcId="0" destId="5" srcOrd="4" destOrd="0"/>
+      </dgm:cxnLst>
+      <dgm:bg/>
+      <dgm:whole/>
+    </dgm:dataModel>
+  </dgm:sampData>
+  <dgm:styleData>
+    <dgm:dataModel>
+      <dgm:ptLst>
+        <dgm:pt modelId="0" type="doc"/>
+        <dgm:pt modelId="1"/>
+        <dgm:pt modelId="2"/>
+      </dgm:ptLst>
+      <dgm:cxnLst>
+        <dgm:cxn modelId="3" srcId="0" destId="1" srcOrd="0" destOrd="0"/>
+        <dgm:cxn modelId="4" srcId="0" destId="2" srcOrd="1" destOrd="0"/>
+      </dgm:cxnLst>
+      <dgm:bg/>
+      <dgm:whole/>
+    </dgm:dataModel>
+  </dgm:styleData>
+  <dgm:clrData>
+    <dgm:dataModel>
+      <dgm:ptLst>
+        <dgm:pt modelId="0" type="doc"/>
+        <dgm:pt modelId="1"/>
+        <dgm:pt modelId="2"/>
+        <dgm:pt modelId="3"/>
+        <dgm:pt modelId="4"/>
+      </dgm:ptLst>
+      <dgm:cxnLst>
+        <dgm:cxn modelId="5" srcId="0" destId="1" srcOrd="0" destOrd="0"/>
+        <dgm:cxn modelId="6" srcId="0" destId="2" srcOrd="1" destOrd="0"/>
+        <dgm:cxn modelId="7" srcId="0" destId="3" srcOrd="2" destOrd="0"/>
+        <dgm:cxn modelId="8" srcId="0" destId="4" srcOrd="3" destOrd="0"/>
+      </dgm:cxnLst>
+      <dgm:bg/>
+      <dgm:whole/>
+    </dgm:dataModel>
+  </dgm:clrData>
+  <dgm:layoutNode name="Name0">
+    <dgm:varLst>
+      <dgm:dir/>
+      <dgm:resizeHandles val="exact"/>
+    </dgm:varLst>
+    <dgm:choose name="Name1">
+      <dgm:if name="Name2" axis="self" func="var" arg="dir" op="equ" val="norm">
+        <dgm:alg type="snake">
+          <dgm:param type="grDir" val="tL"/>
+          <dgm:param type="flowDir" val="row"/>
+          <dgm:param type="contDir" val="sameDir"/>
+          <dgm:param type="bkpt" val="endCnv"/>
+        </dgm:alg>
+      </dgm:if>
+      <dgm:else name="Name3">
+        <dgm:alg type="snake">
+          <dgm:param type="grDir" val="tR"/>
+          <dgm:param type="flowDir" val="row"/>
+          <dgm:param type="contDir" val="sameDir"/>
+          <dgm:param type="bkpt" val="endCnv"/>
+        </dgm:alg>
+      </dgm:else>
+    </dgm:choose>
+    <dgm:shape xmlns:r="http://schemas.openxmlformats.org/officeDocument/2006/relationships" r:blip="">
+      <dgm:adjLst/>
+    </dgm:shape>
+    <dgm:presOf/>
+    <dgm:constrLst>
+      <dgm:constr type="w" for="ch" ptType="node" refType="w"/>
+      <dgm:constr type="w" for="ch" forName="sibTrans" refType="w" refFor="ch" refPtType="node" op="equ" fact="0.23"/>
+      <dgm:constr type="sp" refType="w" refFor="ch" refForName="sibTrans" op="equ"/>
+      <dgm:constr type="userB" for="des" forName="connectorText" refType="sp"/>
+      <dgm:constr type="primFontSz" for="ch" ptType="node" op="equ" val="65"/>
+      <dgm:constr type="h" for="ch" ptType="sibTrans" op="equ"/>
+      <dgm:constr type="primFontSz" for="des" forName="connectorText" op="equ" val="55"/>
+      <dgm:constr type="primFontSz" for="des" forName="connectorText" refType="primFontSz" refFor="ch" refPtType="node" op="lte" fact="0.8"/>
+    </dgm:constrLst>
+    <dgm:ruleLst/>
+    <dgm:forEach name="nodesForEach" axis="ch" ptType="node">
+      <dgm:layoutNode name="node">
+        <dgm:varLst>
+          <dgm:bulletEnabled val="1"/>
+        </dgm:varLst>
+        <dgm:alg type="tx"/>
+        <dgm:shape xmlns:r="http://schemas.openxmlformats.org/officeDocument/2006/relationships" type="rect" r:blip="">
+          <dgm:adjLst/>
+        </dgm:shape>
+        <dgm:presOf axis="desOrSelf" ptType="node"/>
+        <dgm:constrLst>
+          <dgm:constr type="h" refType="w" fact="0.6"/>
+          <dgm:constr type="tMarg" refType="h" fact="0.243"/>
+          <dgm:constr type="bMarg" refType="h" fact="0.243"/>
+          <dgm:constr type="lMarg" refType="w" fact="0.1389"/>
+          <dgm:constr type="rMarg" refType="w" fact="0.1389"/>
+        </dgm:constrLst>
+        <dgm:ruleLst>
+          <dgm:rule type="primFontSz" val="12" fact="NaN" max="NaN"/>
+        </dgm:ruleLst>
+      </dgm:layoutNode>
+      <dgm:forEach name="sibTransForEach" axis="followSib" ptType="sibTrans" cnt="1">
+        <dgm:layoutNode name="sibTrans">
+          <dgm:choose name="Name4">
+            <dgm:if name="Name5" axis="self" func="var" arg="dir" op="equ" val="norm">
+              <dgm:alg type="conn">
+                <dgm:param type="connRout" val="bend"/>
+                <dgm:param type="dim" val="1D"/>
+                <dgm:param type="begPts" val="midR bCtr"/>
+                <dgm:param type="endPts" val="midL tCtr"/>
+              </dgm:alg>
+            </dgm:if>
+            <dgm:else name="Name6">
+              <dgm:alg type="conn">
+                <dgm:param type="connRout" val="bend"/>
+                <dgm:param type="dim" val="1D"/>
+                <dgm:param type="begPts" val="midL bCtr"/>
+                <dgm:param type="endPts" val="midR tCtr"/>
+              </dgm:alg>
+            </dgm:else>
+          </dgm:choose>
+          <dgm:shape xmlns:r="http://schemas.openxmlformats.org/officeDocument/2006/relationships" type="conn" r:blip="" zOrderOff="-2">
+            <dgm:adjLst/>
+          </dgm:shape>
+          <dgm:presOf axis="self"/>
+          <dgm:constrLst>
+            <dgm:constr type="begPad" val="-0.05"/>
+            <dgm:constr type="endPad" val="0.9"/>
+            <dgm:constr type="userA" for="ch" refType="connDist"/>
+          </dgm:constrLst>
+          <dgm:ruleLst/>
+          <dgm:layoutNode name="connectorText">
+            <dgm:alg type="tx">
+              <dgm:param type="autoTxRot" val="upr"/>
+            </dgm:alg>
+            <dgm:shape xmlns:r="http://schemas.openxmlformats.org/officeDocument/2006/relationships" type="rect" r:blip="" hideGeom="1">
+              <dgm:adjLst/>
+            </dgm:shape>
+            <dgm:presOf axis="self"/>
+            <dgm:constrLst>
+              <dgm:constr type="userA"/>
+              <dgm:constr type="userB"/>
+              <dgm:constr type="w" refType="userA" fact="0.05"/>
+              <dgm:constr type="h" refType="userB" fact="0.01"/>
+              <dgm:constr type="lMarg" val="1"/>
+              <dgm:constr type="rMarg" val="1"/>
+              <dgm:constr type="tMarg"/>
+              <dgm:constr type="bMarg"/>
+            </dgm:constrLst>
+            <dgm:ruleLst>
+              <dgm:rule type="w" val="NaN" fact="0.6" max="NaN"/>
+              <dgm:rule type="h" val="NaN" fact="0.6" max="NaN"/>
+              <dgm:rule type="primFontSz" val="5" fact="NaN" max="NaN"/>
+            </dgm:ruleLst>
+          </dgm:layoutNode>
+        </dgm:layoutNode>
+      </dgm:forEach>
+    </dgm:forEach>
+  </dgm:layoutNode>
+</dgm:layoutDef>
+</file>
+
+<file path=ppt/diagrams/quickStyle1.xml><?xml version="1.0" encoding="utf-8"?>
+<dgm:styleDef xmlns:dgm="http://schemas.openxmlformats.org/drawingml/2006/diagram" xmlns:a="http://schemas.openxmlformats.org/drawingml/2006/main" uniqueId="urn:microsoft.com/office/officeart/2005/8/quickstyle/simple1">
+  <dgm:title val=""/>
+  <dgm:desc val=""/>
+  <dgm:catLst>
+    <dgm:cat type="simple" pri="10100"/>
+  </dgm:catLst>
+  <dgm:scene3d>
+    <a:camera prst="orthographicFront"/>
+    <a:lightRig rig="threePt" dir="t"/>
+  </dgm:scene3d>
+  <dgm:styleLbl name="node0">
+    <dgm:scene3d>
+      <a:camera prst="orthographicFront"/>
+      <a:lightRig rig="threePt" dir="t"/>
+    </dgm:scene3d>
+    <dgm:sp3d/>
+    <dgm:txPr/>
+    <dgm:style>
+      <a:lnRef idx="2">
+        <a:scrgbClr r="0" g="0" b="0"/>
+      </a:lnRef>
+      <a:fillRef idx="1">
+        <a:scrgbClr r="0" g="0" b="0"/>
+      </a:fillRef>
+      <a:effectRef idx="0">
+        <a:scrgbClr r="0" g="0" b="0"/>
+      </a:effectRef>
+      <a:fontRef idx="minor">
+        <a:schemeClr val="lt1"/>
+      </a:fontRef>
+    </dgm:style>
+  </dgm:styleLbl>
+  <dgm:styleLbl name="lnNode1">
+    <dgm:scene3d>
+      <a:camera prst="orthographicFront"/>
+      <a:lightRig rig="threePt" dir="t"/>
+    </dgm:scene3d>
+    <dgm:sp3d/>
+    <dgm:txPr/>
+    <dgm:style>
+      <a:lnRef idx="2">
+        <a:scrgbClr r="0" g="0" b="0"/>
+      </a:lnRef>
+      <a:fillRef idx="1">
+        <a:scrgbClr r="0" g="0" b="0"/>
+      </a:fillRef>
+      <a:effectRef idx="0">
+        <a:scrgbClr r="0" g="0" b="0"/>
+      </a:effectRef>
+      <a:fontRef idx="minor">
+        <a:schemeClr val="lt1"/>
+      </a:fontRef>
+    </dgm:style>
+  </dgm:styleLbl>
+  <dgm:styleLbl name="vennNode1">
+    <dgm:scene3d>
+      <a:camera prst="orthographicFront"/>
+      <a:lightRig rig="threePt" dir="t"/>
+    </dgm:scene3d>
+    <dgm:sp3d/>
+    <dgm:txPr/>
+    <dgm:style>
+      <a:lnRef idx="2">
+        <a:scrgbClr r="0" g="0" b="0"/>
+      </a:lnRef>
+      <a:fillRef idx="1">
+        <a:scrgbClr r="0" g="0" b="0"/>
+      </a:fillRef>
+      <a:effectRef idx="0">
+        <a:scrgbClr r="0" g="0" b="0"/>
+      </a:effectRef>
+      <a:fontRef idx="minor">
+        <a:schemeClr val="tx1"/>
+      </a:fontRef>
+    </dgm:style>
+  </dgm:styleLbl>
+  <dgm:styleLbl name="alignNode1">
+    <dgm:scene3d>
+      <a:camera prst="orthographicFront"/>
+      <a:lightRig rig="threePt" dir="t"/>
+    </dgm:scene3d>
+    <dgm:sp3d/>
+    <dgm:txPr/>
+    <dgm:style>
+      <a:lnRef idx="2">
+        <a:scrgbClr r="0" g="0" b="0"/>
+      </a:lnRef>
+      <a:fillRef idx="1">
+        <a:scrgbClr r="0" g="0" b="0"/>
+      </a:fillRef>
+      <a:effectRef idx="0">
+        <a:scrgbClr r="0" g="0" b="0"/>
+      </a:effectRef>
+      <a:fontRef idx="minor">
+        <a:schemeClr val="lt1"/>
+      </a:fontRef>
+    </dgm:style>
+  </dgm:styleLbl>
+  <dgm:styleLbl name="node1">
+    <dgm:scene3d>
+      <a:camera prst="orthographicFront"/>
+      <a:lightRig rig="threePt" dir="t"/>
+    </dgm:scene3d>
+    <dgm:sp3d/>
+    <dgm:txPr/>
+    <dgm:style>
+      <a:lnRef idx="2">
+        <a:scrgbClr r="0" g="0" b="0"/>
+      </a:lnRef>
+      <a:fillRef idx="1">
+        <a:scrgbClr r="0" g="0" b="0"/>
+      </a:fillRef>
+      <a:effectRef idx="0">
+        <a:scrgbClr r="0" g="0" b="0"/>
+      </a:effectRef>
+      <a:fontRef idx="minor">
+        <a:schemeClr val="lt1"/>
+      </a:fontRef>
+    </dgm:style>
+  </dgm:styleLbl>
+  <dgm:styleLbl name="node2">
+    <dgm:scene3d>
+      <a:camera prst="orthographicFront"/>
+      <a:lightRig rig="threePt" dir="t"/>
+    </dgm:scene3d>
+    <dgm:sp3d/>
+    <dgm:txPr/>
+    <dgm:style>
+      <a:lnRef idx="2">
+        <a:scrgbClr r="0" g="0" b="0"/>
+      </a:lnRef>
+      <a:fillRef idx="1">
+        <a:scrgbClr r="0" g="0" b="0"/>
+      </a:fillRef>
+      <a:effectRef idx="0">
+        <a:scrgbClr r="0" g="0" b="0"/>
+      </a:effectRef>
+      <a:fontRef idx="minor">
+        <a:schemeClr val="lt1"/>
+      </a:fontRef>
+    </dgm:style>
+  </dgm:styleLbl>
+  <dgm:styleLbl name="node3">
+    <dgm:scene3d>
+      <a:camera prst="orthographicFront"/>
+      <a:lightRig rig="threePt" dir="t"/>
+    </dgm:scene3d>
+    <dgm:sp3d/>
+    <dgm:txPr/>
+    <dgm:style>
+      <a:lnRef idx="2">
+        <a:scrgbClr r="0" g="0" b="0"/>
+      </a:lnRef>
+      <a:fillRef idx="1">
+        <a:scrgbClr r="0" g="0" b="0"/>
+      </a:fillRef>
+      <a:effectRef idx="0">
+        <a:scrgbClr r="0" g="0" b="0"/>
+      </a:effectRef>
+      <a:fontRef idx="minor">
+        <a:schemeClr val="lt1"/>
+      </a:fontRef>
+    </dgm:style>
+  </dgm:styleLbl>
+  <dgm:styleLbl name="node4">
+    <dgm:scene3d>
+      <a:camera prst="orthographicFront"/>
+      <a:lightRig rig="threePt" dir="t"/>
+    </dgm:scene3d>
+    <dgm:sp3d/>
+    <dgm:txPr/>
+    <dgm:style>
+      <a:lnRef idx="2">
+        <a:scrgbClr r="0" g="0" b="0"/>
+      </a:lnRef>
+      <a:fillRef idx="1">
+        <a:scrgbClr r="0" g="0" b="0"/>
+      </a:fillRef>
+      <a:effectRef idx="0">
+        <a:scrgbClr r="0" g="0" b="0"/>
+      </a:effectRef>
+      <a:fontRef idx="minor">
+        <a:schemeClr val="lt1"/>
+      </a:fontRef>
+    </dgm:style>
+  </dgm:styleLbl>
+  <dgm:styleLbl name="fgImgPlace1">
+    <dgm:scene3d>
+      <a:camera prst="orthographicFront"/>
+      <a:lightRig rig="threePt" dir="t"/>
+    </dgm:scene3d>
+    <dgm:sp3d/>
+    <dgm:txPr/>
+    <dgm:style>
+      <a:lnRef idx="2">
+        <a:scrgbClr r="0" g="0" b="0"/>
+      </a:lnRef>
+      <a:fillRef idx="1">
+        <a:scrgbClr r="0" g="0" b="0"/>
+      </a:fillRef>
+      <a:effectRef idx="0">
+        <a:scrgbClr r="0" g="0" b="0"/>
+      </a:effectRef>
+      <a:fontRef idx="minor"/>
+    </dgm:style>
+  </dgm:styleLbl>
+  <dgm:styleLbl name="alignImgPlace1">
+    <dgm:scene3d>
+      <a:camera prst="orthographicFront"/>
+      <a:lightRig rig="threePt" dir="t"/>
+    </dgm:scene3d>
+    <dgm:sp3d/>
+    <dgm:txPr/>
+    <dgm:style>
+      <a:lnRef idx="2">
+        <a:scrgbClr r="0" g="0" b="0"/>
+      </a:lnRef>
+      <a:fillRef idx="1">
+        <a:scrgbClr r="0" g="0" b="0"/>
+      </a:fillRef>
+      <a:effectRef idx="0">
+        <a:scrgbClr r="0" g="0" b="0"/>
+      </a:effectRef>
+      <a:fontRef idx="minor"/>
+    </dgm:style>
+  </dgm:styleLbl>
+  <dgm:styleLbl name="bgImgPlace1">
+    <dgm:scene3d>
+      <a:camera prst="orthographicFront"/>
+      <a:lightRig rig="threePt" dir="t"/>
+    </dgm:scene3d>
+    <dgm:sp3d/>
+    <dgm:txPr/>
+    <dgm:style>
+      <a:lnRef idx="2">
+        <a:scrgbClr r="0" g="0" b="0"/>
+      </a:lnRef>
+      <a:fillRef idx="1">
+        <a:scrgbClr r="0" g="0" b="0"/>
+      </a:fillRef>
+      <a:effectRef idx="0">
+        <a:scrgbClr r="0" g="0" b="0"/>
+      </a:effectRef>
+      <a:fontRef idx="minor"/>
+    </dgm:style>
+  </dgm:styleLbl>
+  <dgm:styleLbl name="sibTrans2D1">
+    <dgm:scene3d>
+      <a:camera prst="orthographicFront"/>
+      <a:lightRig rig="threePt" dir="t"/>
+    </dgm:scene3d>
+    <dgm:sp3d/>
+    <dgm:txPr/>
+    <dgm:style>
+      <a:lnRef idx="0">
+        <a:scrgbClr r="0" g="0" b="0"/>
+      </a:lnRef>
+      <a:fillRef idx="1">
+        <a:scrgbClr r="0" g="0" b="0"/>
+      </a:fillRef>
+      <a:effectRef idx="0">
+        <a:scrgbClr r="0" g="0" b="0"/>
+      </a:effectRef>
+      <a:fontRef idx="minor">
+        <a:schemeClr val="lt1"/>
+      </a:fontRef>
+    </dgm:style>
+  </dgm:styleLbl>
+  <dgm:styleLbl name="fgSibTrans2D1">
+    <dgm:scene3d>
+      <a:camera prst="orthographicFront"/>
+      <a:lightRig rig="threePt" dir="t"/>
+    </dgm:scene3d>
+    <dgm:sp3d/>
+    <dgm:txPr/>
+    <dgm:style>
+      <a:lnRef idx="0">
+        <a:scrgbClr r="0" g="0" b="0"/>
+      </a:lnRef>
+      <a:fillRef idx="1">
+        <a:scrgbClr r="0" g="0" b="0"/>
+      </a:fillRef>
+      <a:effectRef idx="0">
+        <a:scrgbClr r="0" g="0" b="0"/>
+      </a:effectRef>
+      <a:fontRef idx="minor">
+        <a:schemeClr val="lt1"/>
+      </a:fontRef>
+    </dgm:style>
+  </dgm:styleLbl>
+  <dgm:styleLbl name="bgSibTrans2D1">
+    <dgm:scene3d>
+      <a:camera prst="orthographicFront"/>
+      <a:lightRig rig="threePt" dir="t"/>
+    </dgm:scene3d>
+    <dgm:sp3d/>
+    <dgm:txPr/>
+    <dgm:style>
+      <a:lnRef idx="0">
+        <a:scrgbClr r="0" g="0" b="0"/>
+      </a:lnRef>
+      <a:fillRef idx="1">
+        <a:scrgbClr r="0" g="0" b="0"/>
+      </a:fillRef>
+      <a:effectRef idx="0">
+        <a:scrgbClr r="0" g="0" b="0"/>
+      </a:effectRef>
+      <a:fontRef idx="minor">
+        <a:schemeClr val="lt1"/>
+      </a:fontRef>
+    </dgm:style>
+  </dgm:styleLbl>
+  <dgm:styleLbl name="sibTrans1D1">
+    <dgm:scene3d>
+      <a:camera prst="orthographicFront"/>
+      <a:lightRig rig="threePt" dir="t"/>
+    </dgm:scene3d>
+    <dgm:sp3d/>
+    <dgm:txPr/>
+    <dgm:style>
+      <a:lnRef idx="1">
+        <a:scrgbClr r="0" g="0" b="0"/>
+      </a:lnRef>
+      <a:fillRef idx="0">
+        <a:scrgbClr r="0" g="0" b="0"/>
+      </a:fillRef>
+      <a:effectRef idx="0">
+        <a:scrgbClr r="0" g="0" b="0"/>
+      </a:effectRef>
+      <a:fontRef idx="minor"/>
+    </dgm:style>
+  </dgm:styleLbl>
+  <dgm:styleLbl name="callout">
+    <dgm:scene3d>
+      <a:camera prst="orthographicFront"/>
+      <a:lightRig rig="threePt" dir="t"/>
+    </dgm:scene3d>
+    <dgm:sp3d/>
+    <dgm:txPr/>
+    <dgm:style>
+      <a:lnRef idx="2">
+        <a:scrgbClr r="0" g="0" b="0"/>
+      </a:lnRef>
+      <a:fillRef idx="1">
+        <a:scrgbClr r="0" g="0" b="0"/>
+      </a:fillRef>
+      <a:effectRef idx="0">
+        <a:scrgbClr r="0" g="0" b="0"/>
+      </a:effectRef>
+      <a:fontRef idx="minor"/>
+    </dgm:style>
+  </dgm:styleLbl>
+  <dgm:styleLbl name="asst0">
+    <dgm:scene3d>
+      <a:camera prst="orthographicFront"/>
+      <a:lightRig rig="threePt" dir="t"/>
+    </dgm:scene3d>
+    <dgm:sp3d/>
+    <dgm:txPr/>
+    <dgm:style>
+      <a:lnRef idx="2">
+        <a:scrgbClr r="0" g="0" b="0"/>
+      </a:lnRef>
+      <a:fillRef idx="1">
+        <a:scrgbClr r="0" g="0" b="0"/>
+      </a:fillRef>
+      <a:effectRef idx="0">
+        <a:scrgbClr r="0" g="0" b="0"/>
+      </a:effectRef>
+      <a:fontRef idx="minor">
+        <a:schemeClr val="lt1"/>
+      </a:fontRef>
+    </dgm:style>
+  </dgm:styleLbl>
+  <dgm:styleLbl name="asst1">
+    <dgm:scene3d>
+      <a:camera prst="orthographicFront"/>
+      <a:lightRig rig="threePt" dir="t"/>
+    </dgm:scene3d>
+    <dgm:sp3d/>
+    <dgm:txPr/>
+    <dgm:style>
+      <a:lnRef idx="2">
+        <a:scrgbClr r="0" g="0" b="0"/>
+      </a:lnRef>
+      <a:fillRef idx="1">
+        <a:scrgbClr r="0" g="0" b="0"/>
+      </a:fillRef>
+      <a:effectRef idx="0">
+        <a:scrgbClr r="0" g="0" b="0"/>
+      </a:effectRef>
+      <a:fontRef idx="minor">
+        <a:schemeClr val="lt1"/>
+      </a:fontRef>
+    </dgm:style>
+  </dgm:styleLbl>
+  <dgm:styleLbl name="asst2">
+    <dgm:scene3d>
+      <a:camera prst="orthographicFront"/>
+      <a:lightRig rig="threePt" dir="t"/>
+    </dgm:scene3d>
+    <dgm:sp3d/>
+    <dgm:txPr/>
+    <dgm:style>
+      <a:lnRef idx="2">
+        <a:scrgbClr r="0" g="0" b="0"/>
+      </a:lnRef>
+      <a:fillRef idx="1">
+        <a:scrgbClr r="0" g="0" b="0"/>
+      </a:fillRef>
+      <a:effectRef idx="0">
+        <a:scrgbClr r="0" g="0" b="0"/>
+      </a:effectRef>
+      <a:fontRef idx="minor">
+        <a:schemeClr val="lt1"/>
+      </a:fontRef>
+    </dgm:style>
+  </dgm:styleLbl>
+  <dgm:styleLbl name="asst3">
+    <dgm:scene3d>
+      <a:camera prst="orthographicFront"/>
+      <a:lightRig rig="threePt" dir="t"/>
+    </dgm:scene3d>
+    <dgm:sp3d/>
+    <dgm:txPr/>
+    <dgm:style>
+      <a:lnRef idx="2">
+        <a:scrgbClr r="0" g="0" b="0"/>
+      </a:lnRef>
+      <a:fillRef idx="1">
+        <a:scrgbClr r="0" g="0" b="0"/>
+      </a:fillRef>
+      <a:effectRef idx="0">
+        <a:scrgbClr r="0" g="0" b="0"/>
+      </a:effectRef>
+      <a:fontRef idx="minor">
+        <a:schemeClr val="lt1"/>
+      </a:fontRef>
+    </dgm:style>
+  </dgm:styleLbl>
+  <dgm:styleLbl name="asst4">
+    <dgm:scene3d>
+      <a:camera prst="orthographicFront"/>
+      <a:lightRig rig="threePt" dir="t"/>
+    </dgm:scene3d>
+    <dgm:sp3d/>
+    <dgm:txPr/>
+    <dgm:style>
+      <a:lnRef idx="2">
+        <a:scrgbClr r="0" g="0" b="0"/>
+      </a:lnRef>
+      <a:fillRef idx="1">
+        <a:scrgbClr r="0" g="0" b="0"/>
+      </a:fillRef>
+      <a:effectRef idx="0">
+        <a:scrgbClr r="0" g="0" b="0"/>
+      </a:effectRef>
+      <a:fontRef idx="minor">
+        <a:schemeClr val="lt1"/>
+      </a:fontRef>
+    </dgm:style>
+  </dgm:styleLbl>
+  <dgm:styleLbl name="parChTrans2D1">
+    <dgm:scene3d>
+      <a:camera prst="orthographicFront"/>
+      <a:lightRig rig="threePt" dir="t"/>
+    </dgm:scene3d>
+    <dgm:sp3d/>
+    <dgm:txPr/>
+    <dgm:style>
+      <a:lnRef idx="2">
+        <a:scrgbClr r="0" g="0" b="0"/>
+      </a:lnRef>
+      <a:fillRef idx="1">
+        <a:scrgbClr r="0" g="0" b="0"/>
+      </a:fillRef>
+      <a:effectRef idx="0">
+        <a:scrgbClr r="0" g="0" b="0"/>
+      </a:effectRef>
+      <a:fontRef idx="minor">
+        <a:schemeClr val="lt1"/>
+      </a:fontRef>
+    </dgm:style>
+  </dgm:styleLbl>
+  <dgm:styleLbl name="parChTrans2D2">
+    <dgm:scene3d>
+      <a:camera prst="orthographicFront"/>
+      <a:lightRig rig="threePt" dir="t"/>
+    </dgm:scene3d>
+    <dgm:sp3d/>
+    <dgm:txPr/>
+    <dgm:style>
+      <a:lnRef idx="2">
+        <a:scrgbClr r="0" g="0" b="0"/>
+      </a:lnRef>
+      <a:fillRef idx="1">
+        <a:scrgbClr r="0" g="0" b="0"/>
+      </a:fillRef>
+      <a:effectRef idx="0">
+        <a:scrgbClr r="0" g="0" b="0"/>
+      </a:effectRef>
+      <a:fontRef idx="minor">
+        <a:schemeClr val="lt1"/>
+      </a:fontRef>
+    </dgm:style>
+  </dgm:styleLbl>
+  <dgm:styleLbl name="parChTrans2D3">
+    <dgm:scene3d>
+      <a:camera prst="orthographicFront"/>
+      <a:lightRig rig="threePt" dir="t"/>
+    </dgm:scene3d>
+    <dgm:sp3d/>
+    <dgm:txPr/>
+    <dgm:style>
+      <a:lnRef idx="2">
+        <a:scrgbClr r="0" g="0" b="0"/>
+      </a:lnRef>
+      <a:fillRef idx="1">
+        <a:scrgbClr r="0" g="0" b="0"/>
+      </a:fillRef>
+      <a:effectRef idx="0">
+        <a:scrgbClr r="0" g="0" b="0"/>
+      </a:effectRef>
+      <a:fontRef idx="minor">
+        <a:schemeClr val="lt1"/>
+      </a:fontRef>
+    </dgm:style>
+  </dgm:styleLbl>
+  <dgm:styleLbl name="parChTrans2D4">
+    <dgm:scene3d>
+      <a:camera prst="orthographicFront"/>
+      <a:lightRig rig="threePt" dir="t"/>
+    </dgm:scene3d>
+    <dgm:sp3d/>
+    <dgm:txPr/>
+    <dgm:style>
+      <a:lnRef idx="2">
+        <a:scrgbClr r="0" g="0" b="0"/>
+      </a:lnRef>
+      <a:fillRef idx="1">
+        <a:scrgbClr r="0" g="0" b="0"/>
+      </a:fillRef>
+      <a:effectRef idx="0">
+        <a:scrgbClr r="0" g="0" b="0"/>
+      </a:effectRef>
+      <a:fontRef idx="minor">
+        <a:schemeClr val="lt1"/>
+      </a:fontRef>
+    </dgm:style>
+  </dgm:styleLbl>
+  <dgm:styleLbl name="parChTrans1D1">
+    <dgm:scene3d>
+      <a:camera prst="orthographicFront"/>
+      <a:lightRig rig="threePt" dir="t"/>
+    </dgm:scene3d>
+    <dgm:sp3d/>
+    <dgm:txPr/>
+    <dgm:style>
+      <a:lnRef idx="2">
+        <a:scrgbClr r="0" g="0" b="0"/>
+      </a:lnRef>
+      <a:fillRef idx="0">
+        <a:scrgbClr r="0" g="0" b="0"/>
+      </a:fillRef>
+      <a:effectRef idx="0">
+        <a:scrgbClr r="0" g="0" b="0"/>
+      </a:effectRef>
+      <a:fontRef idx="minor"/>
+    </dgm:style>
+  </dgm:styleLbl>
+  <dgm:styleLbl name="parChTrans1D2">
+    <dgm:scene3d>
+      <a:camera prst="orthographicFront"/>
+      <a:lightRig rig="threePt" dir="t"/>
+    </dgm:scene3d>
+    <dgm:sp3d/>
+    <dgm:txPr/>
+    <dgm:style>
+      <a:lnRef idx="2">
+        <a:scrgbClr r="0" g="0" b="0"/>
+      </a:lnRef>
+      <a:fillRef idx="0">
+        <a:scrgbClr r="0" g="0" b="0"/>
+      </a:fillRef>
+      <a:effectRef idx="0">
+        <a:scrgbClr r="0" g="0" b="0"/>
+      </a:effectRef>
+      <a:fontRef idx="minor"/>
+    </dgm:style>
+  </dgm:styleLbl>
+  <dgm:styleLbl name="parChTrans1D3">
+    <dgm:scene3d>
+      <a:camera prst="orthographicFront"/>
+      <a:lightRig rig="threePt" dir="t"/>
+    </dgm:scene3d>
+    <dgm:sp3d/>
+    <dgm:txPr/>
+    <dgm:style>
+      <a:lnRef idx="2">
+        <a:scrgbClr r="0" g="0" b="0"/>
+      </a:lnRef>
+      <a:fillRef idx="0">
+        <a:scrgbClr r="0" g="0" b="0"/>
+      </a:fillRef>
+      <a:effectRef idx="0">
+        <a:scrgbClr r="0" g="0" b="0"/>
+      </a:effectRef>
+      <a:fontRef idx="minor"/>
+    </dgm:style>
+  </dgm:styleLbl>
+  <dgm:styleLbl name="parChTrans1D4">
+    <dgm:scene3d>
+      <a:camera prst="orthographicFront"/>
+      <a:lightRig rig="threePt" dir="t"/>
+    </dgm:scene3d>
+    <dgm:sp3d/>
+    <dgm:txPr/>
+    <dgm:style>
+      <a:lnRef idx="2">
+        <a:scrgbClr r="0" g="0" b="0"/>
+      </a:lnRef>
+      <a:fillRef idx="0">
+        <a:scrgbClr r="0" g="0" b="0"/>
+      </a:fillRef>
+      <a:effectRef idx="0">
+        <a:scrgbClr r="0" g="0" b="0"/>
+      </a:effectRef>
+      <a:fontRef idx="minor"/>
+    </dgm:style>
+  </dgm:styleLbl>
+  <dgm:styleLbl name="fgAcc1">
+    <dgm:scene3d>
+      <a:camera prst="orthographicFront"/>
+      <a:lightRig rig="threePt" dir="t"/>
+    </dgm:scene3d>
+    <dgm:sp3d/>
+    <dgm:txPr/>
+    <dgm:style>
+      <a:lnRef idx="2">
+        <a:scrgbClr r="0" g="0" b="0"/>
+      </a:lnRef>
+      <a:fillRef idx="1">
+        <a:scrgbClr r="0" g="0" b="0"/>
+      </a:fillRef>
+      <a:effectRef idx="0">
+        <a:scrgbClr r="0" g="0" b="0"/>
+      </a:effectRef>
+      <a:fontRef idx="minor"/>
+    </dgm:style>
+  </dgm:styleLbl>
+  <dgm:styleLbl name="conFgAcc1">
+    <dgm:scene3d>
+      <a:camera prst="orthographicFront"/>
+      <a:lightRig rig="threePt" dir="t"/>
+    </dgm:scene3d>
+    <dgm:sp3d/>
+    <dgm:txPr/>
+    <dgm:style>
+      <a:lnRef idx="2">
+        <a:scrgbClr r="0" g="0" b="0"/>
+      </a:lnRef>
+      <a:fillRef idx="1">
+        <a:scrgbClr r="0" g="0" b="0"/>
+      </a:fillRef>
+      <a:effectRef idx="0">
+        <a:scrgbClr r="0" g="0" b="0"/>
+      </a:effectRef>
+      <a:fontRef idx="minor"/>
+    </dgm:style>
+  </dgm:styleLbl>
+  <dgm:styleLbl name="alignAcc1">
+    <dgm:scene3d>
+      <a:camera prst="orthographicFront"/>
+      <a:lightRig rig="threePt" dir="t"/>
+    </dgm:scene3d>
+    <dgm:sp3d/>
+    <dgm:txPr/>
+    <dgm:style>
+      <a:lnRef idx="2">
+        <a:scrgbClr r="0" g="0" b="0"/>
+      </a:lnRef>
+      <a:fillRef idx="1">
+        <a:scrgbClr r="0" g="0" b="0"/>
+      </a:fillRef>
+      <a:effectRef idx="0">
+        <a:scrgbClr r="0" g="0" b="0"/>
+      </a:effectRef>
+      <a:fontRef idx="minor"/>
+    </dgm:style>
+  </dgm:styleLbl>
+  <dgm:styleLbl name="trAlignAcc1">
+    <dgm:scene3d>
+      <a:camera prst="orthographicFront"/>
+      <a:lightRig rig="threePt" dir="t"/>
+    </dgm:scene3d>
+    <dgm:sp3d/>
+    <dgm:txPr/>
+    <dgm:style>
+      <a:lnRef idx="1">
+        <a:scrgbClr r="0" g="0" b="0"/>
+      </a:lnRef>
+      <a:fillRef idx="1">
+        <a:scrgbClr r="0" g="0" b="0"/>
+      </a:fillRef>
+      <a:effectRef idx="0">
+        <a:scrgbClr r="0" g="0" b="0"/>
+      </a:effectRef>
+      <a:fontRef idx="minor"/>
+    </dgm:style>
+  </dgm:styleLbl>
+  <dgm:styleLbl name="bgAcc1">
+    <dgm:scene3d>
+      <a:camera prst="orthographicFront"/>
+      <a:lightRig rig="threePt" dir="t"/>
+    </dgm:scene3d>
+    <dgm:sp3d/>
+    <dgm:txPr/>
+    <dgm:style>
+      <a:lnRef idx="2">
+        <a:scrgbClr r="0" g="0" b="0"/>
+      </a:lnRef>
+      <a:fillRef idx="1">
+        <a:scrgbClr r="0" g="0" b="0"/>
+      </a:fillRef>
+      <a:effectRef idx="0">
+        <a:scrgbClr r="0" g="0" b="0"/>
+      </a:effectRef>
+      <a:fontRef idx="minor"/>
+    </dgm:style>
+  </dgm:styleLbl>
+  <dgm:styleLbl name="solidFgAcc1">
+    <dgm:scene3d>
+      <a:camera prst="orthographicFront"/>
+      <a:lightRig rig="threePt" dir="t"/>
+    </dgm:scene3d>
+    <dgm:sp3d/>
+    <dgm:txPr/>
+    <dgm:style>
+      <a:lnRef idx="2">
+        <a:scrgbClr r="0" g="0" b="0"/>
+      </a:lnRef>
+      <a:fillRef idx="1">
+        <a:scrgbClr r="0" g="0" b="0"/>
+      </a:fillRef>
+      <a:effectRef idx="0">
+        <a:scrgbClr r="0" g="0" b="0"/>
+      </a:effectRef>
+      <a:fontRef idx="minor"/>
+    </dgm:style>
+  </dgm:styleLbl>
+  <dgm:styleLbl name="solidAlignAcc1">
+    <dgm:scene3d>
+      <a:camera prst="orthographicFront"/>
+      <a:lightRig rig="threePt" dir="t"/>
+    </dgm:scene3d>
+    <dgm:sp3d/>
+    <dgm:txPr/>
+    <dgm:style>
+      <a:lnRef idx="2">
+        <a:scrgbClr r="0" g="0" b="0"/>
+      </a:lnRef>
+      <a:fillRef idx="1">
+        <a:scrgbClr r="0" g="0" b="0"/>
+      </a:fillRef>
+      <a:effectRef idx="0">
+        <a:scrgbClr r="0" g="0" b="0"/>
+      </a:effectRef>
+      <a:fontRef idx="minor"/>
+    </dgm:style>
+  </dgm:styleLbl>
+  <dgm:styleLbl name="solidBgAcc1">
+    <dgm:scene3d>
+      <a:camera prst="orthographicFront"/>
+      <a:lightRig rig="threePt" dir="t"/>
+    </dgm:scene3d>
+    <dgm:sp3d/>
+    <dgm:txPr/>
+    <dgm:style>
+      <a:lnRef idx="2">
+        <a:scrgbClr r="0" g="0" b="0"/>
+      </a:lnRef>
+      <a:fillRef idx="1">
+        <a:scrgbClr r="0" g="0" b="0"/>
+      </a:fillRef>
+      <a:effectRef idx="0">
+        <a:scrgbClr r="0" g="0" b="0"/>
+      </a:effectRef>
+      <a:fontRef idx="minor"/>
+    </dgm:style>
+  </dgm:styleLbl>
+  <dgm:styleLbl name="fgAccFollowNode1">
+    <dgm:scene3d>
+      <a:camera prst="orthographicFront"/>
+      <a:lightRig rig="threePt" dir="t"/>
+    </dgm:scene3d>
+    <dgm:sp3d/>
+    <dgm:txPr/>
+    <dgm:style>
+      <a:lnRef idx="2">
+        <a:scrgbClr r="0" g="0" b="0"/>
+      </a:lnRef>
+      <a:fillRef idx="1">
+        <a:scrgbClr r="0" g="0" b="0"/>
+      </a:fillRef>
+      <a:effectRef idx="0">
+        <a:scrgbClr r="0" g="0" b="0"/>
+      </a:effectRef>
+      <a:fontRef idx="minor"/>
+    </dgm:style>
+  </dgm:styleLbl>
+  <dgm:styleLbl name="alignAccFollowNode1">
+    <dgm:scene3d>
+      <a:camera prst="orthographicFront"/>
+      <a:lightRig rig="threePt" dir="t"/>
+    </dgm:scene3d>
+    <dgm:sp3d/>
+    <dgm:txPr/>
+    <dgm:style>
+      <a:lnRef idx="2">
+        <a:scrgbClr r="0" g="0" b="0"/>
+      </a:lnRef>
+      <a:fillRef idx="1">
+        <a:scrgbClr r="0" g="0" b="0"/>
+      </a:fillRef>
+      <a:effectRef idx="0">
+        <a:scrgbClr r="0" g="0" b="0"/>
+      </a:effectRef>
+      <a:fontRef idx="minor"/>
+    </dgm:style>
+  </dgm:styleLbl>
+  <dgm:styleLbl name="bgAccFollowNode1">
+    <dgm:scene3d>
+      <a:camera prst="orthographicFront"/>
+      <a:lightRig rig="threePt" dir="t"/>
+    </dgm:scene3d>
+    <dgm:sp3d/>
+    <dgm:txPr/>
+    <dgm:style>
+      <a:lnRef idx="2">
+        <a:scrgbClr r="0" g="0" b="0"/>
+      </a:lnRef>
+      <a:fillRef idx="1">
+        <a:scrgbClr r="0" g="0" b="0"/>
+      </a:fillRef>
+      <a:effectRef idx="0">
+        <a:scrgbClr r="0" g="0" b="0"/>
+      </a:effectRef>
+      <a:fontRef idx="minor"/>
+    </dgm:style>
+  </dgm:styleLbl>
+  <dgm:styleLbl name="fgAcc0">
+    <dgm:scene3d>
+      <a:camera prst="orthographicFront"/>
+      <a:lightRig rig="threePt" dir="t"/>
+    </dgm:scene3d>
+    <dgm:sp3d/>
+    <dgm:txPr/>
+    <dgm:style>
+      <a:lnRef idx="2">
+        <a:scrgbClr r="0" g="0" b="0"/>
+      </a:lnRef>
+      <a:fillRef idx="1">
+        <a:scrgbClr r="0" g="0" b="0"/>
+      </a:fillRef>
+      <a:effectRef idx="0">
+        <a:scrgbClr r="0" g="0" b="0"/>
+      </a:effectRef>
+      <a:fontRef idx="minor"/>
+    </dgm:style>
+  </dgm:styleLbl>
+  <dgm:styleLbl name="fgAcc2">
+    <dgm:scene3d>
+      <a:camera prst="orthographicFront"/>
+      <a:lightRig rig="threePt" dir="t"/>
+    </dgm:scene3d>
+    <dgm:sp3d/>
+    <dgm:txPr/>
+    <dgm:style>
+      <a:lnRef idx="2">
+        <a:scrgbClr r="0" g="0" b="0"/>
+      </a:lnRef>
+      <a:fillRef idx="1">
+        <a:scrgbClr r="0" g="0" b="0"/>
+      </a:fillRef>
+      <a:effectRef idx="0">
+        <a:scrgbClr r="0" g="0" b="0"/>
+      </a:effectRef>
+      <a:fontRef idx="minor"/>
+    </dgm:style>
+  </dgm:styleLbl>
+  <dgm:styleLbl name="fgAcc3">
+    <dgm:scene3d>
+      <a:camera prst="orthographicFront"/>
+      <a:lightRig rig="threePt" dir="t"/>
+    </dgm:scene3d>
+    <dgm:sp3d/>
+    <dgm:txPr/>
+    <dgm:style>
+      <a:lnRef idx="2">
+        <a:scrgbClr r="0" g="0" b="0"/>
+      </a:lnRef>
+      <a:fillRef idx="1">
+        <a:scrgbClr r="0" g="0" b="0"/>
+      </a:fillRef>
+      <a:effectRef idx="0">
+        <a:scrgbClr r="0" g="0" b="0"/>
+      </a:effectRef>
+      <a:fontRef idx="minor"/>
+    </dgm:style>
+  </dgm:styleLbl>
+  <dgm:styleLbl name="fgAcc4">
+    <dgm:scene3d>
+      <a:camera prst="orthographicFront"/>
+      <a:lightRig rig="threePt" dir="t"/>
+    </dgm:scene3d>
+    <dgm:sp3d/>
+    <dgm:txPr/>
+    <dgm:style>
+      <a:lnRef idx="2">
+        <a:scrgbClr r="0" g="0" b="0"/>
+      </a:lnRef>
+      <a:fillRef idx="1">
+        <a:scrgbClr r="0" g="0" b="0"/>
+      </a:fillRef>
+      <a:effectRef idx="0">
+        <a:scrgbClr r="0" g="0" b="0"/>
+      </a:effectRef>
+      <a:fontRef idx="minor"/>
+    </dgm:style>
+  </dgm:styleLbl>
+  <dgm:styleLbl name="bgShp">
+    <dgm:scene3d>
+      <a:camera prst="orthographicFront"/>
+      <a:lightRig rig="threePt" dir="t"/>
+    </dgm:scene3d>
+    <dgm:sp3d/>
+    <dgm:txPr/>
+    <dgm:style>
+      <a:lnRef idx="0">
+        <a:scrgbClr r="0" g="0" b="0"/>
+      </a:lnRef>
+      <a:fillRef idx="1">
+        <a:scrgbClr r="0" g="0" b="0"/>
+      </a:fillRef>
+      <a:effectRef idx="0">
+        <a:scrgbClr r="0" g="0" b="0"/>
+      </a:effectRef>
+      <a:fontRef idx="minor"/>
+    </dgm:style>
+  </dgm:styleLbl>
+  <dgm:styleLbl name="dkBgShp">
+    <dgm:scene3d>
+      <a:camera prst="orthographicFront"/>
+      <a:lightRig rig="threePt" dir="t"/>
+    </dgm:scene3d>
+    <dgm:sp3d/>
+    <dgm:txPr/>
+    <dgm:style>
+      <a:lnRef idx="0">
+        <a:scrgbClr r="0" g="0" b="0"/>
+      </a:lnRef>
+      <a:fillRef idx="1">
+        <a:scrgbClr r="0" g="0" b="0"/>
+      </a:fillRef>
+      <a:effectRef idx="0">
+        <a:scrgbClr r="0" g="0" b="0"/>
+      </a:effectRef>
+      <a:fontRef idx="minor"/>
+    </dgm:style>
+  </dgm:styleLbl>
+  <dgm:styleLbl name="trBgShp">
+    <dgm:scene3d>
+      <a:camera prst="orthographicFront"/>
+      <a:lightRig rig="threePt" dir="t"/>
+    </dgm:scene3d>
+    <dgm:sp3d/>
+    <dgm:txPr/>
+    <dgm:style>
+      <a:lnRef idx="0">
+        <a:scrgbClr r="0" g="0" b="0"/>
+      </a:lnRef>
+      <a:fillRef idx="1">
+        <a:scrgbClr r="0" g="0" b="0"/>
+      </a:fillRef>
+      <a:effectRef idx="0">
+        <a:scrgbClr r="0" g="0" b="0"/>
+      </a:effectRef>
+      <a:fontRef idx="minor"/>
+    </dgm:style>
+  </dgm:styleLbl>
+  <dgm:styleLbl name="fgShp">
+    <dgm:scene3d>
+      <a:camera prst="orthographicFront"/>
+      <a:lightRig rig="threePt" dir="t"/>
+    </dgm:scene3d>
+    <dgm:sp3d/>
+    <dgm:txPr/>
+    <dgm:style>
+      <a:lnRef idx="2">
+        <a:scrgbClr r="0" g="0" b="0"/>
+      </a:lnRef>
+      <a:fillRef idx="1">
+        <a:scrgbClr r="0" g="0" b="0"/>
+      </a:fillRef>
+      <a:effectRef idx="0">
+        <a:scrgbClr r="0" g="0" b="0"/>
+      </a:effectRef>
+      <a:fontRef idx="minor"/>
+    </dgm:style>
+  </dgm:styleLbl>
+  <dgm:styleLbl name="revTx">
+    <dgm:scene3d>
+      <a:camera prst="orthographicFront"/>
+      <a:lightRig rig="threePt" dir="t"/>
+    </dgm:scene3d>
+    <dgm:sp3d/>
+    <dgm:txPr/>
+    <dgm:style>
+      <a:lnRef idx="0">
+        <a:scrgbClr r="0" g="0" b="0"/>
+      </a:lnRef>
+      <a:fillRef idx="0">
+        <a:scrgbClr r="0" g="0" b="0"/>
+      </a:fillRef>
+      <a:effectRef idx="0">
+        <a:scrgbClr r="0" g="0" b="0"/>
+      </a:effectRef>
+      <a:fontRef idx="minor"/>
+    </dgm:style>
+  </dgm:styleLbl>
+</dgm:styleDef>
+</file>
+
+<file path=ppt/diagrams/quickStyle2.xml><?xml version="1.0" encoding="utf-8"?>
+<dgm:styleDef xmlns:dgm="http://schemas.openxmlformats.org/drawingml/2006/diagram" xmlns:a="http://schemas.openxmlformats.org/drawingml/2006/main" uniqueId="urn:microsoft.com/office/officeart/2005/8/quickstyle/simple1">
+  <dgm:title val=""/>
+  <dgm:desc val=""/>
+  <dgm:catLst>
+    <dgm:cat type="simple" pri="10100"/>
+  </dgm:catLst>
+  <dgm:scene3d>
+    <a:camera prst="orthographicFront"/>
+    <a:lightRig rig="threePt" dir="t"/>
+  </dgm:scene3d>
+  <dgm:styleLbl name="node0">
+    <dgm:scene3d>
+      <a:camera prst="orthographicFront"/>
+      <a:lightRig rig="threePt" dir="t"/>
+    </dgm:scene3d>
+    <dgm:sp3d/>
+    <dgm:txPr/>
+    <dgm:style>
+      <a:lnRef idx="2">
+        <a:scrgbClr r="0" g="0" b="0"/>
+      </a:lnRef>
+      <a:fillRef idx="1">
+        <a:scrgbClr r="0" g="0" b="0"/>
+      </a:fillRef>
+      <a:effectRef idx="0">
+        <a:scrgbClr r="0" g="0" b="0"/>
+      </a:effectRef>
+      <a:fontRef idx="minor">
+        <a:schemeClr val="lt1"/>
+      </a:fontRef>
+    </dgm:style>
+  </dgm:styleLbl>
+  <dgm:styleLbl name="lnNode1">
+    <dgm:scene3d>
+      <a:camera prst="orthographicFront"/>
+      <a:lightRig rig="threePt" dir="t"/>
+    </dgm:scene3d>
+    <dgm:sp3d/>
+    <dgm:txPr/>
+    <dgm:style>
+      <a:lnRef idx="2">
+        <a:scrgbClr r="0" g="0" b="0"/>
+      </a:lnRef>
+      <a:fillRef idx="1">
+        <a:scrgbClr r="0" g="0" b="0"/>
+      </a:fillRef>
+      <a:effectRef idx="0">
+        <a:scrgbClr r="0" g="0" b="0"/>
+      </a:effectRef>
+      <a:fontRef idx="minor">
+        <a:schemeClr val="lt1"/>
+      </a:fontRef>
+    </dgm:style>
+  </dgm:styleLbl>
+  <dgm:styleLbl name="vennNode1">
+    <dgm:scene3d>
+      <a:camera prst="orthographicFront"/>
+      <a:lightRig rig="threePt" dir="t"/>
+    </dgm:scene3d>
+    <dgm:sp3d/>
+    <dgm:txPr/>
+    <dgm:style>
+      <a:lnRef idx="2">
+        <a:scrgbClr r="0" g="0" b="0"/>
+      </a:lnRef>
+      <a:fillRef idx="1">
+        <a:scrgbClr r="0" g="0" b="0"/>
+      </a:fillRef>
+      <a:effectRef idx="0">
+        <a:scrgbClr r="0" g="0" b="0"/>
+      </a:effectRef>
+      <a:fontRef idx="minor">
+        <a:schemeClr val="tx1"/>
+      </a:fontRef>
+    </dgm:style>
+  </dgm:styleLbl>
+  <dgm:styleLbl name="alignNode1">
+    <dgm:scene3d>
+      <a:camera prst="orthographicFront"/>
+      <a:lightRig rig="threePt" dir="t"/>
+    </dgm:scene3d>
+    <dgm:sp3d/>
+    <dgm:txPr/>
+    <dgm:style>
+      <a:lnRef idx="2">
+        <a:scrgbClr r="0" g="0" b="0"/>
+      </a:lnRef>
+      <a:fillRef idx="1">
+        <a:scrgbClr r="0" g="0" b="0"/>
+      </a:fillRef>
+      <a:effectRef idx="0">
+        <a:scrgbClr r="0" g="0" b="0"/>
+      </a:effectRef>
+      <a:fontRef idx="minor">
+        <a:schemeClr val="lt1"/>
+      </a:fontRef>
+    </dgm:style>
+  </dgm:styleLbl>
+  <dgm:styleLbl name="node1">
+    <dgm:scene3d>
+      <a:camera prst="orthographicFront"/>
+      <a:lightRig rig="threePt" dir="t"/>
+    </dgm:scene3d>
+    <dgm:sp3d/>
+    <dgm:txPr/>
+    <dgm:style>
+      <a:lnRef idx="2">
+        <a:scrgbClr r="0" g="0" b="0"/>
+      </a:lnRef>
+      <a:fillRef idx="1">
+        <a:scrgbClr r="0" g="0" b="0"/>
+      </a:fillRef>
+      <a:effectRef idx="0">
+        <a:scrgbClr r="0" g="0" b="0"/>
+      </a:effectRef>
+      <a:fontRef idx="minor">
+        <a:schemeClr val="lt1"/>
+      </a:fontRef>
+    </dgm:style>
+  </dgm:styleLbl>
+  <dgm:styleLbl name="node2">
+    <dgm:scene3d>
+      <a:camera prst="orthographicFront"/>
+      <a:lightRig rig="threePt" dir="t"/>
+    </dgm:scene3d>
+    <dgm:sp3d/>
+    <dgm:txPr/>
+    <dgm:style>
+      <a:lnRef idx="2">
+        <a:scrgbClr r="0" g="0" b="0"/>
+      </a:lnRef>
+      <a:fillRef idx="1">
+        <a:scrgbClr r="0" g="0" b="0"/>
+      </a:fillRef>
+      <a:effectRef idx="0">
+        <a:scrgbClr r="0" g="0" b="0"/>
+      </a:effectRef>
+      <a:fontRef idx="minor">
+        <a:schemeClr val="lt1"/>
+      </a:fontRef>
+    </dgm:style>
+  </dgm:styleLbl>
+  <dgm:styleLbl name="node3">
+    <dgm:scene3d>
+      <a:camera prst="orthographicFront"/>
+      <a:lightRig rig="threePt" dir="t"/>
+    </dgm:scene3d>
+    <dgm:sp3d/>
+    <dgm:txPr/>
+    <dgm:style>
+      <a:lnRef idx="2">
+        <a:scrgbClr r="0" g="0" b="0"/>
+      </a:lnRef>
+      <a:fillRef idx="1">
+        <a:scrgbClr r="0" g="0" b="0"/>
+      </a:fillRef>
+      <a:effectRef idx="0">
+        <a:scrgbClr r="0" g="0" b="0"/>
+      </a:effectRef>
+      <a:fontRef idx="minor">
+        <a:schemeClr val="lt1"/>
+      </a:fontRef>
+    </dgm:style>
+  </dgm:styleLbl>
+  <dgm:styleLbl name="node4">
+    <dgm:scene3d>
+      <a:camera prst="orthographicFront"/>
+      <a:lightRig rig="threePt" dir="t"/>
+    </dgm:scene3d>
+    <dgm:sp3d/>
+    <dgm:txPr/>
+    <dgm:style>
+      <a:lnRef idx="2">
+        <a:scrgbClr r="0" g="0" b="0"/>
+      </a:lnRef>
+      <a:fillRef idx="1">
+        <a:scrgbClr r="0" g="0" b="0"/>
+      </a:fillRef>
+      <a:effectRef idx="0">
+        <a:scrgbClr r="0" g="0" b="0"/>
+      </a:effectRef>
+      <a:fontRef idx="minor">
+        <a:schemeClr val="lt1"/>
+      </a:fontRef>
+    </dgm:style>
+  </dgm:styleLbl>
+  <dgm:styleLbl name="fgImgPlace1">
+    <dgm:scene3d>
+      <a:camera prst="orthographicFront"/>
+      <a:lightRig rig="threePt" dir="t"/>
+    </dgm:scene3d>
+    <dgm:sp3d/>
+    <dgm:txPr/>
+    <dgm:style>
+      <a:lnRef idx="2">
+        <a:scrgbClr r="0" g="0" b="0"/>
+      </a:lnRef>
+      <a:fillRef idx="1">
+        <a:scrgbClr r="0" g="0" b="0"/>
+      </a:fillRef>
+      <a:effectRef idx="0">
+        <a:scrgbClr r="0" g="0" b="0"/>
+      </a:effectRef>
+      <a:fontRef idx="minor"/>
+    </dgm:style>
+  </dgm:styleLbl>
+  <dgm:styleLbl name="alignImgPlace1">
+    <dgm:scene3d>
+      <a:camera prst="orthographicFront"/>
+      <a:lightRig rig="threePt" dir="t"/>
+    </dgm:scene3d>
+    <dgm:sp3d/>
+    <dgm:txPr/>
+    <dgm:style>
+      <a:lnRef idx="2">
+        <a:scrgbClr r="0" g="0" b="0"/>
+      </a:lnRef>
+      <a:fillRef idx="1">
+        <a:scrgbClr r="0" g="0" b="0"/>
+      </a:fillRef>
+      <a:effectRef idx="0">
+        <a:scrgbClr r="0" g="0" b="0"/>
+      </a:effectRef>
+      <a:fontRef idx="minor"/>
+    </dgm:style>
+  </dgm:styleLbl>
+  <dgm:styleLbl name="bgImgPlace1">
+    <dgm:scene3d>
+      <a:camera prst="orthographicFront"/>
+      <a:lightRig rig="threePt" dir="t"/>
+    </dgm:scene3d>
+    <dgm:sp3d/>
+    <dgm:txPr/>
+    <dgm:style>
+      <a:lnRef idx="2">
+        <a:scrgbClr r="0" g="0" b="0"/>
+      </a:lnRef>
+      <a:fillRef idx="1">
+        <a:scrgbClr r="0" g="0" b="0"/>
+      </a:fillRef>
+      <a:effectRef idx="0">
+        <a:scrgbClr r="0" g="0" b="0"/>
+      </a:effectRef>
+      <a:fontRef idx="minor"/>
+    </dgm:style>
+  </dgm:styleLbl>
+  <dgm:styleLbl name="sibTrans2D1">
+    <dgm:scene3d>
+      <a:camera prst="orthographicFront"/>
+      <a:lightRig rig="threePt" dir="t"/>
+    </dgm:scene3d>
+    <dgm:sp3d/>
+    <dgm:txPr/>
+    <dgm:style>
+      <a:lnRef idx="0">
+        <a:scrgbClr r="0" g="0" b="0"/>
+      </a:lnRef>
+      <a:fillRef idx="1">
+        <a:scrgbClr r="0" g="0" b="0"/>
+      </a:fillRef>
+      <a:effectRef idx="0">
+        <a:scrgbClr r="0" g="0" b="0"/>
+      </a:effectRef>
+      <a:fontRef idx="minor">
+        <a:schemeClr val="lt1"/>
+      </a:fontRef>
+    </dgm:style>
+  </dgm:styleLbl>
+  <dgm:styleLbl name="fgSibTrans2D1">
+    <dgm:scene3d>
+      <a:camera prst="orthographicFront"/>
+      <a:lightRig rig="threePt" dir="t"/>
+    </dgm:scene3d>
+    <dgm:sp3d/>
+    <dgm:txPr/>
+    <dgm:style>
+      <a:lnRef idx="0">
+        <a:scrgbClr r="0" g="0" b="0"/>
+      </a:lnRef>
+      <a:fillRef idx="1">
+        <a:scrgbClr r="0" g="0" b="0"/>
+      </a:fillRef>
+      <a:effectRef idx="0">
+        <a:scrgbClr r="0" g="0" b="0"/>
+      </a:effectRef>
+      <a:fontRef idx="minor">
+        <a:schemeClr val="lt1"/>
+      </a:fontRef>
+    </dgm:style>
+  </dgm:styleLbl>
+  <dgm:styleLbl name="bgSibTrans2D1">
+    <dgm:scene3d>
+      <a:camera prst="orthographicFront"/>
+      <a:lightRig rig="threePt" dir="t"/>
+    </dgm:scene3d>
+    <dgm:sp3d/>
+    <dgm:txPr/>
+    <dgm:style>
+      <a:lnRef idx="0">
+        <a:scrgbClr r="0" g="0" b="0"/>
+      </a:lnRef>
+      <a:fillRef idx="1">
+        <a:scrgbClr r="0" g="0" b="0"/>
+      </a:fillRef>
+      <a:effectRef idx="0">
+        <a:scrgbClr r="0" g="0" b="0"/>
+      </a:effectRef>
+      <a:fontRef idx="minor">
+        <a:schemeClr val="lt1"/>
+      </a:fontRef>
+    </dgm:style>
+  </dgm:styleLbl>
+  <dgm:styleLbl name="sibTrans1D1">
+    <dgm:scene3d>
+      <a:camera prst="orthographicFront"/>
+      <a:lightRig rig="threePt" dir="t"/>
+    </dgm:scene3d>
+    <dgm:sp3d/>
+    <dgm:txPr/>
+    <dgm:style>
+      <a:lnRef idx="1">
+        <a:scrgbClr r="0" g="0" b="0"/>
+      </a:lnRef>
+      <a:fillRef idx="0">
+        <a:scrgbClr r="0" g="0" b="0"/>
+      </a:fillRef>
+      <a:effectRef idx="0">
+        <a:scrgbClr r="0" g="0" b="0"/>
+      </a:effectRef>
+      <a:fontRef idx="minor"/>
+    </dgm:style>
+  </dgm:styleLbl>
+  <dgm:styleLbl name="callout">
+    <dgm:scene3d>
+      <a:camera prst="orthographicFront"/>
+      <a:lightRig rig="threePt" dir="t"/>
+    </dgm:scene3d>
+    <dgm:sp3d/>
+    <dgm:txPr/>
+    <dgm:style>
+      <a:lnRef idx="2">
+        <a:scrgbClr r="0" g="0" b="0"/>
+      </a:lnRef>
+      <a:fillRef idx="1">
+        <a:scrgbClr r="0" g="0" b="0"/>
+      </a:fillRef>
+      <a:effectRef idx="0">
+        <a:scrgbClr r="0" g="0" b="0"/>
+      </a:effectRef>
+      <a:fontRef idx="minor"/>
+    </dgm:style>
+  </dgm:styleLbl>
+  <dgm:styleLbl name="asst0">
+    <dgm:scene3d>
+      <a:camera prst="orthographicFront"/>
+      <a:lightRig rig="threePt" dir="t"/>
+    </dgm:scene3d>
+    <dgm:sp3d/>
+    <dgm:txPr/>
+    <dgm:style>
+      <a:lnRef idx="2">
+        <a:scrgbClr r="0" g="0" b="0"/>
+      </a:lnRef>
+      <a:fillRef idx="1">
+        <a:scrgbClr r="0" g="0" b="0"/>
+      </a:fillRef>
+      <a:effectRef idx="0">
+        <a:scrgbClr r="0" g="0" b="0"/>
+      </a:effectRef>
+      <a:fontRef idx="minor">
+        <a:schemeClr val="lt1"/>
+      </a:fontRef>
+    </dgm:style>
+  </dgm:styleLbl>
+  <dgm:styleLbl name="asst1">
+    <dgm:scene3d>
+      <a:camera prst="orthographicFront"/>
+      <a:lightRig rig="threePt" dir="t"/>
+    </dgm:scene3d>
+    <dgm:sp3d/>
+    <dgm:txPr/>
+    <dgm:style>
+      <a:lnRef idx="2">
+        <a:scrgbClr r="0" g="0" b="0"/>
+      </a:lnRef>
+      <a:fillRef idx="1">
+        <a:scrgbClr r="0" g="0" b="0"/>
+      </a:fillRef>
+      <a:effectRef idx="0">
+        <a:scrgbClr r="0" g="0" b="0"/>
+      </a:effectRef>
+      <a:fontRef idx="minor">
+        <a:schemeClr val="lt1"/>
+      </a:fontRef>
+    </dgm:style>
+  </dgm:styleLbl>
+  <dgm:styleLbl name="asst2">
+    <dgm:scene3d>
+      <a:camera prst="orthographicFront"/>
+      <a:lightRig rig="threePt" dir="t"/>
+    </dgm:scene3d>
+    <dgm:sp3d/>
+    <dgm:txPr/>
+    <dgm:style>
+      <a:lnRef idx="2">
+        <a:scrgbClr r="0" g="0" b="0"/>
+      </a:lnRef>
+      <a:fillRef idx="1">
+        <a:scrgbClr r="0" g="0" b="0"/>
+      </a:fillRef>
+      <a:effectRef idx="0">
+        <a:scrgbClr r="0" g="0" b="0"/>
+      </a:effectRef>
+      <a:fontRef idx="minor">
+        <a:schemeClr val="lt1"/>
+      </a:fontRef>
+    </dgm:style>
+  </dgm:styleLbl>
+  <dgm:styleLbl name="asst3">
+    <dgm:scene3d>
+      <a:camera prst="orthographicFront"/>
+      <a:lightRig rig="threePt" dir="t"/>
+    </dgm:scene3d>
+    <dgm:sp3d/>
+    <dgm:txPr/>
+    <dgm:style>
+      <a:lnRef idx="2">
+        <a:scrgbClr r="0" g="0" b="0"/>
+      </a:lnRef>
+      <a:fillRef idx="1">
+        <a:scrgbClr r="0" g="0" b="0"/>
+      </a:fillRef>
+      <a:effectRef idx="0">
+        <a:scrgbClr r="0" g="0" b="0"/>
+      </a:effectRef>
+      <a:fontRef idx="minor">
+        <a:schemeClr val="lt1"/>
+      </a:fontRef>
+    </dgm:style>
+  </dgm:styleLbl>
+  <dgm:styleLbl name="asst4">
+    <dgm:scene3d>
+      <a:camera prst="orthographicFront"/>
+      <a:lightRig rig="threePt" dir="t"/>
+    </dgm:scene3d>
+    <dgm:sp3d/>
+    <dgm:txPr/>
+    <dgm:style>
+      <a:lnRef idx="2">
+        <a:scrgbClr r="0" g="0" b="0"/>
+      </a:lnRef>
+      <a:fillRef idx="1">
+        <a:scrgbClr r="0" g="0" b="0"/>
+      </a:fillRef>
+      <a:effectRef idx="0">
+        <a:scrgbClr r="0" g="0" b="0"/>
+      </a:effectRef>
+      <a:fontRef idx="minor">
+        <a:schemeClr val="lt1"/>
+      </a:fontRef>
+    </dgm:style>
+  </dgm:styleLbl>
+  <dgm:styleLbl name="parChTrans2D1">
+    <dgm:scene3d>
+      <a:camera prst="orthographicFront"/>
+      <a:lightRig rig="threePt" dir="t"/>
+    </dgm:scene3d>
+    <dgm:sp3d/>
+    <dgm:txPr/>
+    <dgm:style>
+      <a:lnRef idx="2">
+        <a:scrgbClr r="0" g="0" b="0"/>
+      </a:lnRef>
+      <a:fillRef idx="1">
+        <a:scrgbClr r="0" g="0" b="0"/>
+      </a:fillRef>
+      <a:effectRef idx="0">
+        <a:scrgbClr r="0" g="0" b="0"/>
+      </a:effectRef>
+      <a:fontRef idx="minor">
+        <a:schemeClr val="lt1"/>
+      </a:fontRef>
+    </dgm:style>
+  </dgm:styleLbl>
+  <dgm:styleLbl name="parChTrans2D2">
+    <dgm:scene3d>
+      <a:camera prst="orthographicFront"/>
+      <a:lightRig rig="threePt" dir="t"/>
+    </dgm:scene3d>
+    <dgm:sp3d/>
+    <dgm:txPr/>
+    <dgm:style>
+      <a:lnRef idx="2">
+        <a:scrgbClr r="0" g="0" b="0"/>
+      </a:lnRef>
+      <a:fillRef idx="1">
+        <a:scrgbClr r="0" g="0" b="0"/>
+      </a:fillRef>
+      <a:effectRef idx="0">
+        <a:scrgbClr r="0" g="0" b="0"/>
+      </a:effectRef>
+      <a:fontRef idx="minor">
+        <a:schemeClr val="lt1"/>
+      </a:fontRef>
+    </dgm:style>
+  </dgm:styleLbl>
+  <dgm:styleLbl name="parChTrans2D3">
+    <dgm:scene3d>
+      <a:camera prst="orthographicFront"/>
+      <a:lightRig rig="threePt" dir="t"/>
+    </dgm:scene3d>
+    <dgm:sp3d/>
+    <dgm:txPr/>
+    <dgm:style>
+      <a:lnRef idx="2">
+        <a:scrgbClr r="0" g="0" b="0"/>
+      </a:lnRef>
+      <a:fillRef idx="1">
+        <a:scrgbClr r="0" g="0" b="0"/>
+      </a:fillRef>
+      <a:effectRef idx="0">
+        <a:scrgbClr r="0" g="0" b="0"/>
+      </a:effectRef>
+      <a:fontRef idx="minor">
+        <a:schemeClr val="lt1"/>
+      </a:fontRef>
+    </dgm:style>
+  </dgm:styleLbl>
+  <dgm:styleLbl name="parChTrans2D4">
+    <dgm:scene3d>
+      <a:camera prst="orthographicFront"/>
+      <a:lightRig rig="threePt" dir="t"/>
+    </dgm:scene3d>
+    <dgm:sp3d/>
+    <dgm:txPr/>
+    <dgm:style>
+      <a:lnRef idx="2">
+        <a:scrgbClr r="0" g="0" b="0"/>
+      </a:lnRef>
+      <a:fillRef idx="1">
+        <a:scrgbClr r="0" g="0" b="0"/>
+      </a:fillRef>
+      <a:effectRef idx="0">
+        <a:scrgbClr r="0" g="0" b="0"/>
+      </a:effectRef>
+      <a:fontRef idx="minor">
+        <a:schemeClr val="lt1"/>
+      </a:fontRef>
+    </dgm:style>
+  </dgm:styleLbl>
+  <dgm:styleLbl name="parChTrans1D1">
+    <dgm:scene3d>
+      <a:camera prst="orthographicFront"/>
+      <a:lightRig rig="threePt" dir="t"/>
+    </dgm:scene3d>
+    <dgm:sp3d/>
+    <dgm:txPr/>
+    <dgm:style>
+      <a:lnRef idx="2">
+        <a:scrgbClr r="0" g="0" b="0"/>
+      </a:lnRef>
+      <a:fillRef idx="0">
+        <a:scrgbClr r="0" g="0" b="0"/>
+      </a:fillRef>
+      <a:effectRef idx="0">
+        <a:scrgbClr r="0" g="0" b="0"/>
+      </a:effectRef>
+      <a:fontRef idx="minor"/>
+    </dgm:style>
+  </dgm:styleLbl>
+  <dgm:styleLbl name="parChTrans1D2">
+    <dgm:scene3d>
+      <a:camera prst="orthographicFront"/>
+      <a:lightRig rig="threePt" dir="t"/>
+    </dgm:scene3d>
+    <dgm:sp3d/>
+    <dgm:txPr/>
+    <dgm:style>
+      <a:lnRef idx="2">
+        <a:scrgbClr r="0" g="0" b="0"/>
+      </a:lnRef>
+      <a:fillRef idx="0">
+        <a:scrgbClr r="0" g="0" b="0"/>
+      </a:fillRef>
+      <a:effectRef idx="0">
+        <a:scrgbClr r="0" g="0" b="0"/>
+      </a:effectRef>
+      <a:fontRef idx="minor"/>
+    </dgm:style>
+  </dgm:styleLbl>
+  <dgm:styleLbl name="parChTrans1D3">
+    <dgm:scene3d>
+      <a:camera prst="orthographicFront"/>
+      <a:lightRig rig="threePt" dir="t"/>
+    </dgm:scene3d>
+    <dgm:sp3d/>
+    <dgm:txPr/>
+    <dgm:style>
+      <a:lnRef idx="2">
+        <a:scrgbClr r="0" g="0" b="0"/>
+      </a:lnRef>
+      <a:fillRef idx="0">
+        <a:scrgbClr r="0" g="0" b="0"/>
+      </a:fillRef>
+      <a:effectRef idx="0">
+        <a:scrgbClr r="0" g="0" b="0"/>
+      </a:effectRef>
+      <a:fontRef idx="minor"/>
+    </dgm:style>
+  </dgm:styleLbl>
+  <dgm:styleLbl name="parChTrans1D4">
+    <dgm:scene3d>
+      <a:camera prst="orthographicFront"/>
+      <a:lightRig rig="threePt" dir="t"/>
+    </dgm:scene3d>
+    <dgm:sp3d/>
+    <dgm:txPr/>
+    <dgm:style>
+      <a:lnRef idx="2">
+        <a:scrgbClr r="0" g="0" b="0"/>
+      </a:lnRef>
+      <a:fillRef idx="0">
+        <a:scrgbClr r="0" g="0" b="0"/>
+      </a:fillRef>
+      <a:effectRef idx="0">
+        <a:scrgbClr r="0" g="0" b="0"/>
+      </a:effectRef>
+      <a:fontRef idx="minor"/>
+    </dgm:style>
+  </dgm:styleLbl>
+  <dgm:styleLbl name="fgAcc1">
+    <dgm:scene3d>
+      <a:camera prst="orthographicFront"/>
+      <a:lightRig rig="threePt" dir="t"/>
+    </dgm:scene3d>
+    <dgm:sp3d/>
+    <dgm:txPr/>
+    <dgm:style>
+      <a:lnRef idx="2">
+        <a:scrgbClr r="0" g="0" b="0"/>
+      </a:lnRef>
+      <a:fillRef idx="1">
+        <a:scrgbClr r="0" g="0" b="0"/>
+      </a:fillRef>
+      <a:effectRef idx="0">
+        <a:scrgbClr r="0" g="0" b="0"/>
+      </a:effectRef>
+      <a:fontRef idx="minor"/>
+    </dgm:style>
+  </dgm:styleLbl>
+  <dgm:styleLbl name="conFgAcc1">
+    <dgm:scene3d>
+      <a:camera prst="orthographicFront"/>
+      <a:lightRig rig="threePt" dir="t"/>
+    </dgm:scene3d>
+    <dgm:sp3d/>
+    <dgm:txPr/>
+    <dgm:style>
+      <a:lnRef idx="2">
+        <a:scrgbClr r="0" g="0" b="0"/>
+      </a:lnRef>
+      <a:fillRef idx="1">
+        <a:scrgbClr r="0" g="0" b="0"/>
+      </a:fillRef>
+      <a:effectRef idx="0">
+        <a:scrgbClr r="0" g="0" b="0"/>
+      </a:effectRef>
+      <a:fontRef idx="minor"/>
+    </dgm:style>
+  </dgm:styleLbl>
+  <dgm:styleLbl name="alignAcc1">
+    <dgm:scene3d>
+      <a:camera prst="orthographicFront"/>
+      <a:lightRig rig="threePt" dir="t"/>
+    </dgm:scene3d>
+    <dgm:sp3d/>
+    <dgm:txPr/>
+    <dgm:style>
+      <a:lnRef idx="2">
+        <a:scrgbClr r="0" g="0" b="0"/>
+      </a:lnRef>
+      <a:fillRef idx="1">
+        <a:scrgbClr r="0" g="0" b="0"/>
+      </a:fillRef>
+      <a:effectRef idx="0">
+        <a:scrgbClr r="0" g="0" b="0"/>
+      </a:effectRef>
+      <a:fontRef idx="minor"/>
+    </dgm:style>
+  </dgm:styleLbl>
+  <dgm:styleLbl name="trAlignAcc1">
+    <dgm:scene3d>
+      <a:camera prst="orthographicFront"/>
+      <a:lightRig rig="threePt" dir="t"/>
+    </dgm:scene3d>
+    <dgm:sp3d/>
+    <dgm:txPr/>
+    <dgm:style>
+      <a:lnRef idx="1">
+        <a:scrgbClr r="0" g="0" b="0"/>
+      </a:lnRef>
+      <a:fillRef idx="1">
+        <a:scrgbClr r="0" g="0" b="0"/>
+      </a:fillRef>
+      <a:effectRef idx="0">
+        <a:scrgbClr r="0" g="0" b="0"/>
+      </a:effectRef>
+      <a:fontRef idx="minor"/>
+    </dgm:style>
+  </dgm:styleLbl>
+  <dgm:styleLbl name="bgAcc1">
+    <dgm:scene3d>
+      <a:camera prst="orthographicFront"/>
+      <a:lightRig rig="threePt" dir="t"/>
+    </dgm:scene3d>
+    <dgm:sp3d/>
+    <dgm:txPr/>
+    <dgm:style>
+      <a:lnRef idx="2">
+        <a:scrgbClr r="0" g="0" b="0"/>
+      </a:lnRef>
+      <a:fillRef idx="1">
+        <a:scrgbClr r="0" g="0" b="0"/>
+      </a:fillRef>
+      <a:effectRef idx="0">
+        <a:scrgbClr r="0" g="0" b="0"/>
+      </a:effectRef>
+      <a:fontRef idx="minor"/>
+    </dgm:style>
+  </dgm:styleLbl>
+  <dgm:styleLbl name="solidFgAcc1">
+    <dgm:scene3d>
+      <a:camera prst="orthographicFront"/>
+      <a:lightRig rig="threePt" dir="t"/>
+    </dgm:scene3d>
+    <dgm:sp3d/>
+    <dgm:txPr/>
+    <dgm:style>
+      <a:lnRef idx="2">
+        <a:scrgbClr r="0" g="0" b="0"/>
+      </a:lnRef>
+      <a:fillRef idx="1">
+        <a:scrgbClr r="0" g="0" b="0"/>
+      </a:fillRef>
+      <a:effectRef idx="0">
+        <a:scrgbClr r="0" g="0" b="0"/>
+      </a:effectRef>
+      <a:fontRef idx="minor"/>
+    </dgm:style>
+  </dgm:styleLbl>
+  <dgm:styleLbl name="solidAlignAcc1">
+    <dgm:scene3d>
+      <a:camera prst="orthographicFront"/>
+      <a:lightRig rig="threePt" dir="t"/>
+    </dgm:scene3d>
+    <dgm:sp3d/>
+    <dgm:txPr/>
+    <dgm:style>
+      <a:lnRef idx="2">
+        <a:scrgbClr r="0" g="0" b="0"/>
+      </a:lnRef>
+      <a:fillRef idx="1">
+        <a:scrgbClr r="0" g="0" b="0"/>
+      </a:fillRef>
+      <a:effectRef idx="0">
+        <a:scrgbClr r="0" g="0" b="0"/>
+      </a:effectRef>
+      <a:fontRef idx="minor"/>
+    </dgm:style>
+  </dgm:styleLbl>
+  <dgm:styleLbl name="solidBgAcc1">
+    <dgm:scene3d>
+      <a:camera prst="orthographicFront"/>
+      <a:lightRig rig="threePt" dir="t"/>
+    </dgm:scene3d>
+    <dgm:sp3d/>
+    <dgm:txPr/>
+    <dgm:style>
+      <a:lnRef idx="2">
+        <a:scrgbClr r="0" g="0" b="0"/>
+      </a:lnRef>
+      <a:fillRef idx="1">
+        <a:scrgbClr r="0" g="0" b="0"/>
+      </a:fillRef>
+      <a:effectRef idx="0">
+        <a:scrgbClr r="0" g="0" b="0"/>
+      </a:effectRef>
+      <a:fontRef idx="minor"/>
+    </dgm:style>
+  </dgm:styleLbl>
+  <dgm:styleLbl name="fgAccFollowNode1">
+    <dgm:scene3d>
+      <a:camera prst="orthographicFront"/>
+      <a:lightRig rig="threePt" dir="t"/>
+    </dgm:scene3d>
+    <dgm:sp3d/>
+    <dgm:txPr/>
+    <dgm:style>
+      <a:lnRef idx="2">
+        <a:scrgbClr r="0" g="0" b="0"/>
+      </a:lnRef>
+      <a:fillRef idx="1">
+        <a:scrgbClr r="0" g="0" b="0"/>
+      </a:fillRef>
+      <a:effectRef idx="0">
+        <a:scrgbClr r="0" g="0" b="0"/>
+      </a:effectRef>
+      <a:fontRef idx="minor"/>
+    </dgm:style>
+  </dgm:styleLbl>
+  <dgm:styleLbl name="alignAccFollowNode1">
+    <dgm:scene3d>
+      <a:camera prst="orthographicFront"/>
+      <a:lightRig rig="threePt" dir="t"/>
+    </dgm:scene3d>
+    <dgm:sp3d/>
+    <dgm:txPr/>
+    <dgm:style>
+      <a:lnRef idx="2">
+        <a:scrgbClr r="0" g="0" b="0"/>
+      </a:lnRef>
+      <a:fillRef idx="1">
+        <a:scrgbClr r="0" g="0" b="0"/>
+      </a:fillRef>
+      <a:effectRef idx="0">
+        <a:scrgbClr r="0" g="0" b="0"/>
+      </a:effectRef>
+      <a:fontRef idx="minor"/>
+    </dgm:style>
+  </dgm:styleLbl>
+  <dgm:styleLbl name="bgAccFollowNode1">
+    <dgm:scene3d>
+      <a:camera prst="orthographicFront"/>
+      <a:lightRig rig="threePt" dir="t"/>
+    </dgm:scene3d>
+    <dgm:sp3d/>
+    <dgm:txPr/>
+    <dgm:style>
+      <a:lnRef idx="2">
+        <a:scrgbClr r="0" g="0" b="0"/>
+      </a:lnRef>
+      <a:fillRef idx="1">
+        <a:scrgbClr r="0" g="0" b="0"/>
+      </a:fillRef>
+      <a:effectRef idx="0">
+        <a:scrgbClr r="0" g="0" b="0"/>
+      </a:effectRef>
+      <a:fontRef idx="minor"/>
+    </dgm:style>
+  </dgm:styleLbl>
+  <dgm:styleLbl name="fgAcc0">
+    <dgm:scene3d>
+      <a:camera prst="orthographicFront"/>
+      <a:lightRig rig="threePt" dir="t"/>
+    </dgm:scene3d>
+    <dgm:sp3d/>
+    <dgm:txPr/>
+    <dgm:style>
+      <a:lnRef idx="2">
+        <a:scrgbClr r="0" g="0" b="0"/>
+      </a:lnRef>
+      <a:fillRef idx="1">
+        <a:scrgbClr r="0" g="0" b="0"/>
+      </a:fillRef>
+      <a:effectRef idx="0">
+        <a:scrgbClr r="0" g="0" b="0"/>
+      </a:effectRef>
+      <a:fontRef idx="minor"/>
+    </dgm:style>
+  </dgm:styleLbl>
+  <dgm:styleLbl name="fgAcc2">
+    <dgm:scene3d>
+      <a:camera prst="orthographicFront"/>
+      <a:lightRig rig="threePt" dir="t"/>
+    </dgm:scene3d>
+    <dgm:sp3d/>
+    <dgm:txPr/>
+    <dgm:style>
+      <a:lnRef idx="2">
+        <a:scrgbClr r="0" g="0" b="0"/>
+      </a:lnRef>
+      <a:fillRef idx="1">
+        <a:scrgbClr r="0" g="0" b="0"/>
+      </a:fillRef>
+      <a:effectRef idx="0">
+        <a:scrgbClr r="0" g="0" b="0"/>
+      </a:effectRef>
+      <a:fontRef idx="minor"/>
+    </dgm:style>
+  </dgm:styleLbl>
+  <dgm:styleLbl name="fgAcc3">
+    <dgm:scene3d>
+      <a:camera prst="orthographicFront"/>
+      <a:lightRig rig="threePt" dir="t"/>
+    </dgm:scene3d>
+    <dgm:sp3d/>
+    <dgm:txPr/>
+    <dgm:style>
+      <a:lnRef idx="2">
+        <a:scrgbClr r="0" g="0" b="0"/>
+      </a:lnRef>
+      <a:fillRef idx="1">
+        <a:scrgbClr r="0" g="0" b="0"/>
+      </a:fillRef>
+      <a:effectRef idx="0">
+        <a:scrgbClr r="0" g="0" b="0"/>
+      </a:effectRef>
+      <a:fontRef idx="minor"/>
+    </dgm:style>
+  </dgm:styleLbl>
+  <dgm:styleLbl name="fgAcc4">
+    <dgm:scene3d>
+      <a:camera prst="orthographicFront"/>
+      <a:lightRig rig="threePt" dir="t"/>
+    </dgm:scene3d>
+    <dgm:sp3d/>
+    <dgm:txPr/>
+    <dgm:style>
+      <a:lnRef idx="2">
+        <a:scrgbClr r="0" g="0" b="0"/>
+      </a:lnRef>
+      <a:fillRef idx="1">
+        <a:scrgbClr r="0" g="0" b="0"/>
+      </a:fillRef>
+      <a:effectRef idx="0">
+        <a:scrgbClr r="0" g="0" b="0"/>
+      </a:effectRef>
+      <a:fontRef idx="minor"/>
+    </dgm:style>
+  </dgm:styleLbl>
+  <dgm:styleLbl name="bgShp">
+    <dgm:scene3d>
+      <a:camera prst="orthographicFront"/>
+      <a:lightRig rig="threePt" dir="t"/>
+    </dgm:scene3d>
+    <dgm:sp3d/>
+    <dgm:txPr/>
+    <dgm:style>
+      <a:lnRef idx="0">
+        <a:scrgbClr r="0" g="0" b="0"/>
+      </a:lnRef>
+      <a:fillRef idx="1">
+        <a:scrgbClr r="0" g="0" b="0"/>
+      </a:fillRef>
+      <a:effectRef idx="0">
+        <a:scrgbClr r="0" g="0" b="0"/>
+      </a:effectRef>
+      <a:fontRef idx="minor"/>
+    </dgm:style>
+  </dgm:styleLbl>
+  <dgm:styleLbl name="dkBgShp">
+    <dgm:scene3d>
+      <a:camera prst="orthographicFront"/>
+      <a:lightRig rig="threePt" dir="t"/>
+    </dgm:scene3d>
+    <dgm:sp3d/>
+    <dgm:txPr/>
+    <dgm:style>
+      <a:lnRef idx="0">
+        <a:scrgbClr r="0" g="0" b="0"/>
+      </a:lnRef>
+      <a:fillRef idx="1">
+        <a:scrgbClr r="0" g="0" b="0"/>
+      </a:fillRef>
+      <a:effectRef idx="0">
+        <a:scrgbClr r="0" g="0" b="0"/>
+      </a:effectRef>
+      <a:fontRef idx="minor"/>
+    </dgm:style>
+  </dgm:styleLbl>
+  <dgm:styleLbl name="trBgShp">
+    <dgm:scene3d>
+      <a:camera prst="orthographicFront"/>
+      <a:lightRig rig="threePt" dir="t"/>
+    </dgm:scene3d>
+    <dgm:sp3d/>
+    <dgm:txPr/>
+    <dgm:style>
+      <a:lnRef idx="0">
+        <a:scrgbClr r="0" g="0" b="0"/>
+      </a:lnRef>
+      <a:fillRef idx="1">
+        <a:scrgbClr r="0" g="0" b="0"/>
+      </a:fillRef>
+      <a:effectRef idx="0">
+        <a:scrgbClr r="0" g="0" b="0"/>
+      </a:effectRef>
+      <a:fontRef idx="minor"/>
+    </dgm:style>
+  </dgm:styleLbl>
+  <dgm:styleLbl name="fgShp">
+    <dgm:scene3d>
+      <a:camera prst="orthographicFront"/>
+      <a:lightRig rig="threePt" dir="t"/>
+    </dgm:scene3d>
+    <dgm:sp3d/>
+    <dgm:txPr/>
+    <dgm:style>
+      <a:lnRef idx="2">
+        <a:scrgbClr r="0" g="0" b="0"/>
+      </a:lnRef>
+      <a:fillRef idx="1">
+        <a:scrgbClr r="0" g="0" b="0"/>
+      </a:fillRef>
+      <a:effectRef idx="0">
+        <a:scrgbClr r="0" g="0" b="0"/>
+      </a:effectRef>
+      <a:fontRef idx="minor"/>
+    </dgm:style>
+  </dgm:styleLbl>
+  <dgm:styleLbl name="revTx">
+    <dgm:scene3d>
+      <a:camera prst="orthographicFront"/>
+      <a:lightRig rig="threePt" dir="t"/>
+    </dgm:scene3d>
+    <dgm:sp3d/>
+    <dgm:txPr/>
+    <dgm:style>
+      <a:lnRef idx="0">
+        <a:scrgbClr r="0" g="0" b="0"/>
+      </a:lnRef>
+      <a:fillRef idx="0">
+        <a:scrgbClr r="0" g="0" b="0"/>
+      </a:fillRef>
+      <a:effectRef idx="0">
+        <a:scrgbClr r="0" g="0" b="0"/>
+      </a:effectRef>
+      <a:fontRef idx="minor"/>
+    </dgm:style>
+  </dgm:styleLbl>
+</dgm:styleDef>
 </file>
 
 <file path=ppt/notesMasters/notesMaster1.xml><?xml version="1.0" encoding="utf-8"?>
@@ -217,7 +6580,7 @@
           <a:p>
             <a:fld id="{F06F4A21-7C54-8A4F-BC0F-E09B54054FE8}" type="datetimeFigureOut">
               <a:rPr lang="en-CH" smtClean="0"/>
-              <a:t>05.03.2025</a:t>
+              <a:t>09.04.2025</a:t>
             </a:fld>
             <a:endParaRPr lang="en-CH"/>
           </a:p>
@@ -485,846 +6848,6 @@
 </p:notesMaster>
 </file>
 
-<file path=ppt/notesSlides/notesSlide1.xml><?xml version="1.0" encoding="utf-8"?>
-<p:notes xmlns:a="http://schemas.openxmlformats.org/drawingml/2006/main" xmlns:r="http://schemas.openxmlformats.org/officeDocument/2006/relationships" xmlns:p="http://schemas.openxmlformats.org/presentationml/2006/main">
-  <p:cSld>
-    <p:spTree>
-      <p:nvGrpSpPr>
-        <p:cNvPr id="1" name=""/>
-        <p:cNvGrpSpPr/>
-        <p:nvPr/>
-      </p:nvGrpSpPr>
-      <p:grpSpPr>
-        <a:xfrm>
-          <a:off x="0" y="0"/>
-          <a:ext cx="0" cy="0"/>
-          <a:chOff x="0" y="0"/>
-          <a:chExt cx="0" cy="0"/>
-        </a:xfrm>
-      </p:grpSpPr>
-      <p:sp>
-        <p:nvSpPr>
-          <p:cNvPr id="2" name="Slide Image Placeholder 1"/>
-          <p:cNvSpPr>
-            <a:spLocks noGrp="1" noRot="1" noChangeAspect="1"/>
-          </p:cNvSpPr>
-          <p:nvPr>
-            <p:ph type="sldImg"/>
-          </p:nvPr>
-        </p:nvSpPr>
-        <p:spPr/>
-      </p:sp>
-      <p:sp>
-        <p:nvSpPr>
-          <p:cNvPr id="3" name="Notes Placeholder 2"/>
-          <p:cNvSpPr>
-            <a:spLocks noGrp="1"/>
-          </p:cNvSpPr>
-          <p:nvPr>
-            <p:ph type="body" idx="1"/>
-          </p:nvPr>
-        </p:nvSpPr>
-        <p:spPr/>
-        <p:txBody>
-          <a:bodyPr/>
-          <a:lstStyle/>
-          <a:p>
-            <a:endParaRPr lang="de-CH"/>
-          </a:p>
-        </p:txBody>
-      </p:sp>
-      <p:sp>
-        <p:nvSpPr>
-          <p:cNvPr id="4" name="Slide Number Placeholder 3"/>
-          <p:cNvSpPr>
-            <a:spLocks noGrp="1"/>
-          </p:cNvSpPr>
-          <p:nvPr>
-            <p:ph type="sldNum" sz="quarter" idx="5"/>
-          </p:nvPr>
-        </p:nvSpPr>
-        <p:spPr/>
-        <p:txBody>
-          <a:bodyPr/>
-          <a:lstStyle/>
-          <a:p>
-            <a:fld id="{E8600535-6FCB-B24A-B1E5-B168EAC9A54E}" type="slidenum">
-              <a:rPr lang="en-CH" smtClean="0"/>
-              <a:t>1</a:t>
-            </a:fld>
-            <a:endParaRPr lang="en-CH"/>
-          </a:p>
-        </p:txBody>
-      </p:sp>
-    </p:spTree>
-    <p:extLst>
-      <p:ext uri="{BB962C8B-B14F-4D97-AF65-F5344CB8AC3E}">
-        <p14:creationId xmlns:p14="http://schemas.microsoft.com/office/powerpoint/2010/main" val="3258380579"/>
-      </p:ext>
-    </p:extLst>
-  </p:cSld>
-  <p:clrMapOvr>
-    <a:masterClrMapping/>
-  </p:clrMapOvr>
-</p:notes>
-</file>
-
-<file path=ppt/notesSlides/notesSlide10.xml><?xml version="1.0" encoding="utf-8"?>
-<p:notes xmlns:a="http://schemas.openxmlformats.org/drawingml/2006/main" xmlns:r="http://schemas.openxmlformats.org/officeDocument/2006/relationships" xmlns:p="http://schemas.openxmlformats.org/presentationml/2006/main">
-  <p:cSld>
-    <p:spTree>
-      <p:nvGrpSpPr>
-        <p:cNvPr id="1" name=""/>
-        <p:cNvGrpSpPr/>
-        <p:nvPr/>
-      </p:nvGrpSpPr>
-      <p:grpSpPr>
-        <a:xfrm>
-          <a:off x="0" y="0"/>
-          <a:ext cx="0" cy="0"/>
-          <a:chOff x="0" y="0"/>
-          <a:chExt cx="0" cy="0"/>
-        </a:xfrm>
-      </p:grpSpPr>
-      <p:sp>
-        <p:nvSpPr>
-          <p:cNvPr id="2" name="Slide Image Placeholder 1"/>
-          <p:cNvSpPr>
-            <a:spLocks noGrp="1" noRot="1" noChangeAspect="1"/>
-          </p:cNvSpPr>
-          <p:nvPr>
-            <p:ph type="sldImg"/>
-          </p:nvPr>
-        </p:nvSpPr>
-        <p:spPr/>
-      </p:sp>
-      <p:sp>
-        <p:nvSpPr>
-          <p:cNvPr id="3" name="Notes Placeholder 2"/>
-          <p:cNvSpPr>
-            <a:spLocks noGrp="1"/>
-          </p:cNvSpPr>
-          <p:nvPr>
-            <p:ph type="body" idx="1"/>
-          </p:nvPr>
-        </p:nvSpPr>
-        <p:spPr/>
-        <p:txBody>
-          <a:bodyPr/>
-          <a:lstStyle/>
-          <a:p>
-            <a:endParaRPr lang="de-CH"/>
-          </a:p>
-        </p:txBody>
-      </p:sp>
-      <p:sp>
-        <p:nvSpPr>
-          <p:cNvPr id="4" name="Slide Number Placeholder 3"/>
-          <p:cNvSpPr>
-            <a:spLocks noGrp="1"/>
-          </p:cNvSpPr>
-          <p:nvPr>
-            <p:ph type="sldNum" sz="quarter" idx="5"/>
-          </p:nvPr>
-        </p:nvSpPr>
-        <p:spPr/>
-        <p:txBody>
-          <a:bodyPr/>
-          <a:lstStyle/>
-          <a:p>
-            <a:fld id="{E8600535-6FCB-B24A-B1E5-B168EAC9A54E}" type="slidenum">
-              <a:rPr lang="en-CH" smtClean="0"/>
-              <a:t>10</a:t>
-            </a:fld>
-            <a:endParaRPr lang="en-CH"/>
-          </a:p>
-        </p:txBody>
-      </p:sp>
-    </p:spTree>
-    <p:extLst>
-      <p:ext uri="{BB962C8B-B14F-4D97-AF65-F5344CB8AC3E}">
-        <p14:creationId xmlns:p14="http://schemas.microsoft.com/office/powerpoint/2010/main" val="2380019834"/>
-      </p:ext>
-    </p:extLst>
-  </p:cSld>
-  <p:clrMapOvr>
-    <a:masterClrMapping/>
-  </p:clrMapOvr>
-</p:notes>
-</file>
-
-<file path=ppt/notesSlides/notesSlide2.xml><?xml version="1.0" encoding="utf-8"?>
-<p:notes xmlns:a="http://schemas.openxmlformats.org/drawingml/2006/main" xmlns:r="http://schemas.openxmlformats.org/officeDocument/2006/relationships" xmlns:p="http://schemas.openxmlformats.org/presentationml/2006/main">
-  <p:cSld>
-    <p:spTree>
-      <p:nvGrpSpPr>
-        <p:cNvPr id="1" name=""/>
-        <p:cNvGrpSpPr/>
-        <p:nvPr/>
-      </p:nvGrpSpPr>
-      <p:grpSpPr>
-        <a:xfrm>
-          <a:off x="0" y="0"/>
-          <a:ext cx="0" cy="0"/>
-          <a:chOff x="0" y="0"/>
-          <a:chExt cx="0" cy="0"/>
-        </a:xfrm>
-      </p:grpSpPr>
-      <p:sp>
-        <p:nvSpPr>
-          <p:cNvPr id="2" name="Slide Image Placeholder 1"/>
-          <p:cNvSpPr>
-            <a:spLocks noGrp="1" noRot="1" noChangeAspect="1"/>
-          </p:cNvSpPr>
-          <p:nvPr>
-            <p:ph type="sldImg"/>
-          </p:nvPr>
-        </p:nvSpPr>
-        <p:spPr/>
-      </p:sp>
-      <p:sp>
-        <p:nvSpPr>
-          <p:cNvPr id="3" name="Notes Placeholder 2"/>
-          <p:cNvSpPr>
-            <a:spLocks noGrp="1"/>
-          </p:cNvSpPr>
-          <p:nvPr>
-            <p:ph type="body" idx="1"/>
-          </p:nvPr>
-        </p:nvSpPr>
-        <p:spPr/>
-        <p:txBody>
-          <a:bodyPr/>
-          <a:lstStyle/>
-          <a:p>
-            <a:endParaRPr lang="de-CH"/>
-          </a:p>
-        </p:txBody>
-      </p:sp>
-      <p:sp>
-        <p:nvSpPr>
-          <p:cNvPr id="4" name="Slide Number Placeholder 3"/>
-          <p:cNvSpPr>
-            <a:spLocks noGrp="1"/>
-          </p:cNvSpPr>
-          <p:nvPr>
-            <p:ph type="sldNum" sz="quarter" idx="5"/>
-          </p:nvPr>
-        </p:nvSpPr>
-        <p:spPr/>
-        <p:txBody>
-          <a:bodyPr/>
-          <a:lstStyle/>
-          <a:p>
-            <a:fld id="{E8600535-6FCB-B24A-B1E5-B168EAC9A54E}" type="slidenum">
-              <a:rPr lang="en-CH" smtClean="0"/>
-              <a:t>2</a:t>
-            </a:fld>
-            <a:endParaRPr lang="en-CH"/>
-          </a:p>
-        </p:txBody>
-      </p:sp>
-    </p:spTree>
-    <p:extLst>
-      <p:ext uri="{BB962C8B-B14F-4D97-AF65-F5344CB8AC3E}">
-        <p14:creationId xmlns:p14="http://schemas.microsoft.com/office/powerpoint/2010/main" val="2219106257"/>
-      </p:ext>
-    </p:extLst>
-  </p:cSld>
-  <p:clrMapOvr>
-    <a:masterClrMapping/>
-  </p:clrMapOvr>
-</p:notes>
-</file>
-
-<file path=ppt/notesSlides/notesSlide3.xml><?xml version="1.0" encoding="utf-8"?>
-<p:notes xmlns:a="http://schemas.openxmlformats.org/drawingml/2006/main" xmlns:r="http://schemas.openxmlformats.org/officeDocument/2006/relationships" xmlns:p="http://schemas.openxmlformats.org/presentationml/2006/main">
-  <p:cSld>
-    <p:spTree>
-      <p:nvGrpSpPr>
-        <p:cNvPr id="1" name=""/>
-        <p:cNvGrpSpPr/>
-        <p:nvPr/>
-      </p:nvGrpSpPr>
-      <p:grpSpPr>
-        <a:xfrm>
-          <a:off x="0" y="0"/>
-          <a:ext cx="0" cy="0"/>
-          <a:chOff x="0" y="0"/>
-          <a:chExt cx="0" cy="0"/>
-        </a:xfrm>
-      </p:grpSpPr>
-      <p:sp>
-        <p:nvSpPr>
-          <p:cNvPr id="2" name="Slide Image Placeholder 1"/>
-          <p:cNvSpPr>
-            <a:spLocks noGrp="1" noRot="1" noChangeAspect="1"/>
-          </p:cNvSpPr>
-          <p:nvPr>
-            <p:ph type="sldImg"/>
-          </p:nvPr>
-        </p:nvSpPr>
-        <p:spPr/>
-      </p:sp>
-      <p:sp>
-        <p:nvSpPr>
-          <p:cNvPr id="3" name="Notes Placeholder 2"/>
-          <p:cNvSpPr>
-            <a:spLocks noGrp="1"/>
-          </p:cNvSpPr>
-          <p:nvPr>
-            <p:ph type="body" idx="1"/>
-          </p:nvPr>
-        </p:nvSpPr>
-        <p:spPr/>
-        <p:txBody>
-          <a:bodyPr/>
-          <a:lstStyle/>
-          <a:p>
-            <a:endParaRPr lang="de-CH"/>
-          </a:p>
-        </p:txBody>
-      </p:sp>
-      <p:sp>
-        <p:nvSpPr>
-          <p:cNvPr id="4" name="Slide Number Placeholder 3"/>
-          <p:cNvSpPr>
-            <a:spLocks noGrp="1"/>
-          </p:cNvSpPr>
-          <p:nvPr>
-            <p:ph type="sldNum" sz="quarter" idx="5"/>
-          </p:nvPr>
-        </p:nvSpPr>
-        <p:spPr/>
-        <p:txBody>
-          <a:bodyPr/>
-          <a:lstStyle/>
-          <a:p>
-            <a:fld id="{E8600535-6FCB-B24A-B1E5-B168EAC9A54E}" type="slidenum">
-              <a:rPr lang="en-CH" smtClean="0"/>
-              <a:t>3</a:t>
-            </a:fld>
-            <a:endParaRPr lang="en-CH"/>
-          </a:p>
-        </p:txBody>
-      </p:sp>
-    </p:spTree>
-    <p:extLst>
-      <p:ext uri="{BB962C8B-B14F-4D97-AF65-F5344CB8AC3E}">
-        <p14:creationId xmlns:p14="http://schemas.microsoft.com/office/powerpoint/2010/main" val="2683684982"/>
-      </p:ext>
-    </p:extLst>
-  </p:cSld>
-  <p:clrMapOvr>
-    <a:masterClrMapping/>
-  </p:clrMapOvr>
-</p:notes>
-</file>
-
-<file path=ppt/notesSlides/notesSlide4.xml><?xml version="1.0" encoding="utf-8"?>
-<p:notes xmlns:a="http://schemas.openxmlformats.org/drawingml/2006/main" xmlns:r="http://schemas.openxmlformats.org/officeDocument/2006/relationships" xmlns:p="http://schemas.openxmlformats.org/presentationml/2006/main">
-  <p:cSld>
-    <p:spTree>
-      <p:nvGrpSpPr>
-        <p:cNvPr id="1" name=""/>
-        <p:cNvGrpSpPr/>
-        <p:nvPr/>
-      </p:nvGrpSpPr>
-      <p:grpSpPr>
-        <a:xfrm>
-          <a:off x="0" y="0"/>
-          <a:ext cx="0" cy="0"/>
-          <a:chOff x="0" y="0"/>
-          <a:chExt cx="0" cy="0"/>
-        </a:xfrm>
-      </p:grpSpPr>
-      <p:sp>
-        <p:nvSpPr>
-          <p:cNvPr id="2" name="Slide Image Placeholder 1"/>
-          <p:cNvSpPr>
-            <a:spLocks noGrp="1" noRot="1" noChangeAspect="1"/>
-          </p:cNvSpPr>
-          <p:nvPr>
-            <p:ph type="sldImg"/>
-          </p:nvPr>
-        </p:nvSpPr>
-        <p:spPr/>
-      </p:sp>
-      <p:sp>
-        <p:nvSpPr>
-          <p:cNvPr id="3" name="Notes Placeholder 2"/>
-          <p:cNvSpPr>
-            <a:spLocks noGrp="1"/>
-          </p:cNvSpPr>
-          <p:nvPr>
-            <p:ph type="body" idx="1"/>
-          </p:nvPr>
-        </p:nvSpPr>
-        <p:spPr/>
-        <p:txBody>
-          <a:bodyPr/>
-          <a:lstStyle/>
-          <a:p>
-            <a:endParaRPr lang="de-CH"/>
-          </a:p>
-        </p:txBody>
-      </p:sp>
-      <p:sp>
-        <p:nvSpPr>
-          <p:cNvPr id="4" name="Slide Number Placeholder 3"/>
-          <p:cNvSpPr>
-            <a:spLocks noGrp="1"/>
-          </p:cNvSpPr>
-          <p:nvPr>
-            <p:ph type="sldNum" sz="quarter" idx="5"/>
-          </p:nvPr>
-        </p:nvSpPr>
-        <p:spPr/>
-        <p:txBody>
-          <a:bodyPr/>
-          <a:lstStyle/>
-          <a:p>
-            <a:fld id="{E8600535-6FCB-B24A-B1E5-B168EAC9A54E}" type="slidenum">
-              <a:rPr lang="en-CH" smtClean="0"/>
-              <a:t>4</a:t>
-            </a:fld>
-            <a:endParaRPr lang="en-CH"/>
-          </a:p>
-        </p:txBody>
-      </p:sp>
-    </p:spTree>
-    <p:extLst>
-      <p:ext uri="{BB962C8B-B14F-4D97-AF65-F5344CB8AC3E}">
-        <p14:creationId xmlns:p14="http://schemas.microsoft.com/office/powerpoint/2010/main" val="624744078"/>
-      </p:ext>
-    </p:extLst>
-  </p:cSld>
-  <p:clrMapOvr>
-    <a:masterClrMapping/>
-  </p:clrMapOvr>
-</p:notes>
-</file>
-
-<file path=ppt/notesSlides/notesSlide5.xml><?xml version="1.0" encoding="utf-8"?>
-<p:notes xmlns:a="http://schemas.openxmlformats.org/drawingml/2006/main" xmlns:r="http://schemas.openxmlformats.org/officeDocument/2006/relationships" xmlns:p="http://schemas.openxmlformats.org/presentationml/2006/main">
-  <p:cSld>
-    <p:spTree>
-      <p:nvGrpSpPr>
-        <p:cNvPr id="1" name=""/>
-        <p:cNvGrpSpPr/>
-        <p:nvPr/>
-      </p:nvGrpSpPr>
-      <p:grpSpPr>
-        <a:xfrm>
-          <a:off x="0" y="0"/>
-          <a:ext cx="0" cy="0"/>
-          <a:chOff x="0" y="0"/>
-          <a:chExt cx="0" cy="0"/>
-        </a:xfrm>
-      </p:grpSpPr>
-      <p:sp>
-        <p:nvSpPr>
-          <p:cNvPr id="2" name="Slide Image Placeholder 1"/>
-          <p:cNvSpPr>
-            <a:spLocks noGrp="1" noRot="1" noChangeAspect="1"/>
-          </p:cNvSpPr>
-          <p:nvPr>
-            <p:ph type="sldImg"/>
-          </p:nvPr>
-        </p:nvSpPr>
-        <p:spPr/>
-      </p:sp>
-      <p:sp>
-        <p:nvSpPr>
-          <p:cNvPr id="3" name="Notes Placeholder 2"/>
-          <p:cNvSpPr>
-            <a:spLocks noGrp="1"/>
-          </p:cNvSpPr>
-          <p:nvPr>
-            <p:ph type="body" idx="1"/>
-          </p:nvPr>
-        </p:nvSpPr>
-        <p:spPr/>
-        <p:txBody>
-          <a:bodyPr/>
-          <a:lstStyle/>
-          <a:p>
-            <a:endParaRPr lang="de-CH"/>
-          </a:p>
-        </p:txBody>
-      </p:sp>
-      <p:sp>
-        <p:nvSpPr>
-          <p:cNvPr id="4" name="Slide Number Placeholder 3"/>
-          <p:cNvSpPr>
-            <a:spLocks noGrp="1"/>
-          </p:cNvSpPr>
-          <p:nvPr>
-            <p:ph type="sldNum" sz="quarter" idx="5"/>
-          </p:nvPr>
-        </p:nvSpPr>
-        <p:spPr/>
-        <p:txBody>
-          <a:bodyPr/>
-          <a:lstStyle/>
-          <a:p>
-            <a:fld id="{E8600535-6FCB-B24A-B1E5-B168EAC9A54E}" type="slidenum">
-              <a:rPr lang="en-CH" smtClean="0"/>
-              <a:t>5</a:t>
-            </a:fld>
-            <a:endParaRPr lang="en-CH"/>
-          </a:p>
-        </p:txBody>
-      </p:sp>
-    </p:spTree>
-    <p:extLst>
-      <p:ext uri="{BB962C8B-B14F-4D97-AF65-F5344CB8AC3E}">
-        <p14:creationId xmlns:p14="http://schemas.microsoft.com/office/powerpoint/2010/main" val="2752905959"/>
-      </p:ext>
-    </p:extLst>
-  </p:cSld>
-  <p:clrMapOvr>
-    <a:masterClrMapping/>
-  </p:clrMapOvr>
-</p:notes>
-</file>
-
-<file path=ppt/notesSlides/notesSlide6.xml><?xml version="1.0" encoding="utf-8"?>
-<p:notes xmlns:a="http://schemas.openxmlformats.org/drawingml/2006/main" xmlns:r="http://schemas.openxmlformats.org/officeDocument/2006/relationships" xmlns:p="http://schemas.openxmlformats.org/presentationml/2006/main">
-  <p:cSld>
-    <p:spTree>
-      <p:nvGrpSpPr>
-        <p:cNvPr id="1" name=""/>
-        <p:cNvGrpSpPr/>
-        <p:nvPr/>
-      </p:nvGrpSpPr>
-      <p:grpSpPr>
-        <a:xfrm>
-          <a:off x="0" y="0"/>
-          <a:ext cx="0" cy="0"/>
-          <a:chOff x="0" y="0"/>
-          <a:chExt cx="0" cy="0"/>
-        </a:xfrm>
-      </p:grpSpPr>
-      <p:sp>
-        <p:nvSpPr>
-          <p:cNvPr id="2" name="Slide Image Placeholder 1"/>
-          <p:cNvSpPr>
-            <a:spLocks noGrp="1" noRot="1" noChangeAspect="1"/>
-          </p:cNvSpPr>
-          <p:nvPr>
-            <p:ph type="sldImg"/>
-          </p:nvPr>
-        </p:nvSpPr>
-        <p:spPr/>
-      </p:sp>
-      <p:sp>
-        <p:nvSpPr>
-          <p:cNvPr id="3" name="Notes Placeholder 2"/>
-          <p:cNvSpPr>
-            <a:spLocks noGrp="1"/>
-          </p:cNvSpPr>
-          <p:nvPr>
-            <p:ph type="body" idx="1"/>
-          </p:nvPr>
-        </p:nvSpPr>
-        <p:spPr/>
-        <p:txBody>
-          <a:bodyPr/>
-          <a:lstStyle/>
-          <a:p>
-            <a:endParaRPr lang="de-CH"/>
-          </a:p>
-        </p:txBody>
-      </p:sp>
-      <p:sp>
-        <p:nvSpPr>
-          <p:cNvPr id="4" name="Slide Number Placeholder 3"/>
-          <p:cNvSpPr>
-            <a:spLocks noGrp="1"/>
-          </p:cNvSpPr>
-          <p:nvPr>
-            <p:ph type="sldNum" sz="quarter" idx="5"/>
-          </p:nvPr>
-        </p:nvSpPr>
-        <p:spPr/>
-        <p:txBody>
-          <a:bodyPr/>
-          <a:lstStyle/>
-          <a:p>
-            <a:fld id="{E8600535-6FCB-B24A-B1E5-B168EAC9A54E}" type="slidenum">
-              <a:rPr lang="en-CH" smtClean="0"/>
-              <a:t>6</a:t>
-            </a:fld>
-            <a:endParaRPr lang="en-CH"/>
-          </a:p>
-        </p:txBody>
-      </p:sp>
-    </p:spTree>
-    <p:extLst>
-      <p:ext uri="{BB962C8B-B14F-4D97-AF65-F5344CB8AC3E}">
-        <p14:creationId xmlns:p14="http://schemas.microsoft.com/office/powerpoint/2010/main" val="4049948403"/>
-      </p:ext>
-    </p:extLst>
-  </p:cSld>
-  <p:clrMapOvr>
-    <a:masterClrMapping/>
-  </p:clrMapOvr>
-</p:notes>
-</file>
-
-<file path=ppt/notesSlides/notesSlide7.xml><?xml version="1.0" encoding="utf-8"?>
-<p:notes xmlns:a="http://schemas.openxmlformats.org/drawingml/2006/main" xmlns:r="http://schemas.openxmlformats.org/officeDocument/2006/relationships" xmlns:p="http://schemas.openxmlformats.org/presentationml/2006/main">
-  <p:cSld>
-    <p:spTree>
-      <p:nvGrpSpPr>
-        <p:cNvPr id="1" name=""/>
-        <p:cNvGrpSpPr/>
-        <p:nvPr/>
-      </p:nvGrpSpPr>
-      <p:grpSpPr>
-        <a:xfrm>
-          <a:off x="0" y="0"/>
-          <a:ext cx="0" cy="0"/>
-          <a:chOff x="0" y="0"/>
-          <a:chExt cx="0" cy="0"/>
-        </a:xfrm>
-      </p:grpSpPr>
-      <p:sp>
-        <p:nvSpPr>
-          <p:cNvPr id="2" name="Slide Image Placeholder 1"/>
-          <p:cNvSpPr>
-            <a:spLocks noGrp="1" noRot="1" noChangeAspect="1"/>
-          </p:cNvSpPr>
-          <p:nvPr>
-            <p:ph type="sldImg"/>
-          </p:nvPr>
-        </p:nvSpPr>
-        <p:spPr/>
-      </p:sp>
-      <p:sp>
-        <p:nvSpPr>
-          <p:cNvPr id="3" name="Notes Placeholder 2"/>
-          <p:cNvSpPr>
-            <a:spLocks noGrp="1"/>
-          </p:cNvSpPr>
-          <p:nvPr>
-            <p:ph type="body" idx="1"/>
-          </p:nvPr>
-        </p:nvSpPr>
-        <p:spPr/>
-        <p:txBody>
-          <a:bodyPr/>
-          <a:lstStyle/>
-          <a:p>
-            <a:endParaRPr lang="de-CH"/>
-          </a:p>
-        </p:txBody>
-      </p:sp>
-      <p:sp>
-        <p:nvSpPr>
-          <p:cNvPr id="4" name="Slide Number Placeholder 3"/>
-          <p:cNvSpPr>
-            <a:spLocks noGrp="1"/>
-          </p:cNvSpPr>
-          <p:nvPr>
-            <p:ph type="sldNum" sz="quarter" idx="5"/>
-          </p:nvPr>
-        </p:nvSpPr>
-        <p:spPr/>
-        <p:txBody>
-          <a:bodyPr/>
-          <a:lstStyle/>
-          <a:p>
-            <a:fld id="{E8600535-6FCB-B24A-B1E5-B168EAC9A54E}" type="slidenum">
-              <a:rPr lang="en-CH" smtClean="0"/>
-              <a:t>7</a:t>
-            </a:fld>
-            <a:endParaRPr lang="en-CH"/>
-          </a:p>
-        </p:txBody>
-      </p:sp>
-    </p:spTree>
-    <p:extLst>
-      <p:ext uri="{BB962C8B-B14F-4D97-AF65-F5344CB8AC3E}">
-        <p14:creationId xmlns:p14="http://schemas.microsoft.com/office/powerpoint/2010/main" val="2284730397"/>
-      </p:ext>
-    </p:extLst>
-  </p:cSld>
-  <p:clrMapOvr>
-    <a:masterClrMapping/>
-  </p:clrMapOvr>
-</p:notes>
-</file>
-
-<file path=ppt/notesSlides/notesSlide8.xml><?xml version="1.0" encoding="utf-8"?>
-<p:notes xmlns:a="http://schemas.openxmlformats.org/drawingml/2006/main" xmlns:r="http://schemas.openxmlformats.org/officeDocument/2006/relationships" xmlns:p="http://schemas.openxmlformats.org/presentationml/2006/main">
-  <p:cSld>
-    <p:spTree>
-      <p:nvGrpSpPr>
-        <p:cNvPr id="1" name=""/>
-        <p:cNvGrpSpPr/>
-        <p:nvPr/>
-      </p:nvGrpSpPr>
-      <p:grpSpPr>
-        <a:xfrm>
-          <a:off x="0" y="0"/>
-          <a:ext cx="0" cy="0"/>
-          <a:chOff x="0" y="0"/>
-          <a:chExt cx="0" cy="0"/>
-        </a:xfrm>
-      </p:grpSpPr>
-      <p:sp>
-        <p:nvSpPr>
-          <p:cNvPr id="2" name="Slide Image Placeholder 1"/>
-          <p:cNvSpPr>
-            <a:spLocks noGrp="1" noRot="1" noChangeAspect="1"/>
-          </p:cNvSpPr>
-          <p:nvPr>
-            <p:ph type="sldImg"/>
-          </p:nvPr>
-        </p:nvSpPr>
-        <p:spPr/>
-      </p:sp>
-      <p:sp>
-        <p:nvSpPr>
-          <p:cNvPr id="3" name="Notes Placeholder 2"/>
-          <p:cNvSpPr>
-            <a:spLocks noGrp="1"/>
-          </p:cNvSpPr>
-          <p:nvPr>
-            <p:ph type="body" idx="1"/>
-          </p:nvPr>
-        </p:nvSpPr>
-        <p:spPr/>
-        <p:txBody>
-          <a:bodyPr/>
-          <a:lstStyle/>
-          <a:p>
-            <a:endParaRPr lang="de-CH"/>
-          </a:p>
-        </p:txBody>
-      </p:sp>
-      <p:sp>
-        <p:nvSpPr>
-          <p:cNvPr id="4" name="Slide Number Placeholder 3"/>
-          <p:cNvSpPr>
-            <a:spLocks noGrp="1"/>
-          </p:cNvSpPr>
-          <p:nvPr>
-            <p:ph type="sldNum" sz="quarter" idx="5"/>
-          </p:nvPr>
-        </p:nvSpPr>
-        <p:spPr/>
-        <p:txBody>
-          <a:bodyPr/>
-          <a:lstStyle/>
-          <a:p>
-            <a:fld id="{E8600535-6FCB-B24A-B1E5-B168EAC9A54E}" type="slidenum">
-              <a:rPr lang="en-CH" smtClean="0"/>
-              <a:t>8</a:t>
-            </a:fld>
-            <a:endParaRPr lang="en-CH"/>
-          </a:p>
-        </p:txBody>
-      </p:sp>
-    </p:spTree>
-    <p:extLst>
-      <p:ext uri="{BB962C8B-B14F-4D97-AF65-F5344CB8AC3E}">
-        <p14:creationId xmlns:p14="http://schemas.microsoft.com/office/powerpoint/2010/main" val="276405792"/>
-      </p:ext>
-    </p:extLst>
-  </p:cSld>
-  <p:clrMapOvr>
-    <a:masterClrMapping/>
-  </p:clrMapOvr>
-</p:notes>
-</file>
-
-<file path=ppt/notesSlides/notesSlide9.xml><?xml version="1.0" encoding="utf-8"?>
-<p:notes xmlns:a="http://schemas.openxmlformats.org/drawingml/2006/main" xmlns:r="http://schemas.openxmlformats.org/officeDocument/2006/relationships" xmlns:p="http://schemas.openxmlformats.org/presentationml/2006/main">
-  <p:cSld>
-    <p:spTree>
-      <p:nvGrpSpPr>
-        <p:cNvPr id="1" name=""/>
-        <p:cNvGrpSpPr/>
-        <p:nvPr/>
-      </p:nvGrpSpPr>
-      <p:grpSpPr>
-        <a:xfrm>
-          <a:off x="0" y="0"/>
-          <a:ext cx="0" cy="0"/>
-          <a:chOff x="0" y="0"/>
-          <a:chExt cx="0" cy="0"/>
-        </a:xfrm>
-      </p:grpSpPr>
-      <p:sp>
-        <p:nvSpPr>
-          <p:cNvPr id="2" name="Slide Image Placeholder 1"/>
-          <p:cNvSpPr>
-            <a:spLocks noGrp="1" noRot="1" noChangeAspect="1"/>
-          </p:cNvSpPr>
-          <p:nvPr>
-            <p:ph type="sldImg"/>
-          </p:nvPr>
-        </p:nvSpPr>
-        <p:spPr/>
-      </p:sp>
-      <p:sp>
-        <p:nvSpPr>
-          <p:cNvPr id="3" name="Notes Placeholder 2"/>
-          <p:cNvSpPr>
-            <a:spLocks noGrp="1"/>
-          </p:cNvSpPr>
-          <p:nvPr>
-            <p:ph type="body" idx="1"/>
-          </p:nvPr>
-        </p:nvSpPr>
-        <p:spPr/>
-        <p:txBody>
-          <a:bodyPr/>
-          <a:lstStyle/>
-          <a:p>
-            <a:endParaRPr lang="de-CH"/>
-          </a:p>
-        </p:txBody>
-      </p:sp>
-      <p:sp>
-        <p:nvSpPr>
-          <p:cNvPr id="4" name="Slide Number Placeholder 3"/>
-          <p:cNvSpPr>
-            <a:spLocks noGrp="1"/>
-          </p:cNvSpPr>
-          <p:nvPr>
-            <p:ph type="sldNum" sz="quarter" idx="5"/>
-          </p:nvPr>
-        </p:nvSpPr>
-        <p:spPr/>
-        <p:txBody>
-          <a:bodyPr/>
-          <a:lstStyle/>
-          <a:p>
-            <a:fld id="{E8600535-6FCB-B24A-B1E5-B168EAC9A54E}" type="slidenum">
-              <a:rPr lang="en-CH" smtClean="0"/>
-              <a:t>9</a:t>
-            </a:fld>
-            <a:endParaRPr lang="en-CH"/>
-          </a:p>
-        </p:txBody>
-      </p:sp>
-    </p:spTree>
-    <p:extLst>
-      <p:ext uri="{BB962C8B-B14F-4D97-AF65-F5344CB8AC3E}">
-        <p14:creationId xmlns:p14="http://schemas.microsoft.com/office/powerpoint/2010/main" val="1885861087"/>
-      </p:ext>
-    </p:extLst>
-  </p:cSld>
-  <p:clrMapOvr>
-    <a:masterClrMapping/>
-  </p:clrMapOvr>
-</p:notes>
-</file>
-
 <file path=ppt/slideLayouts/slideLayout1.xml><?xml version="1.0" encoding="utf-8"?>
 <p:sldLayout xmlns:a="http://schemas.openxmlformats.org/drawingml/2006/main" xmlns:r="http://schemas.openxmlformats.org/officeDocument/2006/relationships" xmlns:p="http://schemas.openxmlformats.org/presentationml/2006/main" type="title" preserve="1">
   <p:cSld name="Title Slide">
@@ -1478,7 +7001,7 @@
           <a:p>
             <a:fld id="{957D5AD7-50EB-BB4B-ABCD-9E13971DF047}" type="datetimeFigureOut">
               <a:rPr lang="en-CH" smtClean="0"/>
-              <a:t>05.03.2025</a:t>
+              <a:t>09.04.2025</a:t>
             </a:fld>
             <a:endParaRPr lang="en-CH"/>
           </a:p>
@@ -1591,7 +7114,7 @@
           <a:p>
             <a:fld id="{957D5AD7-50EB-BB4B-ABCD-9E13971DF047}" type="datetimeFigureOut">
               <a:rPr lang="en-CH" smtClean="0"/>
-              <a:t>05.03.2025</a:t>
+              <a:t>09.04.2025</a:t>
             </a:fld>
             <a:endParaRPr lang="en-CH"/>
           </a:p>
@@ -1904,7 +7427,7 @@
           <a:p>
             <a:fld id="{957D5AD7-50EB-BB4B-ABCD-9E13971DF047}" type="datetimeFigureOut">
               <a:rPr lang="en-CH" smtClean="0"/>
-              <a:t>05.03.2025</a:t>
+              <a:t>09.04.2025</a:t>
             </a:fld>
             <a:endParaRPr lang="en-CH"/>
           </a:p>
@@ -2193,7 +7716,7 @@
           <a:p>
             <a:fld id="{957D5AD7-50EB-BB4B-ABCD-9E13971DF047}" type="datetimeFigureOut">
               <a:rPr lang="en-CH" smtClean="0"/>
-              <a:t>05.03.2025</a:t>
+              <a:t>09.04.2025</a:t>
             </a:fld>
             <a:endParaRPr lang="en-CH"/>
           </a:p>
@@ -2393,7 +7916,7 @@
           <a:p>
             <a:fld id="{957D5AD7-50EB-BB4B-ABCD-9E13971DF047}" type="datetimeFigureOut">
               <a:rPr lang="en-CH" smtClean="0"/>
-              <a:t>05.03.2025</a:t>
+              <a:t>09.04.2025</a:t>
             </a:fld>
             <a:endParaRPr lang="en-CH"/>
           </a:p>
@@ -2603,7 +8126,7 @@
           <a:p>
             <a:fld id="{957D5AD7-50EB-BB4B-ABCD-9E13971DF047}" type="datetimeFigureOut">
               <a:rPr lang="en-CH" smtClean="0"/>
-              <a:t>05.03.2025</a:t>
+              <a:t>09.04.2025</a:t>
             </a:fld>
             <a:endParaRPr lang="en-CH"/>
           </a:p>
@@ -2803,7 +8326,7 @@
           <a:p>
             <a:fld id="{957D5AD7-50EB-BB4B-ABCD-9E13971DF047}" type="datetimeFigureOut">
               <a:rPr lang="en-CH" smtClean="0"/>
-              <a:t>05.03.2025</a:t>
+              <a:t>09.04.2025</a:t>
             </a:fld>
             <a:endParaRPr lang="en-CH"/>
           </a:p>
@@ -3079,7 +8602,7 @@
           <a:p>
             <a:fld id="{957D5AD7-50EB-BB4B-ABCD-9E13971DF047}" type="datetimeFigureOut">
               <a:rPr lang="en-CH" smtClean="0"/>
-              <a:t>05.03.2025</a:t>
+              <a:t>09.04.2025</a:t>
             </a:fld>
             <a:endParaRPr lang="en-CH"/>
           </a:p>
@@ -3347,7 +8870,7 @@
           <a:p>
             <a:fld id="{957D5AD7-50EB-BB4B-ABCD-9E13971DF047}" type="datetimeFigureOut">
               <a:rPr lang="en-CH" smtClean="0"/>
-              <a:t>05.03.2025</a:t>
+              <a:t>09.04.2025</a:t>
             </a:fld>
             <a:endParaRPr lang="en-CH"/>
           </a:p>
@@ -3762,7 +9285,7 @@
           <a:p>
             <a:fld id="{957D5AD7-50EB-BB4B-ABCD-9E13971DF047}" type="datetimeFigureOut">
               <a:rPr lang="en-CH" smtClean="0"/>
-              <a:t>05.03.2025</a:t>
+              <a:t>09.04.2025</a:t>
             </a:fld>
             <a:endParaRPr lang="en-CH"/>
           </a:p>
@@ -3909,7 +9432,7 @@
           <a:p>
             <a:fld id="{957D5AD7-50EB-BB4B-ABCD-9E13971DF047}" type="datetimeFigureOut">
               <a:rPr lang="en-CH" smtClean="0"/>
-              <a:t>05.03.2025</a:t>
+              <a:t>09.04.2025</a:t>
             </a:fld>
             <a:endParaRPr lang="en-CH"/>
           </a:p>
@@ -4135,7 +9658,7 @@
           <a:p>
             <a:fld id="{957D5AD7-50EB-BB4B-ABCD-9E13971DF047}" type="datetimeFigureOut">
               <a:rPr lang="en-CH" smtClean="0"/>
-              <a:t>05.03.2025</a:t>
+              <a:t>09.04.2025</a:t>
             </a:fld>
             <a:endParaRPr lang="en-CH"/>
           </a:p>
@@ -4361,7 +9884,7 @@
           <a:p>
             <a:fld id="{957D5AD7-50EB-BB4B-ABCD-9E13971DF047}" type="datetimeFigureOut">
               <a:rPr lang="en-CH" smtClean="0"/>
-              <a:t>05.03.2025</a:t>
+              <a:t>09.04.2025</a:t>
             </a:fld>
             <a:endParaRPr lang="en-CH"/>
           </a:p>
@@ -4533,7 +10056,7 @@
           <a:p>
             <a:fld id="{957D5AD7-50EB-BB4B-ABCD-9E13971DF047}" type="datetimeFigureOut">
               <a:rPr lang="en-CH" smtClean="0"/>
-              <a:t>05.03.2025</a:t>
+              <a:t>09.04.2025</a:t>
             </a:fld>
             <a:endParaRPr lang="en-CH"/>
           </a:p>
@@ -4779,7 +10302,7 @@
           <a:p>
             <a:fld id="{957D5AD7-50EB-BB4B-ABCD-9E13971DF047}" type="datetimeFigureOut">
               <a:rPr lang="en-CH" smtClean="0"/>
-              <a:t>05.03.2025</a:t>
+              <a:t>09.04.2025</a:t>
             </a:fld>
             <a:endParaRPr lang="en-CH"/>
           </a:p>
@@ -5201,14 +10724,8 @@
       </p:grpSpPr>
       <p:sp>
         <p:nvSpPr>
-          <p:cNvPr id="2" name="Title 1">
-            <a:extLst>
-              <a:ext uri="{FF2B5EF4-FFF2-40B4-BE49-F238E27FC236}">
-                <a16:creationId xmlns:a16="http://schemas.microsoft.com/office/drawing/2014/main" id="{5DBE49E9-AFBA-B76A-7126-37BADBF4A16F}"/>
-              </a:ext>
-            </a:extLst>
-          </p:cNvPr>
-          <p:cNvSpPr>
+          <p:cNvPr id="121" name="Das Spiel lebt"/>
+          <p:cNvSpPr txBox="1">
             <a:spLocks noGrp="1"/>
           </p:cNvSpPr>
           <p:nvPr>
@@ -5216,62 +10733,50 @@
           </p:nvPr>
         </p:nvSpPr>
         <p:spPr>
-          <a:xfrm>
-            <a:off x="0" y="0"/>
-            <a:ext cx="12192000" cy="6858000"/>
-          </a:xfrm>
+          <a:prstGeom prst="rect">
+            <a:avLst/>
+          </a:prstGeom>
         </p:spPr>
         <p:txBody>
-          <a:bodyPr anchor="ctr"/>
+          <a:bodyPr/>
           <a:lstStyle/>
           <a:p>
-            <a:pPr marL="0" marR="0" lvl="0" indent="0" algn="ctr" defTabSz="914400" rtl="0" eaLnBrk="1" fontAlgn="auto" latinLnBrk="0" hangingPunct="1">
-              <a:lnSpc>
-                <a:spcPct val="90000"/>
-              </a:lnSpc>
-              <a:spcBef>
-                <a:spcPct val="0"/>
-              </a:spcBef>
-              <a:spcAft>
-                <a:spcPts val="0"/>
-              </a:spcAft>
-              <a:buClrTx/>
-              <a:buSzTx/>
-              <a:buFontTx/>
-              <a:buNone/>
-              <a:tabLst/>
-              <a:defRPr/>
-            </a:pPr>
             <a:r>
-              <a:rPr lang="en-GB" b="1" dirty="0"/>
-              <a:t>Unser Spiel </a:t>
+              <a:rPr dirty="0"/>
+              <a:t>Das Spiel </a:t>
             </a:r>
             <a:r>
-              <a:rPr lang="en-GB" b="1" dirty="0" err="1"/>
-              <a:t>beginnt</a:t>
+              <a:rPr dirty="0" err="1"/>
+              <a:t>lebt</a:t>
             </a:r>
-            <a:r>
-              <a:rPr lang="en-GB" b="1" dirty="0"/>
-              <a:t> </a:t>
-            </a:r>
-            <a:r>
-              <a:rPr lang="en-GB" b="1" dirty="0" err="1"/>
-              <a:t>jetzt</a:t>
-            </a:r>
-            <a:r>
-              <a:rPr lang="en-GB" b="1" dirty="0"/>
-              <a:t>.</a:t>
-            </a:r>
-            <a:endParaRPr lang="en-GB" dirty="0"/>
+            <a:endParaRPr dirty="0"/>
+          </a:p>
+        </p:txBody>
+      </p:sp>
+      <p:sp>
+        <p:nvSpPr>
+          <p:cNvPr id="122" name="Double-click to edit"/>
+          <p:cNvSpPr txBox="1">
+            <a:spLocks noGrp="1"/>
+          </p:cNvSpPr>
+          <p:nvPr>
+            <p:ph type="subTitle" sz="quarter" idx="1"/>
+          </p:nvPr>
+        </p:nvSpPr>
+        <p:spPr>
+          <a:prstGeom prst="rect">
+            <a:avLst/>
+          </a:prstGeom>
+        </p:spPr>
+        <p:txBody>
+          <a:bodyPr/>
+          <a:lstStyle/>
+          <a:p>
+            <a:endParaRPr/>
           </a:p>
         </p:txBody>
       </p:sp>
     </p:spTree>
-    <p:extLst>
-      <p:ext uri="{BB962C8B-B14F-4D97-AF65-F5344CB8AC3E}">
-        <p14:creationId xmlns:p14="http://schemas.microsoft.com/office/powerpoint/2010/main" val="1603016134"/>
-      </p:ext>
-    </p:extLst>
   </p:cSld>
   <p:clrMapOvr>
     <a:masterClrMapping/>
@@ -5298,97 +10803,36 @@
       </p:grpSpPr>
       <p:sp>
         <p:nvSpPr>
-          <p:cNvPr id="2" name="Title 1">
-            <a:extLst>
-              <a:ext uri="{FF2B5EF4-FFF2-40B4-BE49-F238E27FC236}">
-                <a16:creationId xmlns:a16="http://schemas.microsoft.com/office/drawing/2014/main" id="{70110CA1-57F8-AAEA-6CE9-A578F20167E9}"/>
-              </a:ext>
-            </a:extLst>
-          </p:cNvPr>
-          <p:cNvSpPr>
+          <p:cNvPr id="133" name="Wir zeigen, was wir gebaut haben"/>
+          <p:cNvSpPr txBox="1">
             <a:spLocks noGrp="1"/>
           </p:cNvSpPr>
           <p:nvPr>
-            <p:ph type="ctrTitle"/>
+            <p:ph type="title"/>
           </p:nvPr>
         </p:nvSpPr>
-        <p:spPr/>
+        <p:spPr>
+          <a:xfrm>
+            <a:off x="838200" y="2766219"/>
+            <a:ext cx="10515601" cy="1325563"/>
+          </a:xfrm>
+          <a:prstGeom prst="rect">
+            <a:avLst/>
+          </a:prstGeom>
+        </p:spPr>
         <p:txBody>
           <a:bodyPr/>
           <a:lstStyle/>
           <a:p>
-            <a:pPr marL="0" marR="0" lvl="0" indent="0" algn="ctr" defTabSz="914400" rtl="0" eaLnBrk="1" fontAlgn="auto" latinLnBrk="0" hangingPunct="1">
-              <a:lnSpc>
-                <a:spcPct val="90000"/>
-              </a:lnSpc>
-              <a:spcBef>
-                <a:spcPct val="0"/>
-              </a:spcBef>
-              <a:spcAft>
-                <a:spcPts val="0"/>
-              </a:spcAft>
-              <a:buClrTx/>
-              <a:buSzTx/>
-              <a:buFontTx/>
-              <a:buNone/>
-              <a:tabLst/>
-              <a:defRPr/>
-            </a:pPr>
             <a:r>
-              <a:rPr lang="en-GB" b="1" dirty="0"/>
-              <a:t>Das Spiel </a:t>
+              <a:rPr lang="en-US" dirty="0"/>
+              <a:t>Demo</a:t>
             </a:r>
-            <a:r>
-              <a:rPr lang="en-GB" b="1" dirty="0" err="1"/>
-              <a:t>nimmt</a:t>
-            </a:r>
-            <a:r>
-              <a:rPr lang="en-GB" b="1" dirty="0"/>
-              <a:t> Form an</a:t>
-            </a:r>
-            <a:r>
-              <a:rPr lang="de-CH" b="0" dirty="0"/>
-              <a:t>.</a:t>
-            </a:r>
-            <a:endParaRPr lang="en-GB" dirty="0"/>
-          </a:p>
-        </p:txBody>
-      </p:sp>
-      <p:sp>
-        <p:nvSpPr>
-          <p:cNvPr id="3" name="Content Placeholder 2">
-            <a:extLst>
-              <a:ext uri="{FF2B5EF4-FFF2-40B4-BE49-F238E27FC236}">
-                <a16:creationId xmlns:a16="http://schemas.microsoft.com/office/drawing/2014/main" id="{07D32257-25E8-DDDE-4D99-99EE23786EDA}"/>
-              </a:ext>
-            </a:extLst>
-          </p:cNvPr>
-          <p:cNvSpPr>
-            <a:spLocks noGrp="1"/>
-          </p:cNvSpPr>
-          <p:nvPr>
-            <p:ph type="subTitle" idx="1"/>
-          </p:nvPr>
-        </p:nvSpPr>
-        <p:spPr/>
-        <p:txBody>
-          <a:bodyPr/>
-          <a:lstStyle/>
-          <a:p>
-            <a:r>
-              <a:rPr lang="en-GB" b="1" dirty="0"/>
-              <a:t>We start building – tomorrow.</a:t>
-            </a:r>
-            <a:endParaRPr lang="en-GB" dirty="0"/>
+            <a:endParaRPr dirty="0"/>
           </a:p>
         </p:txBody>
       </p:sp>
     </p:spTree>
-    <p:extLst>
-      <p:ext uri="{BB962C8B-B14F-4D97-AF65-F5344CB8AC3E}">
-        <p14:creationId xmlns:p14="http://schemas.microsoft.com/office/powerpoint/2010/main" val="996151020"/>
-      </p:ext>
-    </p:extLst>
   </p:cSld>
   <p:clrMapOvr>
     <a:masterClrMapping/>
@@ -5396,7 +10840,7 @@
 </p:sld>
 </file>
 
-<file path=ppt/slides/slide2.xml><?xml version="1.0" encoding="utf-8"?>
+<file path=ppt/slides/slide11.xml><?xml version="1.0" encoding="utf-8"?>
 <p:sld xmlns:a="http://schemas.openxmlformats.org/drawingml/2006/main" xmlns:r="http://schemas.openxmlformats.org/officeDocument/2006/relationships" xmlns:p="http://schemas.openxmlformats.org/presentationml/2006/main">
   <p:cSld>
     <p:spTree>
@@ -5415,10 +10859,49 @@
       </p:grpSpPr>
       <p:sp>
         <p:nvSpPr>
-          <p:cNvPr id="2" name="Title 1">
+          <p:cNvPr id="150" name="Next Level: Wir sind bereit"/>
+          <p:cNvSpPr txBox="1">
+            <a:spLocks noGrp="1"/>
+          </p:cNvSpPr>
+          <p:nvPr>
+            <p:ph type="title"/>
+          </p:nvPr>
+        </p:nvSpPr>
+        <p:spPr>
+          <a:prstGeom prst="rect">
+            <a:avLst/>
+          </a:prstGeom>
+        </p:spPr>
+        <p:txBody>
+          <a:bodyPr/>
+          <a:lstStyle/>
+          <a:p>
+            <a:r>
+              <a:rPr dirty="0"/>
+              <a:t>Next Level: Wir </a:t>
+            </a:r>
+            <a:r>
+              <a:rPr dirty="0" err="1"/>
+              <a:t>sind</a:t>
+            </a:r>
+            <a:r>
+              <a:rPr dirty="0"/>
+              <a:t> </a:t>
+            </a:r>
+            <a:r>
+              <a:rPr dirty="0" err="1"/>
+              <a:t>bereit</a:t>
+            </a:r>
+            <a:endParaRPr dirty="0"/>
+          </a:p>
+        </p:txBody>
+      </p:sp>
+      <p:sp>
+        <p:nvSpPr>
+          <p:cNvPr id="2" name="Text Placeholder 1">
             <a:extLst>
               <a:ext uri="{FF2B5EF4-FFF2-40B4-BE49-F238E27FC236}">
-                <a16:creationId xmlns:a16="http://schemas.microsoft.com/office/drawing/2014/main" id="{EB6F2D3F-3142-125C-D307-9BEE914BD68B}"/>
+                <a16:creationId xmlns:a16="http://schemas.microsoft.com/office/drawing/2014/main" id="{B0997B62-8077-5E41-88EE-A86ED483A344}"/>
               </a:ext>
             </a:extLst>
           </p:cNvPr>
@@ -5426,7 +10909,7 @@
             <a:spLocks noGrp="1"/>
           </p:cNvSpPr>
           <p:nvPr>
-            <p:ph type="title"/>
+            <p:ph type="body" idx="1"/>
           </p:nvPr>
         </p:nvSpPr>
         <p:spPr/>
@@ -5434,147 +10917,106 @@
           <a:bodyPr/>
           <a:lstStyle/>
           <a:p>
-            <a:pPr marL="0" marR="0" lvl="0" indent="0" algn="ctr" defTabSz="914400" rtl="0" eaLnBrk="1" fontAlgn="auto" latinLnBrk="0" hangingPunct="1">
-              <a:lnSpc>
-                <a:spcPct val="90000"/>
-              </a:lnSpc>
-              <a:spcBef>
-                <a:spcPct val="0"/>
-              </a:spcBef>
-              <a:spcAft>
-                <a:spcPts val="0"/>
-              </a:spcAft>
-              <a:buClrTx/>
-              <a:buSzTx/>
-              <a:buFontTx/>
-              <a:buNone/>
-              <a:tabLst/>
-              <a:defRPr/>
-            </a:pPr>
-            <a:r>
-              <a:rPr lang="en-GB" b="1" dirty="0"/>
-              <a:t>Was </a:t>
-            </a:r>
-            <a:r>
-              <a:rPr lang="en-GB" b="1" dirty="0" err="1"/>
-              <a:t>macht</a:t>
-            </a:r>
-            <a:r>
-              <a:rPr lang="en-GB" b="1" dirty="0"/>
-              <a:t> </a:t>
-            </a:r>
-            <a:r>
-              <a:rPr lang="en-GB" b="1" dirty="0" err="1"/>
-              <a:t>unser</a:t>
-            </a:r>
-            <a:r>
-              <a:rPr lang="en-GB" b="1" dirty="0"/>
-              <a:t> Spiel </a:t>
-            </a:r>
-            <a:r>
-              <a:rPr lang="en-GB" b="1" dirty="0" err="1"/>
-              <a:t>einzigartig</a:t>
-            </a:r>
-            <a:r>
-              <a:rPr lang="en-GB" b="1" dirty="0"/>
-              <a:t>?</a:t>
-            </a:r>
-            <a:endParaRPr lang="en-GB" dirty="0"/>
+            <a:endParaRPr lang="de-CH"/>
           </a:p>
         </p:txBody>
       </p:sp>
-      <p:pic>
-        <p:nvPicPr>
-          <p:cNvPr id="5" name="Picture 4">
+    </p:spTree>
+  </p:cSld>
+  <p:clrMapOvr>
+    <a:masterClrMapping/>
+  </p:clrMapOvr>
+</p:sld>
+</file>
+
+<file path=ppt/slides/slide2.xml><?xml version="1.0" encoding="utf-8"?>
+<p:sld xmlns:a="http://schemas.openxmlformats.org/drawingml/2006/main" xmlns:r="http://schemas.openxmlformats.org/officeDocument/2006/relationships" xmlns:p="http://schemas.openxmlformats.org/presentationml/2006/main">
+  <p:cSld>
+    <p:spTree>
+      <p:nvGrpSpPr>
+        <p:cNvPr id="1" name="">
+          <a:extLst>
+            <a:ext uri="{FF2B5EF4-FFF2-40B4-BE49-F238E27FC236}">
+              <a16:creationId xmlns:a16="http://schemas.microsoft.com/office/drawing/2014/main" id="{F79A87E5-5ADB-7AED-80C8-7500BA4CBB8E}"/>
+            </a:ext>
+          </a:extLst>
+        </p:cNvPr>
+        <p:cNvGrpSpPr/>
+        <p:nvPr/>
+      </p:nvGrpSpPr>
+      <p:grpSpPr>
+        <a:xfrm>
+          <a:off x="0" y="0"/>
+          <a:ext cx="0" cy="0"/>
+          <a:chOff x="0" y="0"/>
+          <a:chExt cx="0" cy="0"/>
+        </a:xfrm>
+      </p:grpSpPr>
+      <p:sp>
+        <p:nvSpPr>
+          <p:cNvPr id="147" name="Was wir gelernt haben">
             <a:extLst>
               <a:ext uri="{FF2B5EF4-FFF2-40B4-BE49-F238E27FC236}">
-                <a16:creationId xmlns:a16="http://schemas.microsoft.com/office/drawing/2014/main" id="{2240E478-0A22-1F5C-096F-B3F539E08B57}"/>
+                <a16:creationId xmlns:a16="http://schemas.microsoft.com/office/drawing/2014/main" id="{4A2A6577-AA83-B08D-D2FF-E606C7860BF3}"/>
               </a:ext>
             </a:extLst>
           </p:cNvPr>
-          <p:cNvPicPr>
-            <a:picLocks noChangeAspect="1"/>
-          </p:cNvPicPr>
-          <p:nvPr/>
-        </p:nvPicPr>
-        <p:blipFill rotWithShape="1">
-          <a:blip r:embed="rId3"/>
-          <a:srcRect l="19273" t="44709" r="47324" b="24007"/>
-          <a:stretch/>
-        </p:blipFill>
+          <p:cNvSpPr txBox="1">
+            <a:spLocks noGrp="1"/>
+          </p:cNvSpPr>
+          <p:nvPr>
+            <p:ph type="ctrTitle"/>
+          </p:nvPr>
+        </p:nvSpPr>
         <p:spPr>
           <a:xfrm>
-            <a:off x="3362367" y="1995700"/>
-            <a:ext cx="5467266" cy="4107819"/>
+            <a:off x="0" y="1122363"/>
+            <a:ext cx="12192000" cy="2387600"/>
           </a:xfrm>
           <a:prstGeom prst="rect">
             <a:avLst/>
           </a:prstGeom>
         </p:spPr>
-      </p:pic>
-      <p:pic>
-        <p:nvPicPr>
-          <p:cNvPr id="7" name="Picture 6">
+        <p:txBody>
+          <a:bodyPr/>
+          <a:lstStyle/>
+          <a:p>
+            <a:r>
+              <a:rPr lang="en-GB" dirty="0"/>
+              <a:t>Progress Report</a:t>
+            </a:r>
+          </a:p>
+        </p:txBody>
+      </p:sp>
+      <p:sp>
+        <p:nvSpPr>
+          <p:cNvPr id="6" name="Subtitle 5">
             <a:extLst>
               <a:ext uri="{FF2B5EF4-FFF2-40B4-BE49-F238E27FC236}">
-                <a16:creationId xmlns:a16="http://schemas.microsoft.com/office/drawing/2014/main" id="{5CCFC7F8-2309-1D89-0D53-9B17953E9E4C}"/>
+                <a16:creationId xmlns:a16="http://schemas.microsoft.com/office/drawing/2014/main" id="{DDC42457-05F6-DCA1-158B-117AD1624EB3}"/>
               </a:ext>
             </a:extLst>
           </p:cNvPr>
-          <p:cNvPicPr>
-            <a:picLocks noChangeAspect="1"/>
-          </p:cNvPicPr>
-          <p:nvPr/>
-        </p:nvPicPr>
-        <p:blipFill rotWithShape="1">
-          <a:blip r:embed="rId4"/>
-          <a:srcRect l="15342" r="35996" b="48543"/>
-          <a:stretch/>
-        </p:blipFill>
-        <p:spPr>
-          <a:xfrm>
-            <a:off x="466530" y="2385055"/>
-            <a:ext cx="3924300" cy="3329107"/>
-          </a:xfrm>
-          <a:prstGeom prst="rect">
-            <a:avLst/>
-          </a:prstGeom>
-        </p:spPr>
-      </p:pic>
-      <p:pic>
-        <p:nvPicPr>
-          <p:cNvPr id="9" name="Picture 8">
-            <a:extLst>
-              <a:ext uri="{FF2B5EF4-FFF2-40B4-BE49-F238E27FC236}">
-                <a16:creationId xmlns:a16="http://schemas.microsoft.com/office/drawing/2014/main" id="{4AE83780-29F3-46E3-7FC6-894B7ADD3714}"/>
-              </a:ext>
-            </a:extLst>
-          </p:cNvPr>
-          <p:cNvPicPr>
-            <a:picLocks noChangeAspect="1"/>
-          </p:cNvPicPr>
-          <p:nvPr/>
-        </p:nvPicPr>
-        <p:blipFill>
-          <a:blip r:embed="rId5"/>
-          <a:stretch>
-            <a:fillRect/>
-          </a:stretch>
-        </p:blipFill>
-        <p:spPr>
-          <a:xfrm>
-            <a:off x="8533181" y="2385055"/>
-            <a:ext cx="2013573" cy="3329108"/>
-          </a:xfrm>
-          <a:prstGeom prst="rect">
-            <a:avLst/>
-          </a:prstGeom>
-        </p:spPr>
-      </p:pic>
+          <p:cNvSpPr>
+            <a:spLocks noGrp="1"/>
+          </p:cNvSpPr>
+          <p:nvPr>
+            <p:ph type="subTitle" idx="1"/>
+          </p:nvPr>
+        </p:nvSpPr>
+        <p:spPr/>
+        <p:txBody>
+          <a:bodyPr/>
+          <a:lstStyle/>
+          <a:p>
+            <a:endParaRPr lang="de-CH"/>
+          </a:p>
+        </p:txBody>
+      </p:sp>
     </p:spTree>
     <p:extLst>
       <p:ext uri="{BB962C8B-B14F-4D97-AF65-F5344CB8AC3E}">
-        <p14:creationId xmlns:p14="http://schemas.microsoft.com/office/powerpoint/2010/main" val="2252739830"/>
+        <p14:creationId xmlns:p14="http://schemas.microsoft.com/office/powerpoint/2010/main" val="3787539094"/>
       </p:ext>
     </p:extLst>
   </p:cSld>
@@ -5585,6 +11027,72 @@
 </file>
 
 <file path=ppt/slides/slide3.xml><?xml version="1.0" encoding="utf-8"?>
+<p:sld xmlns:a="http://schemas.openxmlformats.org/drawingml/2006/main" xmlns:r="http://schemas.openxmlformats.org/officeDocument/2006/relationships" xmlns:p="http://schemas.openxmlformats.org/presentationml/2006/main">
+  <p:cSld>
+    <p:spTree>
+      <p:nvGrpSpPr>
+        <p:cNvPr id="1" name="">
+          <a:extLst>
+            <a:ext uri="{FF2B5EF4-FFF2-40B4-BE49-F238E27FC236}">
+              <a16:creationId xmlns:a16="http://schemas.microsoft.com/office/drawing/2014/main" id="{A07835B3-65AF-45B8-F0B2-B82C8B3426A3}"/>
+            </a:ext>
+          </a:extLst>
+        </p:cNvPr>
+        <p:cNvGrpSpPr/>
+        <p:nvPr/>
+      </p:nvGrpSpPr>
+      <p:grpSpPr>
+        <a:xfrm>
+          <a:off x="0" y="0"/>
+          <a:ext cx="0" cy="0"/>
+          <a:chOff x="0" y="0"/>
+          <a:chExt cx="0" cy="0"/>
+        </a:xfrm>
+      </p:grpSpPr>
+      <p:pic>
+        <p:nvPicPr>
+          <p:cNvPr id="9" name="Picture 8">
+            <a:extLst>
+              <a:ext uri="{FF2B5EF4-FFF2-40B4-BE49-F238E27FC236}">
+                <a16:creationId xmlns:a16="http://schemas.microsoft.com/office/drawing/2014/main" id="{C692BB0E-1E3A-5BFD-270A-578895724B35}"/>
+              </a:ext>
+            </a:extLst>
+          </p:cNvPr>
+          <p:cNvPicPr>
+            <a:picLocks noChangeAspect="1"/>
+          </p:cNvPicPr>
+          <p:nvPr/>
+        </p:nvPicPr>
+        <p:blipFill>
+          <a:blip r:embed="rId2"/>
+          <a:stretch>
+            <a:fillRect/>
+          </a:stretch>
+        </p:blipFill>
+        <p:spPr>
+          <a:xfrm>
+            <a:off x="1230014" y="1"/>
+            <a:ext cx="9731972" cy="6857999"/>
+          </a:xfrm>
+          <a:prstGeom prst="rect">
+            <a:avLst/>
+          </a:prstGeom>
+        </p:spPr>
+      </p:pic>
+    </p:spTree>
+    <p:extLst>
+      <p:ext uri="{BB962C8B-B14F-4D97-AF65-F5344CB8AC3E}">
+        <p14:creationId xmlns:p14="http://schemas.microsoft.com/office/powerpoint/2010/main" val="3008100111"/>
+      </p:ext>
+    </p:extLst>
+  </p:cSld>
+  <p:clrMapOvr>
+    <a:masterClrMapping/>
+  </p:clrMapOvr>
+</p:sld>
+</file>
+
+<file path=ppt/slides/slide4.xml><?xml version="1.0" encoding="utf-8"?>
 <p:sld xmlns:a="http://schemas.openxmlformats.org/drawingml/2006/main" xmlns:r="http://schemas.openxmlformats.org/officeDocument/2006/relationships" xmlns:p="http://schemas.openxmlformats.org/presentationml/2006/main">
   <p:cSld>
     <p:spTree>
@@ -5603,10 +11111,10 @@
       </p:grpSpPr>
       <p:sp>
         <p:nvSpPr>
-          <p:cNvPr id="2" name="Title 1">
+          <p:cNvPr id="4" name="Title 3">
             <a:extLst>
               <a:ext uri="{FF2B5EF4-FFF2-40B4-BE49-F238E27FC236}">
-                <a16:creationId xmlns:a16="http://schemas.microsoft.com/office/drawing/2014/main" id="{1C21EFBC-1539-9BD1-E23F-61055C30087E}"/>
+                <a16:creationId xmlns:a16="http://schemas.microsoft.com/office/drawing/2014/main" id="{C29D9D25-09BD-051D-4A34-C63B9745476F}"/>
               </a:ext>
             </a:extLst>
           </p:cNvPr>
@@ -5619,89 +11127,35 @@
         </p:nvSpPr>
         <p:spPr>
           <a:xfrm>
-            <a:off x="838200" y="2766218"/>
-            <a:ext cx="10515600" cy="1325563"/>
+            <a:off x="1" y="0"/>
+            <a:ext cx="12191999" cy="2111241"/>
           </a:xfrm>
         </p:spPr>
         <p:txBody>
           <a:bodyPr/>
           <a:lstStyle/>
           <a:p>
-            <a:pPr marL="0" marR="0" lvl="0" indent="0" algn="ctr" defTabSz="914400" rtl="0" eaLnBrk="1" fontAlgn="auto" latinLnBrk="0" hangingPunct="1">
-              <a:lnSpc>
-                <a:spcPct val="90000"/>
-              </a:lnSpc>
-              <a:spcBef>
-                <a:spcPct val="0"/>
-              </a:spcBef>
-              <a:spcAft>
-                <a:spcPts val="0"/>
-              </a:spcAft>
-              <a:buClrTx/>
-              <a:buSzTx/>
-              <a:buFontTx/>
-              <a:buNone/>
-              <a:tabLst/>
-              <a:defRPr/>
-            </a:pPr>
             <a:r>
-              <a:rPr lang="en-GB" b="1" dirty="0"/>
-              <a:t>Das Spiel auf </a:t>
+              <a:rPr lang="de-CH" dirty="0"/>
+              <a:t>Rules </a:t>
             </a:r>
             <a:r>
-              <a:rPr lang="en-GB" b="1" dirty="0" err="1"/>
-              <a:t>einen</a:t>
+              <a:rPr lang="de-CH" dirty="0" err="1"/>
+              <a:t>to</a:t>
             </a:r>
             <a:r>
-              <a:rPr lang="en-GB" b="1" dirty="0"/>
-              <a:t> Blick.</a:t>
+              <a:rPr lang="de-CH" dirty="0"/>
+              <a:t> Code</a:t>
             </a:r>
-            <a:endParaRPr lang="en-GB" dirty="0"/>
           </a:p>
         </p:txBody>
       </p:sp>
-    </p:spTree>
-    <p:extLst>
-      <p:ext uri="{BB962C8B-B14F-4D97-AF65-F5344CB8AC3E}">
-        <p14:creationId xmlns:p14="http://schemas.microsoft.com/office/powerpoint/2010/main" val="525404330"/>
-      </p:ext>
-    </p:extLst>
-  </p:cSld>
-  <p:clrMapOvr>
-    <a:masterClrMapping/>
-  </p:clrMapOvr>
-</p:sld>
-</file>
-
-<file path=ppt/slides/slide4.xml><?xml version="1.0" encoding="utf-8"?>
-<p:sld xmlns:a="http://schemas.openxmlformats.org/drawingml/2006/main" xmlns:r="http://schemas.openxmlformats.org/officeDocument/2006/relationships" xmlns:p="http://schemas.openxmlformats.org/presentationml/2006/main">
-  <p:cSld>
-    <p:spTree>
-      <p:nvGrpSpPr>
-        <p:cNvPr id="1" name="">
-          <a:extLst>
-            <a:ext uri="{FF2B5EF4-FFF2-40B4-BE49-F238E27FC236}">
-              <a16:creationId xmlns:a16="http://schemas.microsoft.com/office/drawing/2014/main" id="{8FAF684A-A32B-2BD5-CE69-1EDA6F10444F}"/>
-            </a:ext>
-          </a:extLst>
-        </p:cNvPr>
-        <p:cNvGrpSpPr/>
-        <p:nvPr/>
-      </p:nvGrpSpPr>
-      <p:grpSpPr>
-        <a:xfrm>
-          <a:off x="0" y="0"/>
-          <a:ext cx="0" cy="0"/>
-          <a:chOff x="0" y="0"/>
-          <a:chExt cx="0" cy="0"/>
-        </a:xfrm>
-      </p:grpSpPr>
       <p:pic>
         <p:nvPicPr>
-          <p:cNvPr id="7" name="Picture 6">
+          <p:cNvPr id="8" name="Picture 7">
             <a:extLst>
               <a:ext uri="{FF2B5EF4-FFF2-40B4-BE49-F238E27FC236}">
-                <a16:creationId xmlns:a16="http://schemas.microsoft.com/office/drawing/2014/main" id="{4A95F059-687D-B2AD-E015-C6AD344AB10C}"/>
+                <a16:creationId xmlns:a16="http://schemas.microsoft.com/office/drawing/2014/main" id="{7A0B66D1-4C96-EDD1-AC5B-409CE835949A}"/>
               </a:ext>
             </a:extLst>
           </p:cNvPr>
@@ -5711,15 +11165,15 @@
           <p:nvPr/>
         </p:nvPicPr>
         <p:blipFill>
-          <a:blip r:embed="rId3"/>
+          <a:blip r:embed="rId2"/>
           <a:stretch>
             <a:fillRect/>
           </a:stretch>
         </p:blipFill>
         <p:spPr>
           <a:xfrm>
-            <a:off x="1821439" y="-498"/>
-            <a:ext cx="8549121" cy="6858498"/>
+            <a:off x="0" y="1730901"/>
+            <a:ext cx="12191998" cy="5127099"/>
           </a:xfrm>
           <a:prstGeom prst="rect">
             <a:avLst/>
@@ -5729,7 +11183,7 @@
     </p:spTree>
     <p:extLst>
       <p:ext uri="{BB962C8B-B14F-4D97-AF65-F5344CB8AC3E}">
-        <p14:creationId xmlns:p14="http://schemas.microsoft.com/office/powerpoint/2010/main" val="1645995948"/>
+        <p14:creationId xmlns:p14="http://schemas.microsoft.com/office/powerpoint/2010/main" val="4199490031"/>
       </p:ext>
     </p:extLst>
   </p:cSld>
@@ -5758,849 +11212,63 @@
       </p:grpSpPr>
       <p:sp>
         <p:nvSpPr>
-          <p:cNvPr id="2" name="Title 1">
-            <a:extLst>
-              <a:ext uri="{FF2B5EF4-FFF2-40B4-BE49-F238E27FC236}">
-                <a16:creationId xmlns:a16="http://schemas.microsoft.com/office/drawing/2014/main" id="{112FD35A-C778-A32E-E571-D1F67FCD72B1}"/>
-              </a:ext>
-            </a:extLst>
-          </p:cNvPr>
-          <p:cNvSpPr>
+          <p:cNvPr id="144" name="Tools, die uns schneller machen"/>
+          <p:cNvSpPr txBox="1">
             <a:spLocks noGrp="1"/>
           </p:cNvSpPr>
           <p:nvPr>
             <p:ph type="title"/>
           </p:nvPr>
         </p:nvSpPr>
-        <p:spPr/>
-        <p:txBody>
-          <a:bodyPr/>
-          <a:lstStyle/>
-          <a:p>
-            <a:pPr marL="0" marR="0" lvl="0" indent="0" algn="ctr" defTabSz="914400" rtl="0" eaLnBrk="1" fontAlgn="auto" latinLnBrk="0" hangingPunct="1">
-              <a:lnSpc>
-                <a:spcPct val="90000"/>
-              </a:lnSpc>
-              <a:spcBef>
-                <a:spcPct val="0"/>
-              </a:spcBef>
-              <a:spcAft>
-                <a:spcPts val="0"/>
-              </a:spcAft>
-              <a:buClrTx/>
-              <a:buSzTx/>
-              <a:buFontTx/>
-              <a:buNone/>
-              <a:tabLst/>
-              <a:defRPr/>
-            </a:pPr>
-            <a:r>
-              <a:rPr lang="en-GB" b="1" dirty="0"/>
-              <a:t>Wie </a:t>
-            </a:r>
-            <a:r>
-              <a:rPr lang="en-GB" b="1" dirty="0" err="1"/>
-              <a:t>spielt</a:t>
-            </a:r>
-            <a:r>
-              <a:rPr lang="en-GB" b="1" dirty="0"/>
-              <a:t> man </a:t>
-            </a:r>
-            <a:r>
-              <a:rPr lang="en-GB" b="1" dirty="0" err="1"/>
-              <a:t>unser</a:t>
-            </a:r>
-            <a:r>
-              <a:rPr lang="en-GB" b="1" dirty="0"/>
-              <a:t> Spiel?</a:t>
-            </a:r>
-            <a:endParaRPr lang="en-GB" dirty="0"/>
-          </a:p>
-        </p:txBody>
-      </p:sp>
-      <p:sp>
-        <p:nvSpPr>
-          <p:cNvPr id="3" name="Content Placeholder 2">
-            <a:extLst>
-              <a:ext uri="{FF2B5EF4-FFF2-40B4-BE49-F238E27FC236}">
-                <a16:creationId xmlns:a16="http://schemas.microsoft.com/office/drawing/2014/main" id="{DC507C5E-D97D-BA79-5944-A0D0172AF322}"/>
-              </a:ext>
-            </a:extLst>
-          </p:cNvPr>
-          <p:cNvSpPr>
-            <a:spLocks noGrp="1"/>
-          </p:cNvSpPr>
-          <p:nvPr>
-            <p:ph idx="1"/>
-          </p:nvPr>
-        </p:nvSpPr>
         <p:spPr>
-          <a:xfrm>
-            <a:off x="8521708" y="4935858"/>
-            <a:ext cx="1978315" cy="663704"/>
-          </a:xfrm>
-        </p:spPr>
-        <p:txBody>
-          <a:bodyPr/>
-          <a:lstStyle/>
-          <a:p>
-            <a:pPr marL="0" indent="0" algn="ctr" rtl="0" eaLnBrk="1" fontAlgn="auto" latinLnBrk="0" hangingPunct="1">
-              <a:buNone/>
-            </a:pPr>
-            <a:r>
-              <a:rPr lang="en-GB" sz="2800" b="1" kern="1200" dirty="0">
-                <a:solidFill>
-                  <a:schemeClr val="tx2"/>
-                </a:solidFill>
-                <a:effectLst/>
-                <a:latin typeface="Montserrat" pitchFamily="2" charset="77"/>
-                <a:ea typeface="+mn-ea"/>
-                <a:cs typeface="+mn-cs"/>
-              </a:rPr>
-              <a:t>Upgrade</a:t>
-            </a:r>
-            <a:endParaRPr lang="en-CH" dirty="0">
-              <a:effectLst/>
-            </a:endParaRPr>
-          </a:p>
-        </p:txBody>
-      </p:sp>
-      <p:sp>
-        <p:nvSpPr>
-          <p:cNvPr id="8" name="Content Placeholder 2">
-            <a:extLst>
-              <a:ext uri="{FF2B5EF4-FFF2-40B4-BE49-F238E27FC236}">
-                <a16:creationId xmlns:a16="http://schemas.microsoft.com/office/drawing/2014/main" id="{15364BFE-E2E1-08E5-7CF7-50121F3E78FD}"/>
-              </a:ext>
-            </a:extLst>
-          </p:cNvPr>
-          <p:cNvSpPr txBox="1">
-            <a:spLocks/>
-          </p:cNvSpPr>
-          <p:nvPr/>
-        </p:nvSpPr>
-        <p:spPr>
-          <a:xfrm>
-            <a:off x="1721552" y="4975405"/>
-            <a:ext cx="1919165" cy="508259"/>
-          </a:xfrm>
           <a:prstGeom prst="rect">
             <a:avLst/>
           </a:prstGeom>
         </p:spPr>
         <p:txBody>
-          <a:bodyPr vert="horz" lIns="91440" tIns="45720" rIns="91440" bIns="45720" rtlCol="0">
-            <a:normAutofit/>
-          </a:bodyPr>
-          <a:lstStyle>
-            <a:lvl1pPr marL="228600" indent="-228600" algn="l" defTabSz="914400" rtl="0" eaLnBrk="1" latinLnBrk="0" hangingPunct="1">
-              <a:lnSpc>
-                <a:spcPct val="90000"/>
-              </a:lnSpc>
-              <a:spcBef>
-                <a:spcPts val="1000"/>
-              </a:spcBef>
-              <a:buFont typeface="Arial" panose="020B0604020202020204" pitchFamily="34" charset="0"/>
-              <a:buChar char="•"/>
-              <a:defRPr sz="2800" kern="1200">
-                <a:solidFill>
-                  <a:schemeClr val="tx2"/>
-                </a:solidFill>
-                <a:latin typeface="Montserrat" pitchFamily="2" charset="77"/>
-                <a:ea typeface="+mn-ea"/>
-                <a:cs typeface="+mn-cs"/>
-              </a:defRPr>
-            </a:lvl1pPr>
-            <a:lvl2pPr marL="685800" indent="-228600" algn="l" defTabSz="914400" rtl="0" eaLnBrk="1" latinLnBrk="0" hangingPunct="1">
-              <a:lnSpc>
-                <a:spcPct val="90000"/>
-              </a:lnSpc>
-              <a:spcBef>
-                <a:spcPts val="500"/>
-              </a:spcBef>
-              <a:buFont typeface="Arial" panose="020B0604020202020204" pitchFamily="34" charset="0"/>
-              <a:buChar char="•"/>
-              <a:defRPr sz="2400" kern="1200">
-                <a:solidFill>
-                  <a:schemeClr val="tx2"/>
-                </a:solidFill>
-                <a:latin typeface="Montserrat" pitchFamily="2" charset="77"/>
-                <a:ea typeface="+mn-ea"/>
-                <a:cs typeface="+mn-cs"/>
-              </a:defRPr>
-            </a:lvl2pPr>
-            <a:lvl3pPr marL="1143000" indent="-228600" algn="l" defTabSz="914400" rtl="0" eaLnBrk="1" latinLnBrk="0" hangingPunct="1">
-              <a:lnSpc>
-                <a:spcPct val="90000"/>
-              </a:lnSpc>
-              <a:spcBef>
-                <a:spcPts val="500"/>
-              </a:spcBef>
-              <a:buFont typeface="Arial" panose="020B0604020202020204" pitchFamily="34" charset="0"/>
-              <a:buChar char="•"/>
-              <a:defRPr sz="2000" kern="1200">
-                <a:solidFill>
-                  <a:schemeClr val="tx2"/>
-                </a:solidFill>
-                <a:latin typeface="Montserrat" pitchFamily="2" charset="77"/>
-                <a:ea typeface="+mn-ea"/>
-                <a:cs typeface="+mn-cs"/>
-              </a:defRPr>
-            </a:lvl3pPr>
-            <a:lvl4pPr marL="1600200" indent="-228600" algn="l" defTabSz="914400" rtl="0" eaLnBrk="1" latinLnBrk="0" hangingPunct="1">
-              <a:lnSpc>
-                <a:spcPct val="90000"/>
-              </a:lnSpc>
-              <a:spcBef>
-                <a:spcPts val="500"/>
-              </a:spcBef>
-              <a:buFont typeface="Arial" panose="020B0604020202020204" pitchFamily="34" charset="0"/>
-              <a:buChar char="•"/>
-              <a:defRPr sz="1800" kern="1200">
-                <a:solidFill>
-                  <a:schemeClr val="tx2"/>
-                </a:solidFill>
-                <a:latin typeface="Montserrat" pitchFamily="2" charset="77"/>
-                <a:ea typeface="+mn-ea"/>
-                <a:cs typeface="+mn-cs"/>
-              </a:defRPr>
-            </a:lvl4pPr>
-            <a:lvl5pPr marL="2057400" indent="-228600" algn="l" defTabSz="914400" rtl="0" eaLnBrk="1" latinLnBrk="0" hangingPunct="1">
-              <a:lnSpc>
-                <a:spcPct val="90000"/>
-              </a:lnSpc>
-              <a:spcBef>
-                <a:spcPts val="500"/>
-              </a:spcBef>
-              <a:buFont typeface="Arial" panose="020B0604020202020204" pitchFamily="34" charset="0"/>
-              <a:buChar char="•"/>
-              <a:defRPr sz="1800" kern="1200">
-                <a:solidFill>
-                  <a:schemeClr val="tx2"/>
-                </a:solidFill>
-                <a:latin typeface="Montserrat" pitchFamily="2" charset="77"/>
-                <a:ea typeface="+mn-ea"/>
-                <a:cs typeface="+mn-cs"/>
-              </a:defRPr>
-            </a:lvl5pPr>
-            <a:lvl6pPr marL="2514600" indent="-228600" algn="l" defTabSz="914400" rtl="0" eaLnBrk="1" latinLnBrk="0" hangingPunct="1">
-              <a:lnSpc>
-                <a:spcPct val="90000"/>
-              </a:lnSpc>
-              <a:spcBef>
-                <a:spcPts val="500"/>
-              </a:spcBef>
-              <a:buFont typeface="Arial" panose="020B0604020202020204" pitchFamily="34" charset="0"/>
-              <a:buChar char="•"/>
-              <a:defRPr sz="1800" kern="1200">
-                <a:solidFill>
-                  <a:schemeClr val="tx1"/>
-                </a:solidFill>
-                <a:latin typeface="+mn-lt"/>
-                <a:ea typeface="+mn-ea"/>
-                <a:cs typeface="+mn-cs"/>
-              </a:defRPr>
-            </a:lvl6pPr>
-            <a:lvl7pPr marL="2971800" indent="-228600" algn="l" defTabSz="914400" rtl="0" eaLnBrk="1" latinLnBrk="0" hangingPunct="1">
-              <a:lnSpc>
-                <a:spcPct val="90000"/>
-              </a:lnSpc>
-              <a:spcBef>
-                <a:spcPts val="500"/>
-              </a:spcBef>
-              <a:buFont typeface="Arial" panose="020B0604020202020204" pitchFamily="34" charset="0"/>
-              <a:buChar char="•"/>
-              <a:defRPr sz="1800" kern="1200">
-                <a:solidFill>
-                  <a:schemeClr val="tx1"/>
-                </a:solidFill>
-                <a:latin typeface="+mn-lt"/>
-                <a:ea typeface="+mn-ea"/>
-                <a:cs typeface="+mn-cs"/>
-              </a:defRPr>
-            </a:lvl7pPr>
-            <a:lvl8pPr marL="3429000" indent="-228600" algn="l" defTabSz="914400" rtl="0" eaLnBrk="1" latinLnBrk="0" hangingPunct="1">
-              <a:lnSpc>
-                <a:spcPct val="90000"/>
-              </a:lnSpc>
-              <a:spcBef>
-                <a:spcPts val="500"/>
-              </a:spcBef>
-              <a:buFont typeface="Arial" panose="020B0604020202020204" pitchFamily="34" charset="0"/>
-              <a:buChar char="•"/>
-              <a:defRPr sz="1800" kern="1200">
-                <a:solidFill>
-                  <a:schemeClr val="tx1"/>
-                </a:solidFill>
-                <a:latin typeface="+mn-lt"/>
-                <a:ea typeface="+mn-ea"/>
-                <a:cs typeface="+mn-cs"/>
-              </a:defRPr>
-            </a:lvl8pPr>
-            <a:lvl9pPr marL="3886200" indent="-228600" algn="l" defTabSz="914400" rtl="0" eaLnBrk="1" latinLnBrk="0" hangingPunct="1">
-              <a:lnSpc>
-                <a:spcPct val="90000"/>
-              </a:lnSpc>
-              <a:spcBef>
-                <a:spcPts val="500"/>
-              </a:spcBef>
-              <a:buFont typeface="Arial" panose="020B0604020202020204" pitchFamily="34" charset="0"/>
-              <a:buChar char="•"/>
-              <a:defRPr sz="1800" kern="1200">
-                <a:solidFill>
-                  <a:schemeClr val="tx1"/>
-                </a:solidFill>
-                <a:latin typeface="+mn-lt"/>
-                <a:ea typeface="+mn-ea"/>
-                <a:cs typeface="+mn-cs"/>
-              </a:defRPr>
-            </a:lvl9pPr>
-          </a:lstStyle>
-          <a:p>
-            <a:pPr marL="0" indent="0" algn="ctr">
-              <a:buNone/>
-            </a:pPr>
+          <a:bodyPr/>
+          <a:lstStyle/>
+          <a:p>
             <a:r>
-              <a:rPr lang="en-GB" b="1" dirty="0" err="1"/>
-              <a:t>Kaufen</a:t>
+              <a:rPr lang="en-US"/>
+              <a:t>Technology!</a:t>
             </a:r>
-            <a:endParaRPr lang="en-CH" dirty="0"/>
+            <a:endParaRPr lang="en-US" dirty="0"/>
           </a:p>
         </p:txBody>
       </p:sp>
-      <p:sp>
-        <p:nvSpPr>
-          <p:cNvPr id="10" name="Content Placeholder 2">
+      <p:graphicFrame>
+        <p:nvGraphicFramePr>
+          <p:cNvPr id="165" name="Content Placeholder 1">
             <a:extLst>
               <a:ext uri="{FF2B5EF4-FFF2-40B4-BE49-F238E27FC236}">
-                <a16:creationId xmlns:a16="http://schemas.microsoft.com/office/drawing/2014/main" id="{A456577F-1622-A0EE-D6D3-99A3C8D9E7AC}"/>
+                <a16:creationId xmlns:a16="http://schemas.microsoft.com/office/drawing/2014/main" id="{3BFBE4EF-4BDA-0A5F-4668-8ED8A8907248}"/>
               </a:ext>
             </a:extLst>
           </p:cNvPr>
-          <p:cNvSpPr txBox="1">
-            <a:spLocks/>
-          </p:cNvSpPr>
-          <p:nvPr/>
-        </p:nvSpPr>
-        <p:spPr>
-          <a:xfrm>
-            <a:off x="5106842" y="4950113"/>
-            <a:ext cx="1978315" cy="663704"/>
-          </a:xfrm>
-          <a:prstGeom prst="rect">
-            <a:avLst/>
-          </a:prstGeom>
-        </p:spPr>
-        <p:txBody>
-          <a:bodyPr vert="horz" lIns="91440" tIns="45720" rIns="91440" bIns="45720" rtlCol="0">
-            <a:normAutofit/>
-          </a:bodyPr>
-          <a:lstStyle>
-            <a:lvl1pPr marL="228600" indent="-228600" algn="l" defTabSz="914400" rtl="0" eaLnBrk="1" latinLnBrk="0" hangingPunct="1">
-              <a:lnSpc>
-                <a:spcPct val="90000"/>
-              </a:lnSpc>
-              <a:spcBef>
-                <a:spcPts val="1000"/>
-              </a:spcBef>
-              <a:buFont typeface="Arial" panose="020B0604020202020204" pitchFamily="34" charset="0"/>
-              <a:buChar char="•"/>
-              <a:defRPr sz="2800" kern="1200">
-                <a:solidFill>
-                  <a:schemeClr val="tx2"/>
-                </a:solidFill>
-                <a:latin typeface="Montserrat" pitchFamily="2" charset="77"/>
-                <a:ea typeface="+mn-ea"/>
-                <a:cs typeface="+mn-cs"/>
-              </a:defRPr>
-            </a:lvl1pPr>
-            <a:lvl2pPr marL="685800" indent="-228600" algn="l" defTabSz="914400" rtl="0" eaLnBrk="1" latinLnBrk="0" hangingPunct="1">
-              <a:lnSpc>
-                <a:spcPct val="90000"/>
-              </a:lnSpc>
-              <a:spcBef>
-                <a:spcPts val="500"/>
-              </a:spcBef>
-              <a:buFont typeface="Arial" panose="020B0604020202020204" pitchFamily="34" charset="0"/>
-              <a:buChar char="•"/>
-              <a:defRPr sz="2400" kern="1200">
-                <a:solidFill>
-                  <a:schemeClr val="tx2"/>
-                </a:solidFill>
-                <a:latin typeface="Montserrat" pitchFamily="2" charset="77"/>
-                <a:ea typeface="+mn-ea"/>
-                <a:cs typeface="+mn-cs"/>
-              </a:defRPr>
-            </a:lvl2pPr>
-            <a:lvl3pPr marL="1143000" indent="-228600" algn="l" defTabSz="914400" rtl="0" eaLnBrk="1" latinLnBrk="0" hangingPunct="1">
-              <a:lnSpc>
-                <a:spcPct val="90000"/>
-              </a:lnSpc>
-              <a:spcBef>
-                <a:spcPts val="500"/>
-              </a:spcBef>
-              <a:buFont typeface="Arial" panose="020B0604020202020204" pitchFamily="34" charset="0"/>
-              <a:buChar char="•"/>
-              <a:defRPr sz="2000" kern="1200">
-                <a:solidFill>
-                  <a:schemeClr val="tx2"/>
-                </a:solidFill>
-                <a:latin typeface="Montserrat" pitchFamily="2" charset="77"/>
-                <a:ea typeface="+mn-ea"/>
-                <a:cs typeface="+mn-cs"/>
-              </a:defRPr>
-            </a:lvl3pPr>
-            <a:lvl4pPr marL="1600200" indent="-228600" algn="l" defTabSz="914400" rtl="0" eaLnBrk="1" latinLnBrk="0" hangingPunct="1">
-              <a:lnSpc>
-                <a:spcPct val="90000"/>
-              </a:lnSpc>
-              <a:spcBef>
-                <a:spcPts val="500"/>
-              </a:spcBef>
-              <a:buFont typeface="Arial" panose="020B0604020202020204" pitchFamily="34" charset="0"/>
-              <a:buChar char="•"/>
-              <a:defRPr sz="1800" kern="1200">
-                <a:solidFill>
-                  <a:schemeClr val="tx2"/>
-                </a:solidFill>
-                <a:latin typeface="Montserrat" pitchFamily="2" charset="77"/>
-                <a:ea typeface="+mn-ea"/>
-                <a:cs typeface="+mn-cs"/>
-              </a:defRPr>
-            </a:lvl4pPr>
-            <a:lvl5pPr marL="2057400" indent="-228600" algn="l" defTabSz="914400" rtl="0" eaLnBrk="1" latinLnBrk="0" hangingPunct="1">
-              <a:lnSpc>
-                <a:spcPct val="90000"/>
-              </a:lnSpc>
-              <a:spcBef>
-                <a:spcPts val="500"/>
-              </a:spcBef>
-              <a:buFont typeface="Arial" panose="020B0604020202020204" pitchFamily="34" charset="0"/>
-              <a:buChar char="•"/>
-              <a:defRPr sz="1800" kern="1200">
-                <a:solidFill>
-                  <a:schemeClr val="tx2"/>
-                </a:solidFill>
-                <a:latin typeface="Montserrat" pitchFamily="2" charset="77"/>
-                <a:ea typeface="+mn-ea"/>
-                <a:cs typeface="+mn-cs"/>
-              </a:defRPr>
-            </a:lvl5pPr>
-            <a:lvl6pPr marL="2514600" indent="-228600" algn="l" defTabSz="914400" rtl="0" eaLnBrk="1" latinLnBrk="0" hangingPunct="1">
-              <a:lnSpc>
-                <a:spcPct val="90000"/>
-              </a:lnSpc>
-              <a:spcBef>
-                <a:spcPts val="500"/>
-              </a:spcBef>
-              <a:buFont typeface="Arial" panose="020B0604020202020204" pitchFamily="34" charset="0"/>
-              <a:buChar char="•"/>
-              <a:defRPr sz="1800" kern="1200">
-                <a:solidFill>
-                  <a:schemeClr val="tx1"/>
-                </a:solidFill>
-                <a:latin typeface="+mn-lt"/>
-                <a:ea typeface="+mn-ea"/>
-                <a:cs typeface="+mn-cs"/>
-              </a:defRPr>
-            </a:lvl6pPr>
-            <a:lvl7pPr marL="2971800" indent="-228600" algn="l" defTabSz="914400" rtl="0" eaLnBrk="1" latinLnBrk="0" hangingPunct="1">
-              <a:lnSpc>
-                <a:spcPct val="90000"/>
-              </a:lnSpc>
-              <a:spcBef>
-                <a:spcPts val="500"/>
-              </a:spcBef>
-              <a:buFont typeface="Arial" panose="020B0604020202020204" pitchFamily="34" charset="0"/>
-              <a:buChar char="•"/>
-              <a:defRPr sz="1800" kern="1200">
-                <a:solidFill>
-                  <a:schemeClr val="tx1"/>
-                </a:solidFill>
-                <a:latin typeface="+mn-lt"/>
-                <a:ea typeface="+mn-ea"/>
-                <a:cs typeface="+mn-cs"/>
-              </a:defRPr>
-            </a:lvl7pPr>
-            <a:lvl8pPr marL="3429000" indent="-228600" algn="l" defTabSz="914400" rtl="0" eaLnBrk="1" latinLnBrk="0" hangingPunct="1">
-              <a:lnSpc>
-                <a:spcPct val="90000"/>
-              </a:lnSpc>
-              <a:spcBef>
-                <a:spcPts val="500"/>
-              </a:spcBef>
-              <a:buFont typeface="Arial" panose="020B0604020202020204" pitchFamily="34" charset="0"/>
-              <a:buChar char="•"/>
-              <a:defRPr sz="1800" kern="1200">
-                <a:solidFill>
-                  <a:schemeClr val="tx1"/>
-                </a:solidFill>
-                <a:latin typeface="+mn-lt"/>
-                <a:ea typeface="+mn-ea"/>
-                <a:cs typeface="+mn-cs"/>
-              </a:defRPr>
-            </a:lvl8pPr>
-            <a:lvl9pPr marL="3886200" indent="-228600" algn="l" defTabSz="914400" rtl="0" eaLnBrk="1" latinLnBrk="0" hangingPunct="1">
-              <a:lnSpc>
-                <a:spcPct val="90000"/>
-              </a:lnSpc>
-              <a:spcBef>
-                <a:spcPts val="500"/>
-              </a:spcBef>
-              <a:buFont typeface="Arial" panose="020B0604020202020204" pitchFamily="34" charset="0"/>
-              <a:buChar char="•"/>
-              <a:defRPr sz="1800" kern="1200">
-                <a:solidFill>
-                  <a:schemeClr val="tx1"/>
-                </a:solidFill>
-                <a:latin typeface="+mn-lt"/>
-                <a:ea typeface="+mn-ea"/>
-                <a:cs typeface="+mn-cs"/>
-              </a:defRPr>
-            </a:lvl9pPr>
-          </a:lstStyle>
-          <a:p>
-            <a:pPr marL="0" indent="0" algn="ctr">
-              <a:buNone/>
-            </a:pPr>
-            <a:r>
-              <a:rPr lang="en-GB" b="1" dirty="0" err="1"/>
-              <a:t>Bauen</a:t>
-            </a:r>
-            <a:endParaRPr lang="en-CH" dirty="0"/>
-          </a:p>
-        </p:txBody>
-      </p:sp>
-      <p:grpSp>
-        <p:nvGrpSpPr>
-          <p:cNvPr id="9" name="Group 8">
-            <a:extLst>
-              <a:ext uri="{FF2B5EF4-FFF2-40B4-BE49-F238E27FC236}">
-                <a16:creationId xmlns:a16="http://schemas.microsoft.com/office/drawing/2014/main" id="{28A721C2-0A84-6C53-673C-F980A2F12594}"/>
-              </a:ext>
-            </a:extLst>
-          </p:cNvPr>
-          <p:cNvGrpSpPr/>
-          <p:nvPr/>
-        </p:nvGrpSpPr>
-        <p:grpSpPr>
-          <a:xfrm>
-            <a:off x="1449234" y="2199600"/>
-            <a:ext cx="2463800" cy="2458800"/>
-            <a:chOff x="6884955" y="2197100"/>
-            <a:chExt cx="2463800" cy="2463800"/>
-          </a:xfrm>
-        </p:grpSpPr>
-        <p:sp>
-          <p:nvSpPr>
-            <p:cNvPr id="5" name="Oval 4">
-              <a:extLst>
-                <a:ext uri="{FF2B5EF4-FFF2-40B4-BE49-F238E27FC236}">
-                  <a16:creationId xmlns:a16="http://schemas.microsoft.com/office/drawing/2014/main" id="{B08DD47F-7228-B2DE-FBDA-0A318EB6A2B9}"/>
-                </a:ext>
-              </a:extLst>
-            </p:cNvPr>
-            <p:cNvSpPr/>
-            <p:nvPr/>
-          </p:nvSpPr>
-          <p:spPr>
-            <a:xfrm>
-              <a:off x="6884955" y="2197100"/>
-              <a:ext cx="2463800" cy="2463800"/>
-            </a:xfrm>
-            <a:prstGeom prst="ellipse">
-              <a:avLst/>
-            </a:prstGeom>
-            <a:ln>
-              <a:solidFill>
-                <a:schemeClr val="accent1"/>
-              </a:solidFill>
-            </a:ln>
-          </p:spPr>
-          <p:style>
-            <a:lnRef idx="2">
-              <a:schemeClr val="accent1">
-                <a:shade val="15000"/>
-              </a:schemeClr>
-            </a:lnRef>
-            <a:fillRef idx="1">
-              <a:schemeClr val="accent1"/>
-            </a:fillRef>
-            <a:effectRef idx="0">
-              <a:schemeClr val="accent1"/>
-            </a:effectRef>
-            <a:fontRef idx="minor">
-              <a:schemeClr val="lt1"/>
-            </a:fontRef>
-          </p:style>
-          <p:txBody>
-            <a:bodyPr rtlCol="0" anchor="ctr"/>
-            <a:lstStyle/>
-            <a:p>
-              <a:pPr algn="ctr"/>
-              <a:endParaRPr lang="de-CH"/>
-            </a:p>
-          </p:txBody>
-        </p:sp>
-        <p:pic>
-          <p:nvPicPr>
-            <p:cNvPr id="7" name="Graphic 6" descr="Shopping bag outline">
-              <a:extLst>
-                <a:ext uri="{FF2B5EF4-FFF2-40B4-BE49-F238E27FC236}">
-                  <a16:creationId xmlns:a16="http://schemas.microsoft.com/office/drawing/2014/main" id="{48635BB6-4D63-4124-53D5-5FB7C2E46F5B}"/>
-                </a:ext>
-              </a:extLst>
-            </p:cNvPr>
-            <p:cNvPicPr>
-              <a:picLocks noChangeAspect="1"/>
-            </p:cNvPicPr>
-            <p:nvPr/>
-          </p:nvPicPr>
-          <p:blipFill>
-            <a:blip r:embed="rId3">
-              <a:extLst>
-                <a:ext uri="{96DAC541-7B7A-43D3-8B79-37D633B846F1}">
-                  <asvg:svgBlip xmlns:asvg="http://schemas.microsoft.com/office/drawing/2016/SVG/main" r:embed="rId4"/>
-                </a:ext>
-              </a:extLst>
-            </a:blip>
-            <a:stretch>
-              <a:fillRect/>
-            </a:stretch>
-          </p:blipFill>
-          <p:spPr>
-            <a:xfrm>
-              <a:off x="7127697" y="2439842"/>
-              <a:ext cx="1978316" cy="1978316"/>
-            </a:xfrm>
-            <a:prstGeom prst="rect">
-              <a:avLst/>
-            </a:prstGeom>
-          </p:spPr>
-        </p:pic>
-      </p:grpSp>
-      <p:grpSp>
-        <p:nvGrpSpPr>
-          <p:cNvPr id="18" name="Group 17">
-            <a:extLst>
-              <a:ext uri="{FF2B5EF4-FFF2-40B4-BE49-F238E27FC236}">
-                <a16:creationId xmlns:a16="http://schemas.microsoft.com/office/drawing/2014/main" id="{741A9717-FE8D-1DB8-093D-36E50FE57B66}"/>
-              </a:ext>
-            </a:extLst>
-          </p:cNvPr>
-          <p:cNvGrpSpPr/>
-          <p:nvPr/>
-        </p:nvGrpSpPr>
-        <p:grpSpPr>
-          <a:xfrm>
-            <a:off x="4864099" y="2197100"/>
-            <a:ext cx="2463800" cy="2463800"/>
-            <a:chOff x="6706668" y="1939126"/>
-            <a:chExt cx="2463800" cy="2463800"/>
-          </a:xfrm>
-        </p:grpSpPr>
-        <p:sp>
-          <p:nvSpPr>
-            <p:cNvPr id="15" name="Oval 14">
-              <a:extLst>
-                <a:ext uri="{FF2B5EF4-FFF2-40B4-BE49-F238E27FC236}">
-                  <a16:creationId xmlns:a16="http://schemas.microsoft.com/office/drawing/2014/main" id="{02BD3105-E39C-4199-62CE-A21994EF8155}"/>
-                </a:ext>
-              </a:extLst>
-            </p:cNvPr>
-            <p:cNvSpPr/>
-            <p:nvPr/>
-          </p:nvSpPr>
-          <p:spPr>
-            <a:xfrm>
-              <a:off x="6706668" y="1939126"/>
-              <a:ext cx="2463800" cy="2463800"/>
-            </a:xfrm>
-            <a:prstGeom prst="ellipse">
-              <a:avLst/>
-            </a:prstGeom>
-            <a:ln>
-              <a:solidFill>
-                <a:schemeClr val="accent1"/>
-              </a:solidFill>
-            </a:ln>
-          </p:spPr>
-          <p:style>
-            <a:lnRef idx="2">
-              <a:schemeClr val="accent1">
-                <a:shade val="15000"/>
-              </a:schemeClr>
-            </a:lnRef>
-            <a:fillRef idx="1">
-              <a:schemeClr val="accent1"/>
-            </a:fillRef>
-            <a:effectRef idx="0">
-              <a:schemeClr val="accent1"/>
-            </a:effectRef>
-            <a:fontRef idx="minor">
-              <a:schemeClr val="lt1"/>
-            </a:fontRef>
-          </p:style>
-          <p:txBody>
-            <a:bodyPr rtlCol="0" anchor="ctr"/>
-            <a:lstStyle/>
-            <a:p>
-              <a:pPr algn="ctr"/>
-              <a:endParaRPr lang="de-CH"/>
-            </a:p>
-          </p:txBody>
-        </p:sp>
-        <p:pic>
-          <p:nvPicPr>
-            <p:cNvPr id="17" name="Graphic 16" descr="Mining tools outline">
-              <a:extLst>
-                <a:ext uri="{FF2B5EF4-FFF2-40B4-BE49-F238E27FC236}">
-                  <a16:creationId xmlns:a16="http://schemas.microsoft.com/office/drawing/2014/main" id="{9FE9A6FA-175E-E443-FDD0-28738BAC66A7}"/>
-                </a:ext>
-              </a:extLst>
-            </p:cNvPr>
-            <p:cNvPicPr>
-              <a:picLocks noChangeAspect="1"/>
-            </p:cNvPicPr>
-            <p:nvPr/>
-          </p:nvPicPr>
-          <p:blipFill>
-            <a:blip r:embed="rId5">
-              <a:extLst>
-                <a:ext uri="{96DAC541-7B7A-43D3-8B79-37D633B846F1}">
-                  <asvg:svgBlip xmlns:asvg="http://schemas.microsoft.com/office/drawing/2016/SVG/main" r:embed="rId6"/>
-                </a:ext>
-              </a:extLst>
-            </a:blip>
-            <a:stretch>
-              <a:fillRect/>
-            </a:stretch>
-          </p:blipFill>
-          <p:spPr>
-            <a:xfrm>
-              <a:off x="7083498" y="2315956"/>
-              <a:ext cx="1710139" cy="1710139"/>
-            </a:xfrm>
-            <a:prstGeom prst="rect">
-              <a:avLst/>
-            </a:prstGeom>
-          </p:spPr>
-        </p:pic>
-      </p:grpSp>
-      <p:grpSp>
-        <p:nvGrpSpPr>
-          <p:cNvPr id="22" name="Group 21">
-            <a:extLst>
-              <a:ext uri="{FF2B5EF4-FFF2-40B4-BE49-F238E27FC236}">
-                <a16:creationId xmlns:a16="http://schemas.microsoft.com/office/drawing/2014/main" id="{A2B373AD-3857-BA48-1A09-C115552A8C03}"/>
-              </a:ext>
-            </a:extLst>
-          </p:cNvPr>
-          <p:cNvGrpSpPr/>
-          <p:nvPr/>
-        </p:nvGrpSpPr>
-        <p:grpSpPr>
-          <a:xfrm>
-            <a:off x="8278965" y="2197100"/>
-            <a:ext cx="2463800" cy="2463800"/>
-            <a:chOff x="8161498" y="2088500"/>
-            <a:chExt cx="2463800" cy="2463800"/>
-          </a:xfrm>
-        </p:grpSpPr>
-        <p:sp>
-          <p:nvSpPr>
-            <p:cNvPr id="21" name="Oval 20">
-              <a:extLst>
-                <a:ext uri="{FF2B5EF4-FFF2-40B4-BE49-F238E27FC236}">
-                  <a16:creationId xmlns:a16="http://schemas.microsoft.com/office/drawing/2014/main" id="{4CDF1A5D-1053-2E98-E2AC-D85C3B0E5700}"/>
-                </a:ext>
-              </a:extLst>
-            </p:cNvPr>
-            <p:cNvSpPr/>
-            <p:nvPr/>
-          </p:nvSpPr>
-          <p:spPr>
-            <a:xfrm>
-              <a:off x="8161498" y="2088500"/>
-              <a:ext cx="2463800" cy="2463800"/>
-            </a:xfrm>
-            <a:prstGeom prst="ellipse">
-              <a:avLst/>
-            </a:prstGeom>
-            <a:ln>
-              <a:solidFill>
-                <a:schemeClr val="accent1"/>
-              </a:solidFill>
-            </a:ln>
-          </p:spPr>
-          <p:style>
-            <a:lnRef idx="2">
-              <a:schemeClr val="accent1">
-                <a:shade val="15000"/>
-              </a:schemeClr>
-            </a:lnRef>
-            <a:fillRef idx="1">
-              <a:schemeClr val="accent1"/>
-            </a:fillRef>
-            <a:effectRef idx="0">
-              <a:schemeClr val="accent1"/>
-            </a:effectRef>
-            <a:fontRef idx="minor">
-              <a:schemeClr val="lt1"/>
-            </a:fontRef>
-          </p:style>
-          <p:txBody>
-            <a:bodyPr rtlCol="0" anchor="ctr"/>
-            <a:lstStyle/>
-            <a:p>
-              <a:pPr algn="ctr"/>
-              <a:endParaRPr lang="de-CH"/>
-            </a:p>
-          </p:txBody>
-        </p:sp>
-        <p:pic>
-          <p:nvPicPr>
-            <p:cNvPr id="20" name="Graphic 19" descr="Architecture outline">
-              <a:extLst>
-                <a:ext uri="{FF2B5EF4-FFF2-40B4-BE49-F238E27FC236}">
-                  <a16:creationId xmlns:a16="http://schemas.microsoft.com/office/drawing/2014/main" id="{3329E10B-D000-A8B2-AB31-9EF9D76B3360}"/>
-                </a:ext>
-              </a:extLst>
-            </p:cNvPr>
-            <p:cNvPicPr>
-              <a:picLocks noChangeAspect="1"/>
-            </p:cNvPicPr>
-            <p:nvPr/>
-          </p:nvPicPr>
-          <p:blipFill>
-            <a:blip r:embed="rId7">
-              <a:extLst>
-                <a:ext uri="{96DAC541-7B7A-43D3-8B79-37D633B846F1}">
-                  <asvg:svgBlip xmlns:asvg="http://schemas.microsoft.com/office/drawing/2016/SVG/main" r:embed="rId8"/>
-                </a:ext>
-              </a:extLst>
-            </a:blip>
-            <a:stretch>
-              <a:fillRect/>
-            </a:stretch>
-          </p:blipFill>
-          <p:spPr>
-            <a:xfrm>
-              <a:off x="8404240" y="2331242"/>
-              <a:ext cx="1978316" cy="1978316"/>
-            </a:xfrm>
-            <a:prstGeom prst="rect">
-              <a:avLst/>
-            </a:prstGeom>
-          </p:spPr>
-        </p:pic>
-      </p:grpSp>
+          <p:cNvGraphicFramePr>
+            <a:graphicFrameLocks noGrp="1"/>
+          </p:cNvGraphicFramePr>
+          <p:nvPr>
+            <p:ph idx="1"/>
+            <p:extLst>
+              <p:ext uri="{D42A27DB-BD31-4B8C-83A1-F6EECF244321}">
+                <p14:modId xmlns:p14="http://schemas.microsoft.com/office/powerpoint/2010/main" val="4152333902"/>
+              </p:ext>
+            </p:extLst>
+          </p:nvPr>
+        </p:nvGraphicFramePr>
+        <p:xfrm>
+          <a:off x="419100" y="1690688"/>
+          <a:ext cx="11353800" cy="4351338"/>
+        </p:xfrm>
+        <a:graphic>
+          <a:graphicData uri="http://schemas.openxmlformats.org/drawingml/2006/diagram">
+            <dgm:relIds xmlns:dgm="http://schemas.openxmlformats.org/drawingml/2006/diagram" xmlns:r="http://schemas.openxmlformats.org/officeDocument/2006/relationships" r:dm="rId2" r:lo="rId3" r:qs="rId4" r:cs="rId5"/>
+          </a:graphicData>
+        </a:graphic>
+      </p:graphicFrame>
     </p:spTree>
-    <p:extLst>
-      <p:ext uri="{BB962C8B-B14F-4D97-AF65-F5344CB8AC3E}">
-        <p14:creationId xmlns:p14="http://schemas.microsoft.com/office/powerpoint/2010/main" val="959675553"/>
-      </p:ext>
-    </p:extLst>
   </p:cSld>
   <p:clrMapOvr>
     <a:masterClrMapping/>
@@ -6627,14 +11295,8 @@
       </p:grpSpPr>
       <p:sp>
         <p:nvSpPr>
-          <p:cNvPr id="2" name="Title 1">
-            <a:extLst>
-              <a:ext uri="{FF2B5EF4-FFF2-40B4-BE49-F238E27FC236}">
-                <a16:creationId xmlns:a16="http://schemas.microsoft.com/office/drawing/2014/main" id="{37D91720-BF41-A089-083A-F2D50FF8E1AF}"/>
-              </a:ext>
-            </a:extLst>
-          </p:cNvPr>
-          <p:cNvSpPr>
+          <p:cNvPr id="141" name="Qualität ist kein Zufall"/>
+          <p:cNvSpPr txBox="1">
             <a:spLocks noGrp="1"/>
           </p:cNvSpPr>
           <p:nvPr>
@@ -6642,125 +11304,49 @@
           </p:nvPr>
         </p:nvSpPr>
         <p:spPr>
-          <a:xfrm>
-            <a:off x="0" y="365125"/>
-            <a:ext cx="12192000" cy="1325563"/>
-          </a:xfrm>
+          <a:prstGeom prst="rect">
+            <a:avLst/>
+          </a:prstGeom>
         </p:spPr>
         <p:txBody>
           <a:bodyPr/>
           <a:lstStyle/>
           <a:p>
-            <a:pPr marL="0" marR="0" lvl="0" indent="0" algn="ctr" defTabSz="914400" rtl="0" eaLnBrk="1" fontAlgn="auto" latinLnBrk="0" hangingPunct="1">
-              <a:lnSpc>
-                <a:spcPct val="90000"/>
-              </a:lnSpc>
-              <a:spcBef>
-                <a:spcPct val="0"/>
-              </a:spcBef>
-              <a:spcAft>
-                <a:spcPts val="0"/>
-              </a:spcAft>
-              <a:buClrTx/>
-              <a:buSzTx/>
-              <a:buFontTx/>
-              <a:buNone/>
-              <a:tabLst/>
-              <a:defRPr/>
-            </a:pPr>
             <a:r>
-              <a:rPr lang="en-GB" b="1" dirty="0" err="1">
-                <a:latin typeface="Cinzel Black" pitchFamily="2" charset="77"/>
-              </a:rPr>
-              <a:t>Gemeinsam</a:t>
+              <a:rPr lang="en-US"/>
+              <a:t>QA</a:t>
             </a:r>
-            <a:r>
-              <a:rPr lang="en-GB" b="1" dirty="0">
-                <a:latin typeface="Cinzel Black" pitchFamily="2" charset="77"/>
-              </a:rPr>
-              <a:t> </a:t>
-            </a:r>
-            <a:r>
-              <a:rPr lang="en-GB" b="1" dirty="0" err="1">
-                <a:latin typeface="Cinzel Black" pitchFamily="2" charset="77"/>
-              </a:rPr>
-              <a:t>spielen</a:t>
-            </a:r>
-            <a:r>
-              <a:rPr lang="en-GB" b="1" dirty="0">
-                <a:latin typeface="Cinzel Black" pitchFamily="2" charset="77"/>
-              </a:rPr>
-              <a:t>, </a:t>
-            </a:r>
-            <a:r>
-              <a:rPr lang="en-GB" b="1" dirty="0" err="1">
-                <a:latin typeface="Cinzel Black" pitchFamily="2" charset="77"/>
-              </a:rPr>
-              <a:t>strategisch</a:t>
-            </a:r>
-            <a:r>
-              <a:rPr lang="en-GB" b="1" dirty="0">
-                <a:latin typeface="Cinzel Black" pitchFamily="2" charset="77"/>
-              </a:rPr>
-              <a:t> </a:t>
-            </a:r>
-            <a:r>
-              <a:rPr lang="en-GB" b="1" dirty="0" err="1">
-                <a:latin typeface="Cinzel Black" pitchFamily="2" charset="77"/>
-              </a:rPr>
-              <a:t>gewinnen</a:t>
-            </a:r>
-            <a:r>
-              <a:rPr lang="en-GB" b="1" dirty="0">
-                <a:latin typeface="Cinzel Black" pitchFamily="2" charset="77"/>
-              </a:rPr>
-              <a:t>.</a:t>
-            </a:r>
+            <a:endParaRPr lang="en-US" dirty="0"/>
           </a:p>
         </p:txBody>
       </p:sp>
-      <p:pic>
-        <p:nvPicPr>
-          <p:cNvPr id="5" name="Graphic 4">
+      <p:graphicFrame>
+        <p:nvGraphicFramePr>
+          <p:cNvPr id="183" name="Content Placeholder 2">
             <a:extLst>
               <a:ext uri="{FF2B5EF4-FFF2-40B4-BE49-F238E27FC236}">
-                <a16:creationId xmlns:a16="http://schemas.microsoft.com/office/drawing/2014/main" id="{7DC55842-0CA0-2DEB-EC60-9572D841CCCA}"/>
+                <a16:creationId xmlns:a16="http://schemas.microsoft.com/office/drawing/2014/main" id="{47D9D406-D05E-06C2-C1A2-ACB374A552F6}"/>
               </a:ext>
             </a:extLst>
           </p:cNvPr>
-          <p:cNvPicPr>
-            <a:picLocks noChangeAspect="1"/>
-          </p:cNvPicPr>
-          <p:nvPr/>
-        </p:nvPicPr>
-        <p:blipFill>
-          <a:blip r:embed="rId3">
-            <a:extLst>
-              <a:ext uri="{96DAC541-7B7A-43D3-8B79-37D633B846F1}">
-                <asvg:svgBlip xmlns:asvg="http://schemas.microsoft.com/office/drawing/2016/SVG/main" r:embed="rId4"/>
-              </a:ext>
-            </a:extLst>
-          </a:blip>
-          <a:stretch>
-            <a:fillRect/>
-          </a:stretch>
-        </p:blipFill>
-        <p:spPr>
-          <a:xfrm>
-            <a:off x="3198449" y="867558"/>
-            <a:ext cx="5795101" cy="5990442"/>
-          </a:xfrm>
-          <a:prstGeom prst="rect">
-            <a:avLst/>
-          </a:prstGeom>
-        </p:spPr>
-      </p:pic>
+          <p:cNvGraphicFramePr>
+            <a:graphicFrameLocks noGrp="1"/>
+          </p:cNvGraphicFramePr>
+          <p:nvPr>
+            <p:ph idx="1"/>
+          </p:nvPr>
+        </p:nvGraphicFramePr>
+        <p:xfrm>
+          <a:off x="838200" y="1825625"/>
+          <a:ext cx="10515600" cy="4351338"/>
+        </p:xfrm>
+        <a:graphic>
+          <a:graphicData uri="http://schemas.openxmlformats.org/drawingml/2006/diagram">
+            <dgm:relIds xmlns:dgm="http://schemas.openxmlformats.org/drawingml/2006/diagram" xmlns:r="http://schemas.openxmlformats.org/officeDocument/2006/relationships" r:dm="rId2" r:lo="rId3" r:qs="rId4" r:cs="rId5"/>
+          </a:graphicData>
+        </a:graphic>
+      </p:graphicFrame>
     </p:spTree>
-    <p:extLst>
-      <p:ext uri="{BB962C8B-B14F-4D97-AF65-F5344CB8AC3E}">
-        <p14:creationId xmlns:p14="http://schemas.microsoft.com/office/powerpoint/2010/main" val="3216861391"/>
-      </p:ext>
-    </p:extLst>
   </p:cSld>
   <p:clrMapOvr>
     <a:masterClrMapping/>
@@ -6787,14 +11373,8 @@
       </p:grpSpPr>
       <p:sp>
         <p:nvSpPr>
-          <p:cNvPr id="2" name="Title 1">
-            <a:extLst>
-              <a:ext uri="{FF2B5EF4-FFF2-40B4-BE49-F238E27FC236}">
-                <a16:creationId xmlns:a16="http://schemas.microsoft.com/office/drawing/2014/main" id="{A5DC33D2-4FCE-7703-1E7F-0162DFC0CA29}"/>
-              </a:ext>
-            </a:extLst>
-          </p:cNvPr>
-          <p:cNvSpPr>
+          <p:cNvPr id="124" name="Karten auf den Tisch!"/>
+          <p:cNvSpPr txBox="1">
             <a:spLocks noGrp="1"/>
           </p:cNvSpPr>
           <p:nvPr>
@@ -6803,91 +11383,26 @@
         </p:nvSpPr>
         <p:spPr>
           <a:xfrm>
-            <a:off x="1" y="0"/>
-            <a:ext cx="7583712" cy="6858000"/>
-          </a:xfrm>
-        </p:spPr>
-        <p:txBody>
-          <a:bodyPr/>
-          <a:lstStyle/>
-          <a:p>
-            <a:pPr marL="0" marR="0" lvl="0" indent="0" algn="ctr" defTabSz="914400" rtl="0" eaLnBrk="1" fontAlgn="auto" latinLnBrk="0" hangingPunct="1">
-              <a:lnSpc>
-                <a:spcPct val="90000"/>
-              </a:lnSpc>
-              <a:spcBef>
-                <a:spcPct val="0"/>
-              </a:spcBef>
-              <a:spcAft>
-                <a:spcPts val="0"/>
-              </a:spcAft>
-              <a:buClrTx/>
-              <a:buSzTx/>
-              <a:buFontTx/>
-              <a:buNone/>
-              <a:tabLst/>
-              <a:defRPr/>
-            </a:pPr>
-            <a:r>
-              <a:rPr lang="en-GB" b="1" dirty="0"/>
-              <a:t>Die Magie </a:t>
-            </a:r>
-            <a:r>
-              <a:rPr lang="en-GB" b="1" dirty="0" err="1"/>
-              <a:t>hinter</a:t>
-            </a:r>
-            <a:r>
-              <a:rPr lang="en-GB" b="1" dirty="0"/>
-              <a:t> </a:t>
-            </a:r>
-            <a:r>
-              <a:rPr lang="en-GB" b="1" dirty="0" err="1"/>
-              <a:t>dem</a:t>
-            </a:r>
-            <a:r>
-              <a:rPr lang="en-GB" b="1" dirty="0"/>
-              <a:t> Code.</a:t>
-            </a:r>
-            <a:endParaRPr lang="en-GB" dirty="0"/>
-          </a:p>
-        </p:txBody>
-      </p:sp>
-      <p:pic>
-        <p:nvPicPr>
-          <p:cNvPr id="6" name="Picture 5">
-            <a:extLst>
-              <a:ext uri="{FF2B5EF4-FFF2-40B4-BE49-F238E27FC236}">
-                <a16:creationId xmlns:a16="http://schemas.microsoft.com/office/drawing/2014/main" id="{C82F7EBA-72F3-716C-8A5A-371E0264F185}"/>
-              </a:ext>
-            </a:extLst>
-          </p:cNvPr>
-          <p:cNvPicPr>
-            <a:picLocks noChangeAspect="1"/>
-          </p:cNvPicPr>
-          <p:nvPr/>
-        </p:nvPicPr>
-        <p:blipFill>
-          <a:blip r:embed="rId3"/>
-          <a:stretch>
-            <a:fillRect/>
-          </a:stretch>
-        </p:blipFill>
-        <p:spPr>
-          <a:xfrm>
-            <a:off x="7583713" y="0"/>
-            <a:ext cx="4608286" cy="6858000"/>
+            <a:off x="838200" y="2766219"/>
+            <a:ext cx="10515600" cy="1325564"/>
           </a:xfrm>
           <a:prstGeom prst="rect">
             <a:avLst/>
           </a:prstGeom>
         </p:spPr>
-      </p:pic>
+        <p:txBody>
+          <a:bodyPr/>
+          <a:lstStyle/>
+          <a:p>
+            <a:r>
+              <a:rPr lang="en-US" dirty="0"/>
+              <a:t>About the Game</a:t>
+            </a:r>
+            <a:endParaRPr dirty="0"/>
+          </a:p>
+        </p:txBody>
+      </p:sp>
     </p:spTree>
-    <p:extLst>
-      <p:ext uri="{BB962C8B-B14F-4D97-AF65-F5344CB8AC3E}">
-        <p14:creationId xmlns:p14="http://schemas.microsoft.com/office/powerpoint/2010/main" val="2238551802"/>
-      </p:ext>
-    </p:extLst>
   </p:cSld>
   <p:clrMapOvr>
     <a:masterClrMapping/>
@@ -6912,188 +11427,166 @@
           <a:chExt cx="0" cy="0"/>
         </a:xfrm>
       </p:grpSpPr>
-      <p:sp>
-        <p:nvSpPr>
-          <p:cNvPr id="2" name="Title 1">
-            <a:extLst>
-              <a:ext uri="{FF2B5EF4-FFF2-40B4-BE49-F238E27FC236}">
-                <a16:creationId xmlns:a16="http://schemas.microsoft.com/office/drawing/2014/main" id="{908DF729-3E83-24D3-6559-4D1394EE7439}"/>
-              </a:ext>
-            </a:extLst>
-          </p:cNvPr>
-          <p:cNvSpPr>
-            <a:spLocks noGrp="1"/>
-          </p:cNvSpPr>
-          <p:nvPr>
-            <p:ph type="title"/>
-          </p:nvPr>
-        </p:nvSpPr>
-        <p:spPr/>
-        <p:txBody>
-          <a:bodyPr/>
-          <a:lstStyle/>
-          <a:p>
-            <a:pPr marL="0" marR="0" lvl="0" indent="0" algn="ctr" defTabSz="914400" rtl="0" eaLnBrk="1" fontAlgn="auto" latinLnBrk="0" hangingPunct="1">
-              <a:lnSpc>
-                <a:spcPct val="90000"/>
-              </a:lnSpc>
-              <a:spcBef>
-                <a:spcPct val="0"/>
-              </a:spcBef>
-              <a:spcAft>
-                <a:spcPts val="0"/>
-              </a:spcAft>
-              <a:buClrTx/>
-              <a:buSzTx/>
-              <a:buFontTx/>
-              <a:buNone/>
-              <a:tabLst/>
-              <a:defRPr/>
-            </a:pPr>
-            <a:r>
-              <a:rPr lang="en-GB" b="1" dirty="0"/>
-              <a:t>Wie </a:t>
-            </a:r>
-            <a:r>
-              <a:rPr lang="en-GB" b="1" dirty="0" err="1"/>
-              <a:t>wir</a:t>
-            </a:r>
-            <a:r>
-              <a:rPr lang="en-GB" b="1" dirty="0"/>
-              <a:t> </a:t>
-            </a:r>
-            <a:r>
-              <a:rPr lang="en-GB" b="1" dirty="0" err="1"/>
-              <a:t>Probleme</a:t>
-            </a:r>
-            <a:r>
-              <a:rPr lang="en-GB" b="1" dirty="0"/>
-              <a:t> </a:t>
-            </a:r>
-            <a:r>
-              <a:rPr lang="en-GB" b="1" dirty="0" err="1"/>
-              <a:t>lösen</a:t>
-            </a:r>
-            <a:r>
-              <a:rPr lang="en-GB" b="1" dirty="0"/>
-              <a:t>.</a:t>
-            </a:r>
-            <a:endParaRPr lang="en-GB" dirty="0"/>
-          </a:p>
-        </p:txBody>
-      </p:sp>
       <p:grpSp>
         <p:nvGrpSpPr>
-          <p:cNvPr id="16" name="Group 15">
-            <a:extLst>
-              <a:ext uri="{FF2B5EF4-FFF2-40B4-BE49-F238E27FC236}">
-                <a16:creationId xmlns:a16="http://schemas.microsoft.com/office/drawing/2014/main" id="{E9706BE1-79AB-EE85-367F-2DAF87A5CE08}"/>
-              </a:ext>
-            </a:extLst>
-          </p:cNvPr>
+          <p:cNvPr id="129" name="Group"/>
           <p:cNvGrpSpPr/>
           <p:nvPr/>
         </p:nvGrpSpPr>
         <p:grpSpPr>
           <a:xfrm>
-            <a:off x="4576406" y="2431920"/>
-            <a:ext cx="3039188" cy="3039188"/>
-            <a:chOff x="5770726" y="2295653"/>
-            <a:chExt cx="3039188" cy="3039188"/>
+            <a:off x="1854884" y="480744"/>
+            <a:ext cx="8517820" cy="5895665"/>
+            <a:chOff x="1240" y="0"/>
+            <a:chExt cx="17035639" cy="11791329"/>
           </a:xfrm>
         </p:grpSpPr>
-        <p:sp>
-          <p:nvSpPr>
-            <p:cNvPr id="15" name="Rounded Rectangle 14">
-              <a:extLst>
-                <a:ext uri="{FF2B5EF4-FFF2-40B4-BE49-F238E27FC236}">
-                  <a16:creationId xmlns:a16="http://schemas.microsoft.com/office/drawing/2014/main" id="{F9D859A5-8568-1671-9C95-F3B187DD9A50}"/>
-                </a:ext>
-              </a:extLst>
-            </p:cNvPr>
-            <p:cNvSpPr/>
-            <p:nvPr/>
-          </p:nvSpPr>
-          <p:spPr>
-            <a:xfrm>
-              <a:off x="5770726" y="2295653"/>
-              <a:ext cx="3039188" cy="3039188"/>
-            </a:xfrm>
-            <a:prstGeom prst="roundRect">
-              <a:avLst/>
-            </a:prstGeom>
-            <a:solidFill>
-              <a:schemeClr val="tx2"/>
-            </a:solidFill>
-          </p:spPr>
-          <p:style>
-            <a:lnRef idx="2">
-              <a:schemeClr val="accent1">
-                <a:shade val="15000"/>
-              </a:schemeClr>
-            </a:lnRef>
-            <a:fillRef idx="1">
-              <a:schemeClr val="accent1"/>
-            </a:fillRef>
-            <a:effectRef idx="0">
-              <a:schemeClr val="accent1"/>
-            </a:effectRef>
-            <a:fontRef idx="minor">
-              <a:schemeClr val="lt1"/>
-            </a:fontRef>
-          </p:style>
-          <p:txBody>
-            <a:bodyPr rtlCol="0" anchor="ctr"/>
-            <a:lstStyle/>
-            <a:p>
-              <a:pPr algn="ctr"/>
-              <a:endParaRPr lang="de-CH" dirty="0"/>
-            </a:p>
-          </p:txBody>
-        </p:sp>
         <p:pic>
           <p:nvPicPr>
-            <p:cNvPr id="14" name="Graphic 13">
-              <a:extLst>
-                <a:ext uri="{FF2B5EF4-FFF2-40B4-BE49-F238E27FC236}">
-                  <a16:creationId xmlns:a16="http://schemas.microsoft.com/office/drawing/2014/main" id="{9F68B212-81C6-2D6A-AF6C-247D94857B64}"/>
-                </a:ext>
-              </a:extLst>
-            </p:cNvPr>
+            <p:cNvPr id="126" name="pasted-movie.png" descr="pasted-movie.png"/>
             <p:cNvPicPr>
               <a:picLocks noChangeAspect="1"/>
             </p:cNvPicPr>
             <p:nvPr/>
           </p:nvPicPr>
           <p:blipFill>
-            <a:blip r:embed="rId3">
-              <a:extLst>
-                <a:ext uri="{96DAC541-7B7A-43D3-8B79-37D633B846F1}">
-                  <asvg:svgBlip xmlns:asvg="http://schemas.microsoft.com/office/drawing/2016/SVG/main" r:embed="rId4"/>
-                </a:ext>
-              </a:extLst>
-            </a:blip>
+            <a:blip r:embed="rId2"/>
+            <a:srcRect l="6855" t="17097" r="17613" b="9454"/>
             <a:stretch>
               <a:fillRect/>
             </a:stretch>
           </p:blipFill>
           <p:spPr>
-            <a:xfrm>
-              <a:off x="5897969" y="2422896"/>
-              <a:ext cx="2784701" cy="2784701"/>
+            <a:xfrm rot="21599216">
+              <a:off x="1240" y="915359"/>
+              <a:ext cx="14881964" cy="10875970"/>
             </a:xfrm>
             <a:prstGeom prst="rect">
               <a:avLst/>
             </a:prstGeom>
+            <a:ln w="12700" cap="flat">
+              <a:noFill/>
+              <a:miter lim="400000"/>
+            </a:ln>
+            <a:effectLst/>
           </p:spPr>
         </p:pic>
+        <p:sp>
+          <p:nvSpPr>
+            <p:cNvPr id="127" name="Game-round"/>
+            <p:cNvSpPr txBox="1"/>
+            <p:nvPr/>
+          </p:nvSpPr>
+          <p:spPr>
+            <a:xfrm>
+              <a:off x="9489957" y="2795538"/>
+              <a:ext cx="4743606" cy="867930"/>
+            </a:xfrm>
+            <a:prstGeom prst="rect">
+              <a:avLst/>
+            </a:prstGeom>
+            <a:noFill/>
+            <a:ln w="25400" cap="flat">
+              <a:noFill/>
+              <a:miter lim="400000"/>
+            </a:ln>
+            <a:effectLst/>
+            <a:extLst>
+              <a:ext uri="{C572A759-6A51-4108-AA02-DFA0A04FC94B}">
+                <ma14:wrappingTextBoxFlag xmlns:ma14="http://schemas.microsoft.com/office/mac/drawingml/2011/main" xmlns:a14="http://schemas.microsoft.com/office/drawing/2010/main" xmlns:m="http://schemas.openxmlformats.org/officeDocument/2006/math" xmlns="" val="1"/>
+              </a:ext>
+            </a:extLst>
+          </p:spPr>
+          <p:txBody>
+            <a:bodyPr wrap="none" lIns="45720" tIns="45720" rIns="45720" bIns="45720" numCol="1" anchor="t">
+              <a:spAutoFit/>
+            </a:bodyPr>
+            <a:lstStyle>
+              <a:lvl1pPr algn="ctr">
+                <a:lnSpc>
+                  <a:spcPct val="90000"/>
+                </a:lnSpc>
+                <a:spcBef>
+                  <a:spcPts val="2000"/>
+                </a:spcBef>
+                <a:defRPr sz="4800">
+                  <a:solidFill>
+                    <a:srgbClr val="EDEDED"/>
+                  </a:solidFill>
+                  <a:latin typeface="Cinzel Decorative Regular"/>
+                  <a:ea typeface="Cinzel Decorative Regular"/>
+                  <a:cs typeface="Cinzel Decorative Regular"/>
+                  <a:sym typeface="Cinzel Decorative Regular"/>
+                </a:defRPr>
+              </a:lvl1pPr>
+            </a:lstStyle>
+            <a:p>
+              <a:r>
+                <a:rPr sz="2400" dirty="0"/>
+                <a:t>Game-round</a:t>
+              </a:r>
+            </a:p>
+          </p:txBody>
+        </p:sp>
+        <p:sp>
+          <p:nvSpPr>
+            <p:cNvPr id="128" name="Player-Round"/>
+            <p:cNvSpPr txBox="1"/>
+            <p:nvPr/>
+          </p:nvSpPr>
+          <p:spPr>
+            <a:xfrm>
+              <a:off x="11850843" y="0"/>
+              <a:ext cx="5186036" cy="867930"/>
+            </a:xfrm>
+            <a:prstGeom prst="rect">
+              <a:avLst/>
+            </a:prstGeom>
+            <a:noFill/>
+            <a:ln w="25400" cap="flat">
+              <a:noFill/>
+              <a:miter lim="400000"/>
+            </a:ln>
+            <a:effectLst/>
+            <a:extLst>
+              <a:ext uri="{C572A759-6A51-4108-AA02-DFA0A04FC94B}">
+                <ma14:wrappingTextBoxFlag xmlns:ma14="http://schemas.microsoft.com/office/mac/drawingml/2011/main" xmlns:a14="http://schemas.microsoft.com/office/drawing/2010/main" xmlns:m="http://schemas.openxmlformats.org/officeDocument/2006/math" xmlns="" val="1"/>
+              </a:ext>
+            </a:extLst>
+          </p:spPr>
+          <p:txBody>
+            <a:bodyPr wrap="none" lIns="45720" tIns="45720" rIns="45720" bIns="45720" numCol="1" anchor="t">
+              <a:spAutoFit/>
+            </a:bodyPr>
+            <a:lstStyle>
+              <a:lvl1pPr algn="ctr">
+                <a:lnSpc>
+                  <a:spcPct val="90000"/>
+                </a:lnSpc>
+                <a:spcBef>
+                  <a:spcPts val="2000"/>
+                </a:spcBef>
+                <a:defRPr sz="4800">
+                  <a:solidFill>
+                    <a:srgbClr val="EDEDED"/>
+                  </a:solidFill>
+                  <a:latin typeface="Cinzel Decorative Regular"/>
+                  <a:ea typeface="Cinzel Decorative Regular"/>
+                  <a:cs typeface="Cinzel Decorative Regular"/>
+                  <a:sym typeface="Cinzel Decorative Regular"/>
+                </a:defRPr>
+              </a:lvl1pPr>
+            </a:lstStyle>
+            <a:p>
+              <a:r>
+                <a:rPr sz="2400"/>
+                <a:t>Player-Round</a:t>
+              </a:r>
+            </a:p>
+          </p:txBody>
+        </p:sp>
       </p:grpSp>
     </p:spTree>
-    <p:extLst>
-      <p:ext uri="{BB962C8B-B14F-4D97-AF65-F5344CB8AC3E}">
-        <p14:creationId xmlns:p14="http://schemas.microsoft.com/office/powerpoint/2010/main" val="2434004055"/>
-      </p:ext>
-    </p:extLst>
   </p:cSld>
   <p:clrMapOvr>
     <a:masterClrMapping/>
@@ -7118,103 +11611,34 @@
           <a:chExt cx="0" cy="0"/>
         </a:xfrm>
       </p:grpSpPr>
-      <p:sp>
-        <p:nvSpPr>
-          <p:cNvPr id="2" name="Title 1">
-            <a:extLst>
-              <a:ext uri="{FF2B5EF4-FFF2-40B4-BE49-F238E27FC236}">
-                <a16:creationId xmlns:a16="http://schemas.microsoft.com/office/drawing/2014/main" id="{60D78979-621C-8A0A-BAA5-310106EF4DF0}"/>
-              </a:ext>
-            </a:extLst>
-          </p:cNvPr>
-          <p:cNvSpPr>
-            <a:spLocks noGrp="1"/>
-          </p:cNvSpPr>
-          <p:nvPr>
-            <p:ph type="title"/>
-          </p:nvPr>
-        </p:nvSpPr>
-        <p:spPr/>
-        <p:txBody>
-          <a:bodyPr/>
-          <a:lstStyle/>
-          <a:p>
-            <a:pPr marL="0" marR="0" lvl="0" indent="0" algn="ctr" defTabSz="914400" rtl="0" eaLnBrk="1" fontAlgn="auto" latinLnBrk="0" hangingPunct="1">
-              <a:lnSpc>
-                <a:spcPct val="90000"/>
-              </a:lnSpc>
-              <a:spcBef>
-                <a:spcPct val="0"/>
-              </a:spcBef>
-              <a:spcAft>
-                <a:spcPts val="0"/>
-              </a:spcAft>
-              <a:buClrTx/>
-              <a:buSzTx/>
-              <a:buFontTx/>
-              <a:buNone/>
-              <a:tabLst/>
-              <a:defRPr/>
-            </a:pPr>
-            <a:r>
-              <a:rPr lang="en-GB" b="1" dirty="0"/>
-              <a:t>Unser Plan für den </a:t>
-            </a:r>
-            <a:r>
-              <a:rPr lang="en-GB" b="1" dirty="0" err="1"/>
-              <a:t>Erfolg</a:t>
-            </a:r>
-            <a:r>
-              <a:rPr lang="en-GB" b="1" dirty="0"/>
-              <a:t>.</a:t>
-            </a:r>
-            <a:endParaRPr lang="en-GB" dirty="0"/>
-          </a:p>
-        </p:txBody>
-      </p:sp>
       <p:pic>
         <p:nvPicPr>
-          <p:cNvPr id="5" name="Graphic 4" descr="Map with pin with solid fill">
-            <a:hlinkClick r:id="rId3"/>
-            <a:extLst>
-              <a:ext uri="{FF2B5EF4-FFF2-40B4-BE49-F238E27FC236}">
-                <a16:creationId xmlns:a16="http://schemas.microsoft.com/office/drawing/2014/main" id="{E247AE9C-25E2-DC11-4599-6022E7C84266}"/>
-              </a:ext>
-            </a:extLst>
-          </p:cNvPr>
+          <p:cNvPr id="131" name="pasted-movie.png" descr="pasted-movie.png"/>
           <p:cNvPicPr>
             <a:picLocks noChangeAspect="1"/>
           </p:cNvPicPr>
           <p:nvPr/>
         </p:nvPicPr>
         <p:blipFill>
-          <a:blip r:embed="rId4">
-            <a:extLst>
-              <a:ext uri="{96DAC541-7B7A-43D3-8B79-37D633B846F1}">
-                <asvg:svgBlip xmlns:asvg="http://schemas.microsoft.com/office/drawing/2016/SVG/main" r:embed="rId5"/>
-              </a:ext>
-            </a:extLst>
-          </a:blip>
+          <a:blip r:embed="rId2"/>
           <a:stretch>
             <a:fillRect/>
           </a:stretch>
         </p:blipFill>
         <p:spPr>
           <a:xfrm>
-            <a:off x="4091473" y="1424473"/>
-            <a:ext cx="4009053" cy="4009053"/>
+            <a:off x="1524000" y="0"/>
+            <a:ext cx="9144001" cy="6858001"/>
           </a:xfrm>
           <a:prstGeom prst="rect">
             <a:avLst/>
           </a:prstGeom>
+          <a:ln w="12700">
+            <a:miter lim="400000"/>
+          </a:ln>
         </p:spPr>
       </p:pic>
     </p:spTree>
-    <p:extLst>
-      <p:ext uri="{BB962C8B-B14F-4D97-AF65-F5344CB8AC3E}">
-        <p14:creationId xmlns:p14="http://schemas.microsoft.com/office/powerpoint/2010/main" val="1541583415"/>
-      </p:ext>
-    </p:extLst>
   </p:cSld>
   <p:clrMapOvr>
     <a:masterClrMapping/>
